--- a/test/figures_rawhash2/figures.pptx
+++ b/test/figures_rawhash2/figures.pptx
@@ -201,7 +201,7 @@
           <a:p>
             <a:fld id="{52D9FB99-33AF-45C7-9798-F9BB105B9B87}" type="datetimeFigureOut">
               <a:rPr lang="en-US" smtClean="0"/>
-              <a:t>3/20/23</a:t>
+              <a:t>8/29/23</a:t>
             </a:fld>
             <a:endParaRPr lang="en-US"/>
           </a:p>
@@ -1064,7 +1064,7 @@
           <a:p>
             <a:fld id="{E3A9BCBE-8A83-4E67-B3B6-D6A7A53377E1}" type="datetimeFigureOut">
               <a:rPr lang="en-US" smtClean="0"/>
-              <a:t>3/20/23</a:t>
+              <a:t>8/29/23</a:t>
             </a:fld>
             <a:endParaRPr lang="en-US"/>
           </a:p>
@@ -1234,7 +1234,7 @@
           <a:p>
             <a:fld id="{E3A9BCBE-8A83-4E67-B3B6-D6A7A53377E1}" type="datetimeFigureOut">
               <a:rPr lang="en-US" smtClean="0"/>
-              <a:t>3/20/23</a:t>
+              <a:t>8/29/23</a:t>
             </a:fld>
             <a:endParaRPr lang="en-US"/>
           </a:p>
@@ -1414,7 +1414,7 @@
           <a:p>
             <a:fld id="{E3A9BCBE-8A83-4E67-B3B6-D6A7A53377E1}" type="datetimeFigureOut">
               <a:rPr lang="en-US" smtClean="0"/>
-              <a:t>3/20/23</a:t>
+              <a:t>8/29/23</a:t>
             </a:fld>
             <a:endParaRPr lang="en-US"/>
           </a:p>
@@ -1584,7 +1584,7 @@
           <a:p>
             <a:fld id="{E3A9BCBE-8A83-4E67-B3B6-D6A7A53377E1}" type="datetimeFigureOut">
               <a:rPr lang="en-US" smtClean="0"/>
-              <a:t>3/20/23</a:t>
+              <a:t>8/29/23</a:t>
             </a:fld>
             <a:endParaRPr lang="en-US"/>
           </a:p>
@@ -1830,7 +1830,7 @@
           <a:p>
             <a:fld id="{E3A9BCBE-8A83-4E67-B3B6-D6A7A53377E1}" type="datetimeFigureOut">
               <a:rPr lang="en-US" smtClean="0"/>
-              <a:t>3/20/23</a:t>
+              <a:t>8/29/23</a:t>
             </a:fld>
             <a:endParaRPr lang="en-US"/>
           </a:p>
@@ -2062,7 +2062,7 @@
           <a:p>
             <a:fld id="{E3A9BCBE-8A83-4E67-B3B6-D6A7A53377E1}" type="datetimeFigureOut">
               <a:rPr lang="en-US" smtClean="0"/>
-              <a:t>3/20/23</a:t>
+              <a:t>8/29/23</a:t>
             </a:fld>
             <a:endParaRPr lang="en-US"/>
           </a:p>
@@ -2429,7 +2429,7 @@
           <a:p>
             <a:fld id="{E3A9BCBE-8A83-4E67-B3B6-D6A7A53377E1}" type="datetimeFigureOut">
               <a:rPr lang="en-US" smtClean="0"/>
-              <a:t>3/20/23</a:t>
+              <a:t>8/29/23</a:t>
             </a:fld>
             <a:endParaRPr lang="en-US"/>
           </a:p>
@@ -2547,7 +2547,7 @@
           <a:p>
             <a:fld id="{E3A9BCBE-8A83-4E67-B3B6-D6A7A53377E1}" type="datetimeFigureOut">
               <a:rPr lang="en-US" smtClean="0"/>
-              <a:t>3/20/23</a:t>
+              <a:t>8/29/23</a:t>
             </a:fld>
             <a:endParaRPr lang="en-US"/>
           </a:p>
@@ -2642,7 +2642,7 @@
           <a:p>
             <a:fld id="{E3A9BCBE-8A83-4E67-B3B6-D6A7A53377E1}" type="datetimeFigureOut">
               <a:rPr lang="en-US" smtClean="0"/>
-              <a:t>3/20/23</a:t>
+              <a:t>8/29/23</a:t>
             </a:fld>
             <a:endParaRPr lang="en-US"/>
           </a:p>
@@ -2919,7 +2919,7 @@
           <a:p>
             <a:fld id="{E3A9BCBE-8A83-4E67-B3B6-D6A7A53377E1}" type="datetimeFigureOut">
               <a:rPr lang="en-US" smtClean="0"/>
-              <a:t>3/20/23</a:t>
+              <a:t>8/29/23</a:t>
             </a:fld>
             <a:endParaRPr lang="en-US"/>
           </a:p>
@@ -3176,7 +3176,7 @@
           <a:p>
             <a:fld id="{E3A9BCBE-8A83-4E67-B3B6-D6A7A53377E1}" type="datetimeFigureOut">
               <a:rPr lang="en-US" smtClean="0"/>
-              <a:t>3/20/23</a:t>
+              <a:t>8/29/23</a:t>
             </a:fld>
             <a:endParaRPr lang="en-US"/>
           </a:p>
@@ -3389,7 +3389,7 @@
           <a:p>
             <a:fld id="{E3A9BCBE-8A83-4E67-B3B6-D6A7A53377E1}" type="datetimeFigureOut">
               <a:rPr lang="en-US" smtClean="0"/>
-              <a:t>3/20/23</a:t>
+              <a:t>8/29/23</a:t>
             </a:fld>
             <a:endParaRPr lang="en-US"/>
           </a:p>
@@ -3808,7 +3808,7 @@
         </p:nvSpPr>
         <p:spPr>
           <a:xfrm>
-            <a:off x="11770310" y="5464636"/>
+            <a:off x="11696570" y="5464636"/>
             <a:ext cx="2096815" cy="430887"/>
           </a:xfrm>
           <a:prstGeom prst="rect">
@@ -3846,7 +3846,7 @@
         </p:nvSpPr>
         <p:spPr>
           <a:xfrm>
-            <a:off x="3553795" y="5295359"/>
+            <a:off x="3465307" y="5295359"/>
             <a:ext cx="1672830" cy="769441"/>
           </a:xfrm>
           <a:prstGeom prst="rect">
@@ -3893,7 +3893,7 @@
         </p:nvSpPr>
         <p:spPr>
           <a:xfrm>
-            <a:off x="8606717" y="5295359"/>
+            <a:off x="8518229" y="5295359"/>
             <a:ext cx="1723445" cy="769441"/>
           </a:xfrm>
           <a:prstGeom prst="rect">
@@ -3940,7 +3940,7 @@
         </p:nvSpPr>
         <p:spPr>
           <a:xfrm>
-            <a:off x="10603835" y="5295359"/>
+            <a:off x="10515347" y="5295359"/>
             <a:ext cx="1128835" cy="769441"/>
           </a:xfrm>
           <a:prstGeom prst="rect">
@@ -3987,7 +3987,7 @@
         </p:nvSpPr>
         <p:spPr>
           <a:xfrm>
-            <a:off x="5608909" y="5295359"/>
+            <a:off x="5520421" y="5295359"/>
             <a:ext cx="942694" cy="769441"/>
           </a:xfrm>
           <a:prstGeom prst="rect">
@@ -4034,7 +4034,7 @@
         </p:nvSpPr>
         <p:spPr>
           <a:xfrm>
-            <a:off x="7339997" y="5295359"/>
+            <a:off x="7266257" y="5295359"/>
             <a:ext cx="861967" cy="769441"/>
           </a:xfrm>
           <a:prstGeom prst="rect">
@@ -4081,7 +4081,7 @@
         </p:nvSpPr>
         <p:spPr>
           <a:xfrm>
-            <a:off x="13758187" y="5295359"/>
+            <a:off x="13625455" y="5295359"/>
             <a:ext cx="1681614" cy="769441"/>
           </a:xfrm>
           <a:prstGeom prst="rect">
@@ -4152,41 +4152,6 @@
           </a:p>
         </p:txBody>
       </p:sp>
-      <p:pic>
-        <p:nvPicPr>
-          <p:cNvPr id="4" name="Picture 3">
-            <a:extLst>
-              <a:ext uri="{FF2B5EF4-FFF2-40B4-BE49-F238E27FC236}">
-                <a16:creationId xmlns:a16="http://schemas.microsoft.com/office/drawing/2014/main" id="{635D8080-B02A-50C5-6025-8CC7DCEC9FEB}"/>
-              </a:ext>
-            </a:extLst>
-          </p:cNvPr>
-          <p:cNvPicPr>
-            <a:picLocks noChangeAspect="1"/>
-          </p:cNvPicPr>
-          <p:nvPr/>
-        </p:nvPicPr>
-        <p:blipFill>
-          <a:blip r:embed="rId3">
-            <a:extLst>
-              <a:ext uri="{28A0092B-C50C-407E-A947-70E740481C1C}">
-                <a14:useLocalDpi xmlns:a14="http://schemas.microsoft.com/office/drawing/2010/main" val="0"/>
-              </a:ext>
-            </a:extLst>
-          </a:blip>
-          <a:srcRect/>
-          <a:stretch/>
-        </p:blipFill>
-        <p:spPr>
-          <a:xfrm>
-            <a:off x="2727519" y="1111180"/>
-            <a:ext cx="12654387" cy="4218129"/>
-          </a:xfrm>
-          <a:prstGeom prst="rect">
-            <a:avLst/>
-          </a:prstGeom>
-        </p:spPr>
-      </p:pic>
       <p:sp>
         <p:nvSpPr>
           <p:cNvPr id="6" name="TextBox 5">
@@ -4201,7 +4166,7 @@
         </p:nvSpPr>
         <p:spPr>
           <a:xfrm>
-            <a:off x="2236613" y="1241183"/>
+            <a:off x="2236613" y="1388663"/>
             <a:ext cx="530594" cy="430887"/>
           </a:xfrm>
           <a:prstGeom prst="rect">
@@ -4244,7 +4209,7 @@
         </p:nvSpPr>
         <p:spPr>
           <a:xfrm>
-            <a:off x="2236613" y="1878983"/>
+            <a:off x="2236613" y="2014665"/>
             <a:ext cx="530594" cy="430887"/>
           </a:xfrm>
           <a:prstGeom prst="rect">
@@ -4287,7 +4252,7 @@
         </p:nvSpPr>
         <p:spPr>
           <a:xfrm>
-            <a:off x="2236613" y="2516783"/>
+            <a:off x="2236613" y="2640667"/>
             <a:ext cx="530594" cy="430887"/>
           </a:xfrm>
           <a:prstGeom prst="rect">
@@ -4330,7 +4295,7 @@
         </p:nvSpPr>
         <p:spPr>
           <a:xfrm>
-            <a:off x="2236613" y="3154583"/>
+            <a:off x="2236613" y="3266669"/>
             <a:ext cx="530594" cy="430887"/>
           </a:xfrm>
           <a:prstGeom prst="rect">
@@ -4373,7 +4338,7 @@
         </p:nvSpPr>
         <p:spPr>
           <a:xfrm>
-            <a:off x="2236613" y="3792383"/>
+            <a:off x="2236613" y="3892671"/>
             <a:ext cx="530594" cy="430887"/>
           </a:xfrm>
           <a:prstGeom prst="rect">
@@ -4416,7 +4381,7 @@
         </p:nvSpPr>
         <p:spPr>
           <a:xfrm>
-            <a:off x="2236613" y="4430184"/>
+            <a:off x="2236613" y="4518672"/>
             <a:ext cx="530594" cy="430887"/>
           </a:xfrm>
           <a:prstGeom prst="rect">
@@ -4441,1922 +4406,6 @@
                 <a:latin typeface="Cambria" panose="02040503050406030204" pitchFamily="18" charset="0"/>
               </a:rPr>
               <a:t>1</a:t>
-            </a:r>
-            <a:endParaRPr lang="en-US" sz="2400" baseline="30000" dirty="0">
-              <a:latin typeface="Cambria" panose="02040503050406030204" pitchFamily="18" charset="0"/>
-            </a:endParaRPr>
-          </a:p>
-        </p:txBody>
-      </p:sp>
-      <p:grpSp>
-        <p:nvGrpSpPr>
-          <p:cNvPr id="2" name="Group 1">
-            <a:extLst>
-              <a:ext uri="{FF2B5EF4-FFF2-40B4-BE49-F238E27FC236}">
-                <a16:creationId xmlns:a16="http://schemas.microsoft.com/office/drawing/2014/main" id="{5DEB7ED5-2E82-E8D4-431C-C88F4F792B64}"/>
-              </a:ext>
-            </a:extLst>
-          </p:cNvPr>
-          <p:cNvGrpSpPr/>
-          <p:nvPr/>
-        </p:nvGrpSpPr>
-        <p:grpSpPr>
-          <a:xfrm>
-            <a:off x="4547914" y="587960"/>
-            <a:ext cx="9496972" cy="523220"/>
-            <a:chOff x="4547914" y="587960"/>
-            <a:chExt cx="9496972" cy="523220"/>
-          </a:xfrm>
-        </p:grpSpPr>
-        <p:grpSp>
-          <p:nvGrpSpPr>
-            <p:cNvPr id="8" name="Group 7">
-              <a:extLst>
-                <a:ext uri="{FF2B5EF4-FFF2-40B4-BE49-F238E27FC236}">
-                  <a16:creationId xmlns:a16="http://schemas.microsoft.com/office/drawing/2014/main" id="{4BAD3F6A-F509-83E6-2991-8DEE6713CA78}"/>
-                </a:ext>
-              </a:extLst>
-            </p:cNvPr>
-            <p:cNvGrpSpPr/>
-            <p:nvPr/>
-          </p:nvGrpSpPr>
-          <p:grpSpPr>
-            <a:xfrm>
-              <a:off x="7188989" y="587960"/>
-              <a:ext cx="1885532" cy="523220"/>
-              <a:chOff x="3780870" y="201853"/>
-              <a:chExt cx="1885532" cy="523220"/>
-            </a:xfrm>
-          </p:grpSpPr>
-          <p:sp>
-            <p:nvSpPr>
-              <p:cNvPr id="82" name="Rectangle 81">
-                <a:extLst>
-                  <a:ext uri="{FF2B5EF4-FFF2-40B4-BE49-F238E27FC236}">
-                    <a16:creationId xmlns:a16="http://schemas.microsoft.com/office/drawing/2014/main" id="{FD3CF857-F05E-1745-C00B-A9EAB23F2DA3}"/>
-                  </a:ext>
-                </a:extLst>
-              </p:cNvPr>
-              <p:cNvSpPr/>
-              <p:nvPr/>
-            </p:nvSpPr>
-            <p:spPr>
-              <a:xfrm>
-                <a:off x="3780870" y="319463"/>
-                <a:ext cx="288000" cy="288000"/>
-              </a:xfrm>
-              <a:prstGeom prst="rect">
-                <a:avLst/>
-              </a:prstGeom>
-              <a:solidFill>
-                <a:srgbClr val="6799CE"/>
-              </a:solidFill>
-            </p:spPr>
-            <p:style>
-              <a:lnRef idx="2">
-                <a:schemeClr val="accent1">
-                  <a:shade val="50000"/>
-                </a:schemeClr>
-              </a:lnRef>
-              <a:fillRef idx="1">
-                <a:schemeClr val="accent1"/>
-              </a:fillRef>
-              <a:effectRef idx="0">
-                <a:schemeClr val="accent1"/>
-              </a:effectRef>
-              <a:fontRef idx="minor">
-                <a:schemeClr val="lt1"/>
-              </a:fontRef>
-            </p:style>
-            <p:txBody>
-              <a:bodyPr rtlCol="0" anchor="ctr"/>
-              <a:lstStyle/>
-              <a:p>
-                <a:pPr algn="ctr"/>
-                <a:endParaRPr lang="en-US" sz="2800" dirty="0">
-                  <a:latin typeface="Cambria" panose="02040503050406030204" pitchFamily="18" charset="0"/>
-                </a:endParaRPr>
-              </a:p>
-            </p:txBody>
-          </p:sp>
-          <p:sp>
-            <p:nvSpPr>
-              <p:cNvPr id="83" name="TextBox 82">
-                <a:extLst>
-                  <a:ext uri="{FF2B5EF4-FFF2-40B4-BE49-F238E27FC236}">
-                    <a16:creationId xmlns:a16="http://schemas.microsoft.com/office/drawing/2014/main" id="{4F007CFC-AA25-432F-4AE1-4434ACA1316E}"/>
-                  </a:ext>
-                </a:extLst>
-              </p:cNvPr>
-              <p:cNvSpPr txBox="1"/>
-              <p:nvPr/>
-            </p:nvSpPr>
-            <p:spPr>
-              <a:xfrm>
-                <a:off x="4040188" y="201853"/>
-                <a:ext cx="1626214" cy="523220"/>
-              </a:xfrm>
-              <a:prstGeom prst="rect">
-                <a:avLst/>
-              </a:prstGeom>
-              <a:noFill/>
-            </p:spPr>
-            <p:txBody>
-              <a:bodyPr wrap="none" rtlCol="0">
-                <a:spAutoFit/>
-              </a:bodyPr>
-              <a:lstStyle/>
-              <a:p>
-                <a:pPr algn="ctr"/>
-                <a:r>
-                  <a:rPr lang="en-US" sz="2800" dirty="0" err="1">
-                    <a:latin typeface="Cambria" panose="02040503050406030204" pitchFamily="18" charset="0"/>
-                  </a:rPr>
-                  <a:t>RawHash</a:t>
-                </a:r>
-                <a:endParaRPr lang="en-US" sz="2800" dirty="0">
-                  <a:latin typeface="Cambria" panose="02040503050406030204" pitchFamily="18" charset="0"/>
-                </a:endParaRPr>
-              </a:p>
-            </p:txBody>
-          </p:sp>
-        </p:grpSp>
-        <p:grpSp>
-          <p:nvGrpSpPr>
-            <p:cNvPr id="14" name="Group 13">
-              <a:extLst>
-                <a:ext uri="{FF2B5EF4-FFF2-40B4-BE49-F238E27FC236}">
-                  <a16:creationId xmlns:a16="http://schemas.microsoft.com/office/drawing/2014/main" id="{3AB95315-0052-63BF-1A79-C925E0D836F2}"/>
-                </a:ext>
-              </a:extLst>
-            </p:cNvPr>
-            <p:cNvGrpSpPr/>
-            <p:nvPr/>
-          </p:nvGrpSpPr>
-          <p:grpSpPr>
-            <a:xfrm>
-              <a:off x="9580162" y="587960"/>
-              <a:ext cx="2214950" cy="523220"/>
-              <a:chOff x="3780870" y="248652"/>
-              <a:chExt cx="2214950" cy="523220"/>
-            </a:xfrm>
-          </p:grpSpPr>
-          <p:sp>
-            <p:nvSpPr>
-              <p:cNvPr id="15" name="Rectangle 14">
-                <a:extLst>
-                  <a:ext uri="{FF2B5EF4-FFF2-40B4-BE49-F238E27FC236}">
-                    <a16:creationId xmlns:a16="http://schemas.microsoft.com/office/drawing/2014/main" id="{D70396FF-403B-FFA8-75A5-52BC407761B0}"/>
-                  </a:ext>
-                </a:extLst>
-              </p:cNvPr>
-              <p:cNvSpPr/>
-              <p:nvPr/>
-            </p:nvSpPr>
-            <p:spPr>
-              <a:xfrm>
-                <a:off x="3780870" y="366262"/>
-                <a:ext cx="288000" cy="288000"/>
-              </a:xfrm>
-              <a:prstGeom prst="rect">
-                <a:avLst/>
-              </a:prstGeom>
-              <a:solidFill>
-                <a:srgbClr val="AA449A"/>
-              </a:solidFill>
-            </p:spPr>
-            <p:style>
-              <a:lnRef idx="2">
-                <a:schemeClr val="accent1">
-                  <a:shade val="50000"/>
-                </a:schemeClr>
-              </a:lnRef>
-              <a:fillRef idx="1">
-                <a:schemeClr val="accent1"/>
-              </a:fillRef>
-              <a:effectRef idx="0">
-                <a:schemeClr val="accent1"/>
-              </a:effectRef>
-              <a:fontRef idx="minor">
-                <a:schemeClr val="lt1"/>
-              </a:fontRef>
-            </p:style>
-            <p:txBody>
-              <a:bodyPr rtlCol="0" anchor="ctr"/>
-              <a:lstStyle/>
-              <a:p>
-                <a:pPr algn="ctr"/>
-                <a:endParaRPr lang="en-US" sz="2800" dirty="0">
-                  <a:latin typeface="Cambria" panose="02040503050406030204" pitchFamily="18" charset="0"/>
-                </a:endParaRPr>
-              </a:p>
-            </p:txBody>
-          </p:sp>
-          <p:sp>
-            <p:nvSpPr>
-              <p:cNvPr id="16" name="TextBox 15">
-                <a:extLst>
-                  <a:ext uri="{FF2B5EF4-FFF2-40B4-BE49-F238E27FC236}">
-                    <a16:creationId xmlns:a16="http://schemas.microsoft.com/office/drawing/2014/main" id="{0BCF6713-B3FD-2DAF-EEAA-DADBC32A447A}"/>
-                  </a:ext>
-                </a:extLst>
-              </p:cNvPr>
-              <p:cNvSpPr txBox="1"/>
-              <p:nvPr/>
-            </p:nvSpPr>
-            <p:spPr>
-              <a:xfrm>
-                <a:off x="4079911" y="248652"/>
-                <a:ext cx="1915909" cy="523220"/>
-              </a:xfrm>
-              <a:prstGeom prst="rect">
-                <a:avLst/>
-              </a:prstGeom>
-              <a:noFill/>
-            </p:spPr>
-            <p:txBody>
-              <a:bodyPr wrap="none" rtlCol="0">
-                <a:spAutoFit/>
-              </a:bodyPr>
-              <a:lstStyle/>
-              <a:p>
-                <a:pPr algn="ctr"/>
-                <a:r>
-                  <a:rPr lang="en-US" sz="2800" dirty="0">
-                    <a:latin typeface="Cambria" panose="02040503050406030204" pitchFamily="18" charset="0"/>
-                  </a:rPr>
-                  <a:t>UNCALLED</a:t>
-                </a:r>
-              </a:p>
-            </p:txBody>
-          </p:sp>
-        </p:grpSp>
-        <p:grpSp>
-          <p:nvGrpSpPr>
-            <p:cNvPr id="17" name="Group 16">
-              <a:extLst>
-                <a:ext uri="{FF2B5EF4-FFF2-40B4-BE49-F238E27FC236}">
-                  <a16:creationId xmlns:a16="http://schemas.microsoft.com/office/drawing/2014/main" id="{4D2E9BA1-F4F3-320B-718B-21600583FF1A}"/>
-                </a:ext>
-              </a:extLst>
-            </p:cNvPr>
-            <p:cNvGrpSpPr/>
-            <p:nvPr/>
-          </p:nvGrpSpPr>
-          <p:grpSpPr>
-            <a:xfrm>
-              <a:off x="12443706" y="587960"/>
-              <a:ext cx="1601180" cy="523220"/>
-              <a:chOff x="3780870" y="201853"/>
-              <a:chExt cx="1601180" cy="523220"/>
-            </a:xfrm>
-          </p:grpSpPr>
-          <p:sp>
-            <p:nvSpPr>
-              <p:cNvPr id="21" name="Rectangle 20">
-                <a:extLst>
-                  <a:ext uri="{FF2B5EF4-FFF2-40B4-BE49-F238E27FC236}">
-                    <a16:creationId xmlns:a16="http://schemas.microsoft.com/office/drawing/2014/main" id="{03C96383-578C-2B5D-5AC5-9AC21BD16DB9}"/>
-                  </a:ext>
-                </a:extLst>
-              </p:cNvPr>
-              <p:cNvSpPr/>
-              <p:nvPr/>
-            </p:nvSpPr>
-            <p:spPr>
-              <a:xfrm>
-                <a:off x="3780870" y="319463"/>
-                <a:ext cx="288000" cy="288000"/>
-              </a:xfrm>
-              <a:prstGeom prst="rect">
-                <a:avLst/>
-              </a:prstGeom>
-              <a:solidFill>
-                <a:srgbClr val="DB8042"/>
-              </a:solidFill>
-            </p:spPr>
-            <p:style>
-              <a:lnRef idx="2">
-                <a:schemeClr val="accent1">
-                  <a:shade val="50000"/>
-                </a:schemeClr>
-              </a:lnRef>
-              <a:fillRef idx="1">
-                <a:schemeClr val="accent1"/>
-              </a:fillRef>
-              <a:effectRef idx="0">
-                <a:schemeClr val="accent1"/>
-              </a:effectRef>
-              <a:fontRef idx="minor">
-                <a:schemeClr val="lt1"/>
-              </a:fontRef>
-            </p:style>
-            <p:txBody>
-              <a:bodyPr rtlCol="0" anchor="ctr"/>
-              <a:lstStyle/>
-              <a:p>
-                <a:pPr algn="ctr"/>
-                <a:endParaRPr lang="en-US" sz="2800" dirty="0">
-                  <a:latin typeface="Cambria" panose="02040503050406030204" pitchFamily="18" charset="0"/>
-                </a:endParaRPr>
-              </a:p>
-            </p:txBody>
-          </p:sp>
-          <p:sp>
-            <p:nvSpPr>
-              <p:cNvPr id="22" name="TextBox 21">
-                <a:extLst>
-                  <a:ext uri="{FF2B5EF4-FFF2-40B4-BE49-F238E27FC236}">
-                    <a16:creationId xmlns:a16="http://schemas.microsoft.com/office/drawing/2014/main" id="{30F1B7CE-6DAA-9A7B-D57C-E58C53C5B5A8}"/>
-                  </a:ext>
-                </a:extLst>
-              </p:cNvPr>
-              <p:cNvSpPr txBox="1"/>
-              <p:nvPr/>
-            </p:nvSpPr>
-            <p:spPr>
-              <a:xfrm>
-                <a:off x="4068870" y="201853"/>
-                <a:ext cx="1313180" cy="523220"/>
-              </a:xfrm>
-              <a:prstGeom prst="rect">
-                <a:avLst/>
-              </a:prstGeom>
-              <a:noFill/>
-            </p:spPr>
-            <p:txBody>
-              <a:bodyPr wrap="none" rtlCol="0">
-                <a:spAutoFit/>
-              </a:bodyPr>
-              <a:lstStyle/>
-              <a:p>
-                <a:pPr algn="ctr"/>
-                <a:r>
-                  <a:rPr lang="en-US" sz="2800" dirty="0" err="1">
-                    <a:latin typeface="Cambria" panose="02040503050406030204" pitchFamily="18" charset="0"/>
-                  </a:rPr>
-                  <a:t>Sigmap</a:t>
-                </a:r>
-                <a:endParaRPr lang="en-US" sz="2800" dirty="0">
-                  <a:latin typeface="Cambria" panose="02040503050406030204" pitchFamily="18" charset="0"/>
-                </a:endParaRPr>
-              </a:p>
-            </p:txBody>
-          </p:sp>
-        </p:grpSp>
-        <p:grpSp>
-          <p:nvGrpSpPr>
-            <p:cNvPr id="32" name="Group 31">
-              <a:extLst>
-                <a:ext uri="{FF2B5EF4-FFF2-40B4-BE49-F238E27FC236}">
-                  <a16:creationId xmlns:a16="http://schemas.microsoft.com/office/drawing/2014/main" id="{223C8B4C-1200-C9B0-9D43-36D647AE30C0}"/>
-                </a:ext>
-              </a:extLst>
-            </p:cNvPr>
-            <p:cNvGrpSpPr/>
-            <p:nvPr/>
-          </p:nvGrpSpPr>
-          <p:grpSpPr>
-            <a:xfrm>
-              <a:off x="4547914" y="587960"/>
-              <a:ext cx="1992482" cy="523220"/>
-              <a:chOff x="3780870" y="201853"/>
-              <a:chExt cx="1992482" cy="523220"/>
-            </a:xfrm>
-          </p:grpSpPr>
-          <p:sp>
-            <p:nvSpPr>
-              <p:cNvPr id="33" name="Rectangle 32">
-                <a:extLst>
-                  <a:ext uri="{FF2B5EF4-FFF2-40B4-BE49-F238E27FC236}">
-                    <a16:creationId xmlns:a16="http://schemas.microsoft.com/office/drawing/2014/main" id="{56BF0085-3FDE-06F7-574A-7CF3DAEFA7B0}"/>
-                  </a:ext>
-                </a:extLst>
-              </p:cNvPr>
-              <p:cNvSpPr/>
-              <p:nvPr/>
-            </p:nvSpPr>
-            <p:spPr>
-              <a:xfrm>
-                <a:off x="3780870" y="319463"/>
-                <a:ext cx="288000" cy="288000"/>
-              </a:xfrm>
-              <a:prstGeom prst="rect">
-                <a:avLst/>
-              </a:prstGeom>
-              <a:solidFill>
-                <a:srgbClr val="A3A3A3"/>
-              </a:solidFill>
-            </p:spPr>
-            <p:style>
-              <a:lnRef idx="2">
-                <a:schemeClr val="accent1">
-                  <a:shade val="50000"/>
-                </a:schemeClr>
-              </a:lnRef>
-              <a:fillRef idx="1">
-                <a:schemeClr val="accent1"/>
-              </a:fillRef>
-              <a:effectRef idx="0">
-                <a:schemeClr val="accent1"/>
-              </a:effectRef>
-              <a:fontRef idx="minor">
-                <a:schemeClr val="lt1"/>
-              </a:fontRef>
-            </p:style>
-            <p:txBody>
-              <a:bodyPr rtlCol="0" anchor="ctr"/>
-              <a:lstStyle/>
-              <a:p>
-                <a:pPr algn="ctr"/>
-                <a:endParaRPr lang="en-US" sz="2800" dirty="0">
-                  <a:latin typeface="Cambria" panose="02040503050406030204" pitchFamily="18" charset="0"/>
-                </a:endParaRPr>
-              </a:p>
-            </p:txBody>
-          </p:sp>
-          <p:sp>
-            <p:nvSpPr>
-              <p:cNvPr id="34" name="TextBox 33">
-                <a:extLst>
-                  <a:ext uri="{FF2B5EF4-FFF2-40B4-BE49-F238E27FC236}">
-                    <a16:creationId xmlns:a16="http://schemas.microsoft.com/office/drawing/2014/main" id="{A360EBB2-DCFE-196A-56B6-FB5DE548358C}"/>
-                  </a:ext>
-                </a:extLst>
-              </p:cNvPr>
-              <p:cNvSpPr txBox="1"/>
-              <p:nvPr/>
-            </p:nvSpPr>
-            <p:spPr>
-              <a:xfrm>
-                <a:off x="4069489" y="201853"/>
-                <a:ext cx="1703863" cy="523220"/>
-              </a:xfrm>
-              <a:prstGeom prst="rect">
-                <a:avLst/>
-              </a:prstGeom>
-              <a:noFill/>
-            </p:spPr>
-            <p:txBody>
-              <a:bodyPr wrap="none" rtlCol="0">
-                <a:spAutoFit/>
-              </a:bodyPr>
-              <a:lstStyle/>
-              <a:p>
-                <a:pPr algn="ctr"/>
-                <a:r>
-                  <a:rPr lang="en-US" sz="2800" dirty="0">
-                    <a:latin typeface="Cambria" panose="02040503050406030204" pitchFamily="18" charset="0"/>
-                  </a:rPr>
-                  <a:t>Nanopore</a:t>
-                </a:r>
-              </a:p>
-            </p:txBody>
-          </p:sp>
-        </p:grpSp>
-      </p:grpSp>
-    </p:spTree>
-    <p:extLst>
-      <p:ext uri="{BB962C8B-B14F-4D97-AF65-F5344CB8AC3E}">
-        <p14:creationId xmlns:p14="http://schemas.microsoft.com/office/powerpoint/2010/main" val="3260197033"/>
-      </p:ext>
-    </p:extLst>
-  </p:cSld>
-  <p:clrMapOvr>
-    <a:masterClrMapping/>
-  </p:clrMapOvr>
-</p:sld>
-</file>
-
-<file path=ppt/slides/slide2.xml><?xml version="1.0" encoding="utf-8"?>
-<p:sld xmlns:a="http://schemas.openxmlformats.org/drawingml/2006/main" xmlns:r="http://schemas.openxmlformats.org/officeDocument/2006/relationships" xmlns:p="http://schemas.openxmlformats.org/presentationml/2006/main">
-  <p:cSld>
-    <p:spTree>
-      <p:nvGrpSpPr>
-        <p:cNvPr id="1" name=""/>
-        <p:cNvGrpSpPr/>
-        <p:nvPr/>
-      </p:nvGrpSpPr>
-      <p:grpSpPr>
-        <a:xfrm>
-          <a:off x="0" y="0"/>
-          <a:ext cx="0" cy="0"/>
-          <a:chOff x="0" y="0"/>
-          <a:chExt cx="0" cy="0"/>
-        </a:xfrm>
-      </p:grpSpPr>
-      <p:sp>
-        <p:nvSpPr>
-          <p:cNvPr id="61" name="TextBox 60">
-            <a:extLst>
-              <a:ext uri="{FF2B5EF4-FFF2-40B4-BE49-F238E27FC236}">
-                <a16:creationId xmlns:a16="http://schemas.microsoft.com/office/drawing/2014/main" id="{0CED6964-C115-99BA-A170-DFB707D8BCEA}"/>
-              </a:ext>
-            </a:extLst>
-          </p:cNvPr>
-          <p:cNvSpPr txBox="1"/>
-          <p:nvPr/>
-        </p:nvSpPr>
-        <p:spPr>
-          <a:xfrm>
-            <a:off x="11628880" y="5461840"/>
-            <a:ext cx="2096815" cy="430887"/>
-          </a:xfrm>
-          <a:prstGeom prst="rect">
-            <a:avLst/>
-          </a:prstGeom>
-          <a:noFill/>
-        </p:spPr>
-        <p:txBody>
-          <a:bodyPr wrap="square" rtlCol="0">
-            <a:spAutoFit/>
-          </a:bodyPr>
-          <a:lstStyle/>
-          <a:p>
-            <a:pPr algn="ctr"/>
-            <a:r>
-              <a:rPr lang="en-US" sz="2200" b="1" dirty="0">
-                <a:latin typeface="Cambria" panose="02040503050406030204" pitchFamily="18" charset="0"/>
-              </a:rPr>
-              <a:t>Contamination</a:t>
-            </a:r>
-          </a:p>
-        </p:txBody>
-      </p:sp>
-      <p:sp>
-        <p:nvSpPr>
-          <p:cNvPr id="62" name="TextBox 61">
-            <a:extLst>
-              <a:ext uri="{FF2B5EF4-FFF2-40B4-BE49-F238E27FC236}">
-                <a16:creationId xmlns:a16="http://schemas.microsoft.com/office/drawing/2014/main" id="{96CAF229-2FF7-7E51-42EE-3E688EA0A7C5}"/>
-              </a:ext>
-            </a:extLst>
-          </p:cNvPr>
-          <p:cNvSpPr txBox="1"/>
-          <p:nvPr/>
-        </p:nvSpPr>
-        <p:spPr>
-          <a:xfrm>
-            <a:off x="2746943" y="5292563"/>
-            <a:ext cx="1672830" cy="769441"/>
-          </a:xfrm>
-          <a:prstGeom prst="rect">
-            <a:avLst/>
-          </a:prstGeom>
-          <a:noFill/>
-        </p:spPr>
-        <p:txBody>
-          <a:bodyPr wrap="none" rtlCol="0">
-            <a:spAutoFit/>
-          </a:bodyPr>
-          <a:lstStyle/>
-          <a:p>
-            <a:pPr algn="ctr"/>
-            <a:r>
-              <a:rPr lang="en-US" sz="2200" b="1" dirty="0">
-                <a:latin typeface="Cambria" panose="02040503050406030204" pitchFamily="18" charset="0"/>
-              </a:rPr>
-              <a:t>D1</a:t>
-            </a:r>
-          </a:p>
-          <a:p>
-            <a:pPr algn="ctr"/>
-            <a:r>
-              <a:rPr lang="en-US" sz="2200" b="1" dirty="0">
-                <a:latin typeface="Cambria" panose="02040503050406030204" pitchFamily="18" charset="0"/>
-              </a:rPr>
-              <a:t>SARS-CoV-2</a:t>
-            </a:r>
-          </a:p>
-        </p:txBody>
-      </p:sp>
-      <p:sp>
-        <p:nvSpPr>
-          <p:cNvPr id="109" name="TextBox 108">
-            <a:extLst>
-              <a:ext uri="{FF2B5EF4-FFF2-40B4-BE49-F238E27FC236}">
-                <a16:creationId xmlns:a16="http://schemas.microsoft.com/office/drawing/2014/main" id="{0B8D124A-38A0-D097-02F7-F0520F16847F}"/>
-              </a:ext>
-            </a:extLst>
-          </p:cNvPr>
-          <p:cNvSpPr txBox="1"/>
-          <p:nvPr/>
-        </p:nvSpPr>
-        <p:spPr>
-          <a:xfrm>
-            <a:off x="8194713" y="5292563"/>
-            <a:ext cx="1723445" cy="769441"/>
-          </a:xfrm>
-          <a:prstGeom prst="rect">
-            <a:avLst/>
-          </a:prstGeom>
-          <a:noFill/>
-        </p:spPr>
-        <p:txBody>
-          <a:bodyPr wrap="square" rtlCol="0">
-            <a:spAutoFit/>
-          </a:bodyPr>
-          <a:lstStyle/>
-          <a:p>
-            <a:pPr algn="ctr"/>
-            <a:r>
-              <a:rPr lang="en-US" sz="2200" b="1" dirty="0">
-                <a:latin typeface="Cambria" panose="02040503050406030204" pitchFamily="18" charset="0"/>
-              </a:rPr>
-              <a:t>D4</a:t>
-            </a:r>
-          </a:p>
-          <a:p>
-            <a:pPr algn="ctr"/>
-            <a:r>
-              <a:rPr lang="en-US" sz="2200" b="1" dirty="0">
-                <a:latin typeface="Cambria" panose="02040503050406030204" pitchFamily="18" charset="0"/>
-              </a:rPr>
-              <a:t>Green Algae</a:t>
-            </a:r>
-          </a:p>
-        </p:txBody>
-      </p:sp>
-      <p:sp>
-        <p:nvSpPr>
-          <p:cNvPr id="112" name="TextBox 111">
-            <a:extLst>
-              <a:ext uri="{FF2B5EF4-FFF2-40B4-BE49-F238E27FC236}">
-                <a16:creationId xmlns:a16="http://schemas.microsoft.com/office/drawing/2014/main" id="{21C54195-1BC0-7198-39E9-746027482C71}"/>
-              </a:ext>
-            </a:extLst>
-          </p:cNvPr>
-          <p:cNvSpPr txBox="1"/>
-          <p:nvPr/>
-        </p:nvSpPr>
-        <p:spPr>
-          <a:xfrm>
-            <a:off x="10302464" y="5292563"/>
-            <a:ext cx="1128835" cy="769441"/>
-          </a:xfrm>
-          <a:prstGeom prst="rect">
-            <a:avLst/>
-          </a:prstGeom>
-          <a:noFill/>
-        </p:spPr>
-        <p:txBody>
-          <a:bodyPr wrap="none" rtlCol="0">
-            <a:spAutoFit/>
-          </a:bodyPr>
-          <a:lstStyle/>
-          <a:p>
-            <a:pPr algn="ctr"/>
-            <a:r>
-              <a:rPr lang="en-US" sz="2200" b="1" dirty="0">
-                <a:latin typeface="Cambria" panose="02040503050406030204" pitchFamily="18" charset="0"/>
-              </a:rPr>
-              <a:t>D5</a:t>
-            </a:r>
-          </a:p>
-          <a:p>
-            <a:pPr algn="ctr"/>
-            <a:r>
-              <a:rPr lang="en-US" sz="2200" b="1" dirty="0">
-                <a:latin typeface="Cambria" panose="02040503050406030204" pitchFamily="18" charset="0"/>
-              </a:rPr>
-              <a:t>Human</a:t>
-            </a:r>
-          </a:p>
-        </p:txBody>
-      </p:sp>
-      <p:sp>
-        <p:nvSpPr>
-          <p:cNvPr id="18" name="TextBox 17">
-            <a:extLst>
-              <a:ext uri="{FF2B5EF4-FFF2-40B4-BE49-F238E27FC236}">
-                <a16:creationId xmlns:a16="http://schemas.microsoft.com/office/drawing/2014/main" id="{27D0DFC1-079C-D227-33BF-A2ACDD264B77}"/>
-              </a:ext>
-            </a:extLst>
-          </p:cNvPr>
-          <p:cNvSpPr txBox="1"/>
-          <p:nvPr/>
-        </p:nvSpPr>
-        <p:spPr>
-          <a:xfrm>
-            <a:off x="4937219" y="5292563"/>
-            <a:ext cx="942694" cy="769441"/>
-          </a:xfrm>
-          <a:prstGeom prst="rect">
-            <a:avLst/>
-          </a:prstGeom>
-          <a:noFill/>
-        </p:spPr>
-        <p:txBody>
-          <a:bodyPr wrap="none" rtlCol="0">
-            <a:spAutoFit/>
-          </a:bodyPr>
-          <a:lstStyle/>
-          <a:p>
-            <a:pPr algn="ctr"/>
-            <a:r>
-              <a:rPr lang="en-US" sz="2200" b="1" dirty="0">
-                <a:latin typeface="Cambria" panose="02040503050406030204" pitchFamily="18" charset="0"/>
-              </a:rPr>
-              <a:t>D2</a:t>
-            </a:r>
-          </a:p>
-          <a:p>
-            <a:pPr algn="ctr"/>
-            <a:r>
-              <a:rPr lang="en-US" sz="2200" b="1" dirty="0">
-                <a:latin typeface="Cambria" panose="02040503050406030204" pitchFamily="18" charset="0"/>
-              </a:rPr>
-              <a:t>E. coli</a:t>
-            </a:r>
-          </a:p>
-        </p:txBody>
-      </p:sp>
-      <p:sp>
-        <p:nvSpPr>
-          <p:cNvPr id="19" name="TextBox 18">
-            <a:extLst>
-              <a:ext uri="{FF2B5EF4-FFF2-40B4-BE49-F238E27FC236}">
-                <a16:creationId xmlns:a16="http://schemas.microsoft.com/office/drawing/2014/main" id="{4EE6EC74-399E-623E-683D-91D67EC0EC85}"/>
-              </a:ext>
-            </a:extLst>
-          </p:cNvPr>
-          <p:cNvSpPr txBox="1"/>
-          <p:nvPr/>
-        </p:nvSpPr>
-        <p:spPr>
-          <a:xfrm>
-            <a:off x="6801144" y="5292563"/>
-            <a:ext cx="861967" cy="769441"/>
-          </a:xfrm>
-          <a:prstGeom prst="rect">
-            <a:avLst/>
-          </a:prstGeom>
-          <a:noFill/>
-        </p:spPr>
-        <p:txBody>
-          <a:bodyPr wrap="none" rtlCol="0">
-            <a:spAutoFit/>
-          </a:bodyPr>
-          <a:lstStyle/>
-          <a:p>
-            <a:pPr algn="ctr"/>
-            <a:r>
-              <a:rPr lang="en-US" sz="2200" b="1" dirty="0">
-                <a:latin typeface="Cambria" panose="02040503050406030204" pitchFamily="18" charset="0"/>
-              </a:rPr>
-              <a:t>D3</a:t>
-            </a:r>
-          </a:p>
-          <a:p>
-            <a:pPr algn="ctr"/>
-            <a:r>
-              <a:rPr lang="en-US" sz="2200" b="1" dirty="0">
-                <a:latin typeface="Cambria" panose="02040503050406030204" pitchFamily="18" charset="0"/>
-              </a:rPr>
-              <a:t>Yeast</a:t>
-            </a:r>
-          </a:p>
-        </p:txBody>
-      </p:sp>
-      <p:sp>
-        <p:nvSpPr>
-          <p:cNvPr id="20" name="TextBox 19">
-            <a:extLst>
-              <a:ext uri="{FF2B5EF4-FFF2-40B4-BE49-F238E27FC236}">
-                <a16:creationId xmlns:a16="http://schemas.microsoft.com/office/drawing/2014/main" id="{AE85A3BF-9053-66C1-9417-1D7FF0CD55CC}"/>
-              </a:ext>
-            </a:extLst>
-          </p:cNvPr>
-          <p:cNvSpPr txBox="1"/>
-          <p:nvPr/>
-        </p:nvSpPr>
-        <p:spPr>
-          <a:xfrm>
-            <a:off x="13683359" y="5292563"/>
-            <a:ext cx="1681614" cy="769441"/>
-          </a:xfrm>
-          <a:prstGeom prst="rect">
-            <a:avLst/>
-          </a:prstGeom>
-          <a:noFill/>
-        </p:spPr>
-        <p:txBody>
-          <a:bodyPr wrap="square" rtlCol="0">
-            <a:spAutoFit/>
-          </a:bodyPr>
-          <a:lstStyle/>
-          <a:p>
-            <a:pPr algn="ctr"/>
-            <a:r>
-              <a:rPr lang="en-US" sz="2200" b="1" dirty="0">
-                <a:latin typeface="Cambria" panose="02040503050406030204" pitchFamily="18" charset="0"/>
-              </a:rPr>
-              <a:t>Relative</a:t>
-            </a:r>
-          </a:p>
-          <a:p>
-            <a:pPr algn="ctr"/>
-            <a:r>
-              <a:rPr lang="en-US" sz="2200" b="1" dirty="0">
-                <a:latin typeface="Cambria" panose="02040503050406030204" pitchFamily="18" charset="0"/>
-              </a:rPr>
-              <a:t>Abundance</a:t>
-            </a:r>
-          </a:p>
-        </p:txBody>
-      </p:sp>
-      <p:sp>
-        <p:nvSpPr>
-          <p:cNvPr id="5" name="TextBox 4">
-            <a:extLst>
-              <a:ext uri="{FF2B5EF4-FFF2-40B4-BE49-F238E27FC236}">
-                <a16:creationId xmlns:a16="http://schemas.microsoft.com/office/drawing/2014/main" id="{E4862BF3-9618-6956-E1A9-EA2DE9EC6970}"/>
-              </a:ext>
-            </a:extLst>
-          </p:cNvPr>
-          <p:cNvSpPr txBox="1"/>
-          <p:nvPr/>
-        </p:nvSpPr>
-        <p:spPr>
-          <a:xfrm rot="16200000">
-            <a:off x="-8677" y="3020189"/>
-            <a:ext cx="3796950" cy="400110"/>
-          </a:xfrm>
-          <a:prstGeom prst="rect">
-            <a:avLst/>
-          </a:prstGeom>
-          <a:noFill/>
-        </p:spPr>
-        <p:txBody>
-          <a:bodyPr wrap="square" lIns="0" tIns="0" rIns="0" bIns="0" rtlCol="0">
-            <a:spAutoFit/>
-          </a:bodyPr>
-          <a:lstStyle/>
-          <a:p>
-            <a:pPr algn="ctr"/>
-            <a:r>
-              <a:rPr lang="en-US" sz="2600" b="1" dirty="0">
-                <a:latin typeface="Cambria" panose="02040503050406030204" pitchFamily="18" charset="0"/>
-              </a:rPr>
-              <a:t>Avg. Time Per Read (</a:t>
-            </a:r>
-            <a:r>
-              <a:rPr lang="en-US" sz="2600" b="1" dirty="0" err="1">
-                <a:latin typeface="Cambria" panose="02040503050406030204" pitchFamily="18" charset="0"/>
-              </a:rPr>
-              <a:t>ms</a:t>
-            </a:r>
-            <a:r>
-              <a:rPr lang="en-US" sz="2600" b="1" dirty="0">
-                <a:latin typeface="Cambria" panose="02040503050406030204" pitchFamily="18" charset="0"/>
-              </a:rPr>
-              <a:t>)</a:t>
-            </a:r>
-          </a:p>
-        </p:txBody>
-      </p:sp>
-      <p:pic>
-        <p:nvPicPr>
-          <p:cNvPr id="4" name="Picture 3">
-            <a:extLst>
-              <a:ext uri="{FF2B5EF4-FFF2-40B4-BE49-F238E27FC236}">
-                <a16:creationId xmlns:a16="http://schemas.microsoft.com/office/drawing/2014/main" id="{635D8080-B02A-50C5-6025-8CC7DCEC9FEB}"/>
-              </a:ext>
-            </a:extLst>
-          </p:cNvPr>
-          <p:cNvPicPr>
-            <a:picLocks noChangeAspect="1"/>
-          </p:cNvPicPr>
-          <p:nvPr/>
-        </p:nvPicPr>
-        <p:blipFill>
-          <a:blip r:embed="rId3">
-            <a:extLst>
-              <a:ext uri="{28A0092B-C50C-407E-A947-70E740481C1C}">
-                <a14:useLocalDpi xmlns:a14="http://schemas.microsoft.com/office/drawing/2010/main" val="0"/>
-              </a:ext>
-            </a:extLst>
-          </a:blip>
-          <a:srcRect/>
-          <a:stretch/>
-        </p:blipFill>
-        <p:spPr>
-          <a:xfrm>
-            <a:off x="2727519" y="1111180"/>
-            <a:ext cx="12654387" cy="4218129"/>
-          </a:xfrm>
-          <a:prstGeom prst="rect">
-            <a:avLst/>
-          </a:prstGeom>
-        </p:spPr>
-      </p:pic>
-      <p:sp>
-        <p:nvSpPr>
-          <p:cNvPr id="6" name="TextBox 5">
-            <a:extLst>
-              <a:ext uri="{FF2B5EF4-FFF2-40B4-BE49-F238E27FC236}">
-                <a16:creationId xmlns:a16="http://schemas.microsoft.com/office/drawing/2014/main" id="{FF9FEF38-C44A-3C88-E334-6351F006CFD7}"/>
-              </a:ext>
-            </a:extLst>
-          </p:cNvPr>
-          <p:cNvSpPr txBox="1"/>
-          <p:nvPr/>
-        </p:nvSpPr>
-        <p:spPr>
-          <a:xfrm>
-            <a:off x="2169038" y="1354532"/>
-            <a:ext cx="530594" cy="430887"/>
-          </a:xfrm>
-          <a:prstGeom prst="rect">
-            <a:avLst/>
-          </a:prstGeom>
-          <a:noFill/>
-        </p:spPr>
-        <p:txBody>
-          <a:bodyPr wrap="none" lIns="0" tIns="0" rIns="0" bIns="0" rtlCol="0">
-            <a:spAutoFit/>
-          </a:bodyPr>
-          <a:lstStyle/>
-          <a:p>
-            <a:r>
-              <a:rPr lang="en-US" sz="2800" dirty="0">
-                <a:latin typeface="Cambria" panose="02040503050406030204" pitchFamily="18" charset="0"/>
-              </a:rPr>
-              <a:t>10</a:t>
-            </a:r>
-            <a:r>
-              <a:rPr lang="en-US" sz="2800" baseline="30000" dirty="0">
-                <a:latin typeface="Cambria" panose="02040503050406030204" pitchFamily="18" charset="0"/>
-              </a:rPr>
-              <a:t>4</a:t>
-            </a:r>
-          </a:p>
-        </p:txBody>
-      </p:sp>
-      <p:sp>
-        <p:nvSpPr>
-          <p:cNvPr id="3" name="TextBox 2">
-            <a:extLst>
-              <a:ext uri="{FF2B5EF4-FFF2-40B4-BE49-F238E27FC236}">
-                <a16:creationId xmlns:a16="http://schemas.microsoft.com/office/drawing/2014/main" id="{6E004693-B8EB-1091-CAE4-2736359DDEF9}"/>
-              </a:ext>
-            </a:extLst>
-          </p:cNvPr>
-          <p:cNvSpPr txBox="1"/>
-          <p:nvPr/>
-        </p:nvSpPr>
-        <p:spPr>
-          <a:xfrm>
-            <a:off x="2169038" y="1972201"/>
-            <a:ext cx="530594" cy="430887"/>
-          </a:xfrm>
-          <a:prstGeom prst="rect">
-            <a:avLst/>
-          </a:prstGeom>
-          <a:noFill/>
-        </p:spPr>
-        <p:txBody>
-          <a:bodyPr wrap="none" lIns="0" tIns="0" rIns="0" bIns="0" rtlCol="0">
-            <a:spAutoFit/>
-          </a:bodyPr>
-          <a:lstStyle/>
-          <a:p>
-            <a:r>
-              <a:rPr lang="en-US" sz="2800" dirty="0">
-                <a:latin typeface="Cambria" panose="02040503050406030204" pitchFamily="18" charset="0"/>
-              </a:rPr>
-              <a:t>10</a:t>
-            </a:r>
-            <a:r>
-              <a:rPr lang="en-US" sz="2800" baseline="30000" dirty="0">
-                <a:latin typeface="Cambria" panose="02040503050406030204" pitchFamily="18" charset="0"/>
-              </a:rPr>
-              <a:t>3</a:t>
-            </a:r>
-          </a:p>
-        </p:txBody>
-      </p:sp>
-      <p:sp>
-        <p:nvSpPr>
-          <p:cNvPr id="7" name="TextBox 6">
-            <a:extLst>
-              <a:ext uri="{FF2B5EF4-FFF2-40B4-BE49-F238E27FC236}">
-                <a16:creationId xmlns:a16="http://schemas.microsoft.com/office/drawing/2014/main" id="{9AACDFD1-9838-1C39-C020-12F35103A153}"/>
-              </a:ext>
-            </a:extLst>
-          </p:cNvPr>
-          <p:cNvSpPr txBox="1"/>
-          <p:nvPr/>
-        </p:nvSpPr>
-        <p:spPr>
-          <a:xfrm>
-            <a:off x="2169038" y="2594183"/>
-            <a:ext cx="530594" cy="430887"/>
-          </a:xfrm>
-          <a:prstGeom prst="rect">
-            <a:avLst/>
-          </a:prstGeom>
-          <a:noFill/>
-        </p:spPr>
-        <p:txBody>
-          <a:bodyPr wrap="none" lIns="0" tIns="0" rIns="0" bIns="0" rtlCol="0">
-            <a:spAutoFit/>
-          </a:bodyPr>
-          <a:lstStyle/>
-          <a:p>
-            <a:r>
-              <a:rPr lang="en-US" sz="2800" dirty="0">
-                <a:latin typeface="Cambria" panose="02040503050406030204" pitchFamily="18" charset="0"/>
-              </a:rPr>
-              <a:t>10</a:t>
-            </a:r>
-            <a:r>
-              <a:rPr lang="en-US" sz="2800" baseline="30000" dirty="0">
-                <a:latin typeface="Cambria" panose="02040503050406030204" pitchFamily="18" charset="0"/>
-              </a:rPr>
-              <a:t>2</a:t>
-            </a:r>
-          </a:p>
-        </p:txBody>
-      </p:sp>
-      <p:sp>
-        <p:nvSpPr>
-          <p:cNvPr id="11" name="TextBox 10">
-            <a:extLst>
-              <a:ext uri="{FF2B5EF4-FFF2-40B4-BE49-F238E27FC236}">
-                <a16:creationId xmlns:a16="http://schemas.microsoft.com/office/drawing/2014/main" id="{810FD092-D2EA-6B76-579F-433C10CFA86C}"/>
-              </a:ext>
-            </a:extLst>
-          </p:cNvPr>
-          <p:cNvSpPr txBox="1"/>
-          <p:nvPr/>
-        </p:nvSpPr>
-        <p:spPr>
-          <a:xfrm>
-            <a:off x="2169038" y="3211851"/>
-            <a:ext cx="530594" cy="430887"/>
-          </a:xfrm>
-          <a:prstGeom prst="rect">
-            <a:avLst/>
-          </a:prstGeom>
-          <a:noFill/>
-        </p:spPr>
-        <p:txBody>
-          <a:bodyPr wrap="none" lIns="0" tIns="0" rIns="0" bIns="0" rtlCol="0">
-            <a:spAutoFit/>
-          </a:bodyPr>
-          <a:lstStyle/>
-          <a:p>
-            <a:r>
-              <a:rPr lang="en-US" sz="2800" dirty="0">
-                <a:latin typeface="Cambria" panose="02040503050406030204" pitchFamily="18" charset="0"/>
-              </a:rPr>
-              <a:t>10</a:t>
-            </a:r>
-            <a:r>
-              <a:rPr lang="en-US" sz="2800" baseline="30000" dirty="0">
-                <a:latin typeface="Cambria" panose="02040503050406030204" pitchFamily="18" charset="0"/>
-              </a:rPr>
-              <a:t>1</a:t>
-            </a:r>
-          </a:p>
-        </p:txBody>
-      </p:sp>
-      <p:sp>
-        <p:nvSpPr>
-          <p:cNvPr id="12" name="TextBox 11">
-            <a:extLst>
-              <a:ext uri="{FF2B5EF4-FFF2-40B4-BE49-F238E27FC236}">
-                <a16:creationId xmlns:a16="http://schemas.microsoft.com/office/drawing/2014/main" id="{5F104AAF-7ABE-8B24-102B-33D6731D8020}"/>
-              </a:ext>
-            </a:extLst>
-          </p:cNvPr>
-          <p:cNvSpPr txBox="1"/>
-          <p:nvPr/>
-        </p:nvSpPr>
-        <p:spPr>
-          <a:xfrm>
-            <a:off x="2169038" y="3829521"/>
-            <a:ext cx="530594" cy="430887"/>
-          </a:xfrm>
-          <a:prstGeom prst="rect">
-            <a:avLst/>
-          </a:prstGeom>
-          <a:noFill/>
-        </p:spPr>
-        <p:txBody>
-          <a:bodyPr wrap="none" lIns="0" tIns="0" rIns="0" bIns="0" rtlCol="0">
-            <a:spAutoFit/>
-          </a:bodyPr>
-          <a:lstStyle/>
-          <a:p>
-            <a:r>
-              <a:rPr lang="en-US" sz="2800" dirty="0">
-                <a:latin typeface="Cambria" panose="02040503050406030204" pitchFamily="18" charset="0"/>
-              </a:rPr>
-              <a:t>10</a:t>
-            </a:r>
-            <a:r>
-              <a:rPr lang="en-US" sz="2800" baseline="30000" dirty="0">
-                <a:latin typeface="Cambria" panose="02040503050406030204" pitchFamily="18" charset="0"/>
-              </a:rPr>
-              <a:t>0</a:t>
-            </a:r>
-          </a:p>
-        </p:txBody>
-      </p:sp>
-      <p:sp>
-        <p:nvSpPr>
-          <p:cNvPr id="13" name="TextBox 12">
-            <a:extLst>
-              <a:ext uri="{FF2B5EF4-FFF2-40B4-BE49-F238E27FC236}">
-                <a16:creationId xmlns:a16="http://schemas.microsoft.com/office/drawing/2014/main" id="{865CAA05-04A9-47CA-9F71-3D0E31FA797B}"/>
-              </a:ext>
-            </a:extLst>
-          </p:cNvPr>
-          <p:cNvSpPr txBox="1"/>
-          <p:nvPr/>
-        </p:nvSpPr>
-        <p:spPr>
-          <a:xfrm>
-            <a:off x="2169038" y="4447191"/>
-            <a:ext cx="610745" cy="430887"/>
-          </a:xfrm>
-          <a:prstGeom prst="rect">
-            <a:avLst/>
-          </a:prstGeom>
-          <a:noFill/>
-        </p:spPr>
-        <p:txBody>
-          <a:bodyPr wrap="none" lIns="0" tIns="0" rIns="0" bIns="0" rtlCol="0">
-            <a:spAutoFit/>
-          </a:bodyPr>
-          <a:lstStyle/>
-          <a:p>
-            <a:r>
-              <a:rPr lang="en-US" sz="2800" dirty="0">
-                <a:latin typeface="Cambria" panose="02040503050406030204" pitchFamily="18" charset="0"/>
-              </a:rPr>
-              <a:t>10</a:t>
-            </a:r>
-            <a:r>
-              <a:rPr lang="en-US" sz="2800" baseline="30000" dirty="0">
-                <a:latin typeface="Cambria" panose="02040503050406030204" pitchFamily="18" charset="0"/>
-              </a:rPr>
-              <a:t>-1</a:t>
-            </a:r>
-            <a:endParaRPr lang="en-US" sz="2400" baseline="30000" dirty="0">
-              <a:latin typeface="Cambria" panose="02040503050406030204" pitchFamily="18" charset="0"/>
-            </a:endParaRPr>
-          </a:p>
-        </p:txBody>
-      </p:sp>
-      <p:grpSp>
-        <p:nvGrpSpPr>
-          <p:cNvPr id="28" name="Group 27">
-            <a:extLst>
-              <a:ext uri="{FF2B5EF4-FFF2-40B4-BE49-F238E27FC236}">
-                <a16:creationId xmlns:a16="http://schemas.microsoft.com/office/drawing/2014/main" id="{4973AE2D-87AF-4292-24B9-D4D177AC210A}"/>
-              </a:ext>
-            </a:extLst>
-          </p:cNvPr>
-          <p:cNvGrpSpPr/>
-          <p:nvPr/>
-        </p:nvGrpSpPr>
-        <p:grpSpPr>
-          <a:xfrm>
-            <a:off x="6138254" y="587960"/>
-            <a:ext cx="6316291" cy="523220"/>
-            <a:chOff x="5821436" y="584295"/>
-            <a:chExt cx="6316291" cy="523220"/>
-          </a:xfrm>
-        </p:grpSpPr>
-        <p:grpSp>
-          <p:nvGrpSpPr>
-            <p:cNvPr id="8" name="Group 7">
-              <a:extLst>
-                <a:ext uri="{FF2B5EF4-FFF2-40B4-BE49-F238E27FC236}">
-                  <a16:creationId xmlns:a16="http://schemas.microsoft.com/office/drawing/2014/main" id="{4BAD3F6A-F509-83E6-2991-8DEE6713CA78}"/>
-                </a:ext>
-              </a:extLst>
-            </p:cNvPr>
-            <p:cNvGrpSpPr/>
-            <p:nvPr/>
-          </p:nvGrpSpPr>
-          <p:grpSpPr>
-            <a:xfrm>
-              <a:off x="5821436" y="584295"/>
-              <a:ext cx="1859774" cy="523220"/>
-              <a:chOff x="3780870" y="201853"/>
-              <a:chExt cx="1859774" cy="523220"/>
-            </a:xfrm>
-          </p:grpSpPr>
-          <p:sp>
-            <p:nvSpPr>
-              <p:cNvPr id="82" name="Rectangle 81">
-                <a:extLst>
-                  <a:ext uri="{FF2B5EF4-FFF2-40B4-BE49-F238E27FC236}">
-                    <a16:creationId xmlns:a16="http://schemas.microsoft.com/office/drawing/2014/main" id="{FD3CF857-F05E-1745-C00B-A9EAB23F2DA3}"/>
-                  </a:ext>
-                </a:extLst>
-              </p:cNvPr>
-              <p:cNvSpPr/>
-              <p:nvPr/>
-            </p:nvSpPr>
-            <p:spPr>
-              <a:xfrm>
-                <a:off x="3780870" y="319463"/>
-                <a:ext cx="288000" cy="288000"/>
-              </a:xfrm>
-              <a:prstGeom prst="rect">
-                <a:avLst/>
-              </a:prstGeom>
-              <a:solidFill>
-                <a:srgbClr val="6799CE"/>
-              </a:solidFill>
-            </p:spPr>
-            <p:style>
-              <a:lnRef idx="2">
-                <a:schemeClr val="accent1">
-                  <a:shade val="50000"/>
-                </a:schemeClr>
-              </a:lnRef>
-              <a:fillRef idx="1">
-                <a:schemeClr val="accent1"/>
-              </a:fillRef>
-              <a:effectRef idx="0">
-                <a:schemeClr val="accent1"/>
-              </a:effectRef>
-              <a:fontRef idx="minor">
-                <a:schemeClr val="lt1"/>
-              </a:fontRef>
-            </p:style>
-            <p:txBody>
-              <a:bodyPr rtlCol="0" anchor="ctr"/>
-              <a:lstStyle/>
-              <a:p>
-                <a:pPr algn="ctr"/>
-                <a:endParaRPr lang="en-US" sz="2800" dirty="0">
-                  <a:latin typeface="Cambria" panose="02040503050406030204" pitchFamily="18" charset="0"/>
-                </a:endParaRPr>
-              </a:p>
-            </p:txBody>
-          </p:sp>
-          <p:sp>
-            <p:nvSpPr>
-              <p:cNvPr id="83" name="TextBox 82">
-                <a:extLst>
-                  <a:ext uri="{FF2B5EF4-FFF2-40B4-BE49-F238E27FC236}">
-                    <a16:creationId xmlns:a16="http://schemas.microsoft.com/office/drawing/2014/main" id="{4F007CFC-AA25-432F-4AE1-4434ACA1316E}"/>
-                  </a:ext>
-                </a:extLst>
-              </p:cNvPr>
-              <p:cNvSpPr txBox="1"/>
-              <p:nvPr/>
-            </p:nvSpPr>
-            <p:spPr>
-              <a:xfrm>
-                <a:off x="4014430" y="201853"/>
-                <a:ext cx="1626214" cy="523220"/>
-              </a:xfrm>
-              <a:prstGeom prst="rect">
-                <a:avLst/>
-              </a:prstGeom>
-              <a:noFill/>
-            </p:spPr>
-            <p:txBody>
-              <a:bodyPr wrap="none" rtlCol="0">
-                <a:spAutoFit/>
-              </a:bodyPr>
-              <a:lstStyle/>
-              <a:p>
-                <a:pPr algn="ctr"/>
-                <a:r>
-                  <a:rPr lang="en-US" sz="2800" dirty="0" err="1">
-                    <a:latin typeface="Cambria" panose="02040503050406030204" pitchFamily="18" charset="0"/>
-                  </a:rPr>
-                  <a:t>RawHash</a:t>
-                </a:r>
-                <a:endParaRPr lang="en-US" sz="2800" dirty="0">
-                  <a:latin typeface="Cambria" panose="02040503050406030204" pitchFamily="18" charset="0"/>
-                </a:endParaRPr>
-              </a:p>
-            </p:txBody>
-          </p:sp>
-        </p:grpSp>
-        <p:grpSp>
-          <p:nvGrpSpPr>
-            <p:cNvPr id="14" name="Group 13">
-              <a:extLst>
-                <a:ext uri="{FF2B5EF4-FFF2-40B4-BE49-F238E27FC236}">
-                  <a16:creationId xmlns:a16="http://schemas.microsoft.com/office/drawing/2014/main" id="{3AB95315-0052-63BF-1A79-C925E0D836F2}"/>
-                </a:ext>
-              </a:extLst>
-            </p:cNvPr>
-            <p:cNvGrpSpPr/>
-            <p:nvPr/>
-          </p:nvGrpSpPr>
-          <p:grpSpPr>
-            <a:xfrm>
-              <a:off x="8047195" y="584295"/>
-              <a:ext cx="2214950" cy="523220"/>
-              <a:chOff x="3780870" y="248652"/>
-              <a:chExt cx="2214950" cy="523220"/>
-            </a:xfrm>
-          </p:grpSpPr>
-          <p:sp>
-            <p:nvSpPr>
-              <p:cNvPr id="15" name="Rectangle 14">
-                <a:extLst>
-                  <a:ext uri="{FF2B5EF4-FFF2-40B4-BE49-F238E27FC236}">
-                    <a16:creationId xmlns:a16="http://schemas.microsoft.com/office/drawing/2014/main" id="{D70396FF-403B-FFA8-75A5-52BC407761B0}"/>
-                  </a:ext>
-                </a:extLst>
-              </p:cNvPr>
-              <p:cNvSpPr/>
-              <p:nvPr/>
-            </p:nvSpPr>
-            <p:spPr>
-              <a:xfrm>
-                <a:off x="3780870" y="366262"/>
-                <a:ext cx="288000" cy="288000"/>
-              </a:xfrm>
-              <a:prstGeom prst="rect">
-                <a:avLst/>
-              </a:prstGeom>
-              <a:solidFill>
-                <a:srgbClr val="AA449A"/>
-              </a:solidFill>
-            </p:spPr>
-            <p:style>
-              <a:lnRef idx="2">
-                <a:schemeClr val="accent1">
-                  <a:shade val="50000"/>
-                </a:schemeClr>
-              </a:lnRef>
-              <a:fillRef idx="1">
-                <a:schemeClr val="accent1"/>
-              </a:fillRef>
-              <a:effectRef idx="0">
-                <a:schemeClr val="accent1"/>
-              </a:effectRef>
-              <a:fontRef idx="minor">
-                <a:schemeClr val="lt1"/>
-              </a:fontRef>
-            </p:style>
-            <p:txBody>
-              <a:bodyPr rtlCol="0" anchor="ctr"/>
-              <a:lstStyle/>
-              <a:p>
-                <a:pPr algn="ctr"/>
-                <a:endParaRPr lang="en-US" sz="2800" dirty="0">
-                  <a:latin typeface="Cambria" panose="02040503050406030204" pitchFamily="18" charset="0"/>
-                </a:endParaRPr>
-              </a:p>
-            </p:txBody>
-          </p:sp>
-          <p:sp>
-            <p:nvSpPr>
-              <p:cNvPr id="16" name="TextBox 15">
-                <a:extLst>
-                  <a:ext uri="{FF2B5EF4-FFF2-40B4-BE49-F238E27FC236}">
-                    <a16:creationId xmlns:a16="http://schemas.microsoft.com/office/drawing/2014/main" id="{0BCF6713-B3FD-2DAF-EEAA-DADBC32A447A}"/>
-                  </a:ext>
-                </a:extLst>
-              </p:cNvPr>
-              <p:cNvSpPr txBox="1"/>
-              <p:nvPr/>
-            </p:nvSpPr>
-            <p:spPr>
-              <a:xfrm>
-                <a:off x="4079911" y="248652"/>
-                <a:ext cx="1915909" cy="523220"/>
-              </a:xfrm>
-              <a:prstGeom prst="rect">
-                <a:avLst/>
-              </a:prstGeom>
-              <a:noFill/>
-            </p:spPr>
-            <p:txBody>
-              <a:bodyPr wrap="none" rtlCol="0">
-                <a:spAutoFit/>
-              </a:bodyPr>
-              <a:lstStyle/>
-              <a:p>
-                <a:pPr algn="ctr"/>
-                <a:r>
-                  <a:rPr lang="en-US" sz="2800" dirty="0">
-                    <a:latin typeface="Cambria" panose="02040503050406030204" pitchFamily="18" charset="0"/>
-                  </a:rPr>
-                  <a:t>UNCALLED</a:t>
-                </a:r>
-              </a:p>
-            </p:txBody>
-          </p:sp>
-        </p:grpSp>
-        <p:grpSp>
-          <p:nvGrpSpPr>
-            <p:cNvPr id="17" name="Group 16">
-              <a:extLst>
-                <a:ext uri="{FF2B5EF4-FFF2-40B4-BE49-F238E27FC236}">
-                  <a16:creationId xmlns:a16="http://schemas.microsoft.com/office/drawing/2014/main" id="{4D2E9BA1-F4F3-320B-718B-21600583FF1A}"/>
-                </a:ext>
-              </a:extLst>
-            </p:cNvPr>
-            <p:cNvGrpSpPr/>
-            <p:nvPr/>
-          </p:nvGrpSpPr>
-          <p:grpSpPr>
-            <a:xfrm>
-              <a:off x="10536547" y="584295"/>
-              <a:ext cx="1601180" cy="523220"/>
-              <a:chOff x="3780870" y="201853"/>
-              <a:chExt cx="1601180" cy="523220"/>
-            </a:xfrm>
-          </p:grpSpPr>
-          <p:sp>
-            <p:nvSpPr>
-              <p:cNvPr id="21" name="Rectangle 20">
-                <a:extLst>
-                  <a:ext uri="{FF2B5EF4-FFF2-40B4-BE49-F238E27FC236}">
-                    <a16:creationId xmlns:a16="http://schemas.microsoft.com/office/drawing/2014/main" id="{03C96383-578C-2B5D-5AC5-9AC21BD16DB9}"/>
-                  </a:ext>
-                </a:extLst>
-              </p:cNvPr>
-              <p:cNvSpPr/>
-              <p:nvPr/>
-            </p:nvSpPr>
-            <p:spPr>
-              <a:xfrm>
-                <a:off x="3780870" y="319463"/>
-                <a:ext cx="288000" cy="288000"/>
-              </a:xfrm>
-              <a:prstGeom prst="rect">
-                <a:avLst/>
-              </a:prstGeom>
-              <a:solidFill>
-                <a:srgbClr val="DB8042"/>
-              </a:solidFill>
-            </p:spPr>
-            <p:style>
-              <a:lnRef idx="2">
-                <a:schemeClr val="accent1">
-                  <a:shade val="50000"/>
-                </a:schemeClr>
-              </a:lnRef>
-              <a:fillRef idx="1">
-                <a:schemeClr val="accent1"/>
-              </a:fillRef>
-              <a:effectRef idx="0">
-                <a:schemeClr val="accent1"/>
-              </a:effectRef>
-              <a:fontRef idx="minor">
-                <a:schemeClr val="lt1"/>
-              </a:fontRef>
-            </p:style>
-            <p:txBody>
-              <a:bodyPr rtlCol="0" anchor="ctr"/>
-              <a:lstStyle/>
-              <a:p>
-                <a:pPr algn="ctr"/>
-                <a:endParaRPr lang="en-US" sz="2800" dirty="0">
-                  <a:latin typeface="Cambria" panose="02040503050406030204" pitchFamily="18" charset="0"/>
-                </a:endParaRPr>
-              </a:p>
-            </p:txBody>
-          </p:sp>
-          <p:sp>
-            <p:nvSpPr>
-              <p:cNvPr id="22" name="TextBox 21">
-                <a:extLst>
-                  <a:ext uri="{FF2B5EF4-FFF2-40B4-BE49-F238E27FC236}">
-                    <a16:creationId xmlns:a16="http://schemas.microsoft.com/office/drawing/2014/main" id="{30F1B7CE-6DAA-9A7B-D57C-E58C53C5B5A8}"/>
-                  </a:ext>
-                </a:extLst>
-              </p:cNvPr>
-              <p:cNvSpPr txBox="1"/>
-              <p:nvPr/>
-            </p:nvSpPr>
-            <p:spPr>
-              <a:xfrm>
-                <a:off x="4068870" y="201853"/>
-                <a:ext cx="1313180" cy="523220"/>
-              </a:xfrm>
-              <a:prstGeom prst="rect">
-                <a:avLst/>
-              </a:prstGeom>
-              <a:noFill/>
-            </p:spPr>
-            <p:txBody>
-              <a:bodyPr wrap="none" rtlCol="0">
-                <a:spAutoFit/>
-              </a:bodyPr>
-              <a:lstStyle/>
-              <a:p>
-                <a:pPr algn="ctr"/>
-                <a:r>
-                  <a:rPr lang="en-US" sz="2800" dirty="0" err="1">
-                    <a:latin typeface="Cambria" panose="02040503050406030204" pitchFamily="18" charset="0"/>
-                  </a:rPr>
-                  <a:t>Sigmap</a:t>
-                </a:r>
-                <a:endParaRPr lang="en-US" sz="2800" dirty="0">
-                  <a:latin typeface="Cambria" panose="02040503050406030204" pitchFamily="18" charset="0"/>
-                </a:endParaRPr>
-              </a:p>
-            </p:txBody>
-          </p:sp>
-        </p:grpSp>
-      </p:grpSp>
-    </p:spTree>
-    <p:extLst>
-      <p:ext uri="{BB962C8B-B14F-4D97-AF65-F5344CB8AC3E}">
-        <p14:creationId xmlns:p14="http://schemas.microsoft.com/office/powerpoint/2010/main" val="3981041560"/>
-      </p:ext>
-    </p:extLst>
-  </p:cSld>
-  <p:clrMapOvr>
-    <a:masterClrMapping/>
-  </p:clrMapOvr>
-</p:sld>
-</file>
-
-<file path=ppt/slides/slide3.xml><?xml version="1.0" encoding="utf-8"?>
-<p:sld xmlns:a="http://schemas.openxmlformats.org/drawingml/2006/main" xmlns:r="http://schemas.openxmlformats.org/officeDocument/2006/relationships" xmlns:p="http://schemas.openxmlformats.org/presentationml/2006/main">
-  <p:cSld>
-    <p:spTree>
-      <p:nvGrpSpPr>
-        <p:cNvPr id="1" name=""/>
-        <p:cNvGrpSpPr/>
-        <p:nvPr/>
-      </p:nvGrpSpPr>
-      <p:grpSpPr>
-        <a:xfrm>
-          <a:off x="0" y="0"/>
-          <a:ext cx="0" cy="0"/>
-          <a:chOff x="0" y="0"/>
-          <a:chExt cx="0" cy="0"/>
-        </a:xfrm>
-      </p:grpSpPr>
-      <p:sp>
-        <p:nvSpPr>
-          <p:cNvPr id="62" name="TextBox 61">
-            <a:extLst>
-              <a:ext uri="{FF2B5EF4-FFF2-40B4-BE49-F238E27FC236}">
-                <a16:creationId xmlns:a16="http://schemas.microsoft.com/office/drawing/2014/main" id="{96CAF229-2FF7-7E51-42EE-3E688EA0A7C5}"/>
-              </a:ext>
-            </a:extLst>
-          </p:cNvPr>
-          <p:cNvSpPr txBox="1"/>
-          <p:nvPr/>
-        </p:nvSpPr>
-        <p:spPr>
-          <a:xfrm>
-            <a:off x="6457607" y="5268410"/>
-            <a:ext cx="931024" cy="1107996"/>
-          </a:xfrm>
-          <a:prstGeom prst="rect">
-            <a:avLst/>
-          </a:prstGeom>
-          <a:noFill/>
-        </p:spPr>
-        <p:txBody>
-          <a:bodyPr wrap="none" rtlCol="0">
-            <a:spAutoFit/>
-          </a:bodyPr>
-          <a:lstStyle/>
-          <a:p>
-            <a:pPr algn="ctr"/>
-            <a:r>
-              <a:rPr lang="en-US" sz="2200" b="1" dirty="0">
-                <a:latin typeface="Cambria" panose="02040503050406030204" pitchFamily="18" charset="0"/>
-              </a:rPr>
-              <a:t>D1</a:t>
-            </a:r>
-          </a:p>
-          <a:p>
-            <a:pPr algn="ctr"/>
-            <a:r>
-              <a:rPr lang="en-US" sz="2200" b="1" dirty="0">
-                <a:latin typeface="Cambria" panose="02040503050406030204" pitchFamily="18" charset="0"/>
-              </a:rPr>
-              <a:t>SARS-</a:t>
-            </a:r>
-          </a:p>
-          <a:p>
-            <a:pPr algn="ctr"/>
-            <a:r>
-              <a:rPr lang="en-US" sz="2200" b="1" dirty="0">
-                <a:latin typeface="Cambria" panose="02040503050406030204" pitchFamily="18" charset="0"/>
-              </a:rPr>
-              <a:t>CoV-2</a:t>
-            </a:r>
-          </a:p>
-        </p:txBody>
-      </p:sp>
-      <p:sp>
-        <p:nvSpPr>
-          <p:cNvPr id="109" name="TextBox 108">
-            <a:extLst>
-              <a:ext uri="{FF2B5EF4-FFF2-40B4-BE49-F238E27FC236}">
-                <a16:creationId xmlns:a16="http://schemas.microsoft.com/office/drawing/2014/main" id="{0B8D124A-38A0-D097-02F7-F0520F16847F}"/>
-              </a:ext>
-            </a:extLst>
-          </p:cNvPr>
-          <p:cNvSpPr txBox="1"/>
-          <p:nvPr/>
-        </p:nvSpPr>
-        <p:spPr>
-          <a:xfrm>
-            <a:off x="9707436" y="5268410"/>
-            <a:ext cx="971060" cy="1107996"/>
-          </a:xfrm>
-          <a:prstGeom prst="rect">
-            <a:avLst/>
-          </a:prstGeom>
-          <a:noFill/>
-        </p:spPr>
-        <p:txBody>
-          <a:bodyPr wrap="square" rtlCol="0">
-            <a:spAutoFit/>
-          </a:bodyPr>
-          <a:lstStyle/>
-          <a:p>
-            <a:pPr algn="ctr"/>
-            <a:r>
-              <a:rPr lang="en-US" sz="2200" b="1" dirty="0">
-                <a:latin typeface="Cambria" panose="02040503050406030204" pitchFamily="18" charset="0"/>
-              </a:rPr>
-              <a:t>D4</a:t>
-            </a:r>
-          </a:p>
-          <a:p>
-            <a:pPr algn="ctr"/>
-            <a:r>
-              <a:rPr lang="en-US" sz="2200" b="1" dirty="0">
-                <a:latin typeface="Cambria" panose="02040503050406030204" pitchFamily="18" charset="0"/>
-              </a:rPr>
-              <a:t>Green</a:t>
-            </a:r>
-          </a:p>
-          <a:p>
-            <a:pPr algn="ctr"/>
-            <a:r>
-              <a:rPr lang="en-US" sz="2200" b="1" dirty="0">
-                <a:latin typeface="Cambria" panose="02040503050406030204" pitchFamily="18" charset="0"/>
-              </a:rPr>
-              <a:t>Algae</a:t>
-            </a:r>
-          </a:p>
-        </p:txBody>
-      </p:sp>
-      <p:sp>
-        <p:nvSpPr>
-          <p:cNvPr id="112" name="TextBox 111">
-            <a:extLst>
-              <a:ext uri="{FF2B5EF4-FFF2-40B4-BE49-F238E27FC236}">
-                <a16:creationId xmlns:a16="http://schemas.microsoft.com/office/drawing/2014/main" id="{21C54195-1BC0-7198-39E9-746027482C71}"/>
-              </a:ext>
-            </a:extLst>
-          </p:cNvPr>
-          <p:cNvSpPr txBox="1"/>
-          <p:nvPr/>
-        </p:nvSpPr>
-        <p:spPr>
-          <a:xfrm>
-            <a:off x="10768862" y="5268410"/>
-            <a:ext cx="1128835" cy="769441"/>
-          </a:xfrm>
-          <a:prstGeom prst="rect">
-            <a:avLst/>
-          </a:prstGeom>
-          <a:noFill/>
-        </p:spPr>
-        <p:txBody>
-          <a:bodyPr wrap="none" rtlCol="0">
-            <a:spAutoFit/>
-          </a:bodyPr>
-          <a:lstStyle/>
-          <a:p>
-            <a:pPr algn="ctr"/>
-            <a:r>
-              <a:rPr lang="en-US" sz="2200" b="1" dirty="0">
-                <a:latin typeface="Cambria" panose="02040503050406030204" pitchFamily="18" charset="0"/>
-              </a:rPr>
-              <a:t>D5</a:t>
-            </a:r>
-          </a:p>
-          <a:p>
-            <a:pPr algn="ctr"/>
-            <a:r>
-              <a:rPr lang="en-US" sz="2200" b="1" dirty="0">
-                <a:latin typeface="Cambria" panose="02040503050406030204" pitchFamily="18" charset="0"/>
-              </a:rPr>
-              <a:t>Human</a:t>
-            </a:r>
-          </a:p>
-        </p:txBody>
-      </p:sp>
-      <p:sp>
-        <p:nvSpPr>
-          <p:cNvPr id="18" name="TextBox 17">
-            <a:extLst>
-              <a:ext uri="{FF2B5EF4-FFF2-40B4-BE49-F238E27FC236}">
-                <a16:creationId xmlns:a16="http://schemas.microsoft.com/office/drawing/2014/main" id="{27D0DFC1-079C-D227-33BF-A2ACDD264B77}"/>
-              </a:ext>
-            </a:extLst>
-          </p:cNvPr>
-          <p:cNvSpPr txBox="1"/>
-          <p:nvPr/>
-        </p:nvSpPr>
-        <p:spPr>
-          <a:xfrm>
-            <a:off x="7533795" y="5268410"/>
-            <a:ext cx="942694" cy="769441"/>
-          </a:xfrm>
-          <a:prstGeom prst="rect">
-            <a:avLst/>
-          </a:prstGeom>
-          <a:noFill/>
-        </p:spPr>
-        <p:txBody>
-          <a:bodyPr wrap="none" rtlCol="0">
-            <a:spAutoFit/>
-          </a:bodyPr>
-          <a:lstStyle/>
-          <a:p>
-            <a:pPr algn="ctr"/>
-            <a:r>
-              <a:rPr lang="en-US" sz="2200" b="1" dirty="0">
-                <a:latin typeface="Cambria" panose="02040503050406030204" pitchFamily="18" charset="0"/>
-              </a:rPr>
-              <a:t>D2</a:t>
-            </a:r>
-          </a:p>
-          <a:p>
-            <a:pPr algn="ctr"/>
-            <a:r>
-              <a:rPr lang="en-US" sz="2200" b="1" dirty="0">
-                <a:latin typeface="Cambria" panose="02040503050406030204" pitchFamily="18" charset="0"/>
-              </a:rPr>
-              <a:t>E. coli</a:t>
-            </a:r>
-          </a:p>
-        </p:txBody>
-      </p:sp>
-      <p:sp>
-        <p:nvSpPr>
-          <p:cNvPr id="19" name="TextBox 18">
-            <a:extLst>
-              <a:ext uri="{FF2B5EF4-FFF2-40B4-BE49-F238E27FC236}">
-                <a16:creationId xmlns:a16="http://schemas.microsoft.com/office/drawing/2014/main" id="{4EE6EC74-399E-623E-683D-91D67EC0EC85}"/>
-              </a:ext>
-            </a:extLst>
-          </p:cNvPr>
-          <p:cNvSpPr txBox="1"/>
-          <p:nvPr/>
-        </p:nvSpPr>
-        <p:spPr>
-          <a:xfrm>
-            <a:off x="8688911" y="5268410"/>
-            <a:ext cx="861967" cy="769441"/>
-          </a:xfrm>
-          <a:prstGeom prst="rect">
-            <a:avLst/>
-          </a:prstGeom>
-          <a:noFill/>
-        </p:spPr>
-        <p:txBody>
-          <a:bodyPr wrap="none" rtlCol="0">
-            <a:spAutoFit/>
-          </a:bodyPr>
-          <a:lstStyle/>
-          <a:p>
-            <a:pPr algn="ctr"/>
-            <a:r>
-              <a:rPr lang="en-US" sz="2200" b="1" dirty="0">
-                <a:latin typeface="Cambria" panose="02040503050406030204" pitchFamily="18" charset="0"/>
-              </a:rPr>
-              <a:t>D3</a:t>
-            </a:r>
-          </a:p>
-          <a:p>
-            <a:pPr algn="ctr"/>
-            <a:r>
-              <a:rPr lang="en-US" sz="2200" b="1" dirty="0">
-                <a:latin typeface="Cambria" panose="02040503050406030204" pitchFamily="18" charset="0"/>
-              </a:rPr>
-              <a:t>Yeast</a:t>
-            </a:r>
-          </a:p>
-        </p:txBody>
-      </p:sp>
-      <p:sp>
-        <p:nvSpPr>
-          <p:cNvPr id="5" name="TextBox 4">
-            <a:extLst>
-              <a:ext uri="{FF2B5EF4-FFF2-40B4-BE49-F238E27FC236}">
-                <a16:creationId xmlns:a16="http://schemas.microsoft.com/office/drawing/2014/main" id="{E4862BF3-9618-6956-E1A9-EA2DE9EC6970}"/>
-              </a:ext>
-            </a:extLst>
-          </p:cNvPr>
-          <p:cNvSpPr txBox="1"/>
-          <p:nvPr/>
-        </p:nvSpPr>
-        <p:spPr>
-          <a:xfrm rot="16200000">
-            <a:off x="3494916" y="2842286"/>
-            <a:ext cx="3796950" cy="800219"/>
-          </a:xfrm>
-          <a:prstGeom prst="rect">
-            <a:avLst/>
-          </a:prstGeom>
-          <a:noFill/>
-        </p:spPr>
-        <p:txBody>
-          <a:bodyPr wrap="square" lIns="0" tIns="0" rIns="0" bIns="0" rtlCol="0">
-            <a:spAutoFit/>
-          </a:bodyPr>
-          <a:lstStyle/>
-          <a:p>
-            <a:pPr algn="ctr"/>
-            <a:r>
-              <a:rPr lang="en-US" sz="2600" b="1" dirty="0">
-                <a:latin typeface="Cambria" panose="02040503050406030204" pitchFamily="18" charset="0"/>
-              </a:rPr>
-              <a:t>Portion of overall  runtime (%)</a:t>
-            </a:r>
-          </a:p>
-        </p:txBody>
-      </p:sp>
-      <p:pic>
-        <p:nvPicPr>
-          <p:cNvPr id="4" name="Picture 3">
-            <a:extLst>
-              <a:ext uri="{FF2B5EF4-FFF2-40B4-BE49-F238E27FC236}">
-                <a16:creationId xmlns:a16="http://schemas.microsoft.com/office/drawing/2014/main" id="{635D8080-B02A-50C5-6025-8CC7DCEC9FEB}"/>
-              </a:ext>
-            </a:extLst>
-          </p:cNvPr>
-          <p:cNvPicPr>
-            <a:picLocks noChangeAspect="1"/>
-          </p:cNvPicPr>
-          <p:nvPr/>
-        </p:nvPicPr>
-        <p:blipFill>
-          <a:blip r:embed="rId3">
-            <a:extLst>
-              <a:ext uri="{28A0092B-C50C-407E-A947-70E740481C1C}">
-                <a14:useLocalDpi xmlns:a14="http://schemas.microsoft.com/office/drawing/2010/main" val="0"/>
-              </a:ext>
-            </a:extLst>
-          </a:blip>
-          <a:srcRect/>
-          <a:stretch/>
-        </p:blipFill>
-        <p:spPr>
-          <a:xfrm>
-            <a:off x="6589018" y="1111180"/>
-            <a:ext cx="5061754" cy="4218129"/>
-          </a:xfrm>
-          <a:prstGeom prst="rect">
-            <a:avLst/>
-          </a:prstGeom>
-        </p:spPr>
-      </p:pic>
-      <p:sp>
-        <p:nvSpPr>
-          <p:cNvPr id="13" name="TextBox 12">
-            <a:extLst>
-              <a:ext uri="{FF2B5EF4-FFF2-40B4-BE49-F238E27FC236}">
-                <a16:creationId xmlns:a16="http://schemas.microsoft.com/office/drawing/2014/main" id="{865CAA05-04A9-47CA-9F71-3D0E31FA797B}"/>
-              </a:ext>
-            </a:extLst>
-          </p:cNvPr>
-          <p:cNvSpPr txBox="1"/>
-          <p:nvPr/>
-        </p:nvSpPr>
-        <p:spPr>
-          <a:xfrm>
-            <a:off x="6158620" y="4388431"/>
-            <a:ext cx="397545" cy="430887"/>
-          </a:xfrm>
-          <a:prstGeom prst="rect">
-            <a:avLst/>
-          </a:prstGeom>
-          <a:noFill/>
-        </p:spPr>
-        <p:txBody>
-          <a:bodyPr wrap="none" lIns="0" tIns="0" rIns="0" bIns="0" rtlCol="0">
-            <a:spAutoFit/>
-          </a:bodyPr>
-          <a:lstStyle/>
-          <a:p>
-            <a:r>
-              <a:rPr lang="en-US" sz="2800" dirty="0">
-                <a:latin typeface="Cambria" panose="02040503050406030204" pitchFamily="18" charset="0"/>
-              </a:rPr>
-              <a:t>75</a:t>
             </a:r>
             <a:endParaRPr lang="en-US" sz="2400" baseline="30000" dirty="0">
               <a:latin typeface="Cambria" panose="02040503050406030204" pitchFamily="18" charset="0"/>
@@ -6378,10 +4427,10 @@
         </p:nvGrpSpPr>
         <p:grpSpPr>
           <a:xfrm>
-            <a:off x="7244631" y="534386"/>
-            <a:ext cx="3750527" cy="523220"/>
-            <a:chOff x="3780870" y="188601"/>
-            <a:chExt cx="3750527" cy="523220"/>
+            <a:off x="9641350" y="549131"/>
+            <a:ext cx="1885532" cy="523220"/>
+            <a:chOff x="3780870" y="201853"/>
+            <a:chExt cx="1885532" cy="523220"/>
           </a:xfrm>
         </p:grpSpPr>
         <p:sp>
@@ -6449,6 +4498,2310 @@
           </p:nvSpPr>
           <p:spPr>
             <a:xfrm>
+              <a:off x="4040188" y="201853"/>
+              <a:ext cx="1626214" cy="523220"/>
+            </a:xfrm>
+            <a:prstGeom prst="rect">
+              <a:avLst/>
+            </a:prstGeom>
+            <a:noFill/>
+          </p:spPr>
+          <p:txBody>
+            <a:bodyPr wrap="none" rtlCol="0">
+              <a:spAutoFit/>
+            </a:bodyPr>
+            <a:lstStyle/>
+            <a:p>
+              <a:pPr algn="ctr"/>
+              <a:r>
+                <a:rPr lang="en-US" sz="2800" dirty="0">
+                  <a:latin typeface="Cambria" panose="02040503050406030204" pitchFamily="18" charset="0"/>
+                </a:rPr>
+                <a:t>RawHash</a:t>
+              </a:r>
+            </a:p>
+          </p:txBody>
+        </p:sp>
+      </p:grpSp>
+      <p:grpSp>
+        <p:nvGrpSpPr>
+          <p:cNvPr id="14" name="Group 13">
+            <a:extLst>
+              <a:ext uri="{FF2B5EF4-FFF2-40B4-BE49-F238E27FC236}">
+                <a16:creationId xmlns:a16="http://schemas.microsoft.com/office/drawing/2014/main" id="{3AB95315-0052-63BF-1A79-C925E0D836F2}"/>
+              </a:ext>
+            </a:extLst>
+          </p:cNvPr>
+          <p:cNvGrpSpPr/>
+          <p:nvPr/>
+        </p:nvGrpSpPr>
+        <p:grpSpPr>
+          <a:xfrm>
+            <a:off x="11530489" y="549131"/>
+            <a:ext cx="2214950" cy="523220"/>
+            <a:chOff x="3780870" y="248652"/>
+            <a:chExt cx="2214950" cy="523220"/>
+          </a:xfrm>
+        </p:grpSpPr>
+        <p:sp>
+          <p:nvSpPr>
+            <p:cNvPr id="15" name="Rectangle 14">
+              <a:extLst>
+                <a:ext uri="{FF2B5EF4-FFF2-40B4-BE49-F238E27FC236}">
+                  <a16:creationId xmlns:a16="http://schemas.microsoft.com/office/drawing/2014/main" id="{D70396FF-403B-FFA8-75A5-52BC407761B0}"/>
+                </a:ext>
+              </a:extLst>
+            </p:cNvPr>
+            <p:cNvSpPr/>
+            <p:nvPr/>
+          </p:nvSpPr>
+          <p:spPr>
+            <a:xfrm>
+              <a:off x="3780870" y="366262"/>
+              <a:ext cx="288000" cy="288000"/>
+            </a:xfrm>
+            <a:prstGeom prst="rect">
+              <a:avLst/>
+            </a:prstGeom>
+            <a:solidFill>
+              <a:srgbClr val="AA449A"/>
+            </a:solidFill>
+          </p:spPr>
+          <p:style>
+            <a:lnRef idx="2">
+              <a:schemeClr val="accent1">
+                <a:shade val="50000"/>
+              </a:schemeClr>
+            </a:lnRef>
+            <a:fillRef idx="1">
+              <a:schemeClr val="accent1"/>
+            </a:fillRef>
+            <a:effectRef idx="0">
+              <a:schemeClr val="accent1"/>
+            </a:effectRef>
+            <a:fontRef idx="minor">
+              <a:schemeClr val="lt1"/>
+            </a:fontRef>
+          </p:style>
+          <p:txBody>
+            <a:bodyPr rtlCol="0" anchor="ctr"/>
+            <a:lstStyle/>
+            <a:p>
+              <a:pPr algn="ctr"/>
+              <a:endParaRPr lang="en-US" sz="2800" dirty="0">
+                <a:latin typeface="Cambria" panose="02040503050406030204" pitchFamily="18" charset="0"/>
+              </a:endParaRPr>
+            </a:p>
+          </p:txBody>
+        </p:sp>
+        <p:sp>
+          <p:nvSpPr>
+            <p:cNvPr id="16" name="TextBox 15">
+              <a:extLst>
+                <a:ext uri="{FF2B5EF4-FFF2-40B4-BE49-F238E27FC236}">
+                  <a16:creationId xmlns:a16="http://schemas.microsoft.com/office/drawing/2014/main" id="{0BCF6713-B3FD-2DAF-EEAA-DADBC32A447A}"/>
+                </a:ext>
+              </a:extLst>
+            </p:cNvPr>
+            <p:cNvSpPr txBox="1"/>
+            <p:nvPr/>
+          </p:nvSpPr>
+          <p:spPr>
+            <a:xfrm>
+              <a:off x="4079911" y="248652"/>
+              <a:ext cx="1915909" cy="523220"/>
+            </a:xfrm>
+            <a:prstGeom prst="rect">
+              <a:avLst/>
+            </a:prstGeom>
+            <a:noFill/>
+          </p:spPr>
+          <p:txBody>
+            <a:bodyPr wrap="none" rtlCol="0">
+              <a:spAutoFit/>
+            </a:bodyPr>
+            <a:lstStyle/>
+            <a:p>
+              <a:pPr algn="ctr"/>
+              <a:r>
+                <a:rPr lang="en-US" sz="2800" dirty="0">
+                  <a:latin typeface="Cambria" panose="02040503050406030204" pitchFamily="18" charset="0"/>
+                </a:rPr>
+                <a:t>UNCALLED</a:t>
+              </a:r>
+            </a:p>
+          </p:txBody>
+        </p:sp>
+      </p:grpSp>
+      <p:grpSp>
+        <p:nvGrpSpPr>
+          <p:cNvPr id="17" name="Group 16">
+            <a:extLst>
+              <a:ext uri="{FF2B5EF4-FFF2-40B4-BE49-F238E27FC236}">
+                <a16:creationId xmlns:a16="http://schemas.microsoft.com/office/drawing/2014/main" id="{4D2E9BA1-F4F3-320B-718B-21600583FF1A}"/>
+              </a:ext>
+            </a:extLst>
+          </p:cNvPr>
+          <p:cNvGrpSpPr/>
+          <p:nvPr/>
+        </p:nvGrpSpPr>
+        <p:grpSpPr>
+          <a:xfrm>
+            <a:off x="13749044" y="549131"/>
+            <a:ext cx="1601180" cy="523220"/>
+            <a:chOff x="3780870" y="201853"/>
+            <a:chExt cx="1601180" cy="523220"/>
+          </a:xfrm>
+        </p:grpSpPr>
+        <p:sp>
+          <p:nvSpPr>
+            <p:cNvPr id="21" name="Rectangle 20">
+              <a:extLst>
+                <a:ext uri="{FF2B5EF4-FFF2-40B4-BE49-F238E27FC236}">
+                  <a16:creationId xmlns:a16="http://schemas.microsoft.com/office/drawing/2014/main" id="{03C96383-578C-2B5D-5AC5-9AC21BD16DB9}"/>
+                </a:ext>
+              </a:extLst>
+            </p:cNvPr>
+            <p:cNvSpPr/>
+            <p:nvPr/>
+          </p:nvSpPr>
+          <p:spPr>
+            <a:xfrm>
+              <a:off x="3780870" y="319463"/>
+              <a:ext cx="288000" cy="288000"/>
+            </a:xfrm>
+            <a:prstGeom prst="rect">
+              <a:avLst/>
+            </a:prstGeom>
+            <a:solidFill>
+              <a:srgbClr val="DB8042"/>
+            </a:solidFill>
+          </p:spPr>
+          <p:style>
+            <a:lnRef idx="2">
+              <a:schemeClr val="accent1">
+                <a:shade val="50000"/>
+              </a:schemeClr>
+            </a:lnRef>
+            <a:fillRef idx="1">
+              <a:schemeClr val="accent1"/>
+            </a:fillRef>
+            <a:effectRef idx="0">
+              <a:schemeClr val="accent1"/>
+            </a:effectRef>
+            <a:fontRef idx="minor">
+              <a:schemeClr val="lt1"/>
+            </a:fontRef>
+          </p:style>
+          <p:txBody>
+            <a:bodyPr rtlCol="0" anchor="ctr"/>
+            <a:lstStyle/>
+            <a:p>
+              <a:pPr algn="ctr"/>
+              <a:endParaRPr lang="en-US" sz="2800" dirty="0">
+                <a:latin typeface="Cambria" panose="02040503050406030204" pitchFamily="18" charset="0"/>
+              </a:endParaRPr>
+            </a:p>
+          </p:txBody>
+        </p:sp>
+        <p:sp>
+          <p:nvSpPr>
+            <p:cNvPr id="22" name="TextBox 21">
+              <a:extLst>
+                <a:ext uri="{FF2B5EF4-FFF2-40B4-BE49-F238E27FC236}">
+                  <a16:creationId xmlns:a16="http://schemas.microsoft.com/office/drawing/2014/main" id="{30F1B7CE-6DAA-9A7B-D57C-E58C53C5B5A8}"/>
+                </a:ext>
+              </a:extLst>
+            </p:cNvPr>
+            <p:cNvSpPr txBox="1"/>
+            <p:nvPr/>
+          </p:nvSpPr>
+          <p:spPr>
+            <a:xfrm>
+              <a:off x="4068870" y="201853"/>
+              <a:ext cx="1313180" cy="523220"/>
+            </a:xfrm>
+            <a:prstGeom prst="rect">
+              <a:avLst/>
+            </a:prstGeom>
+            <a:noFill/>
+          </p:spPr>
+          <p:txBody>
+            <a:bodyPr wrap="none" rtlCol="0">
+              <a:spAutoFit/>
+            </a:bodyPr>
+            <a:lstStyle/>
+            <a:p>
+              <a:pPr algn="ctr"/>
+              <a:r>
+                <a:rPr lang="en-US" sz="2800" dirty="0">
+                  <a:latin typeface="Cambria" panose="02040503050406030204" pitchFamily="18" charset="0"/>
+                </a:rPr>
+                <a:t>Sigmap</a:t>
+              </a:r>
+            </a:p>
+          </p:txBody>
+        </p:sp>
+      </p:grpSp>
+      <p:grpSp>
+        <p:nvGrpSpPr>
+          <p:cNvPr id="32" name="Group 31">
+            <a:extLst>
+              <a:ext uri="{FF2B5EF4-FFF2-40B4-BE49-F238E27FC236}">
+                <a16:creationId xmlns:a16="http://schemas.microsoft.com/office/drawing/2014/main" id="{223C8B4C-1200-C9B0-9D43-36D647AE30C0}"/>
+              </a:ext>
+            </a:extLst>
+          </p:cNvPr>
+          <p:cNvGrpSpPr/>
+          <p:nvPr/>
+        </p:nvGrpSpPr>
+        <p:grpSpPr>
+          <a:xfrm>
+            <a:off x="1795101" y="549131"/>
+            <a:ext cx="1992482" cy="523220"/>
+            <a:chOff x="3780870" y="201853"/>
+            <a:chExt cx="1992482" cy="523220"/>
+          </a:xfrm>
+        </p:grpSpPr>
+        <p:sp>
+          <p:nvSpPr>
+            <p:cNvPr id="33" name="Rectangle 32">
+              <a:extLst>
+                <a:ext uri="{FF2B5EF4-FFF2-40B4-BE49-F238E27FC236}">
+                  <a16:creationId xmlns:a16="http://schemas.microsoft.com/office/drawing/2014/main" id="{56BF0085-3FDE-06F7-574A-7CF3DAEFA7B0}"/>
+                </a:ext>
+              </a:extLst>
+            </p:cNvPr>
+            <p:cNvSpPr/>
+            <p:nvPr/>
+          </p:nvSpPr>
+          <p:spPr>
+            <a:xfrm>
+              <a:off x="3780870" y="319463"/>
+              <a:ext cx="288000" cy="288000"/>
+            </a:xfrm>
+            <a:prstGeom prst="rect">
+              <a:avLst/>
+            </a:prstGeom>
+            <a:solidFill>
+              <a:srgbClr val="A3A3A3"/>
+            </a:solidFill>
+          </p:spPr>
+          <p:style>
+            <a:lnRef idx="2">
+              <a:schemeClr val="accent1">
+                <a:shade val="50000"/>
+              </a:schemeClr>
+            </a:lnRef>
+            <a:fillRef idx="1">
+              <a:schemeClr val="accent1"/>
+            </a:fillRef>
+            <a:effectRef idx="0">
+              <a:schemeClr val="accent1"/>
+            </a:effectRef>
+            <a:fontRef idx="minor">
+              <a:schemeClr val="lt1"/>
+            </a:fontRef>
+          </p:style>
+          <p:txBody>
+            <a:bodyPr rtlCol="0" anchor="ctr"/>
+            <a:lstStyle/>
+            <a:p>
+              <a:pPr algn="ctr"/>
+              <a:endParaRPr lang="en-US" sz="2800" dirty="0">
+                <a:latin typeface="Cambria" panose="02040503050406030204" pitchFamily="18" charset="0"/>
+              </a:endParaRPr>
+            </a:p>
+          </p:txBody>
+        </p:sp>
+        <p:sp>
+          <p:nvSpPr>
+            <p:cNvPr id="34" name="TextBox 33">
+              <a:extLst>
+                <a:ext uri="{FF2B5EF4-FFF2-40B4-BE49-F238E27FC236}">
+                  <a16:creationId xmlns:a16="http://schemas.microsoft.com/office/drawing/2014/main" id="{A360EBB2-DCFE-196A-56B6-FB5DE548358C}"/>
+                </a:ext>
+              </a:extLst>
+            </p:cNvPr>
+            <p:cNvSpPr txBox="1"/>
+            <p:nvPr/>
+          </p:nvSpPr>
+          <p:spPr>
+            <a:xfrm>
+              <a:off x="4069489" y="201853"/>
+              <a:ext cx="1703863" cy="523220"/>
+            </a:xfrm>
+            <a:prstGeom prst="rect">
+              <a:avLst/>
+            </a:prstGeom>
+            <a:noFill/>
+          </p:spPr>
+          <p:txBody>
+            <a:bodyPr wrap="none" rtlCol="0">
+              <a:spAutoFit/>
+            </a:bodyPr>
+            <a:lstStyle/>
+            <a:p>
+              <a:pPr algn="ctr"/>
+              <a:r>
+                <a:rPr lang="en-US" sz="2800" dirty="0">
+                  <a:latin typeface="Cambria" panose="02040503050406030204" pitchFamily="18" charset="0"/>
+                </a:rPr>
+                <a:t>Nanopore</a:t>
+              </a:r>
+            </a:p>
+          </p:txBody>
+        </p:sp>
+      </p:grpSp>
+      <p:grpSp>
+        <p:nvGrpSpPr>
+          <p:cNvPr id="9" name="Group 8">
+            <a:extLst>
+              <a:ext uri="{FF2B5EF4-FFF2-40B4-BE49-F238E27FC236}">
+                <a16:creationId xmlns:a16="http://schemas.microsoft.com/office/drawing/2014/main" id="{FB01AA4E-8A41-2FAE-74FE-7DF4F2DEB237}"/>
+              </a:ext>
+            </a:extLst>
+          </p:cNvPr>
+          <p:cNvGrpSpPr/>
+          <p:nvPr/>
+        </p:nvGrpSpPr>
+        <p:grpSpPr>
+          <a:xfrm>
+            <a:off x="5842446" y="549131"/>
+            <a:ext cx="3795297" cy="523220"/>
+            <a:chOff x="3780870" y="201853"/>
+            <a:chExt cx="3795297" cy="523220"/>
+          </a:xfrm>
+        </p:grpSpPr>
+        <p:sp>
+          <p:nvSpPr>
+            <p:cNvPr id="10" name="Rectangle 9">
+              <a:extLst>
+                <a:ext uri="{FF2B5EF4-FFF2-40B4-BE49-F238E27FC236}">
+                  <a16:creationId xmlns:a16="http://schemas.microsoft.com/office/drawing/2014/main" id="{E6BA76C2-E6F4-C767-495D-8039F4AACA99}"/>
+                </a:ext>
+              </a:extLst>
+            </p:cNvPr>
+            <p:cNvSpPr/>
+            <p:nvPr/>
+          </p:nvSpPr>
+          <p:spPr>
+            <a:xfrm>
+              <a:off x="3780870" y="319463"/>
+              <a:ext cx="288000" cy="288000"/>
+            </a:xfrm>
+            <a:prstGeom prst="rect">
+              <a:avLst/>
+            </a:prstGeom>
+            <a:solidFill>
+              <a:srgbClr val="EBBC40"/>
+            </a:solidFill>
+          </p:spPr>
+          <p:style>
+            <a:lnRef idx="2">
+              <a:schemeClr val="accent1">
+                <a:shade val="50000"/>
+              </a:schemeClr>
+            </a:lnRef>
+            <a:fillRef idx="1">
+              <a:schemeClr val="accent1"/>
+            </a:fillRef>
+            <a:effectRef idx="0">
+              <a:schemeClr val="accent1"/>
+            </a:effectRef>
+            <a:fontRef idx="minor">
+              <a:schemeClr val="lt1"/>
+            </a:fontRef>
+          </p:style>
+          <p:txBody>
+            <a:bodyPr rtlCol="0" anchor="ctr"/>
+            <a:lstStyle/>
+            <a:p>
+              <a:pPr algn="ctr"/>
+              <a:endParaRPr lang="en-US" sz="2800" dirty="0">
+                <a:latin typeface="Cambria" panose="02040503050406030204" pitchFamily="18" charset="0"/>
+              </a:endParaRPr>
+            </a:p>
+          </p:txBody>
+        </p:sp>
+        <p:sp>
+          <p:nvSpPr>
+            <p:cNvPr id="23" name="TextBox 22">
+              <a:extLst>
+                <a:ext uri="{FF2B5EF4-FFF2-40B4-BE49-F238E27FC236}">
+                  <a16:creationId xmlns:a16="http://schemas.microsoft.com/office/drawing/2014/main" id="{04491FC1-021E-9F88-5ED7-898F15543466}"/>
+                </a:ext>
+              </a:extLst>
+            </p:cNvPr>
+            <p:cNvSpPr txBox="1"/>
+            <p:nvPr/>
+          </p:nvSpPr>
+          <p:spPr>
+            <a:xfrm>
+              <a:off x="4055203" y="201853"/>
+              <a:ext cx="3520964" cy="523220"/>
+            </a:xfrm>
+            <a:prstGeom prst="rect">
+              <a:avLst/>
+            </a:prstGeom>
+            <a:noFill/>
+          </p:spPr>
+          <p:txBody>
+            <a:bodyPr wrap="none" rtlCol="0">
+              <a:spAutoFit/>
+            </a:bodyPr>
+            <a:lstStyle/>
+            <a:p>
+              <a:pPr algn="ctr"/>
+              <a:r>
+                <a:rPr lang="en-US" sz="2800" dirty="0">
+                  <a:latin typeface="Cambria" panose="02040503050406030204" pitchFamily="18" charset="0"/>
+                </a:rPr>
+                <a:t>RawHash2-Minimizer</a:t>
+              </a:r>
+            </a:p>
+          </p:txBody>
+        </p:sp>
+      </p:grpSp>
+      <p:grpSp>
+        <p:nvGrpSpPr>
+          <p:cNvPr id="24" name="Group 23">
+            <a:extLst>
+              <a:ext uri="{FF2B5EF4-FFF2-40B4-BE49-F238E27FC236}">
+                <a16:creationId xmlns:a16="http://schemas.microsoft.com/office/drawing/2014/main" id="{6B54DFF1-0F84-E22B-5711-1B9B5D3D1683}"/>
+              </a:ext>
+            </a:extLst>
+          </p:cNvPr>
+          <p:cNvGrpSpPr/>
+          <p:nvPr/>
+        </p:nvGrpSpPr>
+        <p:grpSpPr>
+          <a:xfrm>
+            <a:off x="3791190" y="549131"/>
+            <a:ext cx="2047649" cy="523220"/>
+            <a:chOff x="3780870" y="201853"/>
+            <a:chExt cx="2047649" cy="523220"/>
+          </a:xfrm>
+        </p:grpSpPr>
+        <p:sp>
+          <p:nvSpPr>
+            <p:cNvPr id="25" name="Rectangle 24">
+              <a:extLst>
+                <a:ext uri="{FF2B5EF4-FFF2-40B4-BE49-F238E27FC236}">
+                  <a16:creationId xmlns:a16="http://schemas.microsoft.com/office/drawing/2014/main" id="{D70F4E25-D855-75C4-2732-581669B54543}"/>
+                </a:ext>
+              </a:extLst>
+            </p:cNvPr>
+            <p:cNvSpPr/>
+            <p:nvPr/>
+          </p:nvSpPr>
+          <p:spPr>
+            <a:xfrm>
+              <a:off x="3780870" y="319463"/>
+              <a:ext cx="288000" cy="288000"/>
+            </a:xfrm>
+            <a:prstGeom prst="rect">
+              <a:avLst/>
+            </a:prstGeom>
+            <a:solidFill>
+              <a:srgbClr val="60A137"/>
+            </a:solidFill>
+          </p:spPr>
+          <p:style>
+            <a:lnRef idx="2">
+              <a:schemeClr val="accent1">
+                <a:shade val="50000"/>
+              </a:schemeClr>
+            </a:lnRef>
+            <a:fillRef idx="1">
+              <a:schemeClr val="accent1"/>
+            </a:fillRef>
+            <a:effectRef idx="0">
+              <a:schemeClr val="accent1"/>
+            </a:effectRef>
+            <a:fontRef idx="minor">
+              <a:schemeClr val="lt1"/>
+            </a:fontRef>
+          </p:style>
+          <p:txBody>
+            <a:bodyPr rtlCol="0" anchor="ctr"/>
+            <a:lstStyle/>
+            <a:p>
+              <a:pPr algn="ctr"/>
+              <a:endParaRPr lang="en-US" sz="2800" dirty="0">
+                <a:latin typeface="Cambria" panose="02040503050406030204" pitchFamily="18" charset="0"/>
+              </a:endParaRPr>
+            </a:p>
+          </p:txBody>
+        </p:sp>
+        <p:sp>
+          <p:nvSpPr>
+            <p:cNvPr id="26" name="TextBox 25">
+              <a:extLst>
+                <a:ext uri="{FF2B5EF4-FFF2-40B4-BE49-F238E27FC236}">
+                  <a16:creationId xmlns:a16="http://schemas.microsoft.com/office/drawing/2014/main" id="{6A7757A3-8E80-8E1D-B839-DA97974A413E}"/>
+                </a:ext>
+              </a:extLst>
+            </p:cNvPr>
+            <p:cNvSpPr txBox="1"/>
+            <p:nvPr/>
+          </p:nvSpPr>
+          <p:spPr>
+            <a:xfrm>
+              <a:off x="4003532" y="201853"/>
+              <a:ext cx="1824987" cy="523220"/>
+            </a:xfrm>
+            <a:prstGeom prst="rect">
+              <a:avLst/>
+            </a:prstGeom>
+            <a:noFill/>
+          </p:spPr>
+          <p:txBody>
+            <a:bodyPr wrap="none" rtlCol="0">
+              <a:spAutoFit/>
+            </a:bodyPr>
+            <a:lstStyle/>
+            <a:p>
+              <a:pPr algn="ctr"/>
+              <a:r>
+                <a:rPr lang="en-US" sz="2800" dirty="0">
+                  <a:latin typeface="Cambria" panose="02040503050406030204" pitchFamily="18" charset="0"/>
+                </a:rPr>
+                <a:t>RawHash2</a:t>
+              </a:r>
+            </a:p>
+          </p:txBody>
+        </p:sp>
+      </p:grpSp>
+      <p:pic>
+        <p:nvPicPr>
+          <p:cNvPr id="27" name="Picture 26">
+            <a:extLst>
+              <a:ext uri="{FF2B5EF4-FFF2-40B4-BE49-F238E27FC236}">
+                <a16:creationId xmlns:a16="http://schemas.microsoft.com/office/drawing/2014/main" id="{A4A38FCD-0C67-71F8-ADE9-96712C0F7185}"/>
+              </a:ext>
+            </a:extLst>
+          </p:cNvPr>
+          <p:cNvPicPr>
+            <a:picLocks noChangeAspect="1"/>
+          </p:cNvPicPr>
+          <p:nvPr/>
+        </p:nvPicPr>
+        <p:blipFill>
+          <a:blip r:embed="rId3">
+            <a:extLst>
+              <a:ext uri="{28A0092B-C50C-407E-A947-70E740481C1C}">
+                <a14:useLocalDpi xmlns:a14="http://schemas.microsoft.com/office/drawing/2010/main" val="0"/>
+              </a:ext>
+            </a:extLst>
+          </a:blip>
+          <a:stretch>
+            <a:fillRect/>
+          </a:stretch>
+        </p:blipFill>
+        <p:spPr>
+          <a:xfrm>
+            <a:off x="2844219" y="1131266"/>
+            <a:ext cx="12506006" cy="4168669"/>
+          </a:xfrm>
+          <a:prstGeom prst="rect">
+            <a:avLst/>
+          </a:prstGeom>
+        </p:spPr>
+      </p:pic>
+    </p:spTree>
+    <p:extLst>
+      <p:ext uri="{BB962C8B-B14F-4D97-AF65-F5344CB8AC3E}">
+        <p14:creationId xmlns:p14="http://schemas.microsoft.com/office/powerpoint/2010/main" val="3260197033"/>
+      </p:ext>
+    </p:extLst>
+  </p:cSld>
+  <p:clrMapOvr>
+    <a:masterClrMapping/>
+  </p:clrMapOvr>
+</p:sld>
+</file>
+
+<file path=ppt/slides/slide2.xml><?xml version="1.0" encoding="utf-8"?>
+<p:sld xmlns:a="http://schemas.openxmlformats.org/drawingml/2006/main" xmlns:r="http://schemas.openxmlformats.org/officeDocument/2006/relationships" xmlns:p="http://schemas.openxmlformats.org/presentationml/2006/main">
+  <p:cSld>
+    <p:spTree>
+      <p:nvGrpSpPr>
+        <p:cNvPr id="1" name=""/>
+        <p:cNvGrpSpPr/>
+        <p:nvPr/>
+      </p:nvGrpSpPr>
+      <p:grpSpPr>
+        <a:xfrm>
+          <a:off x="0" y="0"/>
+          <a:ext cx="0" cy="0"/>
+          <a:chOff x="0" y="0"/>
+          <a:chExt cx="0" cy="0"/>
+        </a:xfrm>
+      </p:grpSpPr>
+      <p:sp>
+        <p:nvSpPr>
+          <p:cNvPr id="61" name="TextBox 60">
+            <a:extLst>
+              <a:ext uri="{FF2B5EF4-FFF2-40B4-BE49-F238E27FC236}">
+                <a16:creationId xmlns:a16="http://schemas.microsoft.com/office/drawing/2014/main" id="{0CED6964-C115-99BA-A170-DFB707D8BCEA}"/>
+              </a:ext>
+            </a:extLst>
+          </p:cNvPr>
+          <p:cNvSpPr txBox="1"/>
+          <p:nvPr/>
+        </p:nvSpPr>
+        <p:spPr>
+          <a:xfrm>
+            <a:off x="11643628" y="5461840"/>
+            <a:ext cx="2096815" cy="430887"/>
+          </a:xfrm>
+          <a:prstGeom prst="rect">
+            <a:avLst/>
+          </a:prstGeom>
+          <a:noFill/>
+        </p:spPr>
+        <p:txBody>
+          <a:bodyPr wrap="square" rtlCol="0">
+            <a:spAutoFit/>
+          </a:bodyPr>
+          <a:lstStyle/>
+          <a:p>
+            <a:pPr algn="ctr"/>
+            <a:r>
+              <a:rPr lang="en-US" sz="2200" b="1" dirty="0">
+                <a:latin typeface="Cambria" panose="02040503050406030204" pitchFamily="18" charset="0"/>
+              </a:rPr>
+              <a:t>Contamination</a:t>
+            </a:r>
+          </a:p>
+        </p:txBody>
+      </p:sp>
+      <p:sp>
+        <p:nvSpPr>
+          <p:cNvPr id="62" name="TextBox 61">
+            <a:extLst>
+              <a:ext uri="{FF2B5EF4-FFF2-40B4-BE49-F238E27FC236}">
+                <a16:creationId xmlns:a16="http://schemas.microsoft.com/office/drawing/2014/main" id="{96CAF229-2FF7-7E51-42EE-3E688EA0A7C5}"/>
+              </a:ext>
+            </a:extLst>
+          </p:cNvPr>
+          <p:cNvSpPr txBox="1"/>
+          <p:nvPr/>
+        </p:nvSpPr>
+        <p:spPr>
+          <a:xfrm>
+            <a:off x="2879677" y="5292563"/>
+            <a:ext cx="1672830" cy="769441"/>
+          </a:xfrm>
+          <a:prstGeom prst="rect">
+            <a:avLst/>
+          </a:prstGeom>
+          <a:noFill/>
+        </p:spPr>
+        <p:txBody>
+          <a:bodyPr wrap="none" rtlCol="0">
+            <a:spAutoFit/>
+          </a:bodyPr>
+          <a:lstStyle/>
+          <a:p>
+            <a:pPr algn="ctr"/>
+            <a:r>
+              <a:rPr lang="en-US" sz="2200" b="1" dirty="0">
+                <a:latin typeface="Cambria" panose="02040503050406030204" pitchFamily="18" charset="0"/>
+              </a:rPr>
+              <a:t>D1</a:t>
+            </a:r>
+          </a:p>
+          <a:p>
+            <a:pPr algn="ctr"/>
+            <a:r>
+              <a:rPr lang="en-US" sz="2200" b="1" dirty="0">
+                <a:latin typeface="Cambria" panose="02040503050406030204" pitchFamily="18" charset="0"/>
+              </a:rPr>
+              <a:t>SARS-CoV-2</a:t>
+            </a:r>
+          </a:p>
+        </p:txBody>
+      </p:sp>
+      <p:sp>
+        <p:nvSpPr>
+          <p:cNvPr id="109" name="TextBox 108">
+            <a:extLst>
+              <a:ext uri="{FF2B5EF4-FFF2-40B4-BE49-F238E27FC236}">
+                <a16:creationId xmlns:a16="http://schemas.microsoft.com/office/drawing/2014/main" id="{0B8D124A-38A0-D097-02F7-F0520F16847F}"/>
+              </a:ext>
+            </a:extLst>
+          </p:cNvPr>
+          <p:cNvSpPr txBox="1"/>
+          <p:nvPr/>
+        </p:nvSpPr>
+        <p:spPr>
+          <a:xfrm>
+            <a:off x="8224209" y="5292563"/>
+            <a:ext cx="1723445" cy="769441"/>
+          </a:xfrm>
+          <a:prstGeom prst="rect">
+            <a:avLst/>
+          </a:prstGeom>
+          <a:noFill/>
+        </p:spPr>
+        <p:txBody>
+          <a:bodyPr wrap="square" rtlCol="0">
+            <a:spAutoFit/>
+          </a:bodyPr>
+          <a:lstStyle/>
+          <a:p>
+            <a:pPr algn="ctr"/>
+            <a:r>
+              <a:rPr lang="en-US" sz="2200" b="1" dirty="0">
+                <a:latin typeface="Cambria" panose="02040503050406030204" pitchFamily="18" charset="0"/>
+              </a:rPr>
+              <a:t>D4</a:t>
+            </a:r>
+          </a:p>
+          <a:p>
+            <a:pPr algn="ctr"/>
+            <a:r>
+              <a:rPr lang="en-US" sz="2200" b="1" dirty="0">
+                <a:latin typeface="Cambria" panose="02040503050406030204" pitchFamily="18" charset="0"/>
+              </a:rPr>
+              <a:t>Green Algae</a:t>
+            </a:r>
+          </a:p>
+        </p:txBody>
+      </p:sp>
+      <p:sp>
+        <p:nvSpPr>
+          <p:cNvPr id="112" name="TextBox 111">
+            <a:extLst>
+              <a:ext uri="{FF2B5EF4-FFF2-40B4-BE49-F238E27FC236}">
+                <a16:creationId xmlns:a16="http://schemas.microsoft.com/office/drawing/2014/main" id="{21C54195-1BC0-7198-39E9-746027482C71}"/>
+              </a:ext>
+            </a:extLst>
+          </p:cNvPr>
+          <p:cNvSpPr txBox="1"/>
+          <p:nvPr/>
+        </p:nvSpPr>
+        <p:spPr>
+          <a:xfrm>
+            <a:off x="10331960" y="5292563"/>
+            <a:ext cx="1128835" cy="769441"/>
+          </a:xfrm>
+          <a:prstGeom prst="rect">
+            <a:avLst/>
+          </a:prstGeom>
+          <a:noFill/>
+        </p:spPr>
+        <p:txBody>
+          <a:bodyPr wrap="none" rtlCol="0">
+            <a:spAutoFit/>
+          </a:bodyPr>
+          <a:lstStyle/>
+          <a:p>
+            <a:pPr algn="ctr"/>
+            <a:r>
+              <a:rPr lang="en-US" sz="2200" b="1" dirty="0">
+                <a:latin typeface="Cambria" panose="02040503050406030204" pitchFamily="18" charset="0"/>
+              </a:rPr>
+              <a:t>D5</a:t>
+            </a:r>
+          </a:p>
+          <a:p>
+            <a:pPr algn="ctr"/>
+            <a:r>
+              <a:rPr lang="en-US" sz="2200" b="1" dirty="0">
+                <a:latin typeface="Cambria" panose="02040503050406030204" pitchFamily="18" charset="0"/>
+              </a:rPr>
+              <a:t>Human</a:t>
+            </a:r>
+          </a:p>
+        </p:txBody>
+      </p:sp>
+      <p:sp>
+        <p:nvSpPr>
+          <p:cNvPr id="18" name="TextBox 17">
+            <a:extLst>
+              <a:ext uri="{FF2B5EF4-FFF2-40B4-BE49-F238E27FC236}">
+                <a16:creationId xmlns:a16="http://schemas.microsoft.com/office/drawing/2014/main" id="{27D0DFC1-079C-D227-33BF-A2ACDD264B77}"/>
+              </a:ext>
+            </a:extLst>
+          </p:cNvPr>
+          <p:cNvSpPr txBox="1"/>
+          <p:nvPr/>
+        </p:nvSpPr>
+        <p:spPr>
+          <a:xfrm>
+            <a:off x="5040455" y="5292563"/>
+            <a:ext cx="942694" cy="769441"/>
+          </a:xfrm>
+          <a:prstGeom prst="rect">
+            <a:avLst/>
+          </a:prstGeom>
+          <a:noFill/>
+        </p:spPr>
+        <p:txBody>
+          <a:bodyPr wrap="none" rtlCol="0">
+            <a:spAutoFit/>
+          </a:bodyPr>
+          <a:lstStyle/>
+          <a:p>
+            <a:pPr algn="ctr"/>
+            <a:r>
+              <a:rPr lang="en-US" sz="2200" b="1" dirty="0">
+                <a:latin typeface="Cambria" panose="02040503050406030204" pitchFamily="18" charset="0"/>
+              </a:rPr>
+              <a:t>D2</a:t>
+            </a:r>
+          </a:p>
+          <a:p>
+            <a:pPr algn="ctr"/>
+            <a:r>
+              <a:rPr lang="en-US" sz="2200" b="1" dirty="0">
+                <a:latin typeface="Cambria" panose="02040503050406030204" pitchFamily="18" charset="0"/>
+              </a:rPr>
+              <a:t>E. coli</a:t>
+            </a:r>
+          </a:p>
+        </p:txBody>
+      </p:sp>
+      <p:sp>
+        <p:nvSpPr>
+          <p:cNvPr id="19" name="TextBox 18">
+            <a:extLst>
+              <a:ext uri="{FF2B5EF4-FFF2-40B4-BE49-F238E27FC236}">
+                <a16:creationId xmlns:a16="http://schemas.microsoft.com/office/drawing/2014/main" id="{4EE6EC74-399E-623E-683D-91D67EC0EC85}"/>
+              </a:ext>
+            </a:extLst>
+          </p:cNvPr>
+          <p:cNvSpPr txBox="1"/>
+          <p:nvPr/>
+        </p:nvSpPr>
+        <p:spPr>
+          <a:xfrm>
+            <a:off x="6860136" y="5292563"/>
+            <a:ext cx="861967" cy="769441"/>
+          </a:xfrm>
+          <a:prstGeom prst="rect">
+            <a:avLst/>
+          </a:prstGeom>
+          <a:noFill/>
+        </p:spPr>
+        <p:txBody>
+          <a:bodyPr wrap="none" rtlCol="0">
+            <a:spAutoFit/>
+          </a:bodyPr>
+          <a:lstStyle/>
+          <a:p>
+            <a:pPr algn="ctr"/>
+            <a:r>
+              <a:rPr lang="en-US" sz="2200" b="1" dirty="0">
+                <a:latin typeface="Cambria" panose="02040503050406030204" pitchFamily="18" charset="0"/>
+              </a:rPr>
+              <a:t>D3</a:t>
+            </a:r>
+          </a:p>
+          <a:p>
+            <a:pPr algn="ctr"/>
+            <a:r>
+              <a:rPr lang="en-US" sz="2200" b="1" dirty="0">
+                <a:latin typeface="Cambria" panose="02040503050406030204" pitchFamily="18" charset="0"/>
+              </a:rPr>
+              <a:t>Yeast</a:t>
+            </a:r>
+          </a:p>
+        </p:txBody>
+      </p:sp>
+      <p:sp>
+        <p:nvSpPr>
+          <p:cNvPr id="20" name="TextBox 19">
+            <a:extLst>
+              <a:ext uri="{FF2B5EF4-FFF2-40B4-BE49-F238E27FC236}">
+                <a16:creationId xmlns:a16="http://schemas.microsoft.com/office/drawing/2014/main" id="{AE85A3BF-9053-66C1-9417-1D7FF0CD55CC}"/>
+              </a:ext>
+            </a:extLst>
+          </p:cNvPr>
+          <p:cNvSpPr txBox="1"/>
+          <p:nvPr/>
+        </p:nvSpPr>
+        <p:spPr>
+          <a:xfrm>
+            <a:off x="13668611" y="5292563"/>
+            <a:ext cx="1681614" cy="769441"/>
+          </a:xfrm>
+          <a:prstGeom prst="rect">
+            <a:avLst/>
+          </a:prstGeom>
+          <a:noFill/>
+        </p:spPr>
+        <p:txBody>
+          <a:bodyPr wrap="square" rtlCol="0">
+            <a:spAutoFit/>
+          </a:bodyPr>
+          <a:lstStyle/>
+          <a:p>
+            <a:pPr algn="ctr"/>
+            <a:r>
+              <a:rPr lang="en-US" sz="2200" b="1" dirty="0">
+                <a:latin typeface="Cambria" panose="02040503050406030204" pitchFamily="18" charset="0"/>
+              </a:rPr>
+              <a:t>Relative</a:t>
+            </a:r>
+          </a:p>
+          <a:p>
+            <a:pPr algn="ctr"/>
+            <a:r>
+              <a:rPr lang="en-US" sz="2200" b="1" dirty="0">
+                <a:latin typeface="Cambria" panose="02040503050406030204" pitchFamily="18" charset="0"/>
+              </a:rPr>
+              <a:t>Abundance</a:t>
+            </a:r>
+          </a:p>
+        </p:txBody>
+      </p:sp>
+      <p:sp>
+        <p:nvSpPr>
+          <p:cNvPr id="5" name="TextBox 4">
+            <a:extLst>
+              <a:ext uri="{FF2B5EF4-FFF2-40B4-BE49-F238E27FC236}">
+                <a16:creationId xmlns:a16="http://schemas.microsoft.com/office/drawing/2014/main" id="{E4862BF3-9618-6956-E1A9-EA2DE9EC6970}"/>
+              </a:ext>
+            </a:extLst>
+          </p:cNvPr>
+          <p:cNvSpPr txBox="1"/>
+          <p:nvPr/>
+        </p:nvSpPr>
+        <p:spPr>
+          <a:xfrm rot="16200000">
+            <a:off x="-8677" y="3020189"/>
+            <a:ext cx="3796950" cy="400110"/>
+          </a:xfrm>
+          <a:prstGeom prst="rect">
+            <a:avLst/>
+          </a:prstGeom>
+          <a:noFill/>
+        </p:spPr>
+        <p:txBody>
+          <a:bodyPr wrap="square" lIns="0" tIns="0" rIns="0" bIns="0" rtlCol="0">
+            <a:spAutoFit/>
+          </a:bodyPr>
+          <a:lstStyle/>
+          <a:p>
+            <a:pPr algn="ctr"/>
+            <a:r>
+              <a:rPr lang="en-US" sz="2600" b="1" dirty="0">
+                <a:latin typeface="Cambria" panose="02040503050406030204" pitchFamily="18" charset="0"/>
+              </a:rPr>
+              <a:t>Avg. Time Per Read (</a:t>
+            </a:r>
+            <a:r>
+              <a:rPr lang="en-US" sz="2600" b="1" dirty="0" err="1">
+                <a:latin typeface="Cambria" panose="02040503050406030204" pitchFamily="18" charset="0"/>
+              </a:rPr>
+              <a:t>ms</a:t>
+            </a:r>
+            <a:r>
+              <a:rPr lang="en-US" sz="2600" b="1" dirty="0">
+                <a:latin typeface="Cambria" panose="02040503050406030204" pitchFamily="18" charset="0"/>
+              </a:rPr>
+              <a:t>)</a:t>
+            </a:r>
+          </a:p>
+        </p:txBody>
+      </p:sp>
+      <p:sp>
+        <p:nvSpPr>
+          <p:cNvPr id="6" name="TextBox 5">
+            <a:extLst>
+              <a:ext uri="{FF2B5EF4-FFF2-40B4-BE49-F238E27FC236}">
+                <a16:creationId xmlns:a16="http://schemas.microsoft.com/office/drawing/2014/main" id="{FF9FEF38-C44A-3C88-E334-6351F006CFD7}"/>
+              </a:ext>
+            </a:extLst>
+          </p:cNvPr>
+          <p:cNvSpPr txBox="1"/>
+          <p:nvPr/>
+        </p:nvSpPr>
+        <p:spPr>
+          <a:xfrm>
+            <a:off x="2209113" y="1413524"/>
+            <a:ext cx="530594" cy="430887"/>
+          </a:xfrm>
+          <a:prstGeom prst="rect">
+            <a:avLst/>
+          </a:prstGeom>
+          <a:noFill/>
+        </p:spPr>
+        <p:txBody>
+          <a:bodyPr wrap="none" lIns="0" tIns="0" rIns="0" bIns="0" rtlCol="0">
+            <a:spAutoFit/>
+          </a:bodyPr>
+          <a:lstStyle/>
+          <a:p>
+            <a:r>
+              <a:rPr lang="en-US" sz="2800" dirty="0">
+                <a:latin typeface="Cambria" panose="02040503050406030204" pitchFamily="18" charset="0"/>
+              </a:rPr>
+              <a:t>10</a:t>
+            </a:r>
+            <a:r>
+              <a:rPr lang="en-US" sz="2800" baseline="30000" dirty="0">
+                <a:latin typeface="Cambria" panose="02040503050406030204" pitchFamily="18" charset="0"/>
+              </a:rPr>
+              <a:t>4</a:t>
+            </a:r>
+          </a:p>
+        </p:txBody>
+      </p:sp>
+      <p:sp>
+        <p:nvSpPr>
+          <p:cNvPr id="3" name="TextBox 2">
+            <a:extLst>
+              <a:ext uri="{FF2B5EF4-FFF2-40B4-BE49-F238E27FC236}">
+                <a16:creationId xmlns:a16="http://schemas.microsoft.com/office/drawing/2014/main" id="{6E004693-B8EB-1091-CAE4-2736359DDEF9}"/>
+              </a:ext>
+            </a:extLst>
+          </p:cNvPr>
+          <p:cNvSpPr txBox="1"/>
+          <p:nvPr/>
+        </p:nvSpPr>
+        <p:spPr>
+          <a:xfrm>
+            <a:off x="2209113" y="2029106"/>
+            <a:ext cx="530594" cy="430887"/>
+          </a:xfrm>
+          <a:prstGeom prst="rect">
+            <a:avLst/>
+          </a:prstGeom>
+          <a:noFill/>
+        </p:spPr>
+        <p:txBody>
+          <a:bodyPr wrap="none" lIns="0" tIns="0" rIns="0" bIns="0" rtlCol="0">
+            <a:spAutoFit/>
+          </a:bodyPr>
+          <a:lstStyle/>
+          <a:p>
+            <a:r>
+              <a:rPr lang="en-US" sz="2800" dirty="0">
+                <a:latin typeface="Cambria" panose="02040503050406030204" pitchFamily="18" charset="0"/>
+              </a:rPr>
+              <a:t>10</a:t>
+            </a:r>
+            <a:r>
+              <a:rPr lang="en-US" sz="2800" baseline="30000" dirty="0">
+                <a:latin typeface="Cambria" panose="02040503050406030204" pitchFamily="18" charset="0"/>
+              </a:rPr>
+              <a:t>3</a:t>
+            </a:r>
+          </a:p>
+        </p:txBody>
+      </p:sp>
+      <p:sp>
+        <p:nvSpPr>
+          <p:cNvPr id="7" name="TextBox 6">
+            <a:extLst>
+              <a:ext uri="{FF2B5EF4-FFF2-40B4-BE49-F238E27FC236}">
+                <a16:creationId xmlns:a16="http://schemas.microsoft.com/office/drawing/2014/main" id="{9AACDFD1-9838-1C39-C020-12F35103A153}"/>
+              </a:ext>
+            </a:extLst>
+          </p:cNvPr>
+          <p:cNvSpPr txBox="1"/>
+          <p:nvPr/>
+        </p:nvSpPr>
+        <p:spPr>
+          <a:xfrm>
+            <a:off x="2209113" y="2644688"/>
+            <a:ext cx="530594" cy="430887"/>
+          </a:xfrm>
+          <a:prstGeom prst="rect">
+            <a:avLst/>
+          </a:prstGeom>
+          <a:noFill/>
+        </p:spPr>
+        <p:txBody>
+          <a:bodyPr wrap="none" lIns="0" tIns="0" rIns="0" bIns="0" rtlCol="0">
+            <a:spAutoFit/>
+          </a:bodyPr>
+          <a:lstStyle/>
+          <a:p>
+            <a:r>
+              <a:rPr lang="en-US" sz="2800" dirty="0">
+                <a:latin typeface="Cambria" panose="02040503050406030204" pitchFamily="18" charset="0"/>
+              </a:rPr>
+              <a:t>10</a:t>
+            </a:r>
+            <a:r>
+              <a:rPr lang="en-US" sz="2800" baseline="30000" dirty="0">
+                <a:latin typeface="Cambria" panose="02040503050406030204" pitchFamily="18" charset="0"/>
+              </a:rPr>
+              <a:t>2</a:t>
+            </a:r>
+          </a:p>
+        </p:txBody>
+      </p:sp>
+      <p:sp>
+        <p:nvSpPr>
+          <p:cNvPr id="11" name="TextBox 10">
+            <a:extLst>
+              <a:ext uri="{FF2B5EF4-FFF2-40B4-BE49-F238E27FC236}">
+                <a16:creationId xmlns:a16="http://schemas.microsoft.com/office/drawing/2014/main" id="{810FD092-D2EA-6B76-579F-433C10CFA86C}"/>
+              </a:ext>
+            </a:extLst>
+          </p:cNvPr>
+          <p:cNvSpPr txBox="1"/>
+          <p:nvPr/>
+        </p:nvSpPr>
+        <p:spPr>
+          <a:xfrm>
+            <a:off x="2209113" y="3260270"/>
+            <a:ext cx="530594" cy="430887"/>
+          </a:xfrm>
+          <a:prstGeom prst="rect">
+            <a:avLst/>
+          </a:prstGeom>
+          <a:noFill/>
+        </p:spPr>
+        <p:txBody>
+          <a:bodyPr wrap="none" lIns="0" tIns="0" rIns="0" bIns="0" rtlCol="0">
+            <a:spAutoFit/>
+          </a:bodyPr>
+          <a:lstStyle/>
+          <a:p>
+            <a:r>
+              <a:rPr lang="en-US" sz="2800" dirty="0">
+                <a:latin typeface="Cambria" panose="02040503050406030204" pitchFamily="18" charset="0"/>
+              </a:rPr>
+              <a:t>10</a:t>
+            </a:r>
+            <a:r>
+              <a:rPr lang="en-US" sz="2800" baseline="30000" dirty="0">
+                <a:latin typeface="Cambria" panose="02040503050406030204" pitchFamily="18" charset="0"/>
+              </a:rPr>
+              <a:t>1</a:t>
+            </a:r>
+          </a:p>
+        </p:txBody>
+      </p:sp>
+      <p:sp>
+        <p:nvSpPr>
+          <p:cNvPr id="12" name="TextBox 11">
+            <a:extLst>
+              <a:ext uri="{FF2B5EF4-FFF2-40B4-BE49-F238E27FC236}">
+                <a16:creationId xmlns:a16="http://schemas.microsoft.com/office/drawing/2014/main" id="{5F104AAF-7ABE-8B24-102B-33D6731D8020}"/>
+              </a:ext>
+            </a:extLst>
+          </p:cNvPr>
+          <p:cNvSpPr txBox="1"/>
+          <p:nvPr/>
+        </p:nvSpPr>
+        <p:spPr>
+          <a:xfrm>
+            <a:off x="2209113" y="3875852"/>
+            <a:ext cx="530594" cy="430887"/>
+          </a:xfrm>
+          <a:prstGeom prst="rect">
+            <a:avLst/>
+          </a:prstGeom>
+          <a:noFill/>
+        </p:spPr>
+        <p:txBody>
+          <a:bodyPr wrap="none" lIns="0" tIns="0" rIns="0" bIns="0" rtlCol="0">
+            <a:spAutoFit/>
+          </a:bodyPr>
+          <a:lstStyle/>
+          <a:p>
+            <a:r>
+              <a:rPr lang="en-US" sz="2800" dirty="0">
+                <a:latin typeface="Cambria" panose="02040503050406030204" pitchFamily="18" charset="0"/>
+              </a:rPr>
+              <a:t>10</a:t>
+            </a:r>
+            <a:r>
+              <a:rPr lang="en-US" sz="2800" baseline="30000" dirty="0">
+                <a:latin typeface="Cambria" panose="02040503050406030204" pitchFamily="18" charset="0"/>
+              </a:rPr>
+              <a:t>0</a:t>
+            </a:r>
+          </a:p>
+        </p:txBody>
+      </p:sp>
+      <p:sp>
+        <p:nvSpPr>
+          <p:cNvPr id="13" name="TextBox 12">
+            <a:extLst>
+              <a:ext uri="{FF2B5EF4-FFF2-40B4-BE49-F238E27FC236}">
+                <a16:creationId xmlns:a16="http://schemas.microsoft.com/office/drawing/2014/main" id="{865CAA05-04A9-47CA-9F71-3D0E31FA797B}"/>
+              </a:ext>
+            </a:extLst>
+          </p:cNvPr>
+          <p:cNvSpPr txBox="1"/>
+          <p:nvPr/>
+        </p:nvSpPr>
+        <p:spPr>
+          <a:xfrm>
+            <a:off x="2169038" y="4491435"/>
+            <a:ext cx="610745" cy="430887"/>
+          </a:xfrm>
+          <a:prstGeom prst="rect">
+            <a:avLst/>
+          </a:prstGeom>
+          <a:noFill/>
+        </p:spPr>
+        <p:txBody>
+          <a:bodyPr wrap="none" lIns="0" tIns="0" rIns="0" bIns="0" rtlCol="0">
+            <a:spAutoFit/>
+          </a:bodyPr>
+          <a:lstStyle/>
+          <a:p>
+            <a:r>
+              <a:rPr lang="en-US" sz="2800" dirty="0">
+                <a:latin typeface="Cambria" panose="02040503050406030204" pitchFamily="18" charset="0"/>
+              </a:rPr>
+              <a:t>10</a:t>
+            </a:r>
+            <a:r>
+              <a:rPr lang="en-US" sz="2800" baseline="30000" dirty="0">
+                <a:latin typeface="Cambria" panose="02040503050406030204" pitchFamily="18" charset="0"/>
+              </a:rPr>
+              <a:t>-1</a:t>
+            </a:r>
+            <a:endParaRPr lang="en-US" sz="2400" baseline="30000" dirty="0">
+              <a:latin typeface="Cambria" panose="02040503050406030204" pitchFamily="18" charset="0"/>
+            </a:endParaRPr>
+          </a:p>
+        </p:txBody>
+      </p:sp>
+      <p:grpSp>
+        <p:nvGrpSpPr>
+          <p:cNvPr id="8" name="Group 7">
+            <a:extLst>
+              <a:ext uri="{FF2B5EF4-FFF2-40B4-BE49-F238E27FC236}">
+                <a16:creationId xmlns:a16="http://schemas.microsoft.com/office/drawing/2014/main" id="{4BAD3F6A-F509-83E6-2991-8DEE6713CA78}"/>
+              </a:ext>
+            </a:extLst>
+          </p:cNvPr>
+          <p:cNvGrpSpPr/>
+          <p:nvPr/>
+        </p:nvGrpSpPr>
+        <p:grpSpPr>
+          <a:xfrm>
+            <a:off x="9192825" y="556144"/>
+            <a:ext cx="1859774" cy="523220"/>
+            <a:chOff x="3780870" y="201853"/>
+            <a:chExt cx="1859774" cy="523220"/>
+          </a:xfrm>
+        </p:grpSpPr>
+        <p:sp>
+          <p:nvSpPr>
+            <p:cNvPr id="82" name="Rectangle 81">
+              <a:extLst>
+                <a:ext uri="{FF2B5EF4-FFF2-40B4-BE49-F238E27FC236}">
+                  <a16:creationId xmlns:a16="http://schemas.microsoft.com/office/drawing/2014/main" id="{FD3CF857-F05E-1745-C00B-A9EAB23F2DA3}"/>
+                </a:ext>
+              </a:extLst>
+            </p:cNvPr>
+            <p:cNvSpPr/>
+            <p:nvPr/>
+          </p:nvSpPr>
+          <p:spPr>
+            <a:xfrm>
+              <a:off x="3780870" y="319463"/>
+              <a:ext cx="288000" cy="288000"/>
+            </a:xfrm>
+            <a:prstGeom prst="rect">
+              <a:avLst/>
+            </a:prstGeom>
+            <a:solidFill>
+              <a:srgbClr val="6799CE"/>
+            </a:solidFill>
+          </p:spPr>
+          <p:style>
+            <a:lnRef idx="2">
+              <a:schemeClr val="accent1">
+                <a:shade val="50000"/>
+              </a:schemeClr>
+            </a:lnRef>
+            <a:fillRef idx="1">
+              <a:schemeClr val="accent1"/>
+            </a:fillRef>
+            <a:effectRef idx="0">
+              <a:schemeClr val="accent1"/>
+            </a:effectRef>
+            <a:fontRef idx="minor">
+              <a:schemeClr val="lt1"/>
+            </a:fontRef>
+          </p:style>
+          <p:txBody>
+            <a:bodyPr rtlCol="0" anchor="ctr"/>
+            <a:lstStyle/>
+            <a:p>
+              <a:pPr algn="ctr"/>
+              <a:endParaRPr lang="en-US" sz="2800" dirty="0">
+                <a:latin typeface="Cambria" panose="02040503050406030204" pitchFamily="18" charset="0"/>
+              </a:endParaRPr>
+            </a:p>
+          </p:txBody>
+        </p:sp>
+        <p:sp>
+          <p:nvSpPr>
+            <p:cNvPr id="83" name="TextBox 82">
+              <a:extLst>
+                <a:ext uri="{FF2B5EF4-FFF2-40B4-BE49-F238E27FC236}">
+                  <a16:creationId xmlns:a16="http://schemas.microsoft.com/office/drawing/2014/main" id="{4F007CFC-AA25-432F-4AE1-4434ACA1316E}"/>
+                </a:ext>
+              </a:extLst>
+            </p:cNvPr>
+            <p:cNvSpPr txBox="1"/>
+            <p:nvPr/>
+          </p:nvSpPr>
+          <p:spPr>
+            <a:xfrm>
+              <a:off x="4014430" y="201853"/>
+              <a:ext cx="1626214" cy="523220"/>
+            </a:xfrm>
+            <a:prstGeom prst="rect">
+              <a:avLst/>
+            </a:prstGeom>
+            <a:noFill/>
+          </p:spPr>
+          <p:txBody>
+            <a:bodyPr wrap="none" rtlCol="0">
+              <a:spAutoFit/>
+            </a:bodyPr>
+            <a:lstStyle/>
+            <a:p>
+              <a:pPr algn="ctr"/>
+              <a:r>
+                <a:rPr lang="en-US" sz="2800" dirty="0">
+                  <a:latin typeface="Cambria" panose="02040503050406030204" pitchFamily="18" charset="0"/>
+                </a:rPr>
+                <a:t>RawHash</a:t>
+              </a:r>
+            </a:p>
+          </p:txBody>
+        </p:sp>
+      </p:grpSp>
+      <p:grpSp>
+        <p:nvGrpSpPr>
+          <p:cNvPr id="14" name="Group 13">
+            <a:extLst>
+              <a:ext uri="{FF2B5EF4-FFF2-40B4-BE49-F238E27FC236}">
+                <a16:creationId xmlns:a16="http://schemas.microsoft.com/office/drawing/2014/main" id="{3AB95315-0052-63BF-1A79-C925E0D836F2}"/>
+              </a:ext>
+            </a:extLst>
+          </p:cNvPr>
+          <p:cNvGrpSpPr/>
+          <p:nvPr/>
+        </p:nvGrpSpPr>
+        <p:grpSpPr>
+          <a:xfrm>
+            <a:off x="11275101" y="556144"/>
+            <a:ext cx="2214950" cy="523220"/>
+            <a:chOff x="3780870" y="248652"/>
+            <a:chExt cx="2214950" cy="523220"/>
+          </a:xfrm>
+        </p:grpSpPr>
+        <p:sp>
+          <p:nvSpPr>
+            <p:cNvPr id="15" name="Rectangle 14">
+              <a:extLst>
+                <a:ext uri="{FF2B5EF4-FFF2-40B4-BE49-F238E27FC236}">
+                  <a16:creationId xmlns:a16="http://schemas.microsoft.com/office/drawing/2014/main" id="{D70396FF-403B-FFA8-75A5-52BC407761B0}"/>
+                </a:ext>
+              </a:extLst>
+            </p:cNvPr>
+            <p:cNvSpPr/>
+            <p:nvPr/>
+          </p:nvSpPr>
+          <p:spPr>
+            <a:xfrm>
+              <a:off x="3780870" y="366262"/>
+              <a:ext cx="288000" cy="288000"/>
+            </a:xfrm>
+            <a:prstGeom prst="rect">
+              <a:avLst/>
+            </a:prstGeom>
+            <a:solidFill>
+              <a:srgbClr val="AA449A"/>
+            </a:solidFill>
+          </p:spPr>
+          <p:style>
+            <a:lnRef idx="2">
+              <a:schemeClr val="accent1">
+                <a:shade val="50000"/>
+              </a:schemeClr>
+            </a:lnRef>
+            <a:fillRef idx="1">
+              <a:schemeClr val="accent1"/>
+            </a:fillRef>
+            <a:effectRef idx="0">
+              <a:schemeClr val="accent1"/>
+            </a:effectRef>
+            <a:fontRef idx="minor">
+              <a:schemeClr val="lt1"/>
+            </a:fontRef>
+          </p:style>
+          <p:txBody>
+            <a:bodyPr rtlCol="0" anchor="ctr"/>
+            <a:lstStyle/>
+            <a:p>
+              <a:pPr algn="ctr"/>
+              <a:endParaRPr lang="en-US" sz="2800" dirty="0">
+                <a:latin typeface="Cambria" panose="02040503050406030204" pitchFamily="18" charset="0"/>
+              </a:endParaRPr>
+            </a:p>
+          </p:txBody>
+        </p:sp>
+        <p:sp>
+          <p:nvSpPr>
+            <p:cNvPr id="16" name="TextBox 15">
+              <a:extLst>
+                <a:ext uri="{FF2B5EF4-FFF2-40B4-BE49-F238E27FC236}">
+                  <a16:creationId xmlns:a16="http://schemas.microsoft.com/office/drawing/2014/main" id="{0BCF6713-B3FD-2DAF-EEAA-DADBC32A447A}"/>
+                </a:ext>
+              </a:extLst>
+            </p:cNvPr>
+            <p:cNvSpPr txBox="1"/>
+            <p:nvPr/>
+          </p:nvSpPr>
+          <p:spPr>
+            <a:xfrm>
+              <a:off x="4079911" y="248652"/>
+              <a:ext cx="1915909" cy="523220"/>
+            </a:xfrm>
+            <a:prstGeom prst="rect">
+              <a:avLst/>
+            </a:prstGeom>
+            <a:noFill/>
+          </p:spPr>
+          <p:txBody>
+            <a:bodyPr wrap="none" rtlCol="0">
+              <a:spAutoFit/>
+            </a:bodyPr>
+            <a:lstStyle/>
+            <a:p>
+              <a:pPr algn="ctr"/>
+              <a:r>
+                <a:rPr lang="en-US" sz="2800" dirty="0">
+                  <a:latin typeface="Cambria" panose="02040503050406030204" pitchFamily="18" charset="0"/>
+                </a:rPr>
+                <a:t>UNCALLED</a:t>
+              </a:r>
+            </a:p>
+          </p:txBody>
+        </p:sp>
+      </p:grpSp>
+      <p:grpSp>
+        <p:nvGrpSpPr>
+          <p:cNvPr id="17" name="Group 16">
+            <a:extLst>
+              <a:ext uri="{FF2B5EF4-FFF2-40B4-BE49-F238E27FC236}">
+                <a16:creationId xmlns:a16="http://schemas.microsoft.com/office/drawing/2014/main" id="{4D2E9BA1-F4F3-320B-718B-21600583FF1A}"/>
+              </a:ext>
+            </a:extLst>
+          </p:cNvPr>
+          <p:cNvGrpSpPr/>
+          <p:nvPr/>
+        </p:nvGrpSpPr>
+        <p:grpSpPr>
+          <a:xfrm>
+            <a:off x="13712552" y="556144"/>
+            <a:ext cx="1601180" cy="523220"/>
+            <a:chOff x="3780870" y="201853"/>
+            <a:chExt cx="1601180" cy="523220"/>
+          </a:xfrm>
+        </p:grpSpPr>
+        <p:sp>
+          <p:nvSpPr>
+            <p:cNvPr id="21" name="Rectangle 20">
+              <a:extLst>
+                <a:ext uri="{FF2B5EF4-FFF2-40B4-BE49-F238E27FC236}">
+                  <a16:creationId xmlns:a16="http://schemas.microsoft.com/office/drawing/2014/main" id="{03C96383-578C-2B5D-5AC5-9AC21BD16DB9}"/>
+                </a:ext>
+              </a:extLst>
+            </p:cNvPr>
+            <p:cNvSpPr/>
+            <p:nvPr/>
+          </p:nvSpPr>
+          <p:spPr>
+            <a:xfrm>
+              <a:off x="3780870" y="319463"/>
+              <a:ext cx="288000" cy="288000"/>
+            </a:xfrm>
+            <a:prstGeom prst="rect">
+              <a:avLst/>
+            </a:prstGeom>
+            <a:solidFill>
+              <a:srgbClr val="DB8042"/>
+            </a:solidFill>
+          </p:spPr>
+          <p:style>
+            <a:lnRef idx="2">
+              <a:schemeClr val="accent1">
+                <a:shade val="50000"/>
+              </a:schemeClr>
+            </a:lnRef>
+            <a:fillRef idx="1">
+              <a:schemeClr val="accent1"/>
+            </a:fillRef>
+            <a:effectRef idx="0">
+              <a:schemeClr val="accent1"/>
+            </a:effectRef>
+            <a:fontRef idx="minor">
+              <a:schemeClr val="lt1"/>
+            </a:fontRef>
+          </p:style>
+          <p:txBody>
+            <a:bodyPr rtlCol="0" anchor="ctr"/>
+            <a:lstStyle/>
+            <a:p>
+              <a:pPr algn="ctr"/>
+              <a:endParaRPr lang="en-US" sz="2800" dirty="0">
+                <a:latin typeface="Cambria" panose="02040503050406030204" pitchFamily="18" charset="0"/>
+              </a:endParaRPr>
+            </a:p>
+          </p:txBody>
+        </p:sp>
+        <p:sp>
+          <p:nvSpPr>
+            <p:cNvPr id="22" name="TextBox 21">
+              <a:extLst>
+                <a:ext uri="{FF2B5EF4-FFF2-40B4-BE49-F238E27FC236}">
+                  <a16:creationId xmlns:a16="http://schemas.microsoft.com/office/drawing/2014/main" id="{30F1B7CE-6DAA-9A7B-D57C-E58C53C5B5A8}"/>
+                </a:ext>
+              </a:extLst>
+            </p:cNvPr>
+            <p:cNvSpPr txBox="1"/>
+            <p:nvPr/>
+          </p:nvSpPr>
+          <p:spPr>
+            <a:xfrm>
+              <a:off x="4068870" y="201853"/>
+              <a:ext cx="1313180" cy="523220"/>
+            </a:xfrm>
+            <a:prstGeom prst="rect">
+              <a:avLst/>
+            </a:prstGeom>
+            <a:noFill/>
+          </p:spPr>
+          <p:txBody>
+            <a:bodyPr wrap="none" rtlCol="0">
+              <a:spAutoFit/>
+            </a:bodyPr>
+            <a:lstStyle/>
+            <a:p>
+              <a:pPr algn="ctr"/>
+              <a:r>
+                <a:rPr lang="en-US" sz="2800" dirty="0">
+                  <a:latin typeface="Cambria" panose="02040503050406030204" pitchFamily="18" charset="0"/>
+                </a:rPr>
+                <a:t>Sigmap</a:t>
+              </a:r>
+            </a:p>
+          </p:txBody>
+        </p:sp>
+      </p:grpSp>
+      <p:grpSp>
+        <p:nvGrpSpPr>
+          <p:cNvPr id="2" name="Group 1">
+            <a:extLst>
+              <a:ext uri="{FF2B5EF4-FFF2-40B4-BE49-F238E27FC236}">
+                <a16:creationId xmlns:a16="http://schemas.microsoft.com/office/drawing/2014/main" id="{72FD8766-96AB-729A-4BE8-A4A8F6EB6AED}"/>
+              </a:ext>
+            </a:extLst>
+          </p:cNvPr>
+          <p:cNvGrpSpPr/>
+          <p:nvPr/>
+        </p:nvGrpSpPr>
+        <p:grpSpPr>
+          <a:xfrm>
+            <a:off x="5175026" y="556144"/>
+            <a:ext cx="3795297" cy="523220"/>
+            <a:chOff x="3780870" y="201853"/>
+            <a:chExt cx="3795297" cy="523220"/>
+          </a:xfrm>
+        </p:grpSpPr>
+        <p:sp>
+          <p:nvSpPr>
+            <p:cNvPr id="9" name="Rectangle 8">
+              <a:extLst>
+                <a:ext uri="{FF2B5EF4-FFF2-40B4-BE49-F238E27FC236}">
+                  <a16:creationId xmlns:a16="http://schemas.microsoft.com/office/drawing/2014/main" id="{ADAA7A9A-B659-76CD-DAE2-7493EEE4CAEE}"/>
+                </a:ext>
+              </a:extLst>
+            </p:cNvPr>
+            <p:cNvSpPr/>
+            <p:nvPr/>
+          </p:nvSpPr>
+          <p:spPr>
+            <a:xfrm>
+              <a:off x="3780870" y="319463"/>
+              <a:ext cx="288000" cy="288000"/>
+            </a:xfrm>
+            <a:prstGeom prst="rect">
+              <a:avLst/>
+            </a:prstGeom>
+            <a:solidFill>
+              <a:srgbClr val="EBBC40"/>
+            </a:solidFill>
+          </p:spPr>
+          <p:style>
+            <a:lnRef idx="2">
+              <a:schemeClr val="accent1">
+                <a:shade val="50000"/>
+              </a:schemeClr>
+            </a:lnRef>
+            <a:fillRef idx="1">
+              <a:schemeClr val="accent1"/>
+            </a:fillRef>
+            <a:effectRef idx="0">
+              <a:schemeClr val="accent1"/>
+            </a:effectRef>
+            <a:fontRef idx="minor">
+              <a:schemeClr val="lt1"/>
+            </a:fontRef>
+          </p:style>
+          <p:txBody>
+            <a:bodyPr rtlCol="0" anchor="ctr"/>
+            <a:lstStyle/>
+            <a:p>
+              <a:pPr algn="ctr"/>
+              <a:endParaRPr lang="en-US" sz="2800" dirty="0">
+                <a:latin typeface="Cambria" panose="02040503050406030204" pitchFamily="18" charset="0"/>
+              </a:endParaRPr>
+            </a:p>
+          </p:txBody>
+        </p:sp>
+        <p:sp>
+          <p:nvSpPr>
+            <p:cNvPr id="10" name="TextBox 9">
+              <a:extLst>
+                <a:ext uri="{FF2B5EF4-FFF2-40B4-BE49-F238E27FC236}">
+                  <a16:creationId xmlns:a16="http://schemas.microsoft.com/office/drawing/2014/main" id="{DEF3788A-9969-46B8-CF2C-B8EAD4A61EDF}"/>
+                </a:ext>
+              </a:extLst>
+            </p:cNvPr>
+            <p:cNvSpPr txBox="1"/>
+            <p:nvPr/>
+          </p:nvSpPr>
+          <p:spPr>
+            <a:xfrm>
+              <a:off x="4055203" y="201853"/>
+              <a:ext cx="3520964" cy="523220"/>
+            </a:xfrm>
+            <a:prstGeom prst="rect">
+              <a:avLst/>
+            </a:prstGeom>
+            <a:noFill/>
+          </p:spPr>
+          <p:txBody>
+            <a:bodyPr wrap="none" rtlCol="0">
+              <a:spAutoFit/>
+            </a:bodyPr>
+            <a:lstStyle/>
+            <a:p>
+              <a:pPr algn="ctr"/>
+              <a:r>
+                <a:rPr lang="en-US" sz="2800" dirty="0">
+                  <a:latin typeface="Cambria" panose="02040503050406030204" pitchFamily="18" charset="0"/>
+                </a:rPr>
+                <a:t>RawHash2-Minimizer</a:t>
+              </a:r>
+            </a:p>
+          </p:txBody>
+        </p:sp>
+      </p:grpSp>
+      <p:grpSp>
+        <p:nvGrpSpPr>
+          <p:cNvPr id="23" name="Group 22">
+            <a:extLst>
+              <a:ext uri="{FF2B5EF4-FFF2-40B4-BE49-F238E27FC236}">
+                <a16:creationId xmlns:a16="http://schemas.microsoft.com/office/drawing/2014/main" id="{7F95A7B2-85A0-C4DB-C28F-37C3A49F6F0A}"/>
+              </a:ext>
+            </a:extLst>
+          </p:cNvPr>
+          <p:cNvGrpSpPr/>
+          <p:nvPr/>
+        </p:nvGrpSpPr>
+        <p:grpSpPr>
+          <a:xfrm>
+            <a:off x="2904875" y="556144"/>
+            <a:ext cx="2047649" cy="523220"/>
+            <a:chOff x="3780870" y="201853"/>
+            <a:chExt cx="2047649" cy="523220"/>
+          </a:xfrm>
+        </p:grpSpPr>
+        <p:sp>
+          <p:nvSpPr>
+            <p:cNvPr id="24" name="Rectangle 23">
+              <a:extLst>
+                <a:ext uri="{FF2B5EF4-FFF2-40B4-BE49-F238E27FC236}">
+                  <a16:creationId xmlns:a16="http://schemas.microsoft.com/office/drawing/2014/main" id="{E95F3E50-3C35-856F-21A8-395059395041}"/>
+                </a:ext>
+              </a:extLst>
+            </p:cNvPr>
+            <p:cNvSpPr/>
+            <p:nvPr/>
+          </p:nvSpPr>
+          <p:spPr>
+            <a:xfrm>
+              <a:off x="3780870" y="319463"/>
+              <a:ext cx="288000" cy="288000"/>
+            </a:xfrm>
+            <a:prstGeom prst="rect">
+              <a:avLst/>
+            </a:prstGeom>
+            <a:solidFill>
+              <a:srgbClr val="60A137"/>
+            </a:solidFill>
+          </p:spPr>
+          <p:style>
+            <a:lnRef idx="2">
+              <a:schemeClr val="accent1">
+                <a:shade val="50000"/>
+              </a:schemeClr>
+            </a:lnRef>
+            <a:fillRef idx="1">
+              <a:schemeClr val="accent1"/>
+            </a:fillRef>
+            <a:effectRef idx="0">
+              <a:schemeClr val="accent1"/>
+            </a:effectRef>
+            <a:fontRef idx="minor">
+              <a:schemeClr val="lt1"/>
+            </a:fontRef>
+          </p:style>
+          <p:txBody>
+            <a:bodyPr rtlCol="0" anchor="ctr"/>
+            <a:lstStyle/>
+            <a:p>
+              <a:pPr algn="ctr"/>
+              <a:endParaRPr lang="en-US" sz="2800" dirty="0">
+                <a:latin typeface="Cambria" panose="02040503050406030204" pitchFamily="18" charset="0"/>
+              </a:endParaRPr>
+            </a:p>
+          </p:txBody>
+        </p:sp>
+        <p:sp>
+          <p:nvSpPr>
+            <p:cNvPr id="25" name="TextBox 24">
+              <a:extLst>
+                <a:ext uri="{FF2B5EF4-FFF2-40B4-BE49-F238E27FC236}">
+                  <a16:creationId xmlns:a16="http://schemas.microsoft.com/office/drawing/2014/main" id="{09532E1C-E33E-5B3F-480D-7DDEA3DC489D}"/>
+                </a:ext>
+              </a:extLst>
+            </p:cNvPr>
+            <p:cNvSpPr txBox="1"/>
+            <p:nvPr/>
+          </p:nvSpPr>
+          <p:spPr>
+            <a:xfrm>
+              <a:off x="4003532" y="201853"/>
+              <a:ext cx="1824987" cy="523220"/>
+            </a:xfrm>
+            <a:prstGeom prst="rect">
+              <a:avLst/>
+            </a:prstGeom>
+            <a:noFill/>
+          </p:spPr>
+          <p:txBody>
+            <a:bodyPr wrap="none" rtlCol="0">
+              <a:spAutoFit/>
+            </a:bodyPr>
+            <a:lstStyle/>
+            <a:p>
+              <a:pPr algn="ctr"/>
+              <a:r>
+                <a:rPr lang="en-US" sz="2800" dirty="0">
+                  <a:latin typeface="Cambria" panose="02040503050406030204" pitchFamily="18" charset="0"/>
+                </a:rPr>
+                <a:t>RawHash2</a:t>
+              </a:r>
+            </a:p>
+          </p:txBody>
+        </p:sp>
+      </p:grpSp>
+      <p:pic>
+        <p:nvPicPr>
+          <p:cNvPr id="32" name="Picture 31">
+            <a:extLst>
+              <a:ext uri="{FF2B5EF4-FFF2-40B4-BE49-F238E27FC236}">
+                <a16:creationId xmlns:a16="http://schemas.microsoft.com/office/drawing/2014/main" id="{034D2F31-098D-7B3C-01D4-4E5AB7E86E71}"/>
+              </a:ext>
+            </a:extLst>
+          </p:cNvPr>
+          <p:cNvPicPr>
+            <a:picLocks noChangeAspect="1"/>
+          </p:cNvPicPr>
+          <p:nvPr/>
+        </p:nvPicPr>
+        <p:blipFill>
+          <a:blip r:embed="rId3">
+            <a:extLst>
+              <a:ext uri="{28A0092B-C50C-407E-A947-70E740481C1C}">
+                <a14:useLocalDpi xmlns:a14="http://schemas.microsoft.com/office/drawing/2010/main" val="0"/>
+              </a:ext>
+            </a:extLst>
+          </a:blip>
+          <a:stretch>
+            <a:fillRect/>
+          </a:stretch>
+        </p:blipFill>
+        <p:spPr>
+          <a:xfrm>
+            <a:off x="2785632" y="1131031"/>
+            <a:ext cx="12627999" cy="4209333"/>
+          </a:xfrm>
+          <a:prstGeom prst="rect">
+            <a:avLst/>
+          </a:prstGeom>
+        </p:spPr>
+      </p:pic>
+    </p:spTree>
+    <p:extLst>
+      <p:ext uri="{BB962C8B-B14F-4D97-AF65-F5344CB8AC3E}">
+        <p14:creationId xmlns:p14="http://schemas.microsoft.com/office/powerpoint/2010/main" val="3981041560"/>
+      </p:ext>
+    </p:extLst>
+  </p:cSld>
+  <p:clrMapOvr>
+    <a:masterClrMapping/>
+  </p:clrMapOvr>
+</p:sld>
+</file>
+
+<file path=ppt/slides/slide3.xml><?xml version="1.0" encoding="utf-8"?>
+<p:sld xmlns:a="http://schemas.openxmlformats.org/drawingml/2006/main" xmlns:r="http://schemas.openxmlformats.org/officeDocument/2006/relationships" xmlns:p="http://schemas.openxmlformats.org/presentationml/2006/main">
+  <p:cSld>
+    <p:spTree>
+      <p:nvGrpSpPr>
+        <p:cNvPr id="1" name=""/>
+        <p:cNvGrpSpPr/>
+        <p:nvPr/>
+      </p:nvGrpSpPr>
+      <p:grpSpPr>
+        <a:xfrm>
+          <a:off x="0" y="0"/>
+          <a:ext cx="0" cy="0"/>
+          <a:chOff x="0" y="0"/>
+          <a:chExt cx="0" cy="0"/>
+        </a:xfrm>
+      </p:grpSpPr>
+      <p:sp>
+        <p:nvSpPr>
+          <p:cNvPr id="62" name="TextBox 61">
+            <a:extLst>
+              <a:ext uri="{FF2B5EF4-FFF2-40B4-BE49-F238E27FC236}">
+                <a16:creationId xmlns:a16="http://schemas.microsoft.com/office/drawing/2014/main" id="{96CAF229-2FF7-7E51-42EE-3E688EA0A7C5}"/>
+              </a:ext>
+            </a:extLst>
+          </p:cNvPr>
+          <p:cNvSpPr txBox="1"/>
+          <p:nvPr/>
+        </p:nvSpPr>
+        <p:spPr>
+          <a:xfrm>
+            <a:off x="6457607" y="5268410"/>
+            <a:ext cx="931024" cy="1107996"/>
+          </a:xfrm>
+          <a:prstGeom prst="rect">
+            <a:avLst/>
+          </a:prstGeom>
+          <a:noFill/>
+        </p:spPr>
+        <p:txBody>
+          <a:bodyPr wrap="none" rtlCol="0">
+            <a:spAutoFit/>
+          </a:bodyPr>
+          <a:lstStyle/>
+          <a:p>
+            <a:pPr algn="ctr"/>
+            <a:r>
+              <a:rPr lang="en-US" sz="2200" b="1" dirty="0">
+                <a:latin typeface="Cambria" panose="02040503050406030204" pitchFamily="18" charset="0"/>
+              </a:rPr>
+              <a:t>D1</a:t>
+            </a:r>
+          </a:p>
+          <a:p>
+            <a:pPr algn="ctr"/>
+            <a:r>
+              <a:rPr lang="en-US" sz="2200" b="1" dirty="0">
+                <a:latin typeface="Cambria" panose="02040503050406030204" pitchFamily="18" charset="0"/>
+              </a:rPr>
+              <a:t>SARS-</a:t>
+            </a:r>
+          </a:p>
+          <a:p>
+            <a:pPr algn="ctr"/>
+            <a:r>
+              <a:rPr lang="en-US" sz="2200" b="1" dirty="0">
+                <a:latin typeface="Cambria" panose="02040503050406030204" pitchFamily="18" charset="0"/>
+              </a:rPr>
+              <a:t>CoV-2</a:t>
+            </a:r>
+          </a:p>
+        </p:txBody>
+      </p:sp>
+      <p:sp>
+        <p:nvSpPr>
+          <p:cNvPr id="109" name="TextBox 108">
+            <a:extLst>
+              <a:ext uri="{FF2B5EF4-FFF2-40B4-BE49-F238E27FC236}">
+                <a16:creationId xmlns:a16="http://schemas.microsoft.com/office/drawing/2014/main" id="{0B8D124A-38A0-D097-02F7-F0520F16847F}"/>
+              </a:ext>
+            </a:extLst>
+          </p:cNvPr>
+          <p:cNvSpPr txBox="1"/>
+          <p:nvPr/>
+        </p:nvSpPr>
+        <p:spPr>
+          <a:xfrm>
+            <a:off x="9707436" y="5268410"/>
+            <a:ext cx="971060" cy="1107996"/>
+          </a:xfrm>
+          <a:prstGeom prst="rect">
+            <a:avLst/>
+          </a:prstGeom>
+          <a:noFill/>
+        </p:spPr>
+        <p:txBody>
+          <a:bodyPr wrap="square" rtlCol="0">
+            <a:spAutoFit/>
+          </a:bodyPr>
+          <a:lstStyle/>
+          <a:p>
+            <a:pPr algn="ctr"/>
+            <a:r>
+              <a:rPr lang="en-US" sz="2200" b="1" dirty="0">
+                <a:latin typeface="Cambria" panose="02040503050406030204" pitchFamily="18" charset="0"/>
+              </a:rPr>
+              <a:t>D4</a:t>
+            </a:r>
+          </a:p>
+          <a:p>
+            <a:pPr algn="ctr"/>
+            <a:r>
+              <a:rPr lang="en-US" sz="2200" b="1" dirty="0">
+                <a:latin typeface="Cambria" panose="02040503050406030204" pitchFamily="18" charset="0"/>
+              </a:rPr>
+              <a:t>Green</a:t>
+            </a:r>
+          </a:p>
+          <a:p>
+            <a:pPr algn="ctr"/>
+            <a:r>
+              <a:rPr lang="en-US" sz="2200" b="1" dirty="0">
+                <a:latin typeface="Cambria" panose="02040503050406030204" pitchFamily="18" charset="0"/>
+              </a:rPr>
+              <a:t>Algae</a:t>
+            </a:r>
+          </a:p>
+        </p:txBody>
+      </p:sp>
+      <p:sp>
+        <p:nvSpPr>
+          <p:cNvPr id="112" name="TextBox 111">
+            <a:extLst>
+              <a:ext uri="{FF2B5EF4-FFF2-40B4-BE49-F238E27FC236}">
+                <a16:creationId xmlns:a16="http://schemas.microsoft.com/office/drawing/2014/main" id="{21C54195-1BC0-7198-39E9-746027482C71}"/>
+              </a:ext>
+            </a:extLst>
+          </p:cNvPr>
+          <p:cNvSpPr txBox="1"/>
+          <p:nvPr/>
+        </p:nvSpPr>
+        <p:spPr>
+          <a:xfrm>
+            <a:off x="10768862" y="5268410"/>
+            <a:ext cx="1128835" cy="769441"/>
+          </a:xfrm>
+          <a:prstGeom prst="rect">
+            <a:avLst/>
+          </a:prstGeom>
+          <a:noFill/>
+        </p:spPr>
+        <p:txBody>
+          <a:bodyPr wrap="none" rtlCol="0">
+            <a:spAutoFit/>
+          </a:bodyPr>
+          <a:lstStyle/>
+          <a:p>
+            <a:pPr algn="ctr"/>
+            <a:r>
+              <a:rPr lang="en-US" sz="2200" b="1" dirty="0">
+                <a:latin typeface="Cambria" panose="02040503050406030204" pitchFamily="18" charset="0"/>
+              </a:rPr>
+              <a:t>D5</a:t>
+            </a:r>
+          </a:p>
+          <a:p>
+            <a:pPr algn="ctr"/>
+            <a:r>
+              <a:rPr lang="en-US" sz="2200" b="1" dirty="0">
+                <a:latin typeface="Cambria" panose="02040503050406030204" pitchFamily="18" charset="0"/>
+              </a:rPr>
+              <a:t>Human</a:t>
+            </a:r>
+          </a:p>
+        </p:txBody>
+      </p:sp>
+      <p:sp>
+        <p:nvSpPr>
+          <p:cNvPr id="18" name="TextBox 17">
+            <a:extLst>
+              <a:ext uri="{FF2B5EF4-FFF2-40B4-BE49-F238E27FC236}">
+                <a16:creationId xmlns:a16="http://schemas.microsoft.com/office/drawing/2014/main" id="{27D0DFC1-079C-D227-33BF-A2ACDD264B77}"/>
+              </a:ext>
+            </a:extLst>
+          </p:cNvPr>
+          <p:cNvSpPr txBox="1"/>
+          <p:nvPr/>
+        </p:nvSpPr>
+        <p:spPr>
+          <a:xfrm>
+            <a:off x="7533795" y="5268410"/>
+            <a:ext cx="942694" cy="769441"/>
+          </a:xfrm>
+          <a:prstGeom prst="rect">
+            <a:avLst/>
+          </a:prstGeom>
+          <a:noFill/>
+        </p:spPr>
+        <p:txBody>
+          <a:bodyPr wrap="none" rtlCol="0">
+            <a:spAutoFit/>
+          </a:bodyPr>
+          <a:lstStyle/>
+          <a:p>
+            <a:pPr algn="ctr"/>
+            <a:r>
+              <a:rPr lang="en-US" sz="2200" b="1" dirty="0">
+                <a:latin typeface="Cambria" panose="02040503050406030204" pitchFamily="18" charset="0"/>
+              </a:rPr>
+              <a:t>D2</a:t>
+            </a:r>
+          </a:p>
+          <a:p>
+            <a:pPr algn="ctr"/>
+            <a:r>
+              <a:rPr lang="en-US" sz="2200" b="1" dirty="0">
+                <a:latin typeface="Cambria" panose="02040503050406030204" pitchFamily="18" charset="0"/>
+              </a:rPr>
+              <a:t>E. coli</a:t>
+            </a:r>
+          </a:p>
+        </p:txBody>
+      </p:sp>
+      <p:sp>
+        <p:nvSpPr>
+          <p:cNvPr id="19" name="TextBox 18">
+            <a:extLst>
+              <a:ext uri="{FF2B5EF4-FFF2-40B4-BE49-F238E27FC236}">
+                <a16:creationId xmlns:a16="http://schemas.microsoft.com/office/drawing/2014/main" id="{4EE6EC74-399E-623E-683D-91D67EC0EC85}"/>
+              </a:ext>
+            </a:extLst>
+          </p:cNvPr>
+          <p:cNvSpPr txBox="1"/>
+          <p:nvPr/>
+        </p:nvSpPr>
+        <p:spPr>
+          <a:xfrm>
+            <a:off x="8688911" y="5268410"/>
+            <a:ext cx="861967" cy="769441"/>
+          </a:xfrm>
+          <a:prstGeom prst="rect">
+            <a:avLst/>
+          </a:prstGeom>
+          <a:noFill/>
+        </p:spPr>
+        <p:txBody>
+          <a:bodyPr wrap="none" rtlCol="0">
+            <a:spAutoFit/>
+          </a:bodyPr>
+          <a:lstStyle/>
+          <a:p>
+            <a:pPr algn="ctr"/>
+            <a:r>
+              <a:rPr lang="en-US" sz="2200" b="1" dirty="0">
+                <a:latin typeface="Cambria" panose="02040503050406030204" pitchFamily="18" charset="0"/>
+              </a:rPr>
+              <a:t>D3</a:t>
+            </a:r>
+          </a:p>
+          <a:p>
+            <a:pPr algn="ctr"/>
+            <a:r>
+              <a:rPr lang="en-US" sz="2200" b="1" dirty="0">
+                <a:latin typeface="Cambria" panose="02040503050406030204" pitchFamily="18" charset="0"/>
+              </a:rPr>
+              <a:t>Yeast</a:t>
+            </a:r>
+          </a:p>
+        </p:txBody>
+      </p:sp>
+      <p:sp>
+        <p:nvSpPr>
+          <p:cNvPr id="5" name="TextBox 4">
+            <a:extLst>
+              <a:ext uri="{FF2B5EF4-FFF2-40B4-BE49-F238E27FC236}">
+                <a16:creationId xmlns:a16="http://schemas.microsoft.com/office/drawing/2014/main" id="{E4862BF3-9618-6956-E1A9-EA2DE9EC6970}"/>
+              </a:ext>
+            </a:extLst>
+          </p:cNvPr>
+          <p:cNvSpPr txBox="1"/>
+          <p:nvPr/>
+        </p:nvSpPr>
+        <p:spPr>
+          <a:xfrm rot="16200000">
+            <a:off x="3494916" y="2842286"/>
+            <a:ext cx="3796950" cy="800219"/>
+          </a:xfrm>
+          <a:prstGeom prst="rect">
+            <a:avLst/>
+          </a:prstGeom>
+          <a:noFill/>
+        </p:spPr>
+        <p:txBody>
+          <a:bodyPr wrap="square" lIns="0" tIns="0" rIns="0" bIns="0" rtlCol="0">
+            <a:spAutoFit/>
+          </a:bodyPr>
+          <a:lstStyle/>
+          <a:p>
+            <a:pPr algn="ctr"/>
+            <a:r>
+              <a:rPr lang="en-US" sz="2600" b="1" dirty="0">
+                <a:latin typeface="Cambria" panose="02040503050406030204" pitchFamily="18" charset="0"/>
+              </a:rPr>
+              <a:t>Portion of overall  runtime (%)</a:t>
+            </a:r>
+          </a:p>
+        </p:txBody>
+      </p:sp>
+      <p:sp>
+        <p:nvSpPr>
+          <p:cNvPr id="13" name="TextBox 12">
+            <a:extLst>
+              <a:ext uri="{FF2B5EF4-FFF2-40B4-BE49-F238E27FC236}">
+                <a16:creationId xmlns:a16="http://schemas.microsoft.com/office/drawing/2014/main" id="{865CAA05-04A9-47CA-9F71-3D0E31FA797B}"/>
+              </a:ext>
+            </a:extLst>
+          </p:cNvPr>
+          <p:cNvSpPr txBox="1"/>
+          <p:nvPr/>
+        </p:nvSpPr>
+        <p:spPr>
+          <a:xfrm>
+            <a:off x="6158620" y="4388431"/>
+            <a:ext cx="397545" cy="430887"/>
+          </a:xfrm>
+          <a:prstGeom prst="rect">
+            <a:avLst/>
+          </a:prstGeom>
+          <a:noFill/>
+        </p:spPr>
+        <p:txBody>
+          <a:bodyPr wrap="none" lIns="0" tIns="0" rIns="0" bIns="0" rtlCol="0">
+            <a:spAutoFit/>
+          </a:bodyPr>
+          <a:lstStyle/>
+          <a:p>
+            <a:r>
+              <a:rPr lang="en-US" sz="2800" dirty="0">
+                <a:latin typeface="Cambria" panose="02040503050406030204" pitchFamily="18" charset="0"/>
+              </a:rPr>
+              <a:t>75</a:t>
+            </a:r>
+            <a:endParaRPr lang="en-US" sz="2400" baseline="30000" dirty="0">
+              <a:latin typeface="Cambria" panose="02040503050406030204" pitchFamily="18" charset="0"/>
+            </a:endParaRPr>
+          </a:p>
+        </p:txBody>
+      </p:sp>
+      <p:grpSp>
+        <p:nvGrpSpPr>
+          <p:cNvPr id="8" name="Group 7">
+            <a:extLst>
+              <a:ext uri="{FF2B5EF4-FFF2-40B4-BE49-F238E27FC236}">
+                <a16:creationId xmlns:a16="http://schemas.microsoft.com/office/drawing/2014/main" id="{4BAD3F6A-F509-83E6-2991-8DEE6713CA78}"/>
+              </a:ext>
+            </a:extLst>
+          </p:cNvPr>
+          <p:cNvGrpSpPr/>
+          <p:nvPr/>
+        </p:nvGrpSpPr>
+        <p:grpSpPr>
+          <a:xfrm>
+            <a:off x="7244631" y="534386"/>
+            <a:ext cx="3750527" cy="523220"/>
+            <a:chOff x="3780870" y="188601"/>
+            <a:chExt cx="3750527" cy="523220"/>
+          </a:xfrm>
+        </p:grpSpPr>
+        <p:sp>
+          <p:nvSpPr>
+            <p:cNvPr id="82" name="Rectangle 81">
+              <a:extLst>
+                <a:ext uri="{FF2B5EF4-FFF2-40B4-BE49-F238E27FC236}">
+                  <a16:creationId xmlns:a16="http://schemas.microsoft.com/office/drawing/2014/main" id="{FD3CF857-F05E-1745-C00B-A9EAB23F2DA3}"/>
+                </a:ext>
+              </a:extLst>
+            </p:cNvPr>
+            <p:cNvSpPr/>
+            <p:nvPr/>
+          </p:nvSpPr>
+          <p:spPr>
+            <a:xfrm>
+              <a:off x="3780870" y="319463"/>
+              <a:ext cx="288000" cy="288000"/>
+            </a:xfrm>
+            <a:prstGeom prst="rect">
+              <a:avLst/>
+            </a:prstGeom>
+            <a:solidFill>
+              <a:srgbClr val="6799CE"/>
+            </a:solidFill>
+          </p:spPr>
+          <p:style>
+            <a:lnRef idx="2">
+              <a:schemeClr val="accent1">
+                <a:shade val="50000"/>
+              </a:schemeClr>
+            </a:lnRef>
+            <a:fillRef idx="1">
+              <a:schemeClr val="accent1"/>
+            </a:fillRef>
+            <a:effectRef idx="0">
+              <a:schemeClr val="accent1"/>
+            </a:effectRef>
+            <a:fontRef idx="minor">
+              <a:schemeClr val="lt1"/>
+            </a:fontRef>
+          </p:style>
+          <p:txBody>
+            <a:bodyPr rtlCol="0" anchor="ctr"/>
+            <a:lstStyle/>
+            <a:p>
+              <a:pPr algn="ctr"/>
+              <a:endParaRPr lang="en-US" sz="2800" dirty="0">
+                <a:latin typeface="Cambria" panose="02040503050406030204" pitchFamily="18" charset="0"/>
+              </a:endParaRPr>
+            </a:p>
+          </p:txBody>
+        </p:sp>
+        <p:sp>
+          <p:nvSpPr>
+            <p:cNvPr id="83" name="TextBox 82">
+              <a:extLst>
+                <a:ext uri="{FF2B5EF4-FFF2-40B4-BE49-F238E27FC236}">
+                  <a16:creationId xmlns:a16="http://schemas.microsoft.com/office/drawing/2014/main" id="{4F007CFC-AA25-432F-4AE1-4434ACA1316E}"/>
+                </a:ext>
+              </a:extLst>
+            </p:cNvPr>
+            <p:cNvSpPr txBox="1"/>
+            <p:nvPr/>
+          </p:nvSpPr>
+          <p:spPr>
+            <a:xfrm>
               <a:off x="4058972" y="188601"/>
               <a:ext cx="3472425" cy="523220"/>
             </a:xfrm>
@@ -6718,7 +7071,7 @@
         </p:nvSpPr>
         <p:spPr>
           <a:xfrm>
-            <a:off x="2949127" y="5307764"/>
+            <a:off x="3199848" y="5307764"/>
             <a:ext cx="1672830" cy="769441"/>
           </a:xfrm>
           <a:prstGeom prst="rect">
@@ -6765,7 +7118,7 @@
         </p:nvSpPr>
         <p:spPr>
           <a:xfrm>
-            <a:off x="10825150" y="5307764"/>
+            <a:off x="10603929" y="5307764"/>
             <a:ext cx="1723445" cy="769441"/>
           </a:xfrm>
           <a:prstGeom prst="rect">
@@ -6812,7 +7165,7 @@
         </p:nvSpPr>
         <p:spPr>
           <a:xfrm>
-            <a:off x="13759378" y="5307764"/>
+            <a:off x="13390671" y="5307764"/>
             <a:ext cx="1128835" cy="769441"/>
           </a:xfrm>
           <a:prstGeom prst="rect">
@@ -6859,7 +7212,7 @@
         </p:nvSpPr>
         <p:spPr>
           <a:xfrm>
-            <a:off x="5948463" y="5307764"/>
+            <a:off x="6036952" y="5307764"/>
             <a:ext cx="942694" cy="769441"/>
           </a:xfrm>
           <a:prstGeom prst="rect">
@@ -6906,7 +7259,7 @@
         </p:nvSpPr>
         <p:spPr>
           <a:xfrm>
-            <a:off x="8627299" y="5307764"/>
+            <a:off x="8568307" y="5307764"/>
             <a:ext cx="861967" cy="769441"/>
           </a:xfrm>
           <a:prstGeom prst="rect">
@@ -6977,12 +7330,732 @@
           </a:p>
         </p:txBody>
       </p:sp>
+      <p:sp>
+        <p:nvSpPr>
+          <p:cNvPr id="13" name="TextBox 12">
+            <a:extLst>
+              <a:ext uri="{FF2B5EF4-FFF2-40B4-BE49-F238E27FC236}">
+                <a16:creationId xmlns:a16="http://schemas.microsoft.com/office/drawing/2014/main" id="{865CAA05-04A9-47CA-9F71-3D0E31FA797B}"/>
+              </a:ext>
+            </a:extLst>
+          </p:cNvPr>
+          <p:cNvSpPr txBox="1"/>
+          <p:nvPr/>
+        </p:nvSpPr>
+        <p:spPr>
+          <a:xfrm>
+            <a:off x="1961735" y="4485123"/>
+            <a:ext cx="795089" cy="430887"/>
+          </a:xfrm>
+          <a:prstGeom prst="rect">
+            <a:avLst/>
+          </a:prstGeom>
+          <a:noFill/>
+        </p:spPr>
+        <p:txBody>
+          <a:bodyPr wrap="none" lIns="0" tIns="0" rIns="0" bIns="0" rtlCol="0">
+            <a:spAutoFit/>
+          </a:bodyPr>
+          <a:lstStyle/>
+          <a:p>
+            <a:r>
+              <a:rPr lang="en-US" sz="2800" dirty="0">
+                <a:latin typeface="Cambria" panose="02040503050406030204" pitchFamily="18" charset="0"/>
+              </a:rPr>
+              <a:t>1000</a:t>
+            </a:r>
+            <a:endParaRPr lang="en-US" sz="2400" baseline="30000" dirty="0">
+              <a:latin typeface="Cambria" panose="02040503050406030204" pitchFamily="18" charset="0"/>
+            </a:endParaRPr>
+          </a:p>
+        </p:txBody>
+      </p:sp>
+      <p:grpSp>
+        <p:nvGrpSpPr>
+          <p:cNvPr id="8" name="Group 7">
+            <a:extLst>
+              <a:ext uri="{FF2B5EF4-FFF2-40B4-BE49-F238E27FC236}">
+                <a16:creationId xmlns:a16="http://schemas.microsoft.com/office/drawing/2014/main" id="{4BAD3F6A-F509-83E6-2991-8DEE6713CA78}"/>
+              </a:ext>
+            </a:extLst>
+          </p:cNvPr>
+          <p:cNvGrpSpPr/>
+          <p:nvPr/>
+        </p:nvGrpSpPr>
+        <p:grpSpPr>
+          <a:xfrm>
+            <a:off x="10035410" y="607674"/>
+            <a:ext cx="1859774" cy="523220"/>
+            <a:chOff x="3780870" y="201853"/>
+            <a:chExt cx="1859774" cy="523220"/>
+          </a:xfrm>
+        </p:grpSpPr>
+        <p:sp>
+          <p:nvSpPr>
+            <p:cNvPr id="82" name="Rectangle 81">
+              <a:extLst>
+                <a:ext uri="{FF2B5EF4-FFF2-40B4-BE49-F238E27FC236}">
+                  <a16:creationId xmlns:a16="http://schemas.microsoft.com/office/drawing/2014/main" id="{FD3CF857-F05E-1745-C00B-A9EAB23F2DA3}"/>
+                </a:ext>
+              </a:extLst>
+            </p:cNvPr>
+            <p:cNvSpPr/>
+            <p:nvPr/>
+          </p:nvSpPr>
+          <p:spPr>
+            <a:xfrm>
+              <a:off x="3780870" y="319463"/>
+              <a:ext cx="288000" cy="288000"/>
+            </a:xfrm>
+            <a:prstGeom prst="rect">
+              <a:avLst/>
+            </a:prstGeom>
+            <a:solidFill>
+              <a:srgbClr val="6799CE"/>
+            </a:solidFill>
+          </p:spPr>
+          <p:style>
+            <a:lnRef idx="2">
+              <a:schemeClr val="accent1">
+                <a:shade val="50000"/>
+              </a:schemeClr>
+            </a:lnRef>
+            <a:fillRef idx="1">
+              <a:schemeClr val="accent1"/>
+            </a:fillRef>
+            <a:effectRef idx="0">
+              <a:schemeClr val="accent1"/>
+            </a:effectRef>
+            <a:fontRef idx="minor">
+              <a:schemeClr val="lt1"/>
+            </a:fontRef>
+          </p:style>
+          <p:txBody>
+            <a:bodyPr rtlCol="0" anchor="ctr"/>
+            <a:lstStyle/>
+            <a:p>
+              <a:pPr algn="ctr"/>
+              <a:endParaRPr lang="en-US" sz="2800" dirty="0">
+                <a:latin typeface="Cambria" panose="02040503050406030204" pitchFamily="18" charset="0"/>
+              </a:endParaRPr>
+            </a:p>
+          </p:txBody>
+        </p:sp>
+        <p:sp>
+          <p:nvSpPr>
+            <p:cNvPr id="83" name="TextBox 82">
+              <a:extLst>
+                <a:ext uri="{FF2B5EF4-FFF2-40B4-BE49-F238E27FC236}">
+                  <a16:creationId xmlns:a16="http://schemas.microsoft.com/office/drawing/2014/main" id="{4F007CFC-AA25-432F-4AE1-4434ACA1316E}"/>
+                </a:ext>
+              </a:extLst>
+            </p:cNvPr>
+            <p:cNvSpPr txBox="1"/>
+            <p:nvPr/>
+          </p:nvSpPr>
+          <p:spPr>
+            <a:xfrm>
+              <a:off x="4014430" y="201853"/>
+              <a:ext cx="1626214" cy="523220"/>
+            </a:xfrm>
+            <a:prstGeom prst="rect">
+              <a:avLst/>
+            </a:prstGeom>
+            <a:noFill/>
+          </p:spPr>
+          <p:txBody>
+            <a:bodyPr wrap="none" rtlCol="0">
+              <a:spAutoFit/>
+            </a:bodyPr>
+            <a:lstStyle/>
+            <a:p>
+              <a:pPr algn="ctr"/>
+              <a:r>
+                <a:rPr lang="en-US" sz="2800" dirty="0">
+                  <a:latin typeface="Cambria" panose="02040503050406030204" pitchFamily="18" charset="0"/>
+                </a:rPr>
+                <a:t>RawHash</a:t>
+              </a:r>
+            </a:p>
+          </p:txBody>
+        </p:sp>
+      </p:grpSp>
+      <p:grpSp>
+        <p:nvGrpSpPr>
+          <p:cNvPr id="14" name="Group 13">
+            <a:extLst>
+              <a:ext uri="{FF2B5EF4-FFF2-40B4-BE49-F238E27FC236}">
+                <a16:creationId xmlns:a16="http://schemas.microsoft.com/office/drawing/2014/main" id="{3AB95315-0052-63BF-1A79-C925E0D836F2}"/>
+              </a:ext>
+            </a:extLst>
+          </p:cNvPr>
+          <p:cNvGrpSpPr/>
+          <p:nvPr/>
+        </p:nvGrpSpPr>
+        <p:grpSpPr>
+          <a:xfrm>
+            <a:off x="12186774" y="607674"/>
+            <a:ext cx="2214950" cy="523220"/>
+            <a:chOff x="3780870" y="248652"/>
+            <a:chExt cx="2214950" cy="523220"/>
+          </a:xfrm>
+        </p:grpSpPr>
+        <p:sp>
+          <p:nvSpPr>
+            <p:cNvPr id="15" name="Rectangle 14">
+              <a:extLst>
+                <a:ext uri="{FF2B5EF4-FFF2-40B4-BE49-F238E27FC236}">
+                  <a16:creationId xmlns:a16="http://schemas.microsoft.com/office/drawing/2014/main" id="{D70396FF-403B-FFA8-75A5-52BC407761B0}"/>
+                </a:ext>
+              </a:extLst>
+            </p:cNvPr>
+            <p:cNvSpPr/>
+            <p:nvPr/>
+          </p:nvSpPr>
+          <p:spPr>
+            <a:xfrm>
+              <a:off x="3780870" y="366262"/>
+              <a:ext cx="288000" cy="288000"/>
+            </a:xfrm>
+            <a:prstGeom prst="rect">
+              <a:avLst/>
+            </a:prstGeom>
+            <a:solidFill>
+              <a:srgbClr val="AA449A"/>
+            </a:solidFill>
+          </p:spPr>
+          <p:style>
+            <a:lnRef idx="2">
+              <a:schemeClr val="accent1">
+                <a:shade val="50000"/>
+              </a:schemeClr>
+            </a:lnRef>
+            <a:fillRef idx="1">
+              <a:schemeClr val="accent1"/>
+            </a:fillRef>
+            <a:effectRef idx="0">
+              <a:schemeClr val="accent1"/>
+            </a:effectRef>
+            <a:fontRef idx="minor">
+              <a:schemeClr val="lt1"/>
+            </a:fontRef>
+          </p:style>
+          <p:txBody>
+            <a:bodyPr rtlCol="0" anchor="ctr"/>
+            <a:lstStyle/>
+            <a:p>
+              <a:pPr algn="ctr"/>
+              <a:endParaRPr lang="en-US" sz="2800" dirty="0">
+                <a:latin typeface="Cambria" panose="02040503050406030204" pitchFamily="18" charset="0"/>
+              </a:endParaRPr>
+            </a:p>
+          </p:txBody>
+        </p:sp>
+        <p:sp>
+          <p:nvSpPr>
+            <p:cNvPr id="16" name="TextBox 15">
+              <a:extLst>
+                <a:ext uri="{FF2B5EF4-FFF2-40B4-BE49-F238E27FC236}">
+                  <a16:creationId xmlns:a16="http://schemas.microsoft.com/office/drawing/2014/main" id="{0BCF6713-B3FD-2DAF-EEAA-DADBC32A447A}"/>
+                </a:ext>
+              </a:extLst>
+            </p:cNvPr>
+            <p:cNvSpPr txBox="1"/>
+            <p:nvPr/>
+          </p:nvSpPr>
+          <p:spPr>
+            <a:xfrm>
+              <a:off x="4079911" y="248652"/>
+              <a:ext cx="1915909" cy="523220"/>
+            </a:xfrm>
+            <a:prstGeom prst="rect">
+              <a:avLst/>
+            </a:prstGeom>
+            <a:noFill/>
+          </p:spPr>
+          <p:txBody>
+            <a:bodyPr wrap="none" rtlCol="0">
+              <a:spAutoFit/>
+            </a:bodyPr>
+            <a:lstStyle/>
+            <a:p>
+              <a:pPr algn="ctr"/>
+              <a:r>
+                <a:rPr lang="en-US" sz="2800" dirty="0">
+                  <a:latin typeface="Cambria" panose="02040503050406030204" pitchFamily="18" charset="0"/>
+                </a:rPr>
+                <a:t>UNCALLED</a:t>
+              </a:r>
+            </a:p>
+          </p:txBody>
+        </p:sp>
+      </p:grpSp>
+      <p:sp>
+        <p:nvSpPr>
+          <p:cNvPr id="2" name="TextBox 1">
+            <a:extLst>
+              <a:ext uri="{FF2B5EF4-FFF2-40B4-BE49-F238E27FC236}">
+                <a16:creationId xmlns:a16="http://schemas.microsoft.com/office/drawing/2014/main" id="{D33B48EB-2ADD-ED01-FDD9-F833C8174065}"/>
+              </a:ext>
+            </a:extLst>
+          </p:cNvPr>
+          <p:cNvSpPr txBox="1"/>
+          <p:nvPr/>
+        </p:nvSpPr>
+        <p:spPr>
+          <a:xfrm>
+            <a:off x="1961735" y="3958384"/>
+            <a:ext cx="795089" cy="430887"/>
+          </a:xfrm>
+          <a:prstGeom prst="rect">
+            <a:avLst/>
+          </a:prstGeom>
+          <a:noFill/>
+        </p:spPr>
+        <p:txBody>
+          <a:bodyPr wrap="none" lIns="0" tIns="0" rIns="0" bIns="0" rtlCol="0">
+            <a:spAutoFit/>
+          </a:bodyPr>
+          <a:lstStyle/>
+          <a:p>
+            <a:r>
+              <a:rPr lang="en-US" sz="2800" dirty="0">
+                <a:latin typeface="Cambria" panose="02040503050406030204" pitchFamily="18" charset="0"/>
+              </a:rPr>
+              <a:t>2000</a:t>
+            </a:r>
+            <a:endParaRPr lang="en-US" sz="2400" baseline="30000" dirty="0">
+              <a:latin typeface="Cambria" panose="02040503050406030204" pitchFamily="18" charset="0"/>
+            </a:endParaRPr>
+          </a:p>
+        </p:txBody>
+      </p:sp>
+      <p:sp>
+        <p:nvSpPr>
+          <p:cNvPr id="9" name="TextBox 8">
+            <a:extLst>
+              <a:ext uri="{FF2B5EF4-FFF2-40B4-BE49-F238E27FC236}">
+                <a16:creationId xmlns:a16="http://schemas.microsoft.com/office/drawing/2014/main" id="{DA69F3CE-7D15-E2FA-29AD-4077E361F1F2}"/>
+              </a:ext>
+            </a:extLst>
+          </p:cNvPr>
+          <p:cNvSpPr txBox="1"/>
+          <p:nvPr/>
+        </p:nvSpPr>
+        <p:spPr>
+          <a:xfrm>
+            <a:off x="1961735" y="3431644"/>
+            <a:ext cx="795089" cy="430887"/>
+          </a:xfrm>
+          <a:prstGeom prst="rect">
+            <a:avLst/>
+          </a:prstGeom>
+          <a:noFill/>
+        </p:spPr>
+        <p:txBody>
+          <a:bodyPr wrap="none" lIns="0" tIns="0" rIns="0" bIns="0" rtlCol="0">
+            <a:spAutoFit/>
+          </a:bodyPr>
+          <a:lstStyle/>
+          <a:p>
+            <a:r>
+              <a:rPr lang="en-US" sz="2800" dirty="0">
+                <a:latin typeface="Cambria" panose="02040503050406030204" pitchFamily="18" charset="0"/>
+              </a:rPr>
+              <a:t>3000</a:t>
+            </a:r>
+            <a:endParaRPr lang="en-US" sz="2400" baseline="30000" dirty="0">
+              <a:latin typeface="Cambria" panose="02040503050406030204" pitchFamily="18" charset="0"/>
+            </a:endParaRPr>
+          </a:p>
+        </p:txBody>
+      </p:sp>
+      <p:sp>
+        <p:nvSpPr>
+          <p:cNvPr id="10" name="TextBox 9">
+            <a:extLst>
+              <a:ext uri="{FF2B5EF4-FFF2-40B4-BE49-F238E27FC236}">
+                <a16:creationId xmlns:a16="http://schemas.microsoft.com/office/drawing/2014/main" id="{011FBACF-95D4-30B5-5500-0AEA1AC9608F}"/>
+              </a:ext>
+            </a:extLst>
+          </p:cNvPr>
+          <p:cNvSpPr txBox="1"/>
+          <p:nvPr/>
+        </p:nvSpPr>
+        <p:spPr>
+          <a:xfrm>
+            <a:off x="1961735" y="2904904"/>
+            <a:ext cx="795089" cy="430887"/>
+          </a:xfrm>
+          <a:prstGeom prst="rect">
+            <a:avLst/>
+          </a:prstGeom>
+          <a:noFill/>
+        </p:spPr>
+        <p:txBody>
+          <a:bodyPr wrap="none" lIns="0" tIns="0" rIns="0" bIns="0" rtlCol="0">
+            <a:spAutoFit/>
+          </a:bodyPr>
+          <a:lstStyle/>
+          <a:p>
+            <a:r>
+              <a:rPr lang="en-US" sz="2800" dirty="0">
+                <a:latin typeface="Cambria" panose="02040503050406030204" pitchFamily="18" charset="0"/>
+              </a:rPr>
+              <a:t>4000</a:t>
+            </a:r>
+            <a:endParaRPr lang="en-US" sz="2400" baseline="30000" dirty="0">
+              <a:latin typeface="Cambria" panose="02040503050406030204" pitchFamily="18" charset="0"/>
+            </a:endParaRPr>
+          </a:p>
+        </p:txBody>
+      </p:sp>
+      <p:sp>
+        <p:nvSpPr>
+          <p:cNvPr id="23" name="TextBox 22">
+            <a:extLst>
+              <a:ext uri="{FF2B5EF4-FFF2-40B4-BE49-F238E27FC236}">
+                <a16:creationId xmlns:a16="http://schemas.microsoft.com/office/drawing/2014/main" id="{AF2F610D-38E0-AF6D-AC05-D093D8F71D3D}"/>
+              </a:ext>
+            </a:extLst>
+          </p:cNvPr>
+          <p:cNvSpPr txBox="1"/>
+          <p:nvPr/>
+        </p:nvSpPr>
+        <p:spPr>
+          <a:xfrm>
+            <a:off x="1961735" y="2378164"/>
+            <a:ext cx="795089" cy="430887"/>
+          </a:xfrm>
+          <a:prstGeom prst="rect">
+            <a:avLst/>
+          </a:prstGeom>
+          <a:noFill/>
+        </p:spPr>
+        <p:txBody>
+          <a:bodyPr wrap="none" lIns="0" tIns="0" rIns="0" bIns="0" rtlCol="0">
+            <a:spAutoFit/>
+          </a:bodyPr>
+          <a:lstStyle/>
+          <a:p>
+            <a:r>
+              <a:rPr lang="en-US" sz="2800" dirty="0">
+                <a:latin typeface="Cambria" panose="02040503050406030204" pitchFamily="18" charset="0"/>
+              </a:rPr>
+              <a:t>5000</a:t>
+            </a:r>
+            <a:endParaRPr lang="en-US" sz="2400" baseline="30000" dirty="0">
+              <a:latin typeface="Cambria" panose="02040503050406030204" pitchFamily="18" charset="0"/>
+            </a:endParaRPr>
+          </a:p>
+        </p:txBody>
+      </p:sp>
+      <p:sp>
+        <p:nvSpPr>
+          <p:cNvPr id="24" name="TextBox 23">
+            <a:extLst>
+              <a:ext uri="{FF2B5EF4-FFF2-40B4-BE49-F238E27FC236}">
+                <a16:creationId xmlns:a16="http://schemas.microsoft.com/office/drawing/2014/main" id="{F157FE5F-2717-B636-7324-B4C4C17BF65C}"/>
+              </a:ext>
+            </a:extLst>
+          </p:cNvPr>
+          <p:cNvSpPr txBox="1"/>
+          <p:nvPr/>
+        </p:nvSpPr>
+        <p:spPr>
+          <a:xfrm>
+            <a:off x="1961735" y="1851424"/>
+            <a:ext cx="795089" cy="430887"/>
+          </a:xfrm>
+          <a:prstGeom prst="rect">
+            <a:avLst/>
+          </a:prstGeom>
+          <a:noFill/>
+        </p:spPr>
+        <p:txBody>
+          <a:bodyPr wrap="none" lIns="0" tIns="0" rIns="0" bIns="0" rtlCol="0">
+            <a:spAutoFit/>
+          </a:bodyPr>
+          <a:lstStyle/>
+          <a:p>
+            <a:r>
+              <a:rPr lang="en-US" sz="2800" dirty="0">
+                <a:latin typeface="Cambria" panose="02040503050406030204" pitchFamily="18" charset="0"/>
+              </a:rPr>
+              <a:t>6000</a:t>
+            </a:r>
+            <a:endParaRPr lang="en-US" sz="2400" baseline="30000" dirty="0">
+              <a:latin typeface="Cambria" panose="02040503050406030204" pitchFamily="18" charset="0"/>
+            </a:endParaRPr>
+          </a:p>
+        </p:txBody>
+      </p:sp>
+      <p:sp>
+        <p:nvSpPr>
+          <p:cNvPr id="25" name="TextBox 24">
+            <a:extLst>
+              <a:ext uri="{FF2B5EF4-FFF2-40B4-BE49-F238E27FC236}">
+                <a16:creationId xmlns:a16="http://schemas.microsoft.com/office/drawing/2014/main" id="{F03756AB-15D8-5596-9FC2-0ABAC16E829A}"/>
+              </a:ext>
+            </a:extLst>
+          </p:cNvPr>
+          <p:cNvSpPr txBox="1"/>
+          <p:nvPr/>
+        </p:nvSpPr>
+        <p:spPr>
+          <a:xfrm>
+            <a:off x="1961735" y="1324684"/>
+            <a:ext cx="795089" cy="430887"/>
+          </a:xfrm>
+          <a:prstGeom prst="rect">
+            <a:avLst/>
+          </a:prstGeom>
+          <a:noFill/>
+        </p:spPr>
+        <p:txBody>
+          <a:bodyPr wrap="none" lIns="0" tIns="0" rIns="0" bIns="0" rtlCol="0">
+            <a:spAutoFit/>
+          </a:bodyPr>
+          <a:lstStyle/>
+          <a:p>
+            <a:r>
+              <a:rPr lang="en-US" sz="2800" dirty="0">
+                <a:latin typeface="Cambria" panose="02040503050406030204" pitchFamily="18" charset="0"/>
+              </a:rPr>
+              <a:t>7000</a:t>
+            </a:r>
+            <a:endParaRPr lang="en-US" sz="2400" baseline="30000" dirty="0">
+              <a:latin typeface="Cambria" panose="02040503050406030204" pitchFamily="18" charset="0"/>
+            </a:endParaRPr>
+          </a:p>
+        </p:txBody>
+      </p:sp>
+      <p:grpSp>
+        <p:nvGrpSpPr>
+          <p:cNvPr id="26" name="Group 25">
+            <a:extLst>
+              <a:ext uri="{FF2B5EF4-FFF2-40B4-BE49-F238E27FC236}">
+                <a16:creationId xmlns:a16="http://schemas.microsoft.com/office/drawing/2014/main" id="{A4F1EEBD-83B1-58A5-F511-242BDBADC165}"/>
+              </a:ext>
+            </a:extLst>
+          </p:cNvPr>
+          <p:cNvGrpSpPr/>
+          <p:nvPr/>
+        </p:nvGrpSpPr>
+        <p:grpSpPr>
+          <a:xfrm>
+            <a:off x="5948524" y="607674"/>
+            <a:ext cx="3795297" cy="523220"/>
+            <a:chOff x="3780870" y="201853"/>
+            <a:chExt cx="3795297" cy="523220"/>
+          </a:xfrm>
+        </p:grpSpPr>
+        <p:sp>
+          <p:nvSpPr>
+            <p:cNvPr id="27" name="Rectangle 26">
+              <a:extLst>
+                <a:ext uri="{FF2B5EF4-FFF2-40B4-BE49-F238E27FC236}">
+                  <a16:creationId xmlns:a16="http://schemas.microsoft.com/office/drawing/2014/main" id="{3AB5A585-E746-AC24-AC46-0AF6DC9AFE5D}"/>
+                </a:ext>
+              </a:extLst>
+            </p:cNvPr>
+            <p:cNvSpPr/>
+            <p:nvPr/>
+          </p:nvSpPr>
+          <p:spPr>
+            <a:xfrm>
+              <a:off x="3780870" y="319463"/>
+              <a:ext cx="288000" cy="288000"/>
+            </a:xfrm>
+            <a:prstGeom prst="rect">
+              <a:avLst/>
+            </a:prstGeom>
+            <a:solidFill>
+              <a:srgbClr val="EBBC40"/>
+            </a:solidFill>
+          </p:spPr>
+          <p:style>
+            <a:lnRef idx="2">
+              <a:schemeClr val="accent1">
+                <a:shade val="50000"/>
+              </a:schemeClr>
+            </a:lnRef>
+            <a:fillRef idx="1">
+              <a:schemeClr val="accent1"/>
+            </a:fillRef>
+            <a:effectRef idx="0">
+              <a:schemeClr val="accent1"/>
+            </a:effectRef>
+            <a:fontRef idx="minor">
+              <a:schemeClr val="lt1"/>
+            </a:fontRef>
+          </p:style>
+          <p:txBody>
+            <a:bodyPr rtlCol="0" anchor="ctr"/>
+            <a:lstStyle/>
+            <a:p>
+              <a:pPr algn="ctr"/>
+              <a:endParaRPr lang="en-US" sz="2800" dirty="0">
+                <a:latin typeface="Cambria" panose="02040503050406030204" pitchFamily="18" charset="0"/>
+              </a:endParaRPr>
+            </a:p>
+          </p:txBody>
+        </p:sp>
+        <p:sp>
+          <p:nvSpPr>
+            <p:cNvPr id="29" name="TextBox 28">
+              <a:extLst>
+                <a:ext uri="{FF2B5EF4-FFF2-40B4-BE49-F238E27FC236}">
+                  <a16:creationId xmlns:a16="http://schemas.microsoft.com/office/drawing/2014/main" id="{61636204-1F2C-0DAA-E3BF-AF3BA65D6858}"/>
+                </a:ext>
+              </a:extLst>
+            </p:cNvPr>
+            <p:cNvSpPr txBox="1"/>
+            <p:nvPr/>
+          </p:nvSpPr>
+          <p:spPr>
+            <a:xfrm>
+              <a:off x="4055203" y="201853"/>
+              <a:ext cx="3520964" cy="523220"/>
+            </a:xfrm>
+            <a:prstGeom prst="rect">
+              <a:avLst/>
+            </a:prstGeom>
+            <a:noFill/>
+          </p:spPr>
+          <p:txBody>
+            <a:bodyPr wrap="none" rtlCol="0">
+              <a:spAutoFit/>
+            </a:bodyPr>
+            <a:lstStyle/>
+            <a:p>
+              <a:pPr algn="ctr"/>
+              <a:r>
+                <a:rPr lang="en-US" sz="2800" dirty="0">
+                  <a:latin typeface="Cambria" panose="02040503050406030204" pitchFamily="18" charset="0"/>
+                </a:rPr>
+                <a:t>RawHash2-Minimizer</a:t>
+              </a:r>
+            </a:p>
+          </p:txBody>
+        </p:sp>
+      </p:grpSp>
+      <p:grpSp>
+        <p:nvGrpSpPr>
+          <p:cNvPr id="30" name="Group 29">
+            <a:extLst>
+              <a:ext uri="{FF2B5EF4-FFF2-40B4-BE49-F238E27FC236}">
+                <a16:creationId xmlns:a16="http://schemas.microsoft.com/office/drawing/2014/main" id="{DD3BA841-098A-2F23-69D2-06CD63A88865}"/>
+              </a:ext>
+            </a:extLst>
+          </p:cNvPr>
+          <p:cNvGrpSpPr/>
+          <p:nvPr/>
+        </p:nvGrpSpPr>
+        <p:grpSpPr>
+          <a:xfrm>
+            <a:off x="3609286" y="607674"/>
+            <a:ext cx="2047649" cy="523220"/>
+            <a:chOff x="3780870" y="201853"/>
+            <a:chExt cx="2047649" cy="523220"/>
+          </a:xfrm>
+        </p:grpSpPr>
+        <p:sp>
+          <p:nvSpPr>
+            <p:cNvPr id="31" name="Rectangle 30">
+              <a:extLst>
+                <a:ext uri="{FF2B5EF4-FFF2-40B4-BE49-F238E27FC236}">
+                  <a16:creationId xmlns:a16="http://schemas.microsoft.com/office/drawing/2014/main" id="{488B885B-EA9B-6D1C-D0AC-A6F53BB68341}"/>
+                </a:ext>
+              </a:extLst>
+            </p:cNvPr>
+            <p:cNvSpPr/>
+            <p:nvPr/>
+          </p:nvSpPr>
+          <p:spPr>
+            <a:xfrm>
+              <a:off x="3780870" y="319463"/>
+              <a:ext cx="288000" cy="288000"/>
+            </a:xfrm>
+            <a:prstGeom prst="rect">
+              <a:avLst/>
+            </a:prstGeom>
+            <a:solidFill>
+              <a:srgbClr val="60A137"/>
+            </a:solidFill>
+          </p:spPr>
+          <p:style>
+            <a:lnRef idx="2">
+              <a:schemeClr val="accent1">
+                <a:shade val="50000"/>
+              </a:schemeClr>
+            </a:lnRef>
+            <a:fillRef idx="1">
+              <a:schemeClr val="accent1"/>
+            </a:fillRef>
+            <a:effectRef idx="0">
+              <a:schemeClr val="accent1"/>
+            </a:effectRef>
+            <a:fontRef idx="minor">
+              <a:schemeClr val="lt1"/>
+            </a:fontRef>
+          </p:style>
+          <p:txBody>
+            <a:bodyPr rtlCol="0" anchor="ctr"/>
+            <a:lstStyle/>
+            <a:p>
+              <a:pPr algn="ctr"/>
+              <a:endParaRPr lang="en-US" sz="2800" dirty="0">
+                <a:latin typeface="Cambria" panose="02040503050406030204" pitchFamily="18" charset="0"/>
+              </a:endParaRPr>
+            </a:p>
+          </p:txBody>
+        </p:sp>
+        <p:sp>
+          <p:nvSpPr>
+            <p:cNvPr id="32" name="TextBox 31">
+              <a:extLst>
+                <a:ext uri="{FF2B5EF4-FFF2-40B4-BE49-F238E27FC236}">
+                  <a16:creationId xmlns:a16="http://schemas.microsoft.com/office/drawing/2014/main" id="{47AF8BED-C3A7-AADA-3515-EE6A6FC89B61}"/>
+                </a:ext>
+              </a:extLst>
+            </p:cNvPr>
+            <p:cNvSpPr txBox="1"/>
+            <p:nvPr/>
+          </p:nvSpPr>
+          <p:spPr>
+            <a:xfrm>
+              <a:off x="4003532" y="201853"/>
+              <a:ext cx="1824987" cy="523220"/>
+            </a:xfrm>
+            <a:prstGeom prst="rect">
+              <a:avLst/>
+            </a:prstGeom>
+            <a:noFill/>
+          </p:spPr>
+          <p:txBody>
+            <a:bodyPr wrap="none" rtlCol="0">
+              <a:spAutoFit/>
+            </a:bodyPr>
+            <a:lstStyle/>
+            <a:p>
+              <a:pPr algn="ctr"/>
+              <a:r>
+                <a:rPr lang="en-US" sz="2800" dirty="0">
+                  <a:latin typeface="Cambria" panose="02040503050406030204" pitchFamily="18" charset="0"/>
+                </a:rPr>
+                <a:t>RawHash2</a:t>
+              </a:r>
+            </a:p>
+          </p:txBody>
+        </p:sp>
+      </p:grpSp>
       <p:pic>
         <p:nvPicPr>
           <p:cNvPr id="4" name="Picture 3">
             <a:extLst>
               <a:ext uri="{FF2B5EF4-FFF2-40B4-BE49-F238E27FC236}">
-                <a16:creationId xmlns:a16="http://schemas.microsoft.com/office/drawing/2014/main" id="{635D8080-B02A-50C5-6025-8CC7DCEC9FEB}"/>
+                <a16:creationId xmlns:a16="http://schemas.microsoft.com/office/drawing/2014/main" id="{F4AC6B65-1085-E9AA-2E79-C2D7DE300C6D}"/>
               </a:ext>
             </a:extLst>
           </p:cNvPr>
@@ -6999,543 +8072,20 @@
               </a:ext>
             </a:extLst>
           </a:blip>
-          <a:srcRect/>
-          <a:stretch/>
+          <a:stretch>
+            <a:fillRect/>
+          </a:stretch>
         </p:blipFill>
         <p:spPr>
           <a:xfrm>
-            <a:off x="2727519" y="1111180"/>
-            <a:ext cx="12654387" cy="4218129"/>
+            <a:off x="2861024" y="1160390"/>
+            <a:ext cx="12256994" cy="4085665"/>
           </a:xfrm>
           <a:prstGeom prst="rect">
             <a:avLst/>
           </a:prstGeom>
         </p:spPr>
       </p:pic>
-      <p:sp>
-        <p:nvSpPr>
-          <p:cNvPr id="13" name="TextBox 12">
-            <a:extLst>
-              <a:ext uri="{FF2B5EF4-FFF2-40B4-BE49-F238E27FC236}">
-                <a16:creationId xmlns:a16="http://schemas.microsoft.com/office/drawing/2014/main" id="{865CAA05-04A9-47CA-9F71-3D0E31FA797B}"/>
-              </a:ext>
-            </a:extLst>
-          </p:cNvPr>
-          <p:cNvSpPr txBox="1"/>
-          <p:nvPr/>
-        </p:nvSpPr>
-        <p:spPr>
-          <a:xfrm>
-            <a:off x="1961735" y="4529367"/>
-            <a:ext cx="795089" cy="430887"/>
-          </a:xfrm>
-          <a:prstGeom prst="rect">
-            <a:avLst/>
-          </a:prstGeom>
-          <a:noFill/>
-        </p:spPr>
-        <p:txBody>
-          <a:bodyPr wrap="none" lIns="0" tIns="0" rIns="0" bIns="0" rtlCol="0">
-            <a:spAutoFit/>
-          </a:bodyPr>
-          <a:lstStyle/>
-          <a:p>
-            <a:r>
-              <a:rPr lang="en-US" sz="2800" dirty="0">
-                <a:latin typeface="Cambria" panose="02040503050406030204" pitchFamily="18" charset="0"/>
-              </a:rPr>
-              <a:t>1000</a:t>
-            </a:r>
-            <a:endParaRPr lang="en-US" sz="2400" baseline="30000" dirty="0">
-              <a:latin typeface="Cambria" panose="02040503050406030204" pitchFamily="18" charset="0"/>
-            </a:endParaRPr>
-          </a:p>
-        </p:txBody>
-      </p:sp>
-      <p:grpSp>
-        <p:nvGrpSpPr>
-          <p:cNvPr id="28" name="Group 27">
-            <a:extLst>
-              <a:ext uri="{FF2B5EF4-FFF2-40B4-BE49-F238E27FC236}">
-                <a16:creationId xmlns:a16="http://schemas.microsoft.com/office/drawing/2014/main" id="{4973AE2D-87AF-4292-24B9-D4D177AC210A}"/>
-              </a:ext>
-            </a:extLst>
-          </p:cNvPr>
-          <p:cNvGrpSpPr/>
-          <p:nvPr/>
-        </p:nvGrpSpPr>
-        <p:grpSpPr>
-          <a:xfrm>
-            <a:off x="6834358" y="587960"/>
-            <a:ext cx="4440709" cy="523220"/>
-            <a:chOff x="5821436" y="584295"/>
-            <a:chExt cx="4440709" cy="523220"/>
-          </a:xfrm>
-        </p:grpSpPr>
-        <p:grpSp>
-          <p:nvGrpSpPr>
-            <p:cNvPr id="8" name="Group 7">
-              <a:extLst>
-                <a:ext uri="{FF2B5EF4-FFF2-40B4-BE49-F238E27FC236}">
-                  <a16:creationId xmlns:a16="http://schemas.microsoft.com/office/drawing/2014/main" id="{4BAD3F6A-F509-83E6-2991-8DEE6713CA78}"/>
-                </a:ext>
-              </a:extLst>
-            </p:cNvPr>
-            <p:cNvGrpSpPr/>
-            <p:nvPr/>
-          </p:nvGrpSpPr>
-          <p:grpSpPr>
-            <a:xfrm>
-              <a:off x="5821436" y="584295"/>
-              <a:ext cx="1859774" cy="523220"/>
-              <a:chOff x="3780870" y="201853"/>
-              <a:chExt cx="1859774" cy="523220"/>
-            </a:xfrm>
-          </p:grpSpPr>
-          <p:sp>
-            <p:nvSpPr>
-              <p:cNvPr id="82" name="Rectangle 81">
-                <a:extLst>
-                  <a:ext uri="{FF2B5EF4-FFF2-40B4-BE49-F238E27FC236}">
-                    <a16:creationId xmlns:a16="http://schemas.microsoft.com/office/drawing/2014/main" id="{FD3CF857-F05E-1745-C00B-A9EAB23F2DA3}"/>
-                  </a:ext>
-                </a:extLst>
-              </p:cNvPr>
-              <p:cNvSpPr/>
-              <p:nvPr/>
-            </p:nvSpPr>
-            <p:spPr>
-              <a:xfrm>
-                <a:off x="3780870" y="319463"/>
-                <a:ext cx="288000" cy="288000"/>
-              </a:xfrm>
-              <a:prstGeom prst="rect">
-                <a:avLst/>
-              </a:prstGeom>
-              <a:solidFill>
-                <a:srgbClr val="6799CE"/>
-              </a:solidFill>
-            </p:spPr>
-            <p:style>
-              <a:lnRef idx="2">
-                <a:schemeClr val="accent1">
-                  <a:shade val="50000"/>
-                </a:schemeClr>
-              </a:lnRef>
-              <a:fillRef idx="1">
-                <a:schemeClr val="accent1"/>
-              </a:fillRef>
-              <a:effectRef idx="0">
-                <a:schemeClr val="accent1"/>
-              </a:effectRef>
-              <a:fontRef idx="minor">
-                <a:schemeClr val="lt1"/>
-              </a:fontRef>
-            </p:style>
-            <p:txBody>
-              <a:bodyPr rtlCol="0" anchor="ctr"/>
-              <a:lstStyle/>
-              <a:p>
-                <a:pPr algn="ctr"/>
-                <a:endParaRPr lang="en-US" sz="2800" dirty="0">
-                  <a:latin typeface="Cambria" panose="02040503050406030204" pitchFamily="18" charset="0"/>
-                </a:endParaRPr>
-              </a:p>
-            </p:txBody>
-          </p:sp>
-          <p:sp>
-            <p:nvSpPr>
-              <p:cNvPr id="83" name="TextBox 82">
-                <a:extLst>
-                  <a:ext uri="{FF2B5EF4-FFF2-40B4-BE49-F238E27FC236}">
-                    <a16:creationId xmlns:a16="http://schemas.microsoft.com/office/drawing/2014/main" id="{4F007CFC-AA25-432F-4AE1-4434ACA1316E}"/>
-                  </a:ext>
-                </a:extLst>
-              </p:cNvPr>
-              <p:cNvSpPr txBox="1"/>
-              <p:nvPr/>
-            </p:nvSpPr>
-            <p:spPr>
-              <a:xfrm>
-                <a:off x="4014430" y="201853"/>
-                <a:ext cx="1626214" cy="523220"/>
-              </a:xfrm>
-              <a:prstGeom prst="rect">
-                <a:avLst/>
-              </a:prstGeom>
-              <a:noFill/>
-            </p:spPr>
-            <p:txBody>
-              <a:bodyPr wrap="none" rtlCol="0">
-                <a:spAutoFit/>
-              </a:bodyPr>
-              <a:lstStyle/>
-              <a:p>
-                <a:pPr algn="ctr"/>
-                <a:r>
-                  <a:rPr lang="en-US" sz="2800" dirty="0" err="1">
-                    <a:latin typeface="Cambria" panose="02040503050406030204" pitchFamily="18" charset="0"/>
-                  </a:rPr>
-                  <a:t>RawHash</a:t>
-                </a:r>
-                <a:endParaRPr lang="en-US" sz="2800" dirty="0">
-                  <a:latin typeface="Cambria" panose="02040503050406030204" pitchFamily="18" charset="0"/>
-                </a:endParaRPr>
-              </a:p>
-            </p:txBody>
-          </p:sp>
-        </p:grpSp>
-        <p:grpSp>
-          <p:nvGrpSpPr>
-            <p:cNvPr id="14" name="Group 13">
-              <a:extLst>
-                <a:ext uri="{FF2B5EF4-FFF2-40B4-BE49-F238E27FC236}">
-                  <a16:creationId xmlns:a16="http://schemas.microsoft.com/office/drawing/2014/main" id="{3AB95315-0052-63BF-1A79-C925E0D836F2}"/>
-                </a:ext>
-              </a:extLst>
-            </p:cNvPr>
-            <p:cNvGrpSpPr/>
-            <p:nvPr/>
-          </p:nvGrpSpPr>
-          <p:grpSpPr>
-            <a:xfrm>
-              <a:off x="8047195" y="584295"/>
-              <a:ext cx="2214950" cy="523220"/>
-              <a:chOff x="3780870" y="248652"/>
-              <a:chExt cx="2214950" cy="523220"/>
-            </a:xfrm>
-          </p:grpSpPr>
-          <p:sp>
-            <p:nvSpPr>
-              <p:cNvPr id="15" name="Rectangle 14">
-                <a:extLst>
-                  <a:ext uri="{FF2B5EF4-FFF2-40B4-BE49-F238E27FC236}">
-                    <a16:creationId xmlns:a16="http://schemas.microsoft.com/office/drawing/2014/main" id="{D70396FF-403B-FFA8-75A5-52BC407761B0}"/>
-                  </a:ext>
-                </a:extLst>
-              </p:cNvPr>
-              <p:cNvSpPr/>
-              <p:nvPr/>
-            </p:nvSpPr>
-            <p:spPr>
-              <a:xfrm>
-                <a:off x="3780870" y="366262"/>
-                <a:ext cx="288000" cy="288000"/>
-              </a:xfrm>
-              <a:prstGeom prst="rect">
-                <a:avLst/>
-              </a:prstGeom>
-              <a:solidFill>
-                <a:srgbClr val="AA449A"/>
-              </a:solidFill>
-            </p:spPr>
-            <p:style>
-              <a:lnRef idx="2">
-                <a:schemeClr val="accent1">
-                  <a:shade val="50000"/>
-                </a:schemeClr>
-              </a:lnRef>
-              <a:fillRef idx="1">
-                <a:schemeClr val="accent1"/>
-              </a:fillRef>
-              <a:effectRef idx="0">
-                <a:schemeClr val="accent1"/>
-              </a:effectRef>
-              <a:fontRef idx="minor">
-                <a:schemeClr val="lt1"/>
-              </a:fontRef>
-            </p:style>
-            <p:txBody>
-              <a:bodyPr rtlCol="0" anchor="ctr"/>
-              <a:lstStyle/>
-              <a:p>
-                <a:pPr algn="ctr"/>
-                <a:endParaRPr lang="en-US" sz="2800" dirty="0">
-                  <a:latin typeface="Cambria" panose="02040503050406030204" pitchFamily="18" charset="0"/>
-                </a:endParaRPr>
-              </a:p>
-            </p:txBody>
-          </p:sp>
-          <p:sp>
-            <p:nvSpPr>
-              <p:cNvPr id="16" name="TextBox 15">
-                <a:extLst>
-                  <a:ext uri="{FF2B5EF4-FFF2-40B4-BE49-F238E27FC236}">
-                    <a16:creationId xmlns:a16="http://schemas.microsoft.com/office/drawing/2014/main" id="{0BCF6713-B3FD-2DAF-EEAA-DADBC32A447A}"/>
-                  </a:ext>
-                </a:extLst>
-              </p:cNvPr>
-              <p:cNvSpPr txBox="1"/>
-              <p:nvPr/>
-            </p:nvSpPr>
-            <p:spPr>
-              <a:xfrm>
-                <a:off x="4079911" y="248652"/>
-                <a:ext cx="1915909" cy="523220"/>
-              </a:xfrm>
-              <a:prstGeom prst="rect">
-                <a:avLst/>
-              </a:prstGeom>
-              <a:noFill/>
-            </p:spPr>
-            <p:txBody>
-              <a:bodyPr wrap="none" rtlCol="0">
-                <a:spAutoFit/>
-              </a:bodyPr>
-              <a:lstStyle/>
-              <a:p>
-                <a:pPr algn="ctr"/>
-                <a:r>
-                  <a:rPr lang="en-US" sz="2800" dirty="0">
-                    <a:latin typeface="Cambria" panose="02040503050406030204" pitchFamily="18" charset="0"/>
-                  </a:rPr>
-                  <a:t>UNCALLED</a:t>
-                </a:r>
-              </a:p>
-            </p:txBody>
-          </p:sp>
-        </p:grpSp>
-      </p:grpSp>
-      <p:sp>
-        <p:nvSpPr>
-          <p:cNvPr id="2" name="TextBox 1">
-            <a:extLst>
-              <a:ext uri="{FF2B5EF4-FFF2-40B4-BE49-F238E27FC236}">
-                <a16:creationId xmlns:a16="http://schemas.microsoft.com/office/drawing/2014/main" id="{D33B48EB-2ADD-ED01-FDD9-F833C8174065}"/>
-              </a:ext>
-            </a:extLst>
-          </p:cNvPr>
-          <p:cNvSpPr txBox="1"/>
-          <p:nvPr/>
-        </p:nvSpPr>
-        <p:spPr>
-          <a:xfrm>
-            <a:off x="1961735" y="3987880"/>
-            <a:ext cx="795089" cy="430887"/>
-          </a:xfrm>
-          <a:prstGeom prst="rect">
-            <a:avLst/>
-          </a:prstGeom>
-          <a:noFill/>
-        </p:spPr>
-        <p:txBody>
-          <a:bodyPr wrap="none" lIns="0" tIns="0" rIns="0" bIns="0" rtlCol="0">
-            <a:spAutoFit/>
-          </a:bodyPr>
-          <a:lstStyle/>
-          <a:p>
-            <a:r>
-              <a:rPr lang="en-US" sz="2800" dirty="0">
-                <a:latin typeface="Cambria" panose="02040503050406030204" pitchFamily="18" charset="0"/>
-              </a:rPr>
-              <a:t>2000</a:t>
-            </a:r>
-            <a:endParaRPr lang="en-US" sz="2400" baseline="30000" dirty="0">
-              <a:latin typeface="Cambria" panose="02040503050406030204" pitchFamily="18" charset="0"/>
-            </a:endParaRPr>
-          </a:p>
-        </p:txBody>
-      </p:sp>
-      <p:sp>
-        <p:nvSpPr>
-          <p:cNvPr id="9" name="TextBox 8">
-            <a:extLst>
-              <a:ext uri="{FF2B5EF4-FFF2-40B4-BE49-F238E27FC236}">
-                <a16:creationId xmlns:a16="http://schemas.microsoft.com/office/drawing/2014/main" id="{DA69F3CE-7D15-E2FA-29AD-4077E361F1F2}"/>
-              </a:ext>
-            </a:extLst>
-          </p:cNvPr>
-          <p:cNvSpPr txBox="1"/>
-          <p:nvPr/>
-        </p:nvSpPr>
-        <p:spPr>
-          <a:xfrm>
-            <a:off x="1961735" y="3446392"/>
-            <a:ext cx="795089" cy="430887"/>
-          </a:xfrm>
-          <a:prstGeom prst="rect">
-            <a:avLst/>
-          </a:prstGeom>
-          <a:noFill/>
-        </p:spPr>
-        <p:txBody>
-          <a:bodyPr wrap="none" lIns="0" tIns="0" rIns="0" bIns="0" rtlCol="0">
-            <a:spAutoFit/>
-          </a:bodyPr>
-          <a:lstStyle/>
-          <a:p>
-            <a:r>
-              <a:rPr lang="en-US" sz="2800" dirty="0">
-                <a:latin typeface="Cambria" panose="02040503050406030204" pitchFamily="18" charset="0"/>
-              </a:rPr>
-              <a:t>3000</a:t>
-            </a:r>
-            <a:endParaRPr lang="en-US" sz="2400" baseline="30000" dirty="0">
-              <a:latin typeface="Cambria" panose="02040503050406030204" pitchFamily="18" charset="0"/>
-            </a:endParaRPr>
-          </a:p>
-        </p:txBody>
-      </p:sp>
-      <p:sp>
-        <p:nvSpPr>
-          <p:cNvPr id="10" name="TextBox 9">
-            <a:extLst>
-              <a:ext uri="{FF2B5EF4-FFF2-40B4-BE49-F238E27FC236}">
-                <a16:creationId xmlns:a16="http://schemas.microsoft.com/office/drawing/2014/main" id="{011FBACF-95D4-30B5-5500-0AEA1AC9608F}"/>
-              </a:ext>
-            </a:extLst>
-          </p:cNvPr>
-          <p:cNvSpPr txBox="1"/>
-          <p:nvPr/>
-        </p:nvSpPr>
-        <p:spPr>
-          <a:xfrm>
-            <a:off x="1961735" y="2904904"/>
-            <a:ext cx="795089" cy="430887"/>
-          </a:xfrm>
-          <a:prstGeom prst="rect">
-            <a:avLst/>
-          </a:prstGeom>
-          <a:noFill/>
-        </p:spPr>
-        <p:txBody>
-          <a:bodyPr wrap="none" lIns="0" tIns="0" rIns="0" bIns="0" rtlCol="0">
-            <a:spAutoFit/>
-          </a:bodyPr>
-          <a:lstStyle/>
-          <a:p>
-            <a:r>
-              <a:rPr lang="en-US" sz="2800" dirty="0">
-                <a:latin typeface="Cambria" panose="02040503050406030204" pitchFamily="18" charset="0"/>
-              </a:rPr>
-              <a:t>4000</a:t>
-            </a:r>
-            <a:endParaRPr lang="en-US" sz="2400" baseline="30000" dirty="0">
-              <a:latin typeface="Cambria" panose="02040503050406030204" pitchFamily="18" charset="0"/>
-            </a:endParaRPr>
-          </a:p>
-        </p:txBody>
-      </p:sp>
-      <p:sp>
-        <p:nvSpPr>
-          <p:cNvPr id="23" name="TextBox 22">
-            <a:extLst>
-              <a:ext uri="{FF2B5EF4-FFF2-40B4-BE49-F238E27FC236}">
-                <a16:creationId xmlns:a16="http://schemas.microsoft.com/office/drawing/2014/main" id="{AF2F610D-38E0-AF6D-AC05-D093D8F71D3D}"/>
-              </a:ext>
-            </a:extLst>
-          </p:cNvPr>
-          <p:cNvSpPr txBox="1"/>
-          <p:nvPr/>
-        </p:nvSpPr>
-        <p:spPr>
-          <a:xfrm>
-            <a:off x="1961735" y="2363416"/>
-            <a:ext cx="795089" cy="430887"/>
-          </a:xfrm>
-          <a:prstGeom prst="rect">
-            <a:avLst/>
-          </a:prstGeom>
-          <a:noFill/>
-        </p:spPr>
-        <p:txBody>
-          <a:bodyPr wrap="none" lIns="0" tIns="0" rIns="0" bIns="0" rtlCol="0">
-            <a:spAutoFit/>
-          </a:bodyPr>
-          <a:lstStyle/>
-          <a:p>
-            <a:r>
-              <a:rPr lang="en-US" sz="2800" dirty="0">
-                <a:latin typeface="Cambria" panose="02040503050406030204" pitchFamily="18" charset="0"/>
-              </a:rPr>
-              <a:t>5000</a:t>
-            </a:r>
-            <a:endParaRPr lang="en-US" sz="2400" baseline="30000" dirty="0">
-              <a:latin typeface="Cambria" panose="02040503050406030204" pitchFamily="18" charset="0"/>
-            </a:endParaRPr>
-          </a:p>
-        </p:txBody>
-      </p:sp>
-      <p:sp>
-        <p:nvSpPr>
-          <p:cNvPr id="24" name="TextBox 23">
-            <a:extLst>
-              <a:ext uri="{FF2B5EF4-FFF2-40B4-BE49-F238E27FC236}">
-                <a16:creationId xmlns:a16="http://schemas.microsoft.com/office/drawing/2014/main" id="{F157FE5F-2717-B636-7324-B4C4C17BF65C}"/>
-              </a:ext>
-            </a:extLst>
-          </p:cNvPr>
-          <p:cNvSpPr txBox="1"/>
-          <p:nvPr/>
-        </p:nvSpPr>
-        <p:spPr>
-          <a:xfrm>
-            <a:off x="1961735" y="1821928"/>
-            <a:ext cx="795089" cy="430887"/>
-          </a:xfrm>
-          <a:prstGeom prst="rect">
-            <a:avLst/>
-          </a:prstGeom>
-          <a:noFill/>
-        </p:spPr>
-        <p:txBody>
-          <a:bodyPr wrap="none" lIns="0" tIns="0" rIns="0" bIns="0" rtlCol="0">
-            <a:spAutoFit/>
-          </a:bodyPr>
-          <a:lstStyle/>
-          <a:p>
-            <a:r>
-              <a:rPr lang="en-US" sz="2800" dirty="0">
-                <a:latin typeface="Cambria" panose="02040503050406030204" pitchFamily="18" charset="0"/>
-              </a:rPr>
-              <a:t>6000</a:t>
-            </a:r>
-            <a:endParaRPr lang="en-US" sz="2400" baseline="30000" dirty="0">
-              <a:latin typeface="Cambria" panose="02040503050406030204" pitchFamily="18" charset="0"/>
-            </a:endParaRPr>
-          </a:p>
-        </p:txBody>
-      </p:sp>
-      <p:sp>
-        <p:nvSpPr>
-          <p:cNvPr id="25" name="TextBox 24">
-            <a:extLst>
-              <a:ext uri="{FF2B5EF4-FFF2-40B4-BE49-F238E27FC236}">
-                <a16:creationId xmlns:a16="http://schemas.microsoft.com/office/drawing/2014/main" id="{F03756AB-15D8-5596-9FC2-0ABAC16E829A}"/>
-              </a:ext>
-            </a:extLst>
-          </p:cNvPr>
-          <p:cNvSpPr txBox="1"/>
-          <p:nvPr/>
-        </p:nvSpPr>
-        <p:spPr>
-          <a:xfrm>
-            <a:off x="1961735" y="1280440"/>
-            <a:ext cx="795089" cy="430887"/>
-          </a:xfrm>
-          <a:prstGeom prst="rect">
-            <a:avLst/>
-          </a:prstGeom>
-          <a:noFill/>
-        </p:spPr>
-        <p:txBody>
-          <a:bodyPr wrap="none" lIns="0" tIns="0" rIns="0" bIns="0" rtlCol="0">
-            <a:spAutoFit/>
-          </a:bodyPr>
-          <a:lstStyle/>
-          <a:p>
-            <a:r>
-              <a:rPr lang="en-US" sz="2800" dirty="0">
-                <a:latin typeface="Cambria" panose="02040503050406030204" pitchFamily="18" charset="0"/>
-              </a:rPr>
-              <a:t>7000</a:t>
-            </a:r>
-            <a:endParaRPr lang="en-US" sz="2400" baseline="30000" dirty="0">
-              <a:latin typeface="Cambria" panose="02040503050406030204" pitchFamily="18" charset="0"/>
-            </a:endParaRPr>
-          </a:p>
-        </p:txBody>
-      </p:sp>
     </p:spTree>
     <p:extLst>
       <p:ext uri="{BB962C8B-B14F-4D97-AF65-F5344CB8AC3E}">
@@ -7580,7 +8130,7 @@
         </p:nvSpPr>
         <p:spPr>
           <a:xfrm>
-            <a:off x="2949127" y="5307764"/>
+            <a:off x="3229342" y="5307764"/>
             <a:ext cx="1672830" cy="769441"/>
           </a:xfrm>
           <a:prstGeom prst="rect">
@@ -7627,7 +8177,7 @@
         </p:nvSpPr>
         <p:spPr>
           <a:xfrm>
-            <a:off x="10825150" y="5307764"/>
+            <a:off x="10751410" y="5307764"/>
             <a:ext cx="1723445" cy="769441"/>
           </a:xfrm>
           <a:prstGeom prst="rect">
@@ -7674,7 +8224,7 @@
         </p:nvSpPr>
         <p:spPr>
           <a:xfrm>
-            <a:off x="13759378" y="5307764"/>
+            <a:off x="13538156" y="5307764"/>
             <a:ext cx="1128835" cy="769441"/>
           </a:xfrm>
           <a:prstGeom prst="rect">
@@ -7721,7 +8271,7 @@
         </p:nvSpPr>
         <p:spPr>
           <a:xfrm>
-            <a:off x="5948463" y="5307764"/>
+            <a:off x="6095944" y="5307764"/>
             <a:ext cx="942694" cy="769441"/>
           </a:xfrm>
           <a:prstGeom prst="rect">
@@ -7768,7 +8318,7 @@
         </p:nvSpPr>
         <p:spPr>
           <a:xfrm>
-            <a:off x="8627299" y="5307764"/>
+            <a:off x="8656798" y="5307764"/>
             <a:ext cx="861967" cy="769441"/>
           </a:xfrm>
           <a:prstGeom prst="rect">
@@ -7839,12 +8389,692 @@
           </a:p>
         </p:txBody>
       </p:sp>
+      <p:sp>
+        <p:nvSpPr>
+          <p:cNvPr id="13" name="TextBox 12">
+            <a:extLst>
+              <a:ext uri="{FF2B5EF4-FFF2-40B4-BE49-F238E27FC236}">
+                <a16:creationId xmlns:a16="http://schemas.microsoft.com/office/drawing/2014/main" id="{865CAA05-04A9-47CA-9F71-3D0E31FA797B}"/>
+              </a:ext>
+            </a:extLst>
+          </p:cNvPr>
+          <p:cNvSpPr txBox="1"/>
+          <p:nvPr/>
+        </p:nvSpPr>
+        <p:spPr>
+          <a:xfrm>
+            <a:off x="2505518" y="4465921"/>
+            <a:ext cx="198772" cy="430887"/>
+          </a:xfrm>
+          <a:prstGeom prst="rect">
+            <a:avLst/>
+          </a:prstGeom>
+          <a:noFill/>
+        </p:spPr>
+        <p:txBody>
+          <a:bodyPr wrap="none" lIns="0" tIns="0" rIns="0" bIns="0" rtlCol="0">
+            <a:spAutoFit/>
+          </a:bodyPr>
+          <a:lstStyle/>
+          <a:p>
+            <a:r>
+              <a:rPr lang="en-US" sz="2800" dirty="0">
+                <a:latin typeface="Cambria" panose="02040503050406030204" pitchFamily="18" charset="0"/>
+              </a:rPr>
+              <a:t>2</a:t>
+            </a:r>
+            <a:endParaRPr lang="en-US" sz="2400" baseline="30000" dirty="0">
+              <a:latin typeface="Cambria" panose="02040503050406030204" pitchFamily="18" charset="0"/>
+            </a:endParaRPr>
+          </a:p>
+        </p:txBody>
+      </p:sp>
+      <p:grpSp>
+        <p:nvGrpSpPr>
+          <p:cNvPr id="8" name="Group 7">
+            <a:extLst>
+              <a:ext uri="{FF2B5EF4-FFF2-40B4-BE49-F238E27FC236}">
+                <a16:creationId xmlns:a16="http://schemas.microsoft.com/office/drawing/2014/main" id="{4BAD3F6A-F509-83E6-2991-8DEE6713CA78}"/>
+              </a:ext>
+            </a:extLst>
+          </p:cNvPr>
+          <p:cNvGrpSpPr/>
+          <p:nvPr/>
+        </p:nvGrpSpPr>
+        <p:grpSpPr>
+          <a:xfrm>
+            <a:off x="10547994" y="607674"/>
+            <a:ext cx="1944439" cy="523220"/>
+            <a:chOff x="3780870" y="184920"/>
+            <a:chExt cx="1944439" cy="523220"/>
+          </a:xfrm>
+        </p:grpSpPr>
+        <p:sp>
+          <p:nvSpPr>
+            <p:cNvPr id="82" name="Rectangle 81">
+              <a:extLst>
+                <a:ext uri="{FF2B5EF4-FFF2-40B4-BE49-F238E27FC236}">
+                  <a16:creationId xmlns:a16="http://schemas.microsoft.com/office/drawing/2014/main" id="{FD3CF857-F05E-1745-C00B-A9EAB23F2DA3}"/>
+                </a:ext>
+              </a:extLst>
+            </p:cNvPr>
+            <p:cNvSpPr/>
+            <p:nvPr/>
+          </p:nvSpPr>
+          <p:spPr>
+            <a:xfrm>
+              <a:off x="3780870" y="319463"/>
+              <a:ext cx="288000" cy="288000"/>
+            </a:xfrm>
+            <a:prstGeom prst="rect">
+              <a:avLst/>
+            </a:prstGeom>
+            <a:solidFill>
+              <a:srgbClr val="6799CE"/>
+            </a:solidFill>
+          </p:spPr>
+          <p:style>
+            <a:lnRef idx="2">
+              <a:schemeClr val="accent1">
+                <a:shade val="50000"/>
+              </a:schemeClr>
+            </a:lnRef>
+            <a:fillRef idx="1">
+              <a:schemeClr val="accent1"/>
+            </a:fillRef>
+            <a:effectRef idx="0">
+              <a:schemeClr val="accent1"/>
+            </a:effectRef>
+            <a:fontRef idx="minor">
+              <a:schemeClr val="lt1"/>
+            </a:fontRef>
+          </p:style>
+          <p:txBody>
+            <a:bodyPr rtlCol="0" anchor="ctr"/>
+            <a:lstStyle/>
+            <a:p>
+              <a:pPr algn="ctr"/>
+              <a:endParaRPr lang="en-US" sz="2800" dirty="0">
+                <a:latin typeface="Cambria" panose="02040503050406030204" pitchFamily="18" charset="0"/>
+              </a:endParaRPr>
+            </a:p>
+          </p:txBody>
+        </p:sp>
+        <p:sp>
+          <p:nvSpPr>
+            <p:cNvPr id="83" name="TextBox 82">
+              <a:extLst>
+                <a:ext uri="{FF2B5EF4-FFF2-40B4-BE49-F238E27FC236}">
+                  <a16:creationId xmlns:a16="http://schemas.microsoft.com/office/drawing/2014/main" id="{4F007CFC-AA25-432F-4AE1-4434ACA1316E}"/>
+                </a:ext>
+              </a:extLst>
+            </p:cNvPr>
+            <p:cNvSpPr txBox="1"/>
+            <p:nvPr/>
+          </p:nvSpPr>
+          <p:spPr>
+            <a:xfrm>
+              <a:off x="4099095" y="184920"/>
+              <a:ext cx="1626214" cy="523220"/>
+            </a:xfrm>
+            <a:prstGeom prst="rect">
+              <a:avLst/>
+            </a:prstGeom>
+            <a:noFill/>
+          </p:spPr>
+          <p:txBody>
+            <a:bodyPr wrap="none" rtlCol="0">
+              <a:spAutoFit/>
+            </a:bodyPr>
+            <a:lstStyle/>
+            <a:p>
+              <a:pPr algn="ctr"/>
+              <a:r>
+                <a:rPr lang="en-US" sz="2800" dirty="0">
+                  <a:latin typeface="Cambria" panose="02040503050406030204" pitchFamily="18" charset="0"/>
+                </a:rPr>
+                <a:t>RawHash</a:t>
+              </a:r>
+            </a:p>
+          </p:txBody>
+        </p:sp>
+      </p:grpSp>
+      <p:grpSp>
+        <p:nvGrpSpPr>
+          <p:cNvPr id="14" name="Group 13">
+            <a:extLst>
+              <a:ext uri="{FF2B5EF4-FFF2-40B4-BE49-F238E27FC236}">
+                <a16:creationId xmlns:a16="http://schemas.microsoft.com/office/drawing/2014/main" id="{3AB95315-0052-63BF-1A79-C925E0D836F2}"/>
+              </a:ext>
+            </a:extLst>
+          </p:cNvPr>
+          <p:cNvGrpSpPr/>
+          <p:nvPr/>
+        </p:nvGrpSpPr>
+        <p:grpSpPr>
+          <a:xfrm>
+            <a:off x="12774847" y="607674"/>
+            <a:ext cx="1608790" cy="523220"/>
+            <a:chOff x="3780870" y="231719"/>
+            <a:chExt cx="1608790" cy="523220"/>
+          </a:xfrm>
+        </p:grpSpPr>
+        <p:sp>
+          <p:nvSpPr>
+            <p:cNvPr id="15" name="Rectangle 14">
+              <a:extLst>
+                <a:ext uri="{FF2B5EF4-FFF2-40B4-BE49-F238E27FC236}">
+                  <a16:creationId xmlns:a16="http://schemas.microsoft.com/office/drawing/2014/main" id="{D70396FF-403B-FFA8-75A5-52BC407761B0}"/>
+                </a:ext>
+              </a:extLst>
+            </p:cNvPr>
+            <p:cNvSpPr/>
+            <p:nvPr/>
+          </p:nvSpPr>
+          <p:spPr>
+            <a:xfrm>
+              <a:off x="3780870" y="366262"/>
+              <a:ext cx="288000" cy="288000"/>
+            </a:xfrm>
+            <a:prstGeom prst="rect">
+              <a:avLst/>
+            </a:prstGeom>
+            <a:solidFill>
+              <a:srgbClr val="DB8042"/>
+            </a:solidFill>
+          </p:spPr>
+          <p:style>
+            <a:lnRef idx="2">
+              <a:schemeClr val="accent1">
+                <a:shade val="50000"/>
+              </a:schemeClr>
+            </a:lnRef>
+            <a:fillRef idx="1">
+              <a:schemeClr val="accent1"/>
+            </a:fillRef>
+            <a:effectRef idx="0">
+              <a:schemeClr val="accent1"/>
+            </a:effectRef>
+            <a:fontRef idx="minor">
+              <a:schemeClr val="lt1"/>
+            </a:fontRef>
+          </p:style>
+          <p:txBody>
+            <a:bodyPr rtlCol="0" anchor="ctr"/>
+            <a:lstStyle/>
+            <a:p>
+              <a:pPr algn="ctr"/>
+              <a:endParaRPr lang="en-US" sz="2800" dirty="0">
+                <a:latin typeface="Cambria" panose="02040503050406030204" pitchFamily="18" charset="0"/>
+              </a:endParaRPr>
+            </a:p>
+          </p:txBody>
+        </p:sp>
+        <p:sp>
+          <p:nvSpPr>
+            <p:cNvPr id="16" name="TextBox 15">
+              <a:extLst>
+                <a:ext uri="{FF2B5EF4-FFF2-40B4-BE49-F238E27FC236}">
+                  <a16:creationId xmlns:a16="http://schemas.microsoft.com/office/drawing/2014/main" id="{0BCF6713-B3FD-2DAF-EEAA-DADBC32A447A}"/>
+                </a:ext>
+              </a:extLst>
+            </p:cNvPr>
+            <p:cNvSpPr txBox="1"/>
+            <p:nvPr/>
+          </p:nvSpPr>
+          <p:spPr>
+            <a:xfrm>
+              <a:off x="4076479" y="231719"/>
+              <a:ext cx="1313181" cy="523220"/>
+            </a:xfrm>
+            <a:prstGeom prst="rect">
+              <a:avLst/>
+            </a:prstGeom>
+            <a:noFill/>
+          </p:spPr>
+          <p:txBody>
+            <a:bodyPr wrap="none" rtlCol="0">
+              <a:spAutoFit/>
+            </a:bodyPr>
+            <a:lstStyle/>
+            <a:p>
+              <a:pPr algn="ctr"/>
+              <a:r>
+                <a:rPr lang="en-US" sz="2800" dirty="0">
+                  <a:latin typeface="Cambria" panose="02040503050406030204" pitchFamily="18" charset="0"/>
+                </a:rPr>
+                <a:t>Sigmap</a:t>
+              </a:r>
+            </a:p>
+          </p:txBody>
+        </p:sp>
+      </p:grpSp>
+      <p:sp>
+        <p:nvSpPr>
+          <p:cNvPr id="2" name="TextBox 1">
+            <a:extLst>
+              <a:ext uri="{FF2B5EF4-FFF2-40B4-BE49-F238E27FC236}">
+                <a16:creationId xmlns:a16="http://schemas.microsoft.com/office/drawing/2014/main" id="{D33B48EB-2ADD-ED01-FDD9-F833C8174065}"/>
+              </a:ext>
+            </a:extLst>
+          </p:cNvPr>
+          <p:cNvSpPr txBox="1"/>
+          <p:nvPr/>
+        </p:nvSpPr>
+        <p:spPr>
+          <a:xfrm>
+            <a:off x="2505518" y="3861061"/>
+            <a:ext cx="198772" cy="430887"/>
+          </a:xfrm>
+          <a:prstGeom prst="rect">
+            <a:avLst/>
+          </a:prstGeom>
+          <a:noFill/>
+        </p:spPr>
+        <p:txBody>
+          <a:bodyPr wrap="none" lIns="0" tIns="0" rIns="0" bIns="0" rtlCol="0">
+            <a:spAutoFit/>
+          </a:bodyPr>
+          <a:lstStyle/>
+          <a:p>
+            <a:r>
+              <a:rPr lang="en-US" sz="2800" dirty="0">
+                <a:latin typeface="Cambria" panose="02040503050406030204" pitchFamily="18" charset="0"/>
+              </a:rPr>
+              <a:t>4</a:t>
+            </a:r>
+            <a:endParaRPr lang="en-US" sz="2400" baseline="30000" dirty="0">
+              <a:latin typeface="Cambria" panose="02040503050406030204" pitchFamily="18" charset="0"/>
+            </a:endParaRPr>
+          </a:p>
+        </p:txBody>
+      </p:sp>
+      <p:sp>
+        <p:nvSpPr>
+          <p:cNvPr id="9" name="TextBox 8">
+            <a:extLst>
+              <a:ext uri="{FF2B5EF4-FFF2-40B4-BE49-F238E27FC236}">
+                <a16:creationId xmlns:a16="http://schemas.microsoft.com/office/drawing/2014/main" id="{DA69F3CE-7D15-E2FA-29AD-4077E361F1F2}"/>
+              </a:ext>
+            </a:extLst>
+          </p:cNvPr>
+          <p:cNvSpPr txBox="1"/>
+          <p:nvPr/>
+        </p:nvSpPr>
+        <p:spPr>
+          <a:xfrm>
+            <a:off x="2505518" y="3256203"/>
+            <a:ext cx="198772" cy="430887"/>
+          </a:xfrm>
+          <a:prstGeom prst="rect">
+            <a:avLst/>
+          </a:prstGeom>
+          <a:noFill/>
+        </p:spPr>
+        <p:txBody>
+          <a:bodyPr wrap="none" lIns="0" tIns="0" rIns="0" bIns="0" rtlCol="0">
+            <a:spAutoFit/>
+          </a:bodyPr>
+          <a:lstStyle/>
+          <a:p>
+            <a:r>
+              <a:rPr lang="en-US" sz="2800" dirty="0">
+                <a:latin typeface="Cambria" panose="02040503050406030204" pitchFamily="18" charset="0"/>
+              </a:rPr>
+              <a:t>6</a:t>
+            </a:r>
+            <a:endParaRPr lang="en-US" sz="2400" baseline="30000" dirty="0">
+              <a:latin typeface="Cambria" panose="02040503050406030204" pitchFamily="18" charset="0"/>
+            </a:endParaRPr>
+          </a:p>
+        </p:txBody>
+      </p:sp>
+      <p:sp>
+        <p:nvSpPr>
+          <p:cNvPr id="10" name="TextBox 9">
+            <a:extLst>
+              <a:ext uri="{FF2B5EF4-FFF2-40B4-BE49-F238E27FC236}">
+                <a16:creationId xmlns:a16="http://schemas.microsoft.com/office/drawing/2014/main" id="{011FBACF-95D4-30B5-5500-0AEA1AC9608F}"/>
+              </a:ext>
+            </a:extLst>
+          </p:cNvPr>
+          <p:cNvSpPr txBox="1"/>
+          <p:nvPr/>
+        </p:nvSpPr>
+        <p:spPr>
+          <a:xfrm>
+            <a:off x="2505518" y="2651345"/>
+            <a:ext cx="198772" cy="430887"/>
+          </a:xfrm>
+          <a:prstGeom prst="rect">
+            <a:avLst/>
+          </a:prstGeom>
+          <a:noFill/>
+        </p:spPr>
+        <p:txBody>
+          <a:bodyPr wrap="none" lIns="0" tIns="0" rIns="0" bIns="0" rtlCol="0">
+            <a:spAutoFit/>
+          </a:bodyPr>
+          <a:lstStyle/>
+          <a:p>
+            <a:r>
+              <a:rPr lang="en-US" sz="2800" dirty="0">
+                <a:latin typeface="Cambria" panose="02040503050406030204" pitchFamily="18" charset="0"/>
+              </a:rPr>
+              <a:t>8</a:t>
+            </a:r>
+            <a:endParaRPr lang="en-US" sz="2400" baseline="30000" dirty="0">
+              <a:latin typeface="Cambria" panose="02040503050406030204" pitchFamily="18" charset="0"/>
+            </a:endParaRPr>
+          </a:p>
+        </p:txBody>
+      </p:sp>
+      <p:sp>
+        <p:nvSpPr>
+          <p:cNvPr id="23" name="TextBox 22">
+            <a:extLst>
+              <a:ext uri="{FF2B5EF4-FFF2-40B4-BE49-F238E27FC236}">
+                <a16:creationId xmlns:a16="http://schemas.microsoft.com/office/drawing/2014/main" id="{AF2F610D-38E0-AF6D-AC05-D093D8F71D3D}"/>
+              </a:ext>
+            </a:extLst>
+          </p:cNvPr>
+          <p:cNvSpPr txBox="1"/>
+          <p:nvPr/>
+        </p:nvSpPr>
+        <p:spPr>
+          <a:xfrm>
+            <a:off x="2306745" y="2046487"/>
+            <a:ext cx="397545" cy="430887"/>
+          </a:xfrm>
+          <a:prstGeom prst="rect">
+            <a:avLst/>
+          </a:prstGeom>
+          <a:noFill/>
+        </p:spPr>
+        <p:txBody>
+          <a:bodyPr wrap="none" lIns="0" tIns="0" rIns="0" bIns="0" rtlCol="0">
+            <a:spAutoFit/>
+          </a:bodyPr>
+          <a:lstStyle/>
+          <a:p>
+            <a:r>
+              <a:rPr lang="en-US" sz="2800" dirty="0">
+                <a:latin typeface="Cambria" panose="02040503050406030204" pitchFamily="18" charset="0"/>
+              </a:rPr>
+              <a:t>10</a:t>
+            </a:r>
+            <a:endParaRPr lang="en-US" sz="2400" baseline="30000" dirty="0">
+              <a:latin typeface="Cambria" panose="02040503050406030204" pitchFamily="18" charset="0"/>
+            </a:endParaRPr>
+          </a:p>
+        </p:txBody>
+      </p:sp>
+      <p:sp>
+        <p:nvSpPr>
+          <p:cNvPr id="24" name="TextBox 23">
+            <a:extLst>
+              <a:ext uri="{FF2B5EF4-FFF2-40B4-BE49-F238E27FC236}">
+                <a16:creationId xmlns:a16="http://schemas.microsoft.com/office/drawing/2014/main" id="{F157FE5F-2717-B636-7324-B4C4C17BF65C}"/>
+              </a:ext>
+            </a:extLst>
+          </p:cNvPr>
+          <p:cNvSpPr txBox="1"/>
+          <p:nvPr/>
+        </p:nvSpPr>
+        <p:spPr>
+          <a:xfrm>
+            <a:off x="2306745" y="1441629"/>
+            <a:ext cx="397545" cy="430887"/>
+          </a:xfrm>
+          <a:prstGeom prst="rect">
+            <a:avLst/>
+          </a:prstGeom>
+          <a:noFill/>
+        </p:spPr>
+        <p:txBody>
+          <a:bodyPr wrap="none" lIns="0" tIns="0" rIns="0" bIns="0" rtlCol="0">
+            <a:spAutoFit/>
+          </a:bodyPr>
+          <a:lstStyle/>
+          <a:p>
+            <a:r>
+              <a:rPr lang="en-US" sz="2800" dirty="0">
+                <a:latin typeface="Cambria" panose="02040503050406030204" pitchFamily="18" charset="0"/>
+              </a:rPr>
+              <a:t>12</a:t>
+            </a:r>
+            <a:endParaRPr lang="en-US" sz="2400" baseline="30000" dirty="0">
+              <a:latin typeface="Cambria" panose="02040503050406030204" pitchFamily="18" charset="0"/>
+            </a:endParaRPr>
+          </a:p>
+        </p:txBody>
+      </p:sp>
+      <p:grpSp>
+        <p:nvGrpSpPr>
+          <p:cNvPr id="7" name="Group 6">
+            <a:extLst>
+              <a:ext uri="{FF2B5EF4-FFF2-40B4-BE49-F238E27FC236}">
+                <a16:creationId xmlns:a16="http://schemas.microsoft.com/office/drawing/2014/main" id="{C5D41B74-C393-6EA6-F921-835317B058EE}"/>
+              </a:ext>
+            </a:extLst>
+          </p:cNvPr>
+          <p:cNvGrpSpPr/>
+          <p:nvPr/>
+        </p:nvGrpSpPr>
+        <p:grpSpPr>
+          <a:xfrm>
+            <a:off x="6470283" y="607674"/>
+            <a:ext cx="3795297" cy="523220"/>
+            <a:chOff x="3780870" y="201853"/>
+            <a:chExt cx="3795297" cy="523220"/>
+          </a:xfrm>
+        </p:grpSpPr>
+        <p:sp>
+          <p:nvSpPr>
+            <p:cNvPr id="11" name="Rectangle 10">
+              <a:extLst>
+                <a:ext uri="{FF2B5EF4-FFF2-40B4-BE49-F238E27FC236}">
+                  <a16:creationId xmlns:a16="http://schemas.microsoft.com/office/drawing/2014/main" id="{2408A7B6-7362-D521-1430-1D4726C065E0}"/>
+                </a:ext>
+              </a:extLst>
+            </p:cNvPr>
+            <p:cNvSpPr/>
+            <p:nvPr/>
+          </p:nvSpPr>
+          <p:spPr>
+            <a:xfrm>
+              <a:off x="3780870" y="319463"/>
+              <a:ext cx="288000" cy="288000"/>
+            </a:xfrm>
+            <a:prstGeom prst="rect">
+              <a:avLst/>
+            </a:prstGeom>
+            <a:solidFill>
+              <a:srgbClr val="EBBC40"/>
+            </a:solidFill>
+          </p:spPr>
+          <p:style>
+            <a:lnRef idx="2">
+              <a:schemeClr val="accent1">
+                <a:shade val="50000"/>
+              </a:schemeClr>
+            </a:lnRef>
+            <a:fillRef idx="1">
+              <a:schemeClr val="accent1"/>
+            </a:fillRef>
+            <a:effectRef idx="0">
+              <a:schemeClr val="accent1"/>
+            </a:effectRef>
+            <a:fontRef idx="minor">
+              <a:schemeClr val="lt1"/>
+            </a:fontRef>
+          </p:style>
+          <p:txBody>
+            <a:bodyPr rtlCol="0" anchor="ctr"/>
+            <a:lstStyle/>
+            <a:p>
+              <a:pPr algn="ctr"/>
+              <a:endParaRPr lang="en-US" sz="2800" dirty="0">
+                <a:latin typeface="Cambria" panose="02040503050406030204" pitchFamily="18" charset="0"/>
+              </a:endParaRPr>
+            </a:p>
+          </p:txBody>
+        </p:sp>
+        <p:sp>
+          <p:nvSpPr>
+            <p:cNvPr id="12" name="TextBox 11">
+              <a:extLst>
+                <a:ext uri="{FF2B5EF4-FFF2-40B4-BE49-F238E27FC236}">
+                  <a16:creationId xmlns:a16="http://schemas.microsoft.com/office/drawing/2014/main" id="{37A9E2CC-C6E2-8D9E-9108-583873E29F99}"/>
+                </a:ext>
+              </a:extLst>
+            </p:cNvPr>
+            <p:cNvSpPr txBox="1"/>
+            <p:nvPr/>
+          </p:nvSpPr>
+          <p:spPr>
+            <a:xfrm>
+              <a:off x="4055203" y="201853"/>
+              <a:ext cx="3520964" cy="523220"/>
+            </a:xfrm>
+            <a:prstGeom prst="rect">
+              <a:avLst/>
+            </a:prstGeom>
+            <a:noFill/>
+          </p:spPr>
+          <p:txBody>
+            <a:bodyPr wrap="none" rtlCol="0">
+              <a:spAutoFit/>
+            </a:bodyPr>
+            <a:lstStyle/>
+            <a:p>
+              <a:pPr algn="ctr"/>
+              <a:r>
+                <a:rPr lang="en-US" sz="2800" dirty="0">
+                  <a:latin typeface="Cambria" panose="02040503050406030204" pitchFamily="18" charset="0"/>
+                </a:rPr>
+                <a:t>RawHash2-Minimizer</a:t>
+              </a:r>
+            </a:p>
+          </p:txBody>
+        </p:sp>
+      </p:grpSp>
+      <p:grpSp>
+        <p:nvGrpSpPr>
+          <p:cNvPr id="17" name="Group 16">
+            <a:extLst>
+              <a:ext uri="{FF2B5EF4-FFF2-40B4-BE49-F238E27FC236}">
+                <a16:creationId xmlns:a16="http://schemas.microsoft.com/office/drawing/2014/main" id="{5FE39BB0-400F-306E-2BC3-B2DA8A3AF861}"/>
+              </a:ext>
+            </a:extLst>
+          </p:cNvPr>
+          <p:cNvGrpSpPr/>
+          <p:nvPr/>
+        </p:nvGrpSpPr>
+        <p:grpSpPr>
+          <a:xfrm>
+            <a:off x="4140220" y="607674"/>
+            <a:ext cx="2047649" cy="523220"/>
+            <a:chOff x="3780870" y="201853"/>
+            <a:chExt cx="2047649" cy="523220"/>
+          </a:xfrm>
+        </p:grpSpPr>
+        <p:sp>
+          <p:nvSpPr>
+            <p:cNvPr id="20" name="Rectangle 19">
+              <a:extLst>
+                <a:ext uri="{FF2B5EF4-FFF2-40B4-BE49-F238E27FC236}">
+                  <a16:creationId xmlns:a16="http://schemas.microsoft.com/office/drawing/2014/main" id="{97EE116E-55D0-B1F0-5945-84109486D4A3}"/>
+                </a:ext>
+              </a:extLst>
+            </p:cNvPr>
+            <p:cNvSpPr/>
+            <p:nvPr/>
+          </p:nvSpPr>
+          <p:spPr>
+            <a:xfrm>
+              <a:off x="3780870" y="319463"/>
+              <a:ext cx="288000" cy="288000"/>
+            </a:xfrm>
+            <a:prstGeom prst="rect">
+              <a:avLst/>
+            </a:prstGeom>
+            <a:solidFill>
+              <a:srgbClr val="60A137"/>
+            </a:solidFill>
+          </p:spPr>
+          <p:style>
+            <a:lnRef idx="2">
+              <a:schemeClr val="accent1">
+                <a:shade val="50000"/>
+              </a:schemeClr>
+            </a:lnRef>
+            <a:fillRef idx="1">
+              <a:schemeClr val="accent1"/>
+            </a:fillRef>
+            <a:effectRef idx="0">
+              <a:schemeClr val="accent1"/>
+            </a:effectRef>
+            <a:fontRef idx="minor">
+              <a:schemeClr val="lt1"/>
+            </a:fontRef>
+          </p:style>
+          <p:txBody>
+            <a:bodyPr rtlCol="0" anchor="ctr"/>
+            <a:lstStyle/>
+            <a:p>
+              <a:pPr algn="ctr"/>
+              <a:endParaRPr lang="en-US" sz="2800" dirty="0">
+                <a:latin typeface="Cambria" panose="02040503050406030204" pitchFamily="18" charset="0"/>
+              </a:endParaRPr>
+            </a:p>
+          </p:txBody>
+        </p:sp>
+        <p:sp>
+          <p:nvSpPr>
+            <p:cNvPr id="21" name="TextBox 20">
+              <a:extLst>
+                <a:ext uri="{FF2B5EF4-FFF2-40B4-BE49-F238E27FC236}">
+                  <a16:creationId xmlns:a16="http://schemas.microsoft.com/office/drawing/2014/main" id="{67565068-5D37-429E-7F14-2E470772DB48}"/>
+                </a:ext>
+              </a:extLst>
+            </p:cNvPr>
+            <p:cNvSpPr txBox="1"/>
+            <p:nvPr/>
+          </p:nvSpPr>
+          <p:spPr>
+            <a:xfrm>
+              <a:off x="4003532" y="201853"/>
+              <a:ext cx="1824987" cy="523220"/>
+            </a:xfrm>
+            <a:prstGeom prst="rect">
+              <a:avLst/>
+            </a:prstGeom>
+            <a:noFill/>
+          </p:spPr>
+          <p:txBody>
+            <a:bodyPr wrap="none" rtlCol="0">
+              <a:spAutoFit/>
+            </a:bodyPr>
+            <a:lstStyle/>
+            <a:p>
+              <a:pPr algn="ctr"/>
+              <a:r>
+                <a:rPr lang="en-US" sz="2800" dirty="0">
+                  <a:latin typeface="Cambria" panose="02040503050406030204" pitchFamily="18" charset="0"/>
+                </a:rPr>
+                <a:t>RawHash2</a:t>
+              </a:r>
+            </a:p>
+          </p:txBody>
+        </p:sp>
+      </p:grpSp>
       <p:pic>
         <p:nvPicPr>
           <p:cNvPr id="4" name="Picture 3">
             <a:extLst>
               <a:ext uri="{FF2B5EF4-FFF2-40B4-BE49-F238E27FC236}">
-                <a16:creationId xmlns:a16="http://schemas.microsoft.com/office/drawing/2014/main" id="{635D8080-B02A-50C5-6025-8CC7DCEC9FEB}"/>
+                <a16:creationId xmlns:a16="http://schemas.microsoft.com/office/drawing/2014/main" id="{4E258969-F56F-A4FF-EEA8-CA1A08FB61D0}"/>
               </a:ext>
             </a:extLst>
           </p:cNvPr>
@@ -7861,506 +9091,20 @@
               </a:ext>
             </a:extLst>
           </a:blip>
-          <a:srcRect/>
-          <a:stretch/>
+          <a:stretch>
+            <a:fillRect/>
+          </a:stretch>
         </p:blipFill>
         <p:spPr>
           <a:xfrm>
-            <a:off x="2727519" y="1111180"/>
-            <a:ext cx="12654387" cy="4218129"/>
+            <a:off x="2872082" y="1168552"/>
+            <a:ext cx="12417635" cy="4139212"/>
           </a:xfrm>
           <a:prstGeom prst="rect">
             <a:avLst/>
           </a:prstGeom>
         </p:spPr>
       </p:pic>
-      <p:sp>
-        <p:nvSpPr>
-          <p:cNvPr id="13" name="TextBox 12">
-            <a:extLst>
-              <a:ext uri="{FF2B5EF4-FFF2-40B4-BE49-F238E27FC236}">
-                <a16:creationId xmlns:a16="http://schemas.microsoft.com/office/drawing/2014/main" id="{865CAA05-04A9-47CA-9F71-3D0E31FA797B}"/>
-              </a:ext>
-            </a:extLst>
-          </p:cNvPr>
-          <p:cNvSpPr txBox="1"/>
-          <p:nvPr/>
-        </p:nvSpPr>
-        <p:spPr>
-          <a:xfrm>
-            <a:off x="2505518" y="4465921"/>
-            <a:ext cx="198772" cy="430887"/>
-          </a:xfrm>
-          <a:prstGeom prst="rect">
-            <a:avLst/>
-          </a:prstGeom>
-          <a:noFill/>
-        </p:spPr>
-        <p:txBody>
-          <a:bodyPr wrap="none" lIns="0" tIns="0" rIns="0" bIns="0" rtlCol="0">
-            <a:spAutoFit/>
-          </a:bodyPr>
-          <a:lstStyle/>
-          <a:p>
-            <a:r>
-              <a:rPr lang="en-US" sz="2800" dirty="0">
-                <a:latin typeface="Cambria" panose="02040503050406030204" pitchFamily="18" charset="0"/>
-              </a:rPr>
-              <a:t>2</a:t>
-            </a:r>
-            <a:endParaRPr lang="en-US" sz="2400" baseline="30000" dirty="0">
-              <a:latin typeface="Cambria" panose="02040503050406030204" pitchFamily="18" charset="0"/>
-            </a:endParaRPr>
-          </a:p>
-        </p:txBody>
-      </p:sp>
-      <p:grpSp>
-        <p:nvGrpSpPr>
-          <p:cNvPr id="28" name="Group 27">
-            <a:extLst>
-              <a:ext uri="{FF2B5EF4-FFF2-40B4-BE49-F238E27FC236}">
-                <a16:creationId xmlns:a16="http://schemas.microsoft.com/office/drawing/2014/main" id="{4973AE2D-87AF-4292-24B9-D4D177AC210A}"/>
-              </a:ext>
-            </a:extLst>
-          </p:cNvPr>
-          <p:cNvGrpSpPr/>
-          <p:nvPr/>
-        </p:nvGrpSpPr>
-        <p:grpSpPr>
-          <a:xfrm>
-            <a:off x="7137438" y="571027"/>
-            <a:ext cx="3834549" cy="523220"/>
-            <a:chOff x="5821436" y="567362"/>
-            <a:chExt cx="3834549" cy="523220"/>
-          </a:xfrm>
-        </p:grpSpPr>
-        <p:grpSp>
-          <p:nvGrpSpPr>
-            <p:cNvPr id="8" name="Group 7">
-              <a:extLst>
-                <a:ext uri="{FF2B5EF4-FFF2-40B4-BE49-F238E27FC236}">
-                  <a16:creationId xmlns:a16="http://schemas.microsoft.com/office/drawing/2014/main" id="{4BAD3F6A-F509-83E6-2991-8DEE6713CA78}"/>
-                </a:ext>
-              </a:extLst>
-            </p:cNvPr>
-            <p:cNvGrpSpPr/>
-            <p:nvPr/>
-          </p:nvGrpSpPr>
-          <p:grpSpPr>
-            <a:xfrm>
-              <a:off x="5821436" y="567362"/>
-              <a:ext cx="1944439" cy="523220"/>
-              <a:chOff x="3780870" y="184920"/>
-              <a:chExt cx="1944439" cy="523220"/>
-            </a:xfrm>
-          </p:grpSpPr>
-          <p:sp>
-            <p:nvSpPr>
-              <p:cNvPr id="82" name="Rectangle 81">
-                <a:extLst>
-                  <a:ext uri="{FF2B5EF4-FFF2-40B4-BE49-F238E27FC236}">
-                    <a16:creationId xmlns:a16="http://schemas.microsoft.com/office/drawing/2014/main" id="{FD3CF857-F05E-1745-C00B-A9EAB23F2DA3}"/>
-                  </a:ext>
-                </a:extLst>
-              </p:cNvPr>
-              <p:cNvSpPr/>
-              <p:nvPr/>
-            </p:nvSpPr>
-            <p:spPr>
-              <a:xfrm>
-                <a:off x="3780870" y="319463"/>
-                <a:ext cx="288000" cy="288000"/>
-              </a:xfrm>
-              <a:prstGeom prst="rect">
-                <a:avLst/>
-              </a:prstGeom>
-              <a:solidFill>
-                <a:srgbClr val="6799CE"/>
-              </a:solidFill>
-            </p:spPr>
-            <p:style>
-              <a:lnRef idx="2">
-                <a:schemeClr val="accent1">
-                  <a:shade val="50000"/>
-                </a:schemeClr>
-              </a:lnRef>
-              <a:fillRef idx="1">
-                <a:schemeClr val="accent1"/>
-              </a:fillRef>
-              <a:effectRef idx="0">
-                <a:schemeClr val="accent1"/>
-              </a:effectRef>
-              <a:fontRef idx="minor">
-                <a:schemeClr val="lt1"/>
-              </a:fontRef>
-            </p:style>
-            <p:txBody>
-              <a:bodyPr rtlCol="0" anchor="ctr"/>
-              <a:lstStyle/>
-              <a:p>
-                <a:pPr algn="ctr"/>
-                <a:endParaRPr lang="en-US" sz="2800" dirty="0">
-                  <a:latin typeface="Cambria" panose="02040503050406030204" pitchFamily="18" charset="0"/>
-                </a:endParaRPr>
-              </a:p>
-            </p:txBody>
-          </p:sp>
-          <p:sp>
-            <p:nvSpPr>
-              <p:cNvPr id="83" name="TextBox 82">
-                <a:extLst>
-                  <a:ext uri="{FF2B5EF4-FFF2-40B4-BE49-F238E27FC236}">
-                    <a16:creationId xmlns:a16="http://schemas.microsoft.com/office/drawing/2014/main" id="{4F007CFC-AA25-432F-4AE1-4434ACA1316E}"/>
-                  </a:ext>
-                </a:extLst>
-              </p:cNvPr>
-              <p:cNvSpPr txBox="1"/>
-              <p:nvPr/>
-            </p:nvSpPr>
-            <p:spPr>
-              <a:xfrm>
-                <a:off x="4099095" y="184920"/>
-                <a:ext cx="1626214" cy="523220"/>
-              </a:xfrm>
-              <a:prstGeom prst="rect">
-                <a:avLst/>
-              </a:prstGeom>
-              <a:noFill/>
-            </p:spPr>
-            <p:txBody>
-              <a:bodyPr wrap="none" rtlCol="0">
-                <a:spAutoFit/>
-              </a:bodyPr>
-              <a:lstStyle/>
-              <a:p>
-                <a:pPr algn="ctr"/>
-                <a:r>
-                  <a:rPr lang="en-US" sz="2800" dirty="0" err="1">
-                    <a:latin typeface="Cambria" panose="02040503050406030204" pitchFamily="18" charset="0"/>
-                  </a:rPr>
-                  <a:t>RawHash</a:t>
-                </a:r>
-                <a:endParaRPr lang="en-US" sz="2800" dirty="0">
-                  <a:latin typeface="Cambria" panose="02040503050406030204" pitchFamily="18" charset="0"/>
-                </a:endParaRPr>
-              </a:p>
-            </p:txBody>
-          </p:sp>
-        </p:grpSp>
-        <p:grpSp>
-          <p:nvGrpSpPr>
-            <p:cNvPr id="14" name="Group 13">
-              <a:extLst>
-                <a:ext uri="{FF2B5EF4-FFF2-40B4-BE49-F238E27FC236}">
-                  <a16:creationId xmlns:a16="http://schemas.microsoft.com/office/drawing/2014/main" id="{3AB95315-0052-63BF-1A79-C925E0D836F2}"/>
-                </a:ext>
-              </a:extLst>
-            </p:cNvPr>
-            <p:cNvGrpSpPr/>
-            <p:nvPr/>
-          </p:nvGrpSpPr>
-          <p:grpSpPr>
-            <a:xfrm>
-              <a:off x="8047195" y="567362"/>
-              <a:ext cx="1608790" cy="523220"/>
-              <a:chOff x="3780870" y="231719"/>
-              <a:chExt cx="1608790" cy="523220"/>
-            </a:xfrm>
-          </p:grpSpPr>
-          <p:sp>
-            <p:nvSpPr>
-              <p:cNvPr id="15" name="Rectangle 14">
-                <a:extLst>
-                  <a:ext uri="{FF2B5EF4-FFF2-40B4-BE49-F238E27FC236}">
-                    <a16:creationId xmlns:a16="http://schemas.microsoft.com/office/drawing/2014/main" id="{D70396FF-403B-FFA8-75A5-52BC407761B0}"/>
-                  </a:ext>
-                </a:extLst>
-              </p:cNvPr>
-              <p:cNvSpPr/>
-              <p:nvPr/>
-            </p:nvSpPr>
-            <p:spPr>
-              <a:xfrm>
-                <a:off x="3780870" y="366262"/>
-                <a:ext cx="288000" cy="288000"/>
-              </a:xfrm>
-              <a:prstGeom prst="rect">
-                <a:avLst/>
-              </a:prstGeom>
-              <a:solidFill>
-                <a:srgbClr val="DB8042"/>
-              </a:solidFill>
-            </p:spPr>
-            <p:style>
-              <a:lnRef idx="2">
-                <a:schemeClr val="accent1">
-                  <a:shade val="50000"/>
-                </a:schemeClr>
-              </a:lnRef>
-              <a:fillRef idx="1">
-                <a:schemeClr val="accent1"/>
-              </a:fillRef>
-              <a:effectRef idx="0">
-                <a:schemeClr val="accent1"/>
-              </a:effectRef>
-              <a:fontRef idx="minor">
-                <a:schemeClr val="lt1"/>
-              </a:fontRef>
-            </p:style>
-            <p:txBody>
-              <a:bodyPr rtlCol="0" anchor="ctr"/>
-              <a:lstStyle/>
-              <a:p>
-                <a:pPr algn="ctr"/>
-                <a:endParaRPr lang="en-US" sz="2800" dirty="0">
-                  <a:latin typeface="Cambria" panose="02040503050406030204" pitchFamily="18" charset="0"/>
-                </a:endParaRPr>
-              </a:p>
-            </p:txBody>
-          </p:sp>
-          <p:sp>
-            <p:nvSpPr>
-              <p:cNvPr id="16" name="TextBox 15">
-                <a:extLst>
-                  <a:ext uri="{FF2B5EF4-FFF2-40B4-BE49-F238E27FC236}">
-                    <a16:creationId xmlns:a16="http://schemas.microsoft.com/office/drawing/2014/main" id="{0BCF6713-B3FD-2DAF-EEAA-DADBC32A447A}"/>
-                  </a:ext>
-                </a:extLst>
-              </p:cNvPr>
-              <p:cNvSpPr txBox="1"/>
-              <p:nvPr/>
-            </p:nvSpPr>
-            <p:spPr>
-              <a:xfrm>
-                <a:off x="4076479" y="231719"/>
-                <a:ext cx="1313181" cy="523220"/>
-              </a:xfrm>
-              <a:prstGeom prst="rect">
-                <a:avLst/>
-              </a:prstGeom>
-              <a:noFill/>
-            </p:spPr>
-            <p:txBody>
-              <a:bodyPr wrap="none" rtlCol="0">
-                <a:spAutoFit/>
-              </a:bodyPr>
-              <a:lstStyle/>
-              <a:p>
-                <a:pPr algn="ctr"/>
-                <a:r>
-                  <a:rPr lang="en-US" sz="2800" dirty="0" err="1">
-                    <a:latin typeface="Cambria" panose="02040503050406030204" pitchFamily="18" charset="0"/>
-                  </a:rPr>
-                  <a:t>Sigmap</a:t>
-                </a:r>
-                <a:endParaRPr lang="en-US" sz="2800" dirty="0">
-                  <a:latin typeface="Cambria" panose="02040503050406030204" pitchFamily="18" charset="0"/>
-                </a:endParaRPr>
-              </a:p>
-            </p:txBody>
-          </p:sp>
-        </p:grpSp>
-      </p:grpSp>
-      <p:sp>
-        <p:nvSpPr>
-          <p:cNvPr id="2" name="TextBox 1">
-            <a:extLst>
-              <a:ext uri="{FF2B5EF4-FFF2-40B4-BE49-F238E27FC236}">
-                <a16:creationId xmlns:a16="http://schemas.microsoft.com/office/drawing/2014/main" id="{D33B48EB-2ADD-ED01-FDD9-F833C8174065}"/>
-              </a:ext>
-            </a:extLst>
-          </p:cNvPr>
-          <p:cNvSpPr txBox="1"/>
-          <p:nvPr/>
-        </p:nvSpPr>
-        <p:spPr>
-          <a:xfrm>
-            <a:off x="2505518" y="3852213"/>
-            <a:ext cx="198772" cy="430887"/>
-          </a:xfrm>
-          <a:prstGeom prst="rect">
-            <a:avLst/>
-          </a:prstGeom>
-          <a:noFill/>
-        </p:spPr>
-        <p:txBody>
-          <a:bodyPr wrap="none" lIns="0" tIns="0" rIns="0" bIns="0" rtlCol="0">
-            <a:spAutoFit/>
-          </a:bodyPr>
-          <a:lstStyle/>
-          <a:p>
-            <a:r>
-              <a:rPr lang="en-US" sz="2800" dirty="0">
-                <a:latin typeface="Cambria" panose="02040503050406030204" pitchFamily="18" charset="0"/>
-              </a:rPr>
-              <a:t>4</a:t>
-            </a:r>
-            <a:endParaRPr lang="en-US" sz="2400" baseline="30000" dirty="0">
-              <a:latin typeface="Cambria" panose="02040503050406030204" pitchFamily="18" charset="0"/>
-            </a:endParaRPr>
-          </a:p>
-        </p:txBody>
-      </p:sp>
-      <p:sp>
-        <p:nvSpPr>
-          <p:cNvPr id="9" name="TextBox 8">
-            <a:extLst>
-              <a:ext uri="{FF2B5EF4-FFF2-40B4-BE49-F238E27FC236}">
-                <a16:creationId xmlns:a16="http://schemas.microsoft.com/office/drawing/2014/main" id="{DA69F3CE-7D15-E2FA-29AD-4077E361F1F2}"/>
-              </a:ext>
-            </a:extLst>
-          </p:cNvPr>
-          <p:cNvSpPr txBox="1"/>
-          <p:nvPr/>
-        </p:nvSpPr>
-        <p:spPr>
-          <a:xfrm>
-            <a:off x="2505518" y="3238506"/>
-            <a:ext cx="198772" cy="430887"/>
-          </a:xfrm>
-          <a:prstGeom prst="rect">
-            <a:avLst/>
-          </a:prstGeom>
-          <a:noFill/>
-        </p:spPr>
-        <p:txBody>
-          <a:bodyPr wrap="none" lIns="0" tIns="0" rIns="0" bIns="0" rtlCol="0">
-            <a:spAutoFit/>
-          </a:bodyPr>
-          <a:lstStyle/>
-          <a:p>
-            <a:r>
-              <a:rPr lang="en-US" sz="2800" dirty="0">
-                <a:latin typeface="Cambria" panose="02040503050406030204" pitchFamily="18" charset="0"/>
-              </a:rPr>
-              <a:t>6</a:t>
-            </a:r>
-            <a:endParaRPr lang="en-US" sz="2400" baseline="30000" dirty="0">
-              <a:latin typeface="Cambria" panose="02040503050406030204" pitchFamily="18" charset="0"/>
-            </a:endParaRPr>
-          </a:p>
-        </p:txBody>
-      </p:sp>
-      <p:sp>
-        <p:nvSpPr>
-          <p:cNvPr id="10" name="TextBox 9">
-            <a:extLst>
-              <a:ext uri="{FF2B5EF4-FFF2-40B4-BE49-F238E27FC236}">
-                <a16:creationId xmlns:a16="http://schemas.microsoft.com/office/drawing/2014/main" id="{011FBACF-95D4-30B5-5500-0AEA1AC9608F}"/>
-              </a:ext>
-            </a:extLst>
-          </p:cNvPr>
-          <p:cNvSpPr txBox="1"/>
-          <p:nvPr/>
-        </p:nvSpPr>
-        <p:spPr>
-          <a:xfrm>
-            <a:off x="2505518" y="2624799"/>
-            <a:ext cx="198772" cy="430887"/>
-          </a:xfrm>
-          <a:prstGeom prst="rect">
-            <a:avLst/>
-          </a:prstGeom>
-          <a:noFill/>
-        </p:spPr>
-        <p:txBody>
-          <a:bodyPr wrap="none" lIns="0" tIns="0" rIns="0" bIns="0" rtlCol="0">
-            <a:spAutoFit/>
-          </a:bodyPr>
-          <a:lstStyle/>
-          <a:p>
-            <a:r>
-              <a:rPr lang="en-US" sz="2800" dirty="0">
-                <a:latin typeface="Cambria" panose="02040503050406030204" pitchFamily="18" charset="0"/>
-              </a:rPr>
-              <a:t>8</a:t>
-            </a:r>
-            <a:endParaRPr lang="en-US" sz="2400" baseline="30000" dirty="0">
-              <a:latin typeface="Cambria" panose="02040503050406030204" pitchFamily="18" charset="0"/>
-            </a:endParaRPr>
-          </a:p>
-        </p:txBody>
-      </p:sp>
-      <p:sp>
-        <p:nvSpPr>
-          <p:cNvPr id="23" name="TextBox 22">
-            <a:extLst>
-              <a:ext uri="{FF2B5EF4-FFF2-40B4-BE49-F238E27FC236}">
-                <a16:creationId xmlns:a16="http://schemas.microsoft.com/office/drawing/2014/main" id="{AF2F610D-38E0-AF6D-AC05-D093D8F71D3D}"/>
-              </a:ext>
-            </a:extLst>
-          </p:cNvPr>
-          <p:cNvSpPr txBox="1"/>
-          <p:nvPr/>
-        </p:nvSpPr>
-        <p:spPr>
-          <a:xfrm>
-            <a:off x="2306745" y="2011092"/>
-            <a:ext cx="397545" cy="430887"/>
-          </a:xfrm>
-          <a:prstGeom prst="rect">
-            <a:avLst/>
-          </a:prstGeom>
-          <a:noFill/>
-        </p:spPr>
-        <p:txBody>
-          <a:bodyPr wrap="none" lIns="0" tIns="0" rIns="0" bIns="0" rtlCol="0">
-            <a:spAutoFit/>
-          </a:bodyPr>
-          <a:lstStyle/>
-          <a:p>
-            <a:r>
-              <a:rPr lang="en-US" sz="2800" dirty="0">
-                <a:latin typeface="Cambria" panose="02040503050406030204" pitchFamily="18" charset="0"/>
-              </a:rPr>
-              <a:t>10</a:t>
-            </a:r>
-            <a:endParaRPr lang="en-US" sz="2400" baseline="30000" dirty="0">
-              <a:latin typeface="Cambria" panose="02040503050406030204" pitchFamily="18" charset="0"/>
-            </a:endParaRPr>
-          </a:p>
-        </p:txBody>
-      </p:sp>
-      <p:sp>
-        <p:nvSpPr>
-          <p:cNvPr id="24" name="TextBox 23">
-            <a:extLst>
-              <a:ext uri="{FF2B5EF4-FFF2-40B4-BE49-F238E27FC236}">
-                <a16:creationId xmlns:a16="http://schemas.microsoft.com/office/drawing/2014/main" id="{F157FE5F-2717-B636-7324-B4C4C17BF65C}"/>
-              </a:ext>
-            </a:extLst>
-          </p:cNvPr>
-          <p:cNvSpPr txBox="1"/>
-          <p:nvPr/>
-        </p:nvSpPr>
-        <p:spPr>
-          <a:xfrm>
-            <a:off x="2306745" y="1397385"/>
-            <a:ext cx="397545" cy="430887"/>
-          </a:xfrm>
-          <a:prstGeom prst="rect">
-            <a:avLst/>
-          </a:prstGeom>
-          <a:noFill/>
-        </p:spPr>
-        <p:txBody>
-          <a:bodyPr wrap="none" lIns="0" tIns="0" rIns="0" bIns="0" rtlCol="0">
-            <a:spAutoFit/>
-          </a:bodyPr>
-          <a:lstStyle/>
-          <a:p>
-            <a:r>
-              <a:rPr lang="en-US" sz="2800" dirty="0">
-                <a:latin typeface="Cambria" panose="02040503050406030204" pitchFamily="18" charset="0"/>
-              </a:rPr>
-              <a:t>12</a:t>
-            </a:r>
-            <a:endParaRPr lang="en-US" sz="2400" baseline="30000" dirty="0">
-              <a:latin typeface="Cambria" panose="02040503050406030204" pitchFamily="18" charset="0"/>
-            </a:endParaRPr>
-          </a:p>
-        </p:txBody>
-      </p:sp>
     </p:spTree>
     <p:extLst>
       <p:ext uri="{BB962C8B-B14F-4D97-AF65-F5344CB8AC3E}">

--- a/test/figures_rawhash2/figures.pptx
+++ b/test/figures_rawhash2/figures.pptx
@@ -5,14 +5,16 @@
     <p:sldMasterId id="2147483660" r:id="rId1"/>
   </p:sldMasterIdLst>
   <p:notesMasterIdLst>
-    <p:notesMasterId r:id="rId7"/>
+    <p:notesMasterId r:id="rId9"/>
   </p:notesMasterIdLst>
   <p:sldIdLst>
     <p:sldId id="4631" r:id="rId2"/>
-    <p:sldId id="4629" r:id="rId3"/>
-    <p:sldId id="4632" r:id="rId4"/>
-    <p:sldId id="4633" r:id="rId5"/>
-    <p:sldId id="4634" r:id="rId6"/>
+    <p:sldId id="4635" r:id="rId3"/>
+    <p:sldId id="4629" r:id="rId4"/>
+    <p:sldId id="4636" r:id="rId5"/>
+    <p:sldId id="4632" r:id="rId6"/>
+    <p:sldId id="4633" r:id="rId7"/>
+    <p:sldId id="4634" r:id="rId8"/>
   </p:sldIdLst>
   <p:sldSz cx="18592800" cy="6858000"/>
   <p:notesSz cx="6858000" cy="9144000"/>
@@ -201,7 +203,7 @@
           <a:p>
             <a:fld id="{52D9FB99-33AF-45C7-9798-F9BB105B9B87}" type="datetimeFigureOut">
               <a:rPr lang="en-US" smtClean="0"/>
-              <a:t>8/29/23</a:t>
+              <a:t>10/10/23</a:t>
             </a:fld>
             <a:endParaRPr lang="en-US"/>
           </a:p>
@@ -612,7 +614,7 @@
           <a:p>
             <a:r>
               <a:rPr lang="en-US" dirty="0" err="1"/>
-              <a:t>time_per_read.pdf</a:t>
+              <a:t>throughput.pdf</a:t>
             </a:r>
             <a:endParaRPr lang="en-US" dirty="0"/>
           </a:p>
@@ -644,7 +646,7 @@
     </p:spTree>
     <p:extLst>
       <p:ext uri="{BB962C8B-B14F-4D97-AF65-F5344CB8AC3E}">
-        <p14:creationId xmlns:p14="http://schemas.microsoft.com/office/powerpoint/2010/main" val="493739930"/>
+        <p14:creationId xmlns:p14="http://schemas.microsoft.com/office/powerpoint/2010/main" val="2737670888"/>
       </p:ext>
     </p:extLst>
   </p:cSld>
@@ -705,7 +707,7 @@
           <a:p>
             <a:r>
               <a:rPr lang="en-US" dirty="0" err="1"/>
-              <a:t>profiling.pdf</a:t>
+              <a:t>time_per_read.pdf</a:t>
             </a:r>
             <a:endParaRPr lang="en-US" dirty="0"/>
           </a:p>
@@ -737,7 +739,7 @@
     </p:spTree>
     <p:extLst>
       <p:ext uri="{BB962C8B-B14F-4D97-AF65-F5344CB8AC3E}">
-        <p14:creationId xmlns:p14="http://schemas.microsoft.com/office/powerpoint/2010/main" val="2076121782"/>
+        <p14:creationId xmlns:p14="http://schemas.microsoft.com/office/powerpoint/2010/main" val="493739930"/>
       </p:ext>
     </p:extLst>
   </p:cSld>
@@ -798,7 +800,7 @@
           <a:p>
             <a:r>
               <a:rPr lang="en-US" dirty="0" err="1"/>
-              <a:t>sequenced_bases.pdf</a:t>
+              <a:t>time_per_read.pdf</a:t>
             </a:r>
             <a:endParaRPr lang="en-US" dirty="0"/>
           </a:p>
@@ -830,7 +832,7 @@
     </p:spTree>
     <p:extLst>
       <p:ext uri="{BB962C8B-B14F-4D97-AF65-F5344CB8AC3E}">
-        <p14:creationId xmlns:p14="http://schemas.microsoft.com/office/powerpoint/2010/main" val="1926209108"/>
+        <p14:creationId xmlns:p14="http://schemas.microsoft.com/office/powerpoint/2010/main" val="1404289676"/>
       </p:ext>
     </p:extLst>
   </p:cSld>
@@ -891,7 +893,7 @@
           <a:p>
             <a:r>
               <a:rPr lang="en-US" dirty="0" err="1"/>
-              <a:t>sequenced_chunks.pdf</a:t>
+              <a:t>profiling.pdf</a:t>
             </a:r>
             <a:endParaRPr lang="en-US" dirty="0"/>
           </a:p>
@@ -915,6 +917,192 @@
             <a:fld id="{FB8EC415-AB61-4AAF-95EC-A94D821E2AEB}" type="slidenum">
               <a:rPr lang="en-US" smtClean="0"/>
               <a:t>5</a:t>
+            </a:fld>
+            <a:endParaRPr lang="en-US"/>
+          </a:p>
+        </p:txBody>
+      </p:sp>
+    </p:spTree>
+    <p:extLst>
+      <p:ext uri="{BB962C8B-B14F-4D97-AF65-F5344CB8AC3E}">
+        <p14:creationId xmlns:p14="http://schemas.microsoft.com/office/powerpoint/2010/main" val="2076121782"/>
+      </p:ext>
+    </p:extLst>
+  </p:cSld>
+  <p:clrMapOvr>
+    <a:masterClrMapping/>
+  </p:clrMapOvr>
+</p:notes>
+</file>
+
+<file path=ppt/notesSlides/notesSlide6.xml><?xml version="1.0" encoding="utf-8"?>
+<p:notes xmlns:a="http://schemas.openxmlformats.org/drawingml/2006/main" xmlns:r="http://schemas.openxmlformats.org/officeDocument/2006/relationships" xmlns:p="http://schemas.openxmlformats.org/presentationml/2006/main">
+  <p:cSld>
+    <p:spTree>
+      <p:nvGrpSpPr>
+        <p:cNvPr id="1" name=""/>
+        <p:cNvGrpSpPr/>
+        <p:nvPr/>
+      </p:nvGrpSpPr>
+      <p:grpSpPr>
+        <a:xfrm>
+          <a:off x="0" y="0"/>
+          <a:ext cx="0" cy="0"/>
+          <a:chOff x="0" y="0"/>
+          <a:chExt cx="0" cy="0"/>
+        </a:xfrm>
+      </p:grpSpPr>
+      <p:sp>
+        <p:nvSpPr>
+          <p:cNvPr id="2" name="Slide Image Placeholder 1"/>
+          <p:cNvSpPr>
+            <a:spLocks noGrp="1" noRot="1" noChangeAspect="1"/>
+          </p:cNvSpPr>
+          <p:nvPr>
+            <p:ph type="sldImg"/>
+          </p:nvPr>
+        </p:nvSpPr>
+        <p:spPr>
+          <a:xfrm>
+            <a:off x="-754063" y="1143000"/>
+            <a:ext cx="8366126" cy="3086100"/>
+          </a:xfrm>
+        </p:spPr>
+      </p:sp>
+      <p:sp>
+        <p:nvSpPr>
+          <p:cNvPr id="3" name="Notes Placeholder 2"/>
+          <p:cNvSpPr>
+            <a:spLocks noGrp="1"/>
+          </p:cNvSpPr>
+          <p:nvPr>
+            <p:ph type="body" idx="1"/>
+          </p:nvPr>
+        </p:nvSpPr>
+        <p:spPr/>
+        <p:txBody>
+          <a:bodyPr/>
+          <a:lstStyle/>
+          <a:p>
+            <a:r>
+              <a:rPr lang="en-US" dirty="0" err="1"/>
+              <a:t>sequenced_bases.pdf</a:t>
+            </a:r>
+            <a:endParaRPr lang="en-US" dirty="0"/>
+          </a:p>
+        </p:txBody>
+      </p:sp>
+      <p:sp>
+        <p:nvSpPr>
+          <p:cNvPr id="4" name="Slide Number Placeholder 3"/>
+          <p:cNvSpPr>
+            <a:spLocks noGrp="1"/>
+          </p:cNvSpPr>
+          <p:nvPr>
+            <p:ph type="sldNum" sz="quarter" idx="5"/>
+          </p:nvPr>
+        </p:nvSpPr>
+        <p:spPr/>
+        <p:txBody>
+          <a:bodyPr/>
+          <a:lstStyle/>
+          <a:p>
+            <a:fld id="{FB8EC415-AB61-4AAF-95EC-A94D821E2AEB}" type="slidenum">
+              <a:rPr lang="en-US" smtClean="0"/>
+              <a:t>6</a:t>
+            </a:fld>
+            <a:endParaRPr lang="en-US"/>
+          </a:p>
+        </p:txBody>
+      </p:sp>
+    </p:spTree>
+    <p:extLst>
+      <p:ext uri="{BB962C8B-B14F-4D97-AF65-F5344CB8AC3E}">
+        <p14:creationId xmlns:p14="http://schemas.microsoft.com/office/powerpoint/2010/main" val="1926209108"/>
+      </p:ext>
+    </p:extLst>
+  </p:cSld>
+  <p:clrMapOvr>
+    <a:masterClrMapping/>
+  </p:clrMapOvr>
+</p:notes>
+</file>
+
+<file path=ppt/notesSlides/notesSlide7.xml><?xml version="1.0" encoding="utf-8"?>
+<p:notes xmlns:a="http://schemas.openxmlformats.org/drawingml/2006/main" xmlns:r="http://schemas.openxmlformats.org/officeDocument/2006/relationships" xmlns:p="http://schemas.openxmlformats.org/presentationml/2006/main">
+  <p:cSld>
+    <p:spTree>
+      <p:nvGrpSpPr>
+        <p:cNvPr id="1" name=""/>
+        <p:cNvGrpSpPr/>
+        <p:nvPr/>
+      </p:nvGrpSpPr>
+      <p:grpSpPr>
+        <a:xfrm>
+          <a:off x="0" y="0"/>
+          <a:ext cx="0" cy="0"/>
+          <a:chOff x="0" y="0"/>
+          <a:chExt cx="0" cy="0"/>
+        </a:xfrm>
+      </p:grpSpPr>
+      <p:sp>
+        <p:nvSpPr>
+          <p:cNvPr id="2" name="Slide Image Placeholder 1"/>
+          <p:cNvSpPr>
+            <a:spLocks noGrp="1" noRot="1" noChangeAspect="1"/>
+          </p:cNvSpPr>
+          <p:nvPr>
+            <p:ph type="sldImg"/>
+          </p:nvPr>
+        </p:nvSpPr>
+        <p:spPr>
+          <a:xfrm>
+            <a:off x="-754063" y="1143000"/>
+            <a:ext cx="8366126" cy="3086100"/>
+          </a:xfrm>
+        </p:spPr>
+      </p:sp>
+      <p:sp>
+        <p:nvSpPr>
+          <p:cNvPr id="3" name="Notes Placeholder 2"/>
+          <p:cNvSpPr>
+            <a:spLocks noGrp="1"/>
+          </p:cNvSpPr>
+          <p:nvPr>
+            <p:ph type="body" idx="1"/>
+          </p:nvPr>
+        </p:nvSpPr>
+        <p:spPr/>
+        <p:txBody>
+          <a:bodyPr/>
+          <a:lstStyle/>
+          <a:p>
+            <a:r>
+              <a:rPr lang="en-US" dirty="0" err="1"/>
+              <a:t>sequenced_chunks.pdf</a:t>
+            </a:r>
+            <a:endParaRPr lang="en-US" dirty="0"/>
+          </a:p>
+        </p:txBody>
+      </p:sp>
+      <p:sp>
+        <p:nvSpPr>
+          <p:cNvPr id="4" name="Slide Number Placeholder 3"/>
+          <p:cNvSpPr>
+            <a:spLocks noGrp="1"/>
+          </p:cNvSpPr>
+          <p:nvPr>
+            <p:ph type="sldNum" sz="quarter" idx="5"/>
+          </p:nvPr>
+        </p:nvSpPr>
+        <p:spPr/>
+        <p:txBody>
+          <a:bodyPr/>
+          <a:lstStyle/>
+          <a:p>
+            <a:fld id="{FB8EC415-AB61-4AAF-95EC-A94D821E2AEB}" type="slidenum">
+              <a:rPr lang="en-US" smtClean="0"/>
+              <a:t>7</a:t>
             </a:fld>
             <a:endParaRPr lang="en-US"/>
           </a:p>
@@ -1064,7 +1252,7 @@
           <a:p>
             <a:fld id="{E3A9BCBE-8A83-4E67-B3B6-D6A7A53377E1}" type="datetimeFigureOut">
               <a:rPr lang="en-US" smtClean="0"/>
-              <a:t>8/29/23</a:t>
+              <a:t>10/10/23</a:t>
             </a:fld>
             <a:endParaRPr lang="en-US"/>
           </a:p>
@@ -1234,7 +1422,7 @@
           <a:p>
             <a:fld id="{E3A9BCBE-8A83-4E67-B3B6-D6A7A53377E1}" type="datetimeFigureOut">
               <a:rPr lang="en-US" smtClean="0"/>
-              <a:t>8/29/23</a:t>
+              <a:t>10/10/23</a:t>
             </a:fld>
             <a:endParaRPr lang="en-US"/>
           </a:p>
@@ -1414,7 +1602,7 @@
           <a:p>
             <a:fld id="{E3A9BCBE-8A83-4E67-B3B6-D6A7A53377E1}" type="datetimeFigureOut">
               <a:rPr lang="en-US" smtClean="0"/>
-              <a:t>8/29/23</a:t>
+              <a:t>10/10/23</a:t>
             </a:fld>
             <a:endParaRPr lang="en-US"/>
           </a:p>
@@ -1584,7 +1772,7 @@
           <a:p>
             <a:fld id="{E3A9BCBE-8A83-4E67-B3B6-D6A7A53377E1}" type="datetimeFigureOut">
               <a:rPr lang="en-US" smtClean="0"/>
-              <a:t>8/29/23</a:t>
+              <a:t>10/10/23</a:t>
             </a:fld>
             <a:endParaRPr lang="en-US"/>
           </a:p>
@@ -1830,7 +2018,7 @@
           <a:p>
             <a:fld id="{E3A9BCBE-8A83-4E67-B3B6-D6A7A53377E1}" type="datetimeFigureOut">
               <a:rPr lang="en-US" smtClean="0"/>
-              <a:t>8/29/23</a:t>
+              <a:t>10/10/23</a:t>
             </a:fld>
             <a:endParaRPr lang="en-US"/>
           </a:p>
@@ -2062,7 +2250,7 @@
           <a:p>
             <a:fld id="{E3A9BCBE-8A83-4E67-B3B6-D6A7A53377E1}" type="datetimeFigureOut">
               <a:rPr lang="en-US" smtClean="0"/>
-              <a:t>8/29/23</a:t>
+              <a:t>10/10/23</a:t>
             </a:fld>
             <a:endParaRPr lang="en-US"/>
           </a:p>
@@ -2429,7 +2617,7 @@
           <a:p>
             <a:fld id="{E3A9BCBE-8A83-4E67-B3B6-D6A7A53377E1}" type="datetimeFigureOut">
               <a:rPr lang="en-US" smtClean="0"/>
-              <a:t>8/29/23</a:t>
+              <a:t>10/10/23</a:t>
             </a:fld>
             <a:endParaRPr lang="en-US"/>
           </a:p>
@@ -2547,7 +2735,7 @@
           <a:p>
             <a:fld id="{E3A9BCBE-8A83-4E67-B3B6-D6A7A53377E1}" type="datetimeFigureOut">
               <a:rPr lang="en-US" smtClean="0"/>
-              <a:t>8/29/23</a:t>
+              <a:t>10/10/23</a:t>
             </a:fld>
             <a:endParaRPr lang="en-US"/>
           </a:p>
@@ -2642,7 +2830,7 @@
           <a:p>
             <a:fld id="{E3A9BCBE-8A83-4E67-B3B6-D6A7A53377E1}" type="datetimeFigureOut">
               <a:rPr lang="en-US" smtClean="0"/>
-              <a:t>8/29/23</a:t>
+              <a:t>10/10/23</a:t>
             </a:fld>
             <a:endParaRPr lang="en-US"/>
           </a:p>
@@ -2919,7 +3107,7 @@
           <a:p>
             <a:fld id="{E3A9BCBE-8A83-4E67-B3B6-D6A7A53377E1}" type="datetimeFigureOut">
               <a:rPr lang="en-US" smtClean="0"/>
-              <a:t>8/29/23</a:t>
+              <a:t>10/10/23</a:t>
             </a:fld>
             <a:endParaRPr lang="en-US"/>
           </a:p>
@@ -3176,7 +3364,7 @@
           <a:p>
             <a:fld id="{E3A9BCBE-8A83-4E67-B3B6-D6A7A53377E1}" type="datetimeFigureOut">
               <a:rPr lang="en-US" smtClean="0"/>
-              <a:t>8/29/23</a:t>
+              <a:t>10/10/23</a:t>
             </a:fld>
             <a:endParaRPr lang="en-US"/>
           </a:p>
@@ -3389,7 +3577,7 @@
           <a:p>
             <a:fld id="{E3A9BCBE-8A83-4E67-B3B6-D6A7A53377E1}" type="datetimeFigureOut">
               <a:rPr lang="en-US" smtClean="0"/>
-              <a:t>8/29/23</a:t>
+              <a:t>10/10/23</a:t>
             </a:fld>
             <a:endParaRPr lang="en-US"/>
           </a:p>
@@ -3846,7 +4034,7 @@
         </p:nvSpPr>
         <p:spPr>
           <a:xfrm>
-            <a:off x="3465307" y="5295359"/>
+            <a:off x="3509551" y="5295359"/>
             <a:ext cx="1672830" cy="769441"/>
           </a:xfrm>
           <a:prstGeom prst="rect">
@@ -3893,7 +4081,7 @@
         </p:nvSpPr>
         <p:spPr>
           <a:xfrm>
-            <a:off x="8518229" y="5295359"/>
+            <a:off x="8532977" y="5295359"/>
             <a:ext cx="1723445" cy="769441"/>
           </a:xfrm>
           <a:prstGeom prst="rect">
@@ -3987,7 +4175,7 @@
         </p:nvSpPr>
         <p:spPr>
           <a:xfrm>
-            <a:off x="5520421" y="5295359"/>
+            <a:off x="5549917" y="5295359"/>
             <a:ext cx="942694" cy="769441"/>
           </a:xfrm>
           <a:prstGeom prst="rect">
@@ -4034,7 +4222,7 @@
         </p:nvSpPr>
         <p:spPr>
           <a:xfrm>
-            <a:off x="7266257" y="5295359"/>
+            <a:off x="7281005" y="5295359"/>
             <a:ext cx="861967" cy="769441"/>
           </a:xfrm>
           <a:prstGeom prst="rect">
@@ -4081,7 +4269,7 @@
         </p:nvSpPr>
         <p:spPr>
           <a:xfrm>
-            <a:off x="13625455" y="5295359"/>
+            <a:off x="13610707" y="5295359"/>
             <a:ext cx="1681614" cy="769441"/>
           </a:xfrm>
           <a:prstGeom prst="rect">
@@ -4166,7 +4354,7 @@
         </p:nvSpPr>
         <p:spPr>
           <a:xfrm>
-            <a:off x="2236613" y="1388663"/>
+            <a:off x="2236613" y="1477151"/>
             <a:ext cx="530594" cy="430887"/>
           </a:xfrm>
           <a:prstGeom prst="rect">
@@ -4209,7 +4397,7 @@
         </p:nvSpPr>
         <p:spPr>
           <a:xfrm>
-            <a:off x="2236613" y="2014665"/>
+            <a:off x="2236613" y="2029413"/>
             <a:ext cx="530594" cy="430887"/>
           </a:xfrm>
           <a:prstGeom prst="rect">
@@ -4252,7 +4440,7 @@
         </p:nvSpPr>
         <p:spPr>
           <a:xfrm>
-            <a:off x="2236613" y="2640667"/>
+            <a:off x="2236613" y="2655415"/>
             <a:ext cx="530594" cy="430887"/>
           </a:xfrm>
           <a:prstGeom prst="rect">
@@ -4295,7 +4483,7 @@
         </p:nvSpPr>
         <p:spPr>
           <a:xfrm>
-            <a:off x="2236613" y="3266669"/>
+            <a:off x="2236613" y="3281417"/>
             <a:ext cx="530594" cy="430887"/>
           </a:xfrm>
           <a:prstGeom prst="rect">
@@ -4338,7 +4526,7 @@
         </p:nvSpPr>
         <p:spPr>
           <a:xfrm>
-            <a:off x="2236613" y="3892671"/>
+            <a:off x="2236613" y="3907419"/>
             <a:ext cx="530594" cy="430887"/>
           </a:xfrm>
           <a:prstGeom prst="rect">
@@ -4381,7 +4569,7 @@
         </p:nvSpPr>
         <p:spPr>
           <a:xfrm>
-            <a:off x="2236613" y="4518672"/>
+            <a:off x="2236613" y="4489176"/>
             <a:ext cx="530594" cy="430887"/>
           </a:xfrm>
           <a:prstGeom prst="rect">
@@ -5075,10 +5263,10 @@
       </p:grpSp>
       <p:pic>
         <p:nvPicPr>
-          <p:cNvPr id="27" name="Picture 26">
-            <a:extLst>
-              <a:ext uri="{FF2B5EF4-FFF2-40B4-BE49-F238E27FC236}">
-                <a16:creationId xmlns:a16="http://schemas.microsoft.com/office/drawing/2014/main" id="{A4A38FCD-0C67-71F8-ADE9-96712C0F7185}"/>
+          <p:cNvPr id="29" name="Picture 28">
+            <a:extLst>
+              <a:ext uri="{FF2B5EF4-FFF2-40B4-BE49-F238E27FC236}">
+                <a16:creationId xmlns:a16="http://schemas.microsoft.com/office/drawing/2014/main" id="{9EF36D72-6859-D3D1-4CBC-AB3FDFCEBB50}"/>
               </a:ext>
             </a:extLst>
           </p:cNvPr>
@@ -5101,14 +5289,66 @@
         </p:blipFill>
         <p:spPr>
           <a:xfrm>
-            <a:off x="2844219" y="1131266"/>
-            <a:ext cx="12506006" cy="4168669"/>
+            <a:off x="2935651" y="1171553"/>
+            <a:ext cx="12371418" cy="4123806"/>
           </a:xfrm>
           <a:prstGeom prst="rect">
             <a:avLst/>
           </a:prstGeom>
         </p:spPr>
       </p:pic>
+      <p:sp>
+        <p:nvSpPr>
+          <p:cNvPr id="2" name="Rectangle 1">
+            <a:extLst>
+              <a:ext uri="{FF2B5EF4-FFF2-40B4-BE49-F238E27FC236}">
+                <a16:creationId xmlns:a16="http://schemas.microsoft.com/office/drawing/2014/main" id="{04827353-EB43-A2F3-48FD-25616D77ECB4}"/>
+              </a:ext>
+            </a:extLst>
+          </p:cNvPr>
+          <p:cNvSpPr/>
+          <p:nvPr/>
+        </p:nvSpPr>
+        <p:spPr>
+          <a:xfrm>
+            <a:off x="2643829" y="2244856"/>
+            <a:ext cx="3486617" cy="622422"/>
+          </a:xfrm>
+          <a:prstGeom prst="rect">
+            <a:avLst/>
+          </a:prstGeom>
+          <a:solidFill>
+            <a:srgbClr val="FF0000"/>
+          </a:solidFill>
+        </p:spPr>
+        <p:style>
+          <a:lnRef idx="2">
+            <a:schemeClr val="accent1">
+              <a:shade val="15000"/>
+            </a:schemeClr>
+          </a:lnRef>
+          <a:fillRef idx="1">
+            <a:schemeClr val="accent1"/>
+          </a:fillRef>
+          <a:effectRef idx="0">
+            <a:schemeClr val="accent1"/>
+          </a:effectRef>
+          <a:fontRef idx="minor">
+            <a:schemeClr val="lt1"/>
+          </a:fontRef>
+        </p:style>
+        <p:txBody>
+          <a:bodyPr rtlCol="0" anchor="ctr"/>
+          <a:lstStyle/>
+          <a:p>
+            <a:pPr algn="ctr"/>
+            <a:r>
+              <a:rPr lang="en-US" dirty="0"/>
+              <a:t>OLD</a:t>
+            </a:r>
+          </a:p>
+        </p:txBody>
+      </p:sp>
     </p:spTree>
     <p:extLst>
       <p:ext uri="{BB962C8B-B14F-4D97-AF65-F5344CB8AC3E}">
@@ -5153,7 +5393,7 @@
         </p:nvSpPr>
         <p:spPr>
           <a:xfrm>
-            <a:off x="11643628" y="5461840"/>
+            <a:off x="13038671" y="5464636"/>
             <a:ext cx="2096815" cy="430887"/>
           </a:xfrm>
           <a:prstGeom prst="rect">
@@ -5191,7 +5431,7 @@
         </p:nvSpPr>
         <p:spPr>
           <a:xfrm>
-            <a:off x="2879677" y="5292563"/>
+            <a:off x="3686527" y="5295359"/>
             <a:ext cx="1672830" cy="769441"/>
           </a:xfrm>
           <a:prstGeom prst="rect">
@@ -5238,7 +5478,7 @@
         </p:nvSpPr>
         <p:spPr>
           <a:xfrm>
-            <a:off x="8224209" y="5292563"/>
+            <a:off x="9373633" y="5295359"/>
             <a:ext cx="1723445" cy="769441"/>
           </a:xfrm>
           <a:prstGeom prst="rect">
@@ -5285,7 +5525,7 @@
         </p:nvSpPr>
         <p:spPr>
           <a:xfrm>
-            <a:off x="10331960" y="5292563"/>
+            <a:off x="11591974" y="5295359"/>
             <a:ext cx="1128835" cy="769441"/>
           </a:xfrm>
           <a:prstGeom prst="rect">
@@ -5332,7 +5572,7 @@
         </p:nvSpPr>
         <p:spPr>
           <a:xfrm>
-            <a:off x="5040455" y="5292563"/>
+            <a:off x="5962873" y="5295359"/>
             <a:ext cx="942694" cy="769441"/>
           </a:xfrm>
           <a:prstGeom prst="rect">
@@ -5379,7 +5619,7 @@
         </p:nvSpPr>
         <p:spPr>
           <a:xfrm>
-            <a:off x="6860136" y="5292563"/>
+            <a:off x="7900437" y="5295359"/>
             <a:ext cx="861967" cy="769441"/>
           </a:xfrm>
           <a:prstGeom prst="rect">
@@ -5414,10 +5654,10 @@
       </p:sp>
       <p:sp>
         <p:nvSpPr>
-          <p:cNvPr id="20" name="TextBox 19">
-            <a:extLst>
-              <a:ext uri="{FF2B5EF4-FFF2-40B4-BE49-F238E27FC236}">
-                <a16:creationId xmlns:a16="http://schemas.microsoft.com/office/drawing/2014/main" id="{AE85A3BF-9053-66C1-9417-1D7FF0CD55CC}"/>
+          <p:cNvPr id="5" name="TextBox 4">
+            <a:extLst>
+              <a:ext uri="{FF2B5EF4-FFF2-40B4-BE49-F238E27FC236}">
+                <a16:creationId xmlns:a16="http://schemas.microsoft.com/office/drawing/2014/main" id="{E4862BF3-9618-6956-E1A9-EA2DE9EC6970}"/>
               </a:ext>
             </a:extLst>
           </p:cNvPr>
@@ -5425,9 +5665,9 @@
           <p:nvPr/>
         </p:nvSpPr>
         <p:spPr>
-          <a:xfrm>
-            <a:off x="13668611" y="5292563"/>
-            <a:ext cx="1681614" cy="769441"/>
+          <a:xfrm rot="16200000">
+            <a:off x="101478" y="3020189"/>
+            <a:ext cx="3375774" cy="400110"/>
           </a:xfrm>
           <a:prstGeom prst="rect">
             <a:avLst/>
@@ -5435,36 +5675,27 @@
           <a:noFill/>
         </p:spPr>
         <p:txBody>
-          <a:bodyPr wrap="square" rtlCol="0">
+          <a:bodyPr wrap="square" lIns="0" tIns="0" rIns="0" bIns="0" rtlCol="0">
             <a:spAutoFit/>
           </a:bodyPr>
           <a:lstStyle/>
           <a:p>
             <a:pPr algn="ctr"/>
             <a:r>
-              <a:rPr lang="en-US" sz="2200" b="1" dirty="0">
-                <a:latin typeface="Cambria" panose="02040503050406030204" pitchFamily="18" charset="0"/>
-              </a:rPr>
-              <a:t>Relative</a:t>
-            </a:r>
-          </a:p>
-          <a:p>
-            <a:pPr algn="ctr"/>
-            <a:r>
-              <a:rPr lang="en-US" sz="2200" b="1" dirty="0">
-                <a:latin typeface="Cambria" panose="02040503050406030204" pitchFamily="18" charset="0"/>
-              </a:rPr>
-              <a:t>Abundance</a:t>
-            </a:r>
-          </a:p>
-        </p:txBody>
-      </p:sp>
-      <p:sp>
-        <p:nvSpPr>
-          <p:cNvPr id="5" name="TextBox 4">
-            <a:extLst>
-              <a:ext uri="{FF2B5EF4-FFF2-40B4-BE49-F238E27FC236}">
-                <a16:creationId xmlns:a16="http://schemas.microsoft.com/office/drawing/2014/main" id="{E4862BF3-9618-6956-E1A9-EA2DE9EC6970}"/>
+              <a:rPr lang="en-US" sz="2600" b="1" dirty="0">
+                <a:latin typeface="Cambria" panose="02040503050406030204" pitchFamily="18" charset="0"/>
+              </a:rPr>
+              <a:t>Throughput (bp/sec)</a:t>
+            </a:r>
+          </a:p>
+        </p:txBody>
+      </p:sp>
+      <p:sp>
+        <p:nvSpPr>
+          <p:cNvPr id="6" name="TextBox 5">
+            <a:extLst>
+              <a:ext uri="{FF2B5EF4-FFF2-40B4-BE49-F238E27FC236}">
+                <a16:creationId xmlns:a16="http://schemas.microsoft.com/office/drawing/2014/main" id="{FF9FEF38-C44A-3C88-E334-6351F006CFD7}"/>
               </a:ext>
             </a:extLst>
           </p:cNvPr>
@@ -5472,9 +5703,9 @@
           <p:nvPr/>
         </p:nvSpPr>
         <p:spPr>
-          <a:xfrm rot="16200000">
-            <a:off x="-8677" y="3020189"/>
-            <a:ext cx="3796950" cy="400110"/>
+          <a:xfrm>
+            <a:off x="2266109" y="1595135"/>
+            <a:ext cx="530594" cy="430887"/>
           </a:xfrm>
           <a:prstGeom prst="rect">
             <a:avLst/>
@@ -5482,39 +5713,32 @@
           <a:noFill/>
         </p:spPr>
         <p:txBody>
-          <a:bodyPr wrap="square" lIns="0" tIns="0" rIns="0" bIns="0" rtlCol="0">
+          <a:bodyPr wrap="none" lIns="0" tIns="0" rIns="0" bIns="0" rtlCol="0">
             <a:spAutoFit/>
           </a:bodyPr>
           <a:lstStyle/>
           <a:p>
-            <a:pPr algn="ctr"/>
-            <a:r>
-              <a:rPr lang="en-US" sz="2600" b="1" dirty="0">
-                <a:latin typeface="Cambria" panose="02040503050406030204" pitchFamily="18" charset="0"/>
-              </a:rPr>
-              <a:t>Avg. Time Per Read (</a:t>
-            </a:r>
-            <a:r>
-              <a:rPr lang="en-US" sz="2600" b="1" dirty="0" err="1">
-                <a:latin typeface="Cambria" panose="02040503050406030204" pitchFamily="18" charset="0"/>
-              </a:rPr>
-              <a:t>ms</a:t>
-            </a:r>
-            <a:r>
-              <a:rPr lang="en-US" sz="2600" b="1" dirty="0">
-                <a:latin typeface="Cambria" panose="02040503050406030204" pitchFamily="18" charset="0"/>
-              </a:rPr>
-              <a:t>)</a:t>
-            </a:r>
-          </a:p>
-        </p:txBody>
-      </p:sp>
-      <p:sp>
-        <p:nvSpPr>
-          <p:cNvPr id="6" name="TextBox 5">
-            <a:extLst>
-              <a:ext uri="{FF2B5EF4-FFF2-40B4-BE49-F238E27FC236}">
-                <a16:creationId xmlns:a16="http://schemas.microsoft.com/office/drawing/2014/main" id="{FF9FEF38-C44A-3C88-E334-6351F006CFD7}"/>
+            <a:r>
+              <a:rPr lang="en-US" sz="2800" dirty="0">
+                <a:latin typeface="Cambria" panose="02040503050406030204" pitchFamily="18" charset="0"/>
+              </a:rPr>
+              <a:t>10</a:t>
+            </a:r>
+            <a:r>
+              <a:rPr lang="en-US" sz="2800" baseline="30000" dirty="0">
+                <a:latin typeface="Cambria" panose="02040503050406030204" pitchFamily="18" charset="0"/>
+              </a:rPr>
+              <a:t>6</a:t>
+            </a:r>
+          </a:p>
+        </p:txBody>
+      </p:sp>
+      <p:sp>
+        <p:nvSpPr>
+          <p:cNvPr id="3" name="TextBox 2">
+            <a:extLst>
+              <a:ext uri="{FF2B5EF4-FFF2-40B4-BE49-F238E27FC236}">
+                <a16:creationId xmlns:a16="http://schemas.microsoft.com/office/drawing/2014/main" id="{6E004693-B8EB-1091-CAE4-2736359DDEF9}"/>
               </a:ext>
             </a:extLst>
           </p:cNvPr>
@@ -5523,7 +5747,7 @@
         </p:nvSpPr>
         <p:spPr>
           <a:xfrm>
-            <a:off x="2209113" y="1413524"/>
+            <a:off x="2266109" y="2182792"/>
             <a:ext cx="530594" cy="430887"/>
           </a:xfrm>
           <a:prstGeom prst="rect">
@@ -5547,17 +5771,17 @@
               <a:rPr lang="en-US" sz="2800" baseline="30000" dirty="0">
                 <a:latin typeface="Cambria" panose="02040503050406030204" pitchFamily="18" charset="0"/>
               </a:rPr>
-              <a:t>4</a:t>
-            </a:r>
-          </a:p>
-        </p:txBody>
-      </p:sp>
-      <p:sp>
-        <p:nvSpPr>
-          <p:cNvPr id="3" name="TextBox 2">
-            <a:extLst>
-              <a:ext uri="{FF2B5EF4-FFF2-40B4-BE49-F238E27FC236}">
-                <a16:creationId xmlns:a16="http://schemas.microsoft.com/office/drawing/2014/main" id="{6E004693-B8EB-1091-CAE4-2736359DDEF9}"/>
+              <a:t>5</a:t>
+            </a:r>
+          </a:p>
+        </p:txBody>
+      </p:sp>
+      <p:sp>
+        <p:nvSpPr>
+          <p:cNvPr id="7" name="TextBox 6">
+            <a:extLst>
+              <a:ext uri="{FF2B5EF4-FFF2-40B4-BE49-F238E27FC236}">
+                <a16:creationId xmlns:a16="http://schemas.microsoft.com/office/drawing/2014/main" id="{9AACDFD1-9838-1C39-C020-12F35103A153}"/>
               </a:ext>
             </a:extLst>
           </p:cNvPr>
@@ -5566,7 +5790,7 @@
         </p:nvSpPr>
         <p:spPr>
           <a:xfrm>
-            <a:off x="2209113" y="2029106"/>
+            <a:off x="2266109" y="2770449"/>
             <a:ext cx="530594" cy="430887"/>
           </a:xfrm>
           <a:prstGeom prst="rect">
@@ -5590,17 +5814,17 @@
               <a:rPr lang="en-US" sz="2800" baseline="30000" dirty="0">
                 <a:latin typeface="Cambria" panose="02040503050406030204" pitchFamily="18" charset="0"/>
               </a:rPr>
-              <a:t>3</a:t>
-            </a:r>
-          </a:p>
-        </p:txBody>
-      </p:sp>
-      <p:sp>
-        <p:nvSpPr>
-          <p:cNvPr id="7" name="TextBox 6">
-            <a:extLst>
-              <a:ext uri="{FF2B5EF4-FFF2-40B4-BE49-F238E27FC236}">
-                <a16:creationId xmlns:a16="http://schemas.microsoft.com/office/drawing/2014/main" id="{9AACDFD1-9838-1C39-C020-12F35103A153}"/>
+              <a:t>4</a:t>
+            </a:r>
+          </a:p>
+        </p:txBody>
+      </p:sp>
+      <p:sp>
+        <p:nvSpPr>
+          <p:cNvPr id="11" name="TextBox 10">
+            <a:extLst>
+              <a:ext uri="{FF2B5EF4-FFF2-40B4-BE49-F238E27FC236}">
+                <a16:creationId xmlns:a16="http://schemas.microsoft.com/office/drawing/2014/main" id="{810FD092-D2EA-6B76-579F-433C10CFA86C}"/>
               </a:ext>
             </a:extLst>
           </p:cNvPr>
@@ -5609,7 +5833,7 @@
         </p:nvSpPr>
         <p:spPr>
           <a:xfrm>
-            <a:off x="2209113" y="2644688"/>
+            <a:off x="2266109" y="3358106"/>
             <a:ext cx="530594" cy="430887"/>
           </a:xfrm>
           <a:prstGeom prst="rect">
@@ -5633,17 +5857,17 @@
               <a:rPr lang="en-US" sz="2800" baseline="30000" dirty="0">
                 <a:latin typeface="Cambria" panose="02040503050406030204" pitchFamily="18" charset="0"/>
               </a:rPr>
-              <a:t>2</a:t>
-            </a:r>
-          </a:p>
-        </p:txBody>
-      </p:sp>
-      <p:sp>
-        <p:nvSpPr>
-          <p:cNvPr id="11" name="TextBox 10">
-            <a:extLst>
-              <a:ext uri="{FF2B5EF4-FFF2-40B4-BE49-F238E27FC236}">
-                <a16:creationId xmlns:a16="http://schemas.microsoft.com/office/drawing/2014/main" id="{810FD092-D2EA-6B76-579F-433C10CFA86C}"/>
+              <a:t>3</a:t>
+            </a:r>
+          </a:p>
+        </p:txBody>
+      </p:sp>
+      <p:sp>
+        <p:nvSpPr>
+          <p:cNvPr id="12" name="TextBox 11">
+            <a:extLst>
+              <a:ext uri="{FF2B5EF4-FFF2-40B4-BE49-F238E27FC236}">
+                <a16:creationId xmlns:a16="http://schemas.microsoft.com/office/drawing/2014/main" id="{5F104AAF-7ABE-8B24-102B-33D6731D8020}"/>
               </a:ext>
             </a:extLst>
           </p:cNvPr>
@@ -5652,7 +5876,7 @@
         </p:nvSpPr>
         <p:spPr>
           <a:xfrm>
-            <a:off x="2209113" y="3260270"/>
+            <a:off x="2266109" y="3945763"/>
             <a:ext cx="530594" cy="430887"/>
           </a:xfrm>
           <a:prstGeom prst="rect">
@@ -5676,17 +5900,17 @@
               <a:rPr lang="en-US" sz="2800" baseline="30000" dirty="0">
                 <a:latin typeface="Cambria" panose="02040503050406030204" pitchFamily="18" charset="0"/>
               </a:rPr>
-              <a:t>1</a:t>
-            </a:r>
-          </a:p>
-        </p:txBody>
-      </p:sp>
-      <p:sp>
-        <p:nvSpPr>
-          <p:cNvPr id="12" name="TextBox 11">
-            <a:extLst>
-              <a:ext uri="{FF2B5EF4-FFF2-40B4-BE49-F238E27FC236}">
-                <a16:creationId xmlns:a16="http://schemas.microsoft.com/office/drawing/2014/main" id="{5F104AAF-7ABE-8B24-102B-33D6731D8020}"/>
+              <a:t>2</a:t>
+            </a:r>
+          </a:p>
+        </p:txBody>
+      </p:sp>
+      <p:sp>
+        <p:nvSpPr>
+          <p:cNvPr id="13" name="TextBox 12">
+            <a:extLst>
+              <a:ext uri="{FF2B5EF4-FFF2-40B4-BE49-F238E27FC236}">
+                <a16:creationId xmlns:a16="http://schemas.microsoft.com/office/drawing/2014/main" id="{865CAA05-04A9-47CA-9F71-3D0E31FA797B}"/>
               </a:ext>
             </a:extLst>
           </p:cNvPr>
@@ -5695,7 +5919,7 @@
         </p:nvSpPr>
         <p:spPr>
           <a:xfrm>
-            <a:off x="2209113" y="3875852"/>
+            <a:off x="2266109" y="4533420"/>
             <a:ext cx="530594" cy="430887"/>
           </a:xfrm>
           <a:prstGeom prst="rect">
@@ -5719,50 +5943,7 @@
               <a:rPr lang="en-US" sz="2800" baseline="30000" dirty="0">
                 <a:latin typeface="Cambria" panose="02040503050406030204" pitchFamily="18" charset="0"/>
               </a:rPr>
-              <a:t>0</a:t>
-            </a:r>
-          </a:p>
-        </p:txBody>
-      </p:sp>
-      <p:sp>
-        <p:nvSpPr>
-          <p:cNvPr id="13" name="TextBox 12">
-            <a:extLst>
-              <a:ext uri="{FF2B5EF4-FFF2-40B4-BE49-F238E27FC236}">
-                <a16:creationId xmlns:a16="http://schemas.microsoft.com/office/drawing/2014/main" id="{865CAA05-04A9-47CA-9F71-3D0E31FA797B}"/>
-              </a:ext>
-            </a:extLst>
-          </p:cNvPr>
-          <p:cNvSpPr txBox="1"/>
-          <p:nvPr/>
-        </p:nvSpPr>
-        <p:spPr>
-          <a:xfrm>
-            <a:off x="2169038" y="4491435"/>
-            <a:ext cx="610745" cy="430887"/>
-          </a:xfrm>
-          <a:prstGeom prst="rect">
-            <a:avLst/>
-          </a:prstGeom>
-          <a:noFill/>
-        </p:spPr>
-        <p:txBody>
-          <a:bodyPr wrap="none" lIns="0" tIns="0" rIns="0" bIns="0" rtlCol="0">
-            <a:spAutoFit/>
-          </a:bodyPr>
-          <a:lstStyle/>
-          <a:p>
-            <a:r>
-              <a:rPr lang="en-US" sz="2800" dirty="0">
-                <a:latin typeface="Cambria" panose="02040503050406030204" pitchFamily="18" charset="0"/>
-              </a:rPr>
-              <a:t>10</a:t>
-            </a:r>
-            <a:r>
-              <a:rPr lang="en-US" sz="2800" baseline="30000" dirty="0">
-                <a:latin typeface="Cambria" panose="02040503050406030204" pitchFamily="18" charset="0"/>
-              </a:rPr>
-              <a:t>-1</a:t>
+              <a:t>1</a:t>
             </a:r>
             <a:endParaRPr lang="en-US" sz="2400" baseline="30000" dirty="0">
               <a:latin typeface="Cambria" panose="02040503050406030204" pitchFamily="18" charset="0"/>
@@ -5784,10 +5965,10 @@
         </p:nvGrpSpPr>
         <p:grpSpPr>
           <a:xfrm>
-            <a:off x="9192825" y="556144"/>
-            <a:ext cx="1859774" cy="523220"/>
+            <a:off x="9564658" y="549131"/>
+            <a:ext cx="1885532" cy="523220"/>
             <a:chOff x="3780870" y="201853"/>
-            <a:chExt cx="1859774" cy="523220"/>
+            <a:chExt cx="1885532" cy="523220"/>
           </a:xfrm>
         </p:grpSpPr>
         <p:sp>
@@ -5855,7 +6036,7 @@
           </p:nvSpPr>
           <p:spPr>
             <a:xfrm>
-              <a:off x="4014430" y="201853"/>
+              <a:off x="4040188" y="201853"/>
               <a:ext cx="1626214" cy="523220"/>
             </a:xfrm>
             <a:prstGeom prst="rect">
@@ -5894,7 +6075,7 @@
         </p:nvGrpSpPr>
         <p:grpSpPr>
           <a:xfrm>
-            <a:off x="11275101" y="556144"/>
+            <a:off x="11447897" y="549131"/>
             <a:ext cx="2214950" cy="523220"/>
             <a:chOff x="3780870" y="248652"/>
             <a:chExt cx="2214950" cy="523220"/>
@@ -6004,7 +6185,7 @@
         </p:nvGrpSpPr>
         <p:grpSpPr>
           <a:xfrm>
-            <a:off x="13712552" y="556144"/>
+            <a:off x="13660556" y="549131"/>
             <a:ext cx="1601180" cy="523220"/>
             <a:chOff x="3780870" y="201853"/>
             <a:chExt cx="1601180" cy="523220"/>
@@ -6102,6 +6283,1363 @@
       </p:grpSp>
       <p:grpSp>
         <p:nvGrpSpPr>
+          <p:cNvPr id="32" name="Group 31">
+            <a:extLst>
+              <a:ext uri="{FF2B5EF4-FFF2-40B4-BE49-F238E27FC236}">
+                <a16:creationId xmlns:a16="http://schemas.microsoft.com/office/drawing/2014/main" id="{223C8B4C-1200-C9B0-9D43-36D647AE30C0}"/>
+              </a:ext>
+            </a:extLst>
+          </p:cNvPr>
+          <p:cNvGrpSpPr/>
+          <p:nvPr/>
+        </p:nvGrpSpPr>
+        <p:grpSpPr>
+          <a:xfrm>
+            <a:off x="1736109" y="549131"/>
+            <a:ext cx="1992482" cy="523220"/>
+            <a:chOff x="3780870" y="201853"/>
+            <a:chExt cx="1992482" cy="523220"/>
+          </a:xfrm>
+        </p:grpSpPr>
+        <p:sp>
+          <p:nvSpPr>
+            <p:cNvPr id="33" name="Rectangle 32">
+              <a:extLst>
+                <a:ext uri="{FF2B5EF4-FFF2-40B4-BE49-F238E27FC236}">
+                  <a16:creationId xmlns:a16="http://schemas.microsoft.com/office/drawing/2014/main" id="{56BF0085-3FDE-06F7-574A-7CF3DAEFA7B0}"/>
+                </a:ext>
+              </a:extLst>
+            </p:cNvPr>
+            <p:cNvSpPr/>
+            <p:nvPr/>
+          </p:nvSpPr>
+          <p:spPr>
+            <a:xfrm>
+              <a:off x="3780870" y="319463"/>
+              <a:ext cx="288000" cy="288000"/>
+            </a:xfrm>
+            <a:prstGeom prst="rect">
+              <a:avLst/>
+            </a:prstGeom>
+            <a:solidFill>
+              <a:srgbClr val="A3A3A3"/>
+            </a:solidFill>
+          </p:spPr>
+          <p:style>
+            <a:lnRef idx="2">
+              <a:schemeClr val="accent1">
+                <a:shade val="50000"/>
+              </a:schemeClr>
+            </a:lnRef>
+            <a:fillRef idx="1">
+              <a:schemeClr val="accent1"/>
+            </a:fillRef>
+            <a:effectRef idx="0">
+              <a:schemeClr val="accent1"/>
+            </a:effectRef>
+            <a:fontRef idx="minor">
+              <a:schemeClr val="lt1"/>
+            </a:fontRef>
+          </p:style>
+          <p:txBody>
+            <a:bodyPr rtlCol="0" anchor="ctr"/>
+            <a:lstStyle/>
+            <a:p>
+              <a:pPr algn="ctr"/>
+              <a:endParaRPr lang="en-US" sz="2800" dirty="0">
+                <a:latin typeface="Cambria" panose="02040503050406030204" pitchFamily="18" charset="0"/>
+              </a:endParaRPr>
+            </a:p>
+          </p:txBody>
+        </p:sp>
+        <p:sp>
+          <p:nvSpPr>
+            <p:cNvPr id="34" name="TextBox 33">
+              <a:extLst>
+                <a:ext uri="{FF2B5EF4-FFF2-40B4-BE49-F238E27FC236}">
+                  <a16:creationId xmlns:a16="http://schemas.microsoft.com/office/drawing/2014/main" id="{A360EBB2-DCFE-196A-56B6-FB5DE548358C}"/>
+                </a:ext>
+              </a:extLst>
+            </p:cNvPr>
+            <p:cNvSpPr txBox="1"/>
+            <p:nvPr/>
+          </p:nvSpPr>
+          <p:spPr>
+            <a:xfrm>
+              <a:off x="4069489" y="201853"/>
+              <a:ext cx="1703863" cy="523220"/>
+            </a:xfrm>
+            <a:prstGeom prst="rect">
+              <a:avLst/>
+            </a:prstGeom>
+            <a:noFill/>
+          </p:spPr>
+          <p:txBody>
+            <a:bodyPr wrap="none" rtlCol="0">
+              <a:spAutoFit/>
+            </a:bodyPr>
+            <a:lstStyle/>
+            <a:p>
+              <a:pPr algn="ctr"/>
+              <a:r>
+                <a:rPr lang="en-US" sz="2800" dirty="0">
+                  <a:latin typeface="Cambria" panose="02040503050406030204" pitchFamily="18" charset="0"/>
+                </a:rPr>
+                <a:t>Nanopore</a:t>
+              </a:r>
+            </a:p>
+          </p:txBody>
+        </p:sp>
+      </p:grpSp>
+      <p:grpSp>
+        <p:nvGrpSpPr>
+          <p:cNvPr id="9" name="Group 8">
+            <a:extLst>
+              <a:ext uri="{FF2B5EF4-FFF2-40B4-BE49-F238E27FC236}">
+                <a16:creationId xmlns:a16="http://schemas.microsoft.com/office/drawing/2014/main" id="{FB01AA4E-8A41-2FAE-74FE-7DF4F2DEB237}"/>
+              </a:ext>
+            </a:extLst>
+          </p:cNvPr>
+          <p:cNvGrpSpPr/>
+          <p:nvPr/>
+        </p:nvGrpSpPr>
+        <p:grpSpPr>
+          <a:xfrm>
+            <a:off x="5771654" y="549131"/>
+            <a:ext cx="3795297" cy="523220"/>
+            <a:chOff x="3780870" y="201853"/>
+            <a:chExt cx="3795297" cy="523220"/>
+          </a:xfrm>
+        </p:grpSpPr>
+        <p:sp>
+          <p:nvSpPr>
+            <p:cNvPr id="10" name="Rectangle 9">
+              <a:extLst>
+                <a:ext uri="{FF2B5EF4-FFF2-40B4-BE49-F238E27FC236}">
+                  <a16:creationId xmlns:a16="http://schemas.microsoft.com/office/drawing/2014/main" id="{E6BA76C2-E6F4-C767-495D-8039F4AACA99}"/>
+                </a:ext>
+              </a:extLst>
+            </p:cNvPr>
+            <p:cNvSpPr/>
+            <p:nvPr/>
+          </p:nvSpPr>
+          <p:spPr>
+            <a:xfrm>
+              <a:off x="3780870" y="319463"/>
+              <a:ext cx="288000" cy="288000"/>
+            </a:xfrm>
+            <a:prstGeom prst="rect">
+              <a:avLst/>
+            </a:prstGeom>
+            <a:solidFill>
+              <a:srgbClr val="EBBC40"/>
+            </a:solidFill>
+          </p:spPr>
+          <p:style>
+            <a:lnRef idx="2">
+              <a:schemeClr val="accent1">
+                <a:shade val="50000"/>
+              </a:schemeClr>
+            </a:lnRef>
+            <a:fillRef idx="1">
+              <a:schemeClr val="accent1"/>
+            </a:fillRef>
+            <a:effectRef idx="0">
+              <a:schemeClr val="accent1"/>
+            </a:effectRef>
+            <a:fontRef idx="minor">
+              <a:schemeClr val="lt1"/>
+            </a:fontRef>
+          </p:style>
+          <p:txBody>
+            <a:bodyPr rtlCol="0" anchor="ctr"/>
+            <a:lstStyle/>
+            <a:p>
+              <a:pPr algn="ctr"/>
+              <a:endParaRPr lang="en-US" sz="2800" dirty="0">
+                <a:latin typeface="Cambria" panose="02040503050406030204" pitchFamily="18" charset="0"/>
+              </a:endParaRPr>
+            </a:p>
+          </p:txBody>
+        </p:sp>
+        <p:sp>
+          <p:nvSpPr>
+            <p:cNvPr id="23" name="TextBox 22">
+              <a:extLst>
+                <a:ext uri="{FF2B5EF4-FFF2-40B4-BE49-F238E27FC236}">
+                  <a16:creationId xmlns:a16="http://schemas.microsoft.com/office/drawing/2014/main" id="{04491FC1-021E-9F88-5ED7-898F15543466}"/>
+                </a:ext>
+              </a:extLst>
+            </p:cNvPr>
+            <p:cNvSpPr txBox="1"/>
+            <p:nvPr/>
+          </p:nvSpPr>
+          <p:spPr>
+            <a:xfrm>
+              <a:off x="4055203" y="201853"/>
+              <a:ext cx="3520964" cy="523220"/>
+            </a:xfrm>
+            <a:prstGeom prst="rect">
+              <a:avLst/>
+            </a:prstGeom>
+            <a:noFill/>
+          </p:spPr>
+          <p:txBody>
+            <a:bodyPr wrap="none" rtlCol="0">
+              <a:spAutoFit/>
+            </a:bodyPr>
+            <a:lstStyle/>
+            <a:p>
+              <a:pPr algn="ctr"/>
+              <a:r>
+                <a:rPr lang="en-US" sz="2800" dirty="0">
+                  <a:latin typeface="Cambria" panose="02040503050406030204" pitchFamily="18" charset="0"/>
+                </a:rPr>
+                <a:t>RawHash2-Minimizer</a:t>
+              </a:r>
+            </a:p>
+          </p:txBody>
+        </p:sp>
+      </p:grpSp>
+      <p:grpSp>
+        <p:nvGrpSpPr>
+          <p:cNvPr id="24" name="Group 23">
+            <a:extLst>
+              <a:ext uri="{FF2B5EF4-FFF2-40B4-BE49-F238E27FC236}">
+                <a16:creationId xmlns:a16="http://schemas.microsoft.com/office/drawing/2014/main" id="{6B54DFF1-0F84-E22B-5711-1B9B5D3D1683}"/>
+              </a:ext>
+            </a:extLst>
+          </p:cNvPr>
+          <p:cNvGrpSpPr/>
+          <p:nvPr/>
+        </p:nvGrpSpPr>
+        <p:grpSpPr>
+          <a:xfrm>
+            <a:off x="3726298" y="549131"/>
+            <a:ext cx="2047649" cy="523220"/>
+            <a:chOff x="3780870" y="201853"/>
+            <a:chExt cx="2047649" cy="523220"/>
+          </a:xfrm>
+        </p:grpSpPr>
+        <p:sp>
+          <p:nvSpPr>
+            <p:cNvPr id="25" name="Rectangle 24">
+              <a:extLst>
+                <a:ext uri="{FF2B5EF4-FFF2-40B4-BE49-F238E27FC236}">
+                  <a16:creationId xmlns:a16="http://schemas.microsoft.com/office/drawing/2014/main" id="{D70F4E25-D855-75C4-2732-581669B54543}"/>
+                </a:ext>
+              </a:extLst>
+            </p:cNvPr>
+            <p:cNvSpPr/>
+            <p:nvPr/>
+          </p:nvSpPr>
+          <p:spPr>
+            <a:xfrm>
+              <a:off x="3780870" y="319463"/>
+              <a:ext cx="288000" cy="288000"/>
+            </a:xfrm>
+            <a:prstGeom prst="rect">
+              <a:avLst/>
+            </a:prstGeom>
+            <a:solidFill>
+              <a:srgbClr val="60A137"/>
+            </a:solidFill>
+          </p:spPr>
+          <p:style>
+            <a:lnRef idx="2">
+              <a:schemeClr val="accent1">
+                <a:shade val="50000"/>
+              </a:schemeClr>
+            </a:lnRef>
+            <a:fillRef idx="1">
+              <a:schemeClr val="accent1"/>
+            </a:fillRef>
+            <a:effectRef idx="0">
+              <a:schemeClr val="accent1"/>
+            </a:effectRef>
+            <a:fontRef idx="minor">
+              <a:schemeClr val="lt1"/>
+            </a:fontRef>
+          </p:style>
+          <p:txBody>
+            <a:bodyPr rtlCol="0" anchor="ctr"/>
+            <a:lstStyle/>
+            <a:p>
+              <a:pPr algn="ctr"/>
+              <a:endParaRPr lang="en-US" sz="2800" dirty="0">
+                <a:latin typeface="Cambria" panose="02040503050406030204" pitchFamily="18" charset="0"/>
+              </a:endParaRPr>
+            </a:p>
+          </p:txBody>
+        </p:sp>
+        <p:sp>
+          <p:nvSpPr>
+            <p:cNvPr id="26" name="TextBox 25">
+              <a:extLst>
+                <a:ext uri="{FF2B5EF4-FFF2-40B4-BE49-F238E27FC236}">
+                  <a16:creationId xmlns:a16="http://schemas.microsoft.com/office/drawing/2014/main" id="{6A7757A3-8E80-8E1D-B839-DA97974A413E}"/>
+                </a:ext>
+              </a:extLst>
+            </p:cNvPr>
+            <p:cNvSpPr txBox="1"/>
+            <p:nvPr/>
+          </p:nvSpPr>
+          <p:spPr>
+            <a:xfrm>
+              <a:off x="4003532" y="201853"/>
+              <a:ext cx="1824987" cy="523220"/>
+            </a:xfrm>
+            <a:prstGeom prst="rect">
+              <a:avLst/>
+            </a:prstGeom>
+            <a:noFill/>
+          </p:spPr>
+          <p:txBody>
+            <a:bodyPr wrap="none" rtlCol="0">
+              <a:spAutoFit/>
+            </a:bodyPr>
+            <a:lstStyle/>
+            <a:p>
+              <a:pPr algn="ctr"/>
+              <a:r>
+                <a:rPr lang="en-US" sz="2800" dirty="0">
+                  <a:latin typeface="Cambria" panose="02040503050406030204" pitchFamily="18" charset="0"/>
+                </a:rPr>
+                <a:t>RawHash2</a:t>
+              </a:r>
+            </a:p>
+          </p:txBody>
+        </p:sp>
+      </p:grpSp>
+      <p:pic>
+        <p:nvPicPr>
+          <p:cNvPr id="4" name="Picture 3">
+            <a:extLst>
+              <a:ext uri="{FF2B5EF4-FFF2-40B4-BE49-F238E27FC236}">
+                <a16:creationId xmlns:a16="http://schemas.microsoft.com/office/drawing/2014/main" id="{AA2BE75F-638C-44E6-643C-17DE83B59E6B}"/>
+              </a:ext>
+            </a:extLst>
+          </p:cNvPr>
+          <p:cNvPicPr>
+            <a:picLocks noChangeAspect="1"/>
+          </p:cNvPicPr>
+          <p:nvPr/>
+        </p:nvPicPr>
+        <p:blipFill>
+          <a:blip r:embed="rId3">
+            <a:extLst>
+              <a:ext uri="{28A0092B-C50C-407E-A947-70E740481C1C}">
+                <a14:useLocalDpi xmlns:a14="http://schemas.microsoft.com/office/drawing/2010/main" val="0"/>
+              </a:ext>
+            </a:extLst>
+          </a:blip>
+          <a:stretch>
+            <a:fillRect/>
+          </a:stretch>
+        </p:blipFill>
+        <p:spPr>
+          <a:xfrm>
+            <a:off x="2916203" y="1239677"/>
+            <a:ext cx="12167045" cy="4055682"/>
+          </a:xfrm>
+          <a:prstGeom prst="rect">
+            <a:avLst/>
+          </a:prstGeom>
+        </p:spPr>
+      </p:pic>
+    </p:spTree>
+    <p:extLst>
+      <p:ext uri="{BB962C8B-B14F-4D97-AF65-F5344CB8AC3E}">
+        <p14:creationId xmlns:p14="http://schemas.microsoft.com/office/powerpoint/2010/main" val="1394624318"/>
+      </p:ext>
+    </p:extLst>
+  </p:cSld>
+  <p:clrMapOvr>
+    <a:masterClrMapping/>
+  </p:clrMapOvr>
+</p:sld>
+</file>
+
+<file path=ppt/slides/slide3.xml><?xml version="1.0" encoding="utf-8"?>
+<p:sld xmlns:a="http://schemas.openxmlformats.org/drawingml/2006/main" xmlns:r="http://schemas.openxmlformats.org/officeDocument/2006/relationships" xmlns:p="http://schemas.openxmlformats.org/presentationml/2006/main">
+  <p:cSld>
+    <p:spTree>
+      <p:nvGrpSpPr>
+        <p:cNvPr id="1" name=""/>
+        <p:cNvGrpSpPr/>
+        <p:nvPr/>
+      </p:nvGrpSpPr>
+      <p:grpSpPr>
+        <a:xfrm>
+          <a:off x="0" y="0"/>
+          <a:ext cx="0" cy="0"/>
+          <a:chOff x="0" y="0"/>
+          <a:chExt cx="0" cy="0"/>
+        </a:xfrm>
+      </p:grpSpPr>
+      <p:sp>
+        <p:nvSpPr>
+          <p:cNvPr id="61" name="TextBox 60">
+            <a:extLst>
+              <a:ext uri="{FF2B5EF4-FFF2-40B4-BE49-F238E27FC236}">
+                <a16:creationId xmlns:a16="http://schemas.microsoft.com/office/drawing/2014/main" id="{0CED6964-C115-99BA-A170-DFB707D8BCEA}"/>
+              </a:ext>
+            </a:extLst>
+          </p:cNvPr>
+          <p:cNvSpPr txBox="1"/>
+          <p:nvPr/>
+        </p:nvSpPr>
+        <p:spPr>
+          <a:xfrm>
+            <a:off x="11717368" y="5461840"/>
+            <a:ext cx="2096815" cy="430887"/>
+          </a:xfrm>
+          <a:prstGeom prst="rect">
+            <a:avLst/>
+          </a:prstGeom>
+          <a:noFill/>
+        </p:spPr>
+        <p:txBody>
+          <a:bodyPr wrap="square" rtlCol="0">
+            <a:spAutoFit/>
+          </a:bodyPr>
+          <a:lstStyle/>
+          <a:p>
+            <a:pPr algn="ctr"/>
+            <a:r>
+              <a:rPr lang="en-US" sz="2200" b="1" dirty="0">
+                <a:latin typeface="Cambria" panose="02040503050406030204" pitchFamily="18" charset="0"/>
+              </a:rPr>
+              <a:t>Contamination</a:t>
+            </a:r>
+          </a:p>
+        </p:txBody>
+      </p:sp>
+      <p:sp>
+        <p:nvSpPr>
+          <p:cNvPr id="62" name="TextBox 61">
+            <a:extLst>
+              <a:ext uri="{FF2B5EF4-FFF2-40B4-BE49-F238E27FC236}">
+                <a16:creationId xmlns:a16="http://schemas.microsoft.com/office/drawing/2014/main" id="{96CAF229-2FF7-7E51-42EE-3E688EA0A7C5}"/>
+              </a:ext>
+            </a:extLst>
+          </p:cNvPr>
+          <p:cNvSpPr txBox="1"/>
+          <p:nvPr/>
+        </p:nvSpPr>
+        <p:spPr>
+          <a:xfrm>
+            <a:off x="2953417" y="5292563"/>
+            <a:ext cx="1672830" cy="769441"/>
+          </a:xfrm>
+          <a:prstGeom prst="rect">
+            <a:avLst/>
+          </a:prstGeom>
+          <a:noFill/>
+        </p:spPr>
+        <p:txBody>
+          <a:bodyPr wrap="none" rtlCol="0">
+            <a:spAutoFit/>
+          </a:bodyPr>
+          <a:lstStyle/>
+          <a:p>
+            <a:pPr algn="ctr"/>
+            <a:r>
+              <a:rPr lang="en-US" sz="2200" b="1" dirty="0">
+                <a:latin typeface="Cambria" panose="02040503050406030204" pitchFamily="18" charset="0"/>
+              </a:rPr>
+              <a:t>D1</a:t>
+            </a:r>
+          </a:p>
+          <a:p>
+            <a:pPr algn="ctr"/>
+            <a:r>
+              <a:rPr lang="en-US" sz="2200" b="1" dirty="0">
+                <a:latin typeface="Cambria" panose="02040503050406030204" pitchFamily="18" charset="0"/>
+              </a:rPr>
+              <a:t>SARS-CoV-2</a:t>
+            </a:r>
+          </a:p>
+        </p:txBody>
+      </p:sp>
+      <p:sp>
+        <p:nvSpPr>
+          <p:cNvPr id="109" name="TextBox 108">
+            <a:extLst>
+              <a:ext uri="{FF2B5EF4-FFF2-40B4-BE49-F238E27FC236}">
+                <a16:creationId xmlns:a16="http://schemas.microsoft.com/office/drawing/2014/main" id="{0B8D124A-38A0-D097-02F7-F0520F16847F}"/>
+              </a:ext>
+            </a:extLst>
+          </p:cNvPr>
+          <p:cNvSpPr txBox="1"/>
+          <p:nvPr/>
+        </p:nvSpPr>
+        <p:spPr>
+          <a:xfrm>
+            <a:off x="8297949" y="5292563"/>
+            <a:ext cx="1723445" cy="769441"/>
+          </a:xfrm>
+          <a:prstGeom prst="rect">
+            <a:avLst/>
+          </a:prstGeom>
+          <a:noFill/>
+        </p:spPr>
+        <p:txBody>
+          <a:bodyPr wrap="square" rtlCol="0">
+            <a:spAutoFit/>
+          </a:bodyPr>
+          <a:lstStyle/>
+          <a:p>
+            <a:pPr algn="ctr"/>
+            <a:r>
+              <a:rPr lang="en-US" sz="2200" b="1" dirty="0">
+                <a:latin typeface="Cambria" panose="02040503050406030204" pitchFamily="18" charset="0"/>
+              </a:rPr>
+              <a:t>D4</a:t>
+            </a:r>
+          </a:p>
+          <a:p>
+            <a:pPr algn="ctr"/>
+            <a:r>
+              <a:rPr lang="en-US" sz="2200" b="1" dirty="0">
+                <a:latin typeface="Cambria" panose="02040503050406030204" pitchFamily="18" charset="0"/>
+              </a:rPr>
+              <a:t>Green Algae</a:t>
+            </a:r>
+          </a:p>
+        </p:txBody>
+      </p:sp>
+      <p:sp>
+        <p:nvSpPr>
+          <p:cNvPr id="112" name="TextBox 111">
+            <a:extLst>
+              <a:ext uri="{FF2B5EF4-FFF2-40B4-BE49-F238E27FC236}">
+                <a16:creationId xmlns:a16="http://schemas.microsoft.com/office/drawing/2014/main" id="{21C54195-1BC0-7198-39E9-746027482C71}"/>
+              </a:ext>
+            </a:extLst>
+          </p:cNvPr>
+          <p:cNvSpPr txBox="1"/>
+          <p:nvPr/>
+        </p:nvSpPr>
+        <p:spPr>
+          <a:xfrm>
+            <a:off x="10390952" y="5292563"/>
+            <a:ext cx="1128835" cy="769441"/>
+          </a:xfrm>
+          <a:prstGeom prst="rect">
+            <a:avLst/>
+          </a:prstGeom>
+          <a:noFill/>
+        </p:spPr>
+        <p:txBody>
+          <a:bodyPr wrap="none" rtlCol="0">
+            <a:spAutoFit/>
+          </a:bodyPr>
+          <a:lstStyle/>
+          <a:p>
+            <a:pPr algn="ctr"/>
+            <a:r>
+              <a:rPr lang="en-US" sz="2200" b="1" dirty="0">
+                <a:latin typeface="Cambria" panose="02040503050406030204" pitchFamily="18" charset="0"/>
+              </a:rPr>
+              <a:t>D5</a:t>
+            </a:r>
+          </a:p>
+          <a:p>
+            <a:pPr algn="ctr"/>
+            <a:r>
+              <a:rPr lang="en-US" sz="2200" b="1" dirty="0">
+                <a:latin typeface="Cambria" panose="02040503050406030204" pitchFamily="18" charset="0"/>
+              </a:rPr>
+              <a:t>Human</a:t>
+            </a:r>
+          </a:p>
+        </p:txBody>
+      </p:sp>
+      <p:sp>
+        <p:nvSpPr>
+          <p:cNvPr id="18" name="TextBox 17">
+            <a:extLst>
+              <a:ext uri="{FF2B5EF4-FFF2-40B4-BE49-F238E27FC236}">
+                <a16:creationId xmlns:a16="http://schemas.microsoft.com/office/drawing/2014/main" id="{27D0DFC1-079C-D227-33BF-A2ACDD264B77}"/>
+              </a:ext>
+            </a:extLst>
+          </p:cNvPr>
+          <p:cNvSpPr txBox="1"/>
+          <p:nvPr/>
+        </p:nvSpPr>
+        <p:spPr>
+          <a:xfrm>
+            <a:off x="5114195" y="5292563"/>
+            <a:ext cx="942694" cy="769441"/>
+          </a:xfrm>
+          <a:prstGeom prst="rect">
+            <a:avLst/>
+          </a:prstGeom>
+          <a:noFill/>
+        </p:spPr>
+        <p:txBody>
+          <a:bodyPr wrap="none" rtlCol="0">
+            <a:spAutoFit/>
+          </a:bodyPr>
+          <a:lstStyle/>
+          <a:p>
+            <a:pPr algn="ctr"/>
+            <a:r>
+              <a:rPr lang="en-US" sz="2200" b="1" dirty="0">
+                <a:latin typeface="Cambria" panose="02040503050406030204" pitchFamily="18" charset="0"/>
+              </a:rPr>
+              <a:t>D2</a:t>
+            </a:r>
+          </a:p>
+          <a:p>
+            <a:pPr algn="ctr"/>
+            <a:r>
+              <a:rPr lang="en-US" sz="2200" b="1" dirty="0">
+                <a:latin typeface="Cambria" panose="02040503050406030204" pitchFamily="18" charset="0"/>
+              </a:rPr>
+              <a:t>E. coli</a:t>
+            </a:r>
+          </a:p>
+        </p:txBody>
+      </p:sp>
+      <p:sp>
+        <p:nvSpPr>
+          <p:cNvPr id="19" name="TextBox 18">
+            <a:extLst>
+              <a:ext uri="{FF2B5EF4-FFF2-40B4-BE49-F238E27FC236}">
+                <a16:creationId xmlns:a16="http://schemas.microsoft.com/office/drawing/2014/main" id="{4EE6EC74-399E-623E-683D-91D67EC0EC85}"/>
+              </a:ext>
+            </a:extLst>
+          </p:cNvPr>
+          <p:cNvSpPr txBox="1"/>
+          <p:nvPr/>
+        </p:nvSpPr>
+        <p:spPr>
+          <a:xfrm>
+            <a:off x="6933876" y="5292563"/>
+            <a:ext cx="861967" cy="769441"/>
+          </a:xfrm>
+          <a:prstGeom prst="rect">
+            <a:avLst/>
+          </a:prstGeom>
+          <a:noFill/>
+        </p:spPr>
+        <p:txBody>
+          <a:bodyPr wrap="none" rtlCol="0">
+            <a:spAutoFit/>
+          </a:bodyPr>
+          <a:lstStyle/>
+          <a:p>
+            <a:pPr algn="ctr"/>
+            <a:r>
+              <a:rPr lang="en-US" sz="2200" b="1" dirty="0">
+                <a:latin typeface="Cambria" panose="02040503050406030204" pitchFamily="18" charset="0"/>
+              </a:rPr>
+              <a:t>D3</a:t>
+            </a:r>
+          </a:p>
+          <a:p>
+            <a:pPr algn="ctr"/>
+            <a:r>
+              <a:rPr lang="en-US" sz="2200" b="1" dirty="0">
+                <a:latin typeface="Cambria" panose="02040503050406030204" pitchFamily="18" charset="0"/>
+              </a:rPr>
+              <a:t>Yeast</a:t>
+            </a:r>
+          </a:p>
+        </p:txBody>
+      </p:sp>
+      <p:sp>
+        <p:nvSpPr>
+          <p:cNvPr id="20" name="TextBox 19">
+            <a:extLst>
+              <a:ext uri="{FF2B5EF4-FFF2-40B4-BE49-F238E27FC236}">
+                <a16:creationId xmlns:a16="http://schemas.microsoft.com/office/drawing/2014/main" id="{AE85A3BF-9053-66C1-9417-1D7FF0CD55CC}"/>
+              </a:ext>
+            </a:extLst>
+          </p:cNvPr>
+          <p:cNvSpPr txBox="1"/>
+          <p:nvPr/>
+        </p:nvSpPr>
+        <p:spPr>
+          <a:xfrm>
+            <a:off x="13698107" y="5292563"/>
+            <a:ext cx="1681614" cy="769441"/>
+          </a:xfrm>
+          <a:prstGeom prst="rect">
+            <a:avLst/>
+          </a:prstGeom>
+          <a:noFill/>
+        </p:spPr>
+        <p:txBody>
+          <a:bodyPr wrap="square" rtlCol="0">
+            <a:spAutoFit/>
+          </a:bodyPr>
+          <a:lstStyle/>
+          <a:p>
+            <a:pPr algn="ctr"/>
+            <a:r>
+              <a:rPr lang="en-US" sz="2200" b="1" dirty="0">
+                <a:latin typeface="Cambria" panose="02040503050406030204" pitchFamily="18" charset="0"/>
+              </a:rPr>
+              <a:t>Relative</a:t>
+            </a:r>
+          </a:p>
+          <a:p>
+            <a:pPr algn="ctr"/>
+            <a:r>
+              <a:rPr lang="en-US" sz="2200" b="1" dirty="0">
+                <a:latin typeface="Cambria" panose="02040503050406030204" pitchFamily="18" charset="0"/>
+              </a:rPr>
+              <a:t>Abundance</a:t>
+            </a:r>
+          </a:p>
+        </p:txBody>
+      </p:sp>
+      <p:sp>
+        <p:nvSpPr>
+          <p:cNvPr id="5" name="TextBox 4">
+            <a:extLst>
+              <a:ext uri="{FF2B5EF4-FFF2-40B4-BE49-F238E27FC236}">
+                <a16:creationId xmlns:a16="http://schemas.microsoft.com/office/drawing/2014/main" id="{E4862BF3-9618-6956-E1A9-EA2DE9EC6970}"/>
+              </a:ext>
+            </a:extLst>
+          </p:cNvPr>
+          <p:cNvSpPr txBox="1"/>
+          <p:nvPr/>
+        </p:nvSpPr>
+        <p:spPr>
+          <a:xfrm rot="16200000">
+            <a:off x="-8677" y="3020189"/>
+            <a:ext cx="3796950" cy="400110"/>
+          </a:xfrm>
+          <a:prstGeom prst="rect">
+            <a:avLst/>
+          </a:prstGeom>
+          <a:noFill/>
+        </p:spPr>
+        <p:txBody>
+          <a:bodyPr wrap="square" lIns="0" tIns="0" rIns="0" bIns="0" rtlCol="0">
+            <a:spAutoFit/>
+          </a:bodyPr>
+          <a:lstStyle/>
+          <a:p>
+            <a:pPr algn="ctr"/>
+            <a:r>
+              <a:rPr lang="en-US" sz="2600" b="1" dirty="0">
+                <a:latin typeface="Cambria" panose="02040503050406030204" pitchFamily="18" charset="0"/>
+              </a:rPr>
+              <a:t>Avg. Time Per Read (</a:t>
+            </a:r>
+            <a:r>
+              <a:rPr lang="en-US" sz="2600" b="1" dirty="0" err="1">
+                <a:latin typeface="Cambria" panose="02040503050406030204" pitchFamily="18" charset="0"/>
+              </a:rPr>
+              <a:t>ms</a:t>
+            </a:r>
+            <a:r>
+              <a:rPr lang="en-US" sz="2600" b="1" dirty="0">
+                <a:latin typeface="Cambria" panose="02040503050406030204" pitchFamily="18" charset="0"/>
+              </a:rPr>
+              <a:t>)</a:t>
+            </a:r>
+          </a:p>
+        </p:txBody>
+      </p:sp>
+      <p:sp>
+        <p:nvSpPr>
+          <p:cNvPr id="6" name="TextBox 5">
+            <a:extLst>
+              <a:ext uri="{FF2B5EF4-FFF2-40B4-BE49-F238E27FC236}">
+                <a16:creationId xmlns:a16="http://schemas.microsoft.com/office/drawing/2014/main" id="{FF9FEF38-C44A-3C88-E334-6351F006CFD7}"/>
+              </a:ext>
+            </a:extLst>
+          </p:cNvPr>
+          <p:cNvSpPr txBox="1"/>
+          <p:nvPr/>
+        </p:nvSpPr>
+        <p:spPr>
+          <a:xfrm>
+            <a:off x="2209113" y="1384028"/>
+            <a:ext cx="530594" cy="430887"/>
+          </a:xfrm>
+          <a:prstGeom prst="rect">
+            <a:avLst/>
+          </a:prstGeom>
+          <a:noFill/>
+        </p:spPr>
+        <p:txBody>
+          <a:bodyPr wrap="none" lIns="0" tIns="0" rIns="0" bIns="0" rtlCol="0">
+            <a:spAutoFit/>
+          </a:bodyPr>
+          <a:lstStyle/>
+          <a:p>
+            <a:r>
+              <a:rPr lang="en-US" sz="2800" dirty="0">
+                <a:latin typeface="Cambria" panose="02040503050406030204" pitchFamily="18" charset="0"/>
+              </a:rPr>
+              <a:t>10</a:t>
+            </a:r>
+            <a:r>
+              <a:rPr lang="en-US" sz="2800" baseline="30000" dirty="0">
+                <a:latin typeface="Cambria" panose="02040503050406030204" pitchFamily="18" charset="0"/>
+              </a:rPr>
+              <a:t>4</a:t>
+            </a:r>
+          </a:p>
+        </p:txBody>
+      </p:sp>
+      <p:sp>
+        <p:nvSpPr>
+          <p:cNvPr id="3" name="TextBox 2">
+            <a:extLst>
+              <a:ext uri="{FF2B5EF4-FFF2-40B4-BE49-F238E27FC236}">
+                <a16:creationId xmlns:a16="http://schemas.microsoft.com/office/drawing/2014/main" id="{6E004693-B8EB-1091-CAE4-2736359DDEF9}"/>
+              </a:ext>
+            </a:extLst>
+          </p:cNvPr>
+          <p:cNvSpPr txBox="1"/>
+          <p:nvPr/>
+        </p:nvSpPr>
+        <p:spPr>
+          <a:xfrm>
+            <a:off x="2209113" y="2002560"/>
+            <a:ext cx="530594" cy="430887"/>
+          </a:xfrm>
+          <a:prstGeom prst="rect">
+            <a:avLst/>
+          </a:prstGeom>
+          <a:noFill/>
+        </p:spPr>
+        <p:txBody>
+          <a:bodyPr wrap="none" lIns="0" tIns="0" rIns="0" bIns="0" rtlCol="0">
+            <a:spAutoFit/>
+          </a:bodyPr>
+          <a:lstStyle/>
+          <a:p>
+            <a:r>
+              <a:rPr lang="en-US" sz="2800" dirty="0">
+                <a:latin typeface="Cambria" panose="02040503050406030204" pitchFamily="18" charset="0"/>
+              </a:rPr>
+              <a:t>10</a:t>
+            </a:r>
+            <a:r>
+              <a:rPr lang="en-US" sz="2800" baseline="30000" dirty="0">
+                <a:latin typeface="Cambria" panose="02040503050406030204" pitchFamily="18" charset="0"/>
+              </a:rPr>
+              <a:t>3</a:t>
+            </a:r>
+          </a:p>
+        </p:txBody>
+      </p:sp>
+      <p:sp>
+        <p:nvSpPr>
+          <p:cNvPr id="7" name="TextBox 6">
+            <a:extLst>
+              <a:ext uri="{FF2B5EF4-FFF2-40B4-BE49-F238E27FC236}">
+                <a16:creationId xmlns:a16="http://schemas.microsoft.com/office/drawing/2014/main" id="{9AACDFD1-9838-1C39-C020-12F35103A153}"/>
+              </a:ext>
+            </a:extLst>
+          </p:cNvPr>
+          <p:cNvSpPr txBox="1"/>
+          <p:nvPr/>
+        </p:nvSpPr>
+        <p:spPr>
+          <a:xfrm>
+            <a:off x="2209113" y="2621092"/>
+            <a:ext cx="530594" cy="430887"/>
+          </a:xfrm>
+          <a:prstGeom prst="rect">
+            <a:avLst/>
+          </a:prstGeom>
+          <a:noFill/>
+        </p:spPr>
+        <p:txBody>
+          <a:bodyPr wrap="none" lIns="0" tIns="0" rIns="0" bIns="0" rtlCol="0">
+            <a:spAutoFit/>
+          </a:bodyPr>
+          <a:lstStyle/>
+          <a:p>
+            <a:r>
+              <a:rPr lang="en-US" sz="2800" dirty="0">
+                <a:latin typeface="Cambria" panose="02040503050406030204" pitchFamily="18" charset="0"/>
+              </a:rPr>
+              <a:t>10</a:t>
+            </a:r>
+            <a:r>
+              <a:rPr lang="en-US" sz="2800" baseline="30000" dirty="0">
+                <a:latin typeface="Cambria" panose="02040503050406030204" pitchFamily="18" charset="0"/>
+              </a:rPr>
+              <a:t>2</a:t>
+            </a:r>
+          </a:p>
+        </p:txBody>
+      </p:sp>
+      <p:sp>
+        <p:nvSpPr>
+          <p:cNvPr id="11" name="TextBox 10">
+            <a:extLst>
+              <a:ext uri="{FF2B5EF4-FFF2-40B4-BE49-F238E27FC236}">
+                <a16:creationId xmlns:a16="http://schemas.microsoft.com/office/drawing/2014/main" id="{810FD092-D2EA-6B76-579F-433C10CFA86C}"/>
+              </a:ext>
+            </a:extLst>
+          </p:cNvPr>
+          <p:cNvSpPr txBox="1"/>
+          <p:nvPr/>
+        </p:nvSpPr>
+        <p:spPr>
+          <a:xfrm>
+            <a:off x="2209113" y="3239624"/>
+            <a:ext cx="530594" cy="430887"/>
+          </a:xfrm>
+          <a:prstGeom prst="rect">
+            <a:avLst/>
+          </a:prstGeom>
+          <a:noFill/>
+        </p:spPr>
+        <p:txBody>
+          <a:bodyPr wrap="none" lIns="0" tIns="0" rIns="0" bIns="0" rtlCol="0">
+            <a:spAutoFit/>
+          </a:bodyPr>
+          <a:lstStyle/>
+          <a:p>
+            <a:r>
+              <a:rPr lang="en-US" sz="2800" dirty="0">
+                <a:latin typeface="Cambria" panose="02040503050406030204" pitchFamily="18" charset="0"/>
+              </a:rPr>
+              <a:t>10</a:t>
+            </a:r>
+            <a:r>
+              <a:rPr lang="en-US" sz="2800" baseline="30000" dirty="0">
+                <a:latin typeface="Cambria" panose="02040503050406030204" pitchFamily="18" charset="0"/>
+              </a:rPr>
+              <a:t>1</a:t>
+            </a:r>
+          </a:p>
+        </p:txBody>
+      </p:sp>
+      <p:sp>
+        <p:nvSpPr>
+          <p:cNvPr id="12" name="TextBox 11">
+            <a:extLst>
+              <a:ext uri="{FF2B5EF4-FFF2-40B4-BE49-F238E27FC236}">
+                <a16:creationId xmlns:a16="http://schemas.microsoft.com/office/drawing/2014/main" id="{5F104AAF-7ABE-8B24-102B-33D6731D8020}"/>
+              </a:ext>
+            </a:extLst>
+          </p:cNvPr>
+          <p:cNvSpPr txBox="1"/>
+          <p:nvPr/>
+        </p:nvSpPr>
+        <p:spPr>
+          <a:xfrm>
+            <a:off x="2209113" y="3858156"/>
+            <a:ext cx="530594" cy="430887"/>
+          </a:xfrm>
+          <a:prstGeom prst="rect">
+            <a:avLst/>
+          </a:prstGeom>
+          <a:noFill/>
+        </p:spPr>
+        <p:txBody>
+          <a:bodyPr wrap="none" lIns="0" tIns="0" rIns="0" bIns="0" rtlCol="0">
+            <a:spAutoFit/>
+          </a:bodyPr>
+          <a:lstStyle/>
+          <a:p>
+            <a:r>
+              <a:rPr lang="en-US" sz="2800" dirty="0">
+                <a:latin typeface="Cambria" panose="02040503050406030204" pitchFamily="18" charset="0"/>
+              </a:rPr>
+              <a:t>10</a:t>
+            </a:r>
+            <a:r>
+              <a:rPr lang="en-US" sz="2800" baseline="30000" dirty="0">
+                <a:latin typeface="Cambria" panose="02040503050406030204" pitchFamily="18" charset="0"/>
+              </a:rPr>
+              <a:t>0</a:t>
+            </a:r>
+          </a:p>
+        </p:txBody>
+      </p:sp>
+      <p:sp>
+        <p:nvSpPr>
+          <p:cNvPr id="13" name="TextBox 12">
+            <a:extLst>
+              <a:ext uri="{FF2B5EF4-FFF2-40B4-BE49-F238E27FC236}">
+                <a16:creationId xmlns:a16="http://schemas.microsoft.com/office/drawing/2014/main" id="{865CAA05-04A9-47CA-9F71-3D0E31FA797B}"/>
+              </a:ext>
+            </a:extLst>
+          </p:cNvPr>
+          <p:cNvSpPr txBox="1"/>
+          <p:nvPr/>
+        </p:nvSpPr>
+        <p:spPr>
+          <a:xfrm>
+            <a:off x="2169038" y="4476687"/>
+            <a:ext cx="610745" cy="430887"/>
+          </a:xfrm>
+          <a:prstGeom prst="rect">
+            <a:avLst/>
+          </a:prstGeom>
+          <a:noFill/>
+        </p:spPr>
+        <p:txBody>
+          <a:bodyPr wrap="none" lIns="0" tIns="0" rIns="0" bIns="0" rtlCol="0">
+            <a:spAutoFit/>
+          </a:bodyPr>
+          <a:lstStyle/>
+          <a:p>
+            <a:r>
+              <a:rPr lang="en-US" sz="2800" dirty="0">
+                <a:latin typeface="Cambria" panose="02040503050406030204" pitchFamily="18" charset="0"/>
+              </a:rPr>
+              <a:t>10</a:t>
+            </a:r>
+            <a:r>
+              <a:rPr lang="en-US" sz="2800" baseline="30000" dirty="0">
+                <a:latin typeface="Cambria" panose="02040503050406030204" pitchFamily="18" charset="0"/>
+              </a:rPr>
+              <a:t>-1</a:t>
+            </a:r>
+            <a:endParaRPr lang="en-US" sz="2400" baseline="30000" dirty="0">
+              <a:latin typeface="Cambria" panose="02040503050406030204" pitchFamily="18" charset="0"/>
+            </a:endParaRPr>
+          </a:p>
+        </p:txBody>
+      </p:sp>
+      <p:grpSp>
+        <p:nvGrpSpPr>
+          <p:cNvPr id="8" name="Group 7">
+            <a:extLst>
+              <a:ext uri="{FF2B5EF4-FFF2-40B4-BE49-F238E27FC236}">
+                <a16:creationId xmlns:a16="http://schemas.microsoft.com/office/drawing/2014/main" id="{4BAD3F6A-F509-83E6-2991-8DEE6713CA78}"/>
+              </a:ext>
+            </a:extLst>
+          </p:cNvPr>
+          <p:cNvGrpSpPr/>
+          <p:nvPr/>
+        </p:nvGrpSpPr>
+        <p:grpSpPr>
+          <a:xfrm>
+            <a:off x="9192825" y="556144"/>
+            <a:ext cx="1859774" cy="523220"/>
+            <a:chOff x="3780870" y="201853"/>
+            <a:chExt cx="1859774" cy="523220"/>
+          </a:xfrm>
+        </p:grpSpPr>
+        <p:sp>
+          <p:nvSpPr>
+            <p:cNvPr id="82" name="Rectangle 81">
+              <a:extLst>
+                <a:ext uri="{FF2B5EF4-FFF2-40B4-BE49-F238E27FC236}">
+                  <a16:creationId xmlns:a16="http://schemas.microsoft.com/office/drawing/2014/main" id="{FD3CF857-F05E-1745-C00B-A9EAB23F2DA3}"/>
+                </a:ext>
+              </a:extLst>
+            </p:cNvPr>
+            <p:cNvSpPr/>
+            <p:nvPr/>
+          </p:nvSpPr>
+          <p:spPr>
+            <a:xfrm>
+              <a:off x="3780870" y="319463"/>
+              <a:ext cx="288000" cy="288000"/>
+            </a:xfrm>
+            <a:prstGeom prst="rect">
+              <a:avLst/>
+            </a:prstGeom>
+            <a:solidFill>
+              <a:srgbClr val="6799CE"/>
+            </a:solidFill>
+          </p:spPr>
+          <p:style>
+            <a:lnRef idx="2">
+              <a:schemeClr val="accent1">
+                <a:shade val="50000"/>
+              </a:schemeClr>
+            </a:lnRef>
+            <a:fillRef idx="1">
+              <a:schemeClr val="accent1"/>
+            </a:fillRef>
+            <a:effectRef idx="0">
+              <a:schemeClr val="accent1"/>
+            </a:effectRef>
+            <a:fontRef idx="minor">
+              <a:schemeClr val="lt1"/>
+            </a:fontRef>
+          </p:style>
+          <p:txBody>
+            <a:bodyPr rtlCol="0" anchor="ctr"/>
+            <a:lstStyle/>
+            <a:p>
+              <a:pPr algn="ctr"/>
+              <a:endParaRPr lang="en-US" sz="2800" dirty="0">
+                <a:latin typeface="Cambria" panose="02040503050406030204" pitchFamily="18" charset="0"/>
+              </a:endParaRPr>
+            </a:p>
+          </p:txBody>
+        </p:sp>
+        <p:sp>
+          <p:nvSpPr>
+            <p:cNvPr id="83" name="TextBox 82">
+              <a:extLst>
+                <a:ext uri="{FF2B5EF4-FFF2-40B4-BE49-F238E27FC236}">
+                  <a16:creationId xmlns:a16="http://schemas.microsoft.com/office/drawing/2014/main" id="{4F007CFC-AA25-432F-4AE1-4434ACA1316E}"/>
+                </a:ext>
+              </a:extLst>
+            </p:cNvPr>
+            <p:cNvSpPr txBox="1"/>
+            <p:nvPr/>
+          </p:nvSpPr>
+          <p:spPr>
+            <a:xfrm>
+              <a:off x="4014430" y="201853"/>
+              <a:ext cx="1626214" cy="523220"/>
+            </a:xfrm>
+            <a:prstGeom prst="rect">
+              <a:avLst/>
+            </a:prstGeom>
+            <a:noFill/>
+          </p:spPr>
+          <p:txBody>
+            <a:bodyPr wrap="none" rtlCol="0">
+              <a:spAutoFit/>
+            </a:bodyPr>
+            <a:lstStyle/>
+            <a:p>
+              <a:pPr algn="ctr"/>
+              <a:r>
+                <a:rPr lang="en-US" sz="2800" dirty="0">
+                  <a:latin typeface="Cambria" panose="02040503050406030204" pitchFamily="18" charset="0"/>
+                </a:rPr>
+                <a:t>RawHash</a:t>
+              </a:r>
+            </a:p>
+          </p:txBody>
+        </p:sp>
+      </p:grpSp>
+      <p:grpSp>
+        <p:nvGrpSpPr>
+          <p:cNvPr id="14" name="Group 13">
+            <a:extLst>
+              <a:ext uri="{FF2B5EF4-FFF2-40B4-BE49-F238E27FC236}">
+                <a16:creationId xmlns:a16="http://schemas.microsoft.com/office/drawing/2014/main" id="{3AB95315-0052-63BF-1A79-C925E0D836F2}"/>
+              </a:ext>
+            </a:extLst>
+          </p:cNvPr>
+          <p:cNvGrpSpPr/>
+          <p:nvPr/>
+        </p:nvGrpSpPr>
+        <p:grpSpPr>
+          <a:xfrm>
+            <a:off x="11275101" y="556144"/>
+            <a:ext cx="2214950" cy="523220"/>
+            <a:chOff x="3780870" y="248652"/>
+            <a:chExt cx="2214950" cy="523220"/>
+          </a:xfrm>
+        </p:grpSpPr>
+        <p:sp>
+          <p:nvSpPr>
+            <p:cNvPr id="15" name="Rectangle 14">
+              <a:extLst>
+                <a:ext uri="{FF2B5EF4-FFF2-40B4-BE49-F238E27FC236}">
+                  <a16:creationId xmlns:a16="http://schemas.microsoft.com/office/drawing/2014/main" id="{D70396FF-403B-FFA8-75A5-52BC407761B0}"/>
+                </a:ext>
+              </a:extLst>
+            </p:cNvPr>
+            <p:cNvSpPr/>
+            <p:nvPr/>
+          </p:nvSpPr>
+          <p:spPr>
+            <a:xfrm>
+              <a:off x="3780870" y="366262"/>
+              <a:ext cx="288000" cy="288000"/>
+            </a:xfrm>
+            <a:prstGeom prst="rect">
+              <a:avLst/>
+            </a:prstGeom>
+            <a:solidFill>
+              <a:srgbClr val="AA449A"/>
+            </a:solidFill>
+          </p:spPr>
+          <p:style>
+            <a:lnRef idx="2">
+              <a:schemeClr val="accent1">
+                <a:shade val="50000"/>
+              </a:schemeClr>
+            </a:lnRef>
+            <a:fillRef idx="1">
+              <a:schemeClr val="accent1"/>
+            </a:fillRef>
+            <a:effectRef idx="0">
+              <a:schemeClr val="accent1"/>
+            </a:effectRef>
+            <a:fontRef idx="minor">
+              <a:schemeClr val="lt1"/>
+            </a:fontRef>
+          </p:style>
+          <p:txBody>
+            <a:bodyPr rtlCol="0" anchor="ctr"/>
+            <a:lstStyle/>
+            <a:p>
+              <a:pPr algn="ctr"/>
+              <a:endParaRPr lang="en-US" sz="2800" dirty="0">
+                <a:latin typeface="Cambria" panose="02040503050406030204" pitchFamily="18" charset="0"/>
+              </a:endParaRPr>
+            </a:p>
+          </p:txBody>
+        </p:sp>
+        <p:sp>
+          <p:nvSpPr>
+            <p:cNvPr id="16" name="TextBox 15">
+              <a:extLst>
+                <a:ext uri="{FF2B5EF4-FFF2-40B4-BE49-F238E27FC236}">
+                  <a16:creationId xmlns:a16="http://schemas.microsoft.com/office/drawing/2014/main" id="{0BCF6713-B3FD-2DAF-EEAA-DADBC32A447A}"/>
+                </a:ext>
+              </a:extLst>
+            </p:cNvPr>
+            <p:cNvSpPr txBox="1"/>
+            <p:nvPr/>
+          </p:nvSpPr>
+          <p:spPr>
+            <a:xfrm>
+              <a:off x="4079911" y="248652"/>
+              <a:ext cx="1915909" cy="523220"/>
+            </a:xfrm>
+            <a:prstGeom prst="rect">
+              <a:avLst/>
+            </a:prstGeom>
+            <a:noFill/>
+          </p:spPr>
+          <p:txBody>
+            <a:bodyPr wrap="none" rtlCol="0">
+              <a:spAutoFit/>
+            </a:bodyPr>
+            <a:lstStyle/>
+            <a:p>
+              <a:pPr algn="ctr"/>
+              <a:r>
+                <a:rPr lang="en-US" sz="2800" dirty="0">
+                  <a:latin typeface="Cambria" panose="02040503050406030204" pitchFamily="18" charset="0"/>
+                </a:rPr>
+                <a:t>UNCALLED</a:t>
+              </a:r>
+            </a:p>
+          </p:txBody>
+        </p:sp>
+      </p:grpSp>
+      <p:grpSp>
+        <p:nvGrpSpPr>
+          <p:cNvPr id="17" name="Group 16">
+            <a:extLst>
+              <a:ext uri="{FF2B5EF4-FFF2-40B4-BE49-F238E27FC236}">
+                <a16:creationId xmlns:a16="http://schemas.microsoft.com/office/drawing/2014/main" id="{4D2E9BA1-F4F3-320B-718B-21600583FF1A}"/>
+              </a:ext>
+            </a:extLst>
+          </p:cNvPr>
+          <p:cNvGrpSpPr/>
+          <p:nvPr/>
+        </p:nvGrpSpPr>
+        <p:grpSpPr>
+          <a:xfrm>
+            <a:off x="13712552" y="556144"/>
+            <a:ext cx="1601180" cy="523220"/>
+            <a:chOff x="3780870" y="201853"/>
+            <a:chExt cx="1601180" cy="523220"/>
+          </a:xfrm>
+        </p:grpSpPr>
+        <p:sp>
+          <p:nvSpPr>
+            <p:cNvPr id="21" name="Rectangle 20">
+              <a:extLst>
+                <a:ext uri="{FF2B5EF4-FFF2-40B4-BE49-F238E27FC236}">
+                  <a16:creationId xmlns:a16="http://schemas.microsoft.com/office/drawing/2014/main" id="{03C96383-578C-2B5D-5AC5-9AC21BD16DB9}"/>
+                </a:ext>
+              </a:extLst>
+            </p:cNvPr>
+            <p:cNvSpPr/>
+            <p:nvPr/>
+          </p:nvSpPr>
+          <p:spPr>
+            <a:xfrm>
+              <a:off x="3780870" y="319463"/>
+              <a:ext cx="288000" cy="288000"/>
+            </a:xfrm>
+            <a:prstGeom prst="rect">
+              <a:avLst/>
+            </a:prstGeom>
+            <a:solidFill>
+              <a:srgbClr val="DB8042"/>
+            </a:solidFill>
+          </p:spPr>
+          <p:style>
+            <a:lnRef idx="2">
+              <a:schemeClr val="accent1">
+                <a:shade val="50000"/>
+              </a:schemeClr>
+            </a:lnRef>
+            <a:fillRef idx="1">
+              <a:schemeClr val="accent1"/>
+            </a:fillRef>
+            <a:effectRef idx="0">
+              <a:schemeClr val="accent1"/>
+            </a:effectRef>
+            <a:fontRef idx="minor">
+              <a:schemeClr val="lt1"/>
+            </a:fontRef>
+          </p:style>
+          <p:txBody>
+            <a:bodyPr rtlCol="0" anchor="ctr"/>
+            <a:lstStyle/>
+            <a:p>
+              <a:pPr algn="ctr"/>
+              <a:endParaRPr lang="en-US" sz="2800" dirty="0">
+                <a:latin typeface="Cambria" panose="02040503050406030204" pitchFamily="18" charset="0"/>
+              </a:endParaRPr>
+            </a:p>
+          </p:txBody>
+        </p:sp>
+        <p:sp>
+          <p:nvSpPr>
+            <p:cNvPr id="22" name="TextBox 21">
+              <a:extLst>
+                <a:ext uri="{FF2B5EF4-FFF2-40B4-BE49-F238E27FC236}">
+                  <a16:creationId xmlns:a16="http://schemas.microsoft.com/office/drawing/2014/main" id="{30F1B7CE-6DAA-9A7B-D57C-E58C53C5B5A8}"/>
+                </a:ext>
+              </a:extLst>
+            </p:cNvPr>
+            <p:cNvSpPr txBox="1"/>
+            <p:nvPr/>
+          </p:nvSpPr>
+          <p:spPr>
+            <a:xfrm>
+              <a:off x="4068870" y="201853"/>
+              <a:ext cx="1313180" cy="523220"/>
+            </a:xfrm>
+            <a:prstGeom prst="rect">
+              <a:avLst/>
+            </a:prstGeom>
+            <a:noFill/>
+          </p:spPr>
+          <p:txBody>
+            <a:bodyPr wrap="none" rtlCol="0">
+              <a:spAutoFit/>
+            </a:bodyPr>
+            <a:lstStyle/>
+            <a:p>
+              <a:pPr algn="ctr"/>
+              <a:r>
+                <a:rPr lang="en-US" sz="2800" dirty="0">
+                  <a:latin typeface="Cambria" panose="02040503050406030204" pitchFamily="18" charset="0"/>
+                </a:rPr>
+                <a:t>Sigmap</a:t>
+              </a:r>
+            </a:p>
+          </p:txBody>
+        </p:sp>
+      </p:grpSp>
+      <p:grpSp>
+        <p:nvGrpSpPr>
           <p:cNvPr id="2" name="Group 1">
             <a:extLst>
               <a:ext uri="{FF2B5EF4-FFF2-40B4-BE49-F238E27FC236}">
@@ -6322,10 +7860,10 @@
       </p:grpSp>
       <p:pic>
         <p:nvPicPr>
-          <p:cNvPr id="32" name="Picture 31">
-            <a:extLst>
-              <a:ext uri="{FF2B5EF4-FFF2-40B4-BE49-F238E27FC236}">
-                <a16:creationId xmlns:a16="http://schemas.microsoft.com/office/drawing/2014/main" id="{034D2F31-098D-7B3C-01D4-4E5AB7E86E71}"/>
+          <p:cNvPr id="26" name="Picture 25">
+            <a:extLst>
+              <a:ext uri="{FF2B5EF4-FFF2-40B4-BE49-F238E27FC236}">
+                <a16:creationId xmlns:a16="http://schemas.microsoft.com/office/drawing/2014/main" id="{7C01727F-7D97-970E-B297-29D1ECA521BD}"/>
               </a:ext>
             </a:extLst>
           </p:cNvPr>
@@ -6348,14 +7886,66 @@
         </p:blipFill>
         <p:spPr>
           <a:xfrm>
-            <a:off x="2785632" y="1131031"/>
-            <a:ext cx="12627999" cy="4209333"/>
+            <a:off x="2858965" y="1131031"/>
+            <a:ext cx="12608409" cy="4202803"/>
           </a:xfrm>
           <a:prstGeom prst="rect">
             <a:avLst/>
           </a:prstGeom>
         </p:spPr>
       </p:pic>
+      <p:sp>
+        <p:nvSpPr>
+          <p:cNvPr id="4" name="Rectangle 3">
+            <a:extLst>
+              <a:ext uri="{FF2B5EF4-FFF2-40B4-BE49-F238E27FC236}">
+                <a16:creationId xmlns:a16="http://schemas.microsoft.com/office/drawing/2014/main" id="{6F1779FE-EF66-1896-2914-3CFB3CE7E9DC}"/>
+              </a:ext>
+            </a:extLst>
+          </p:cNvPr>
+          <p:cNvSpPr/>
+          <p:nvPr/>
+        </p:nvSpPr>
+        <p:spPr>
+          <a:xfrm>
+            <a:off x="2643829" y="2244856"/>
+            <a:ext cx="3486617" cy="622422"/>
+          </a:xfrm>
+          <a:prstGeom prst="rect">
+            <a:avLst/>
+          </a:prstGeom>
+          <a:solidFill>
+            <a:srgbClr val="FF0000"/>
+          </a:solidFill>
+        </p:spPr>
+        <p:style>
+          <a:lnRef idx="2">
+            <a:schemeClr val="accent1">
+              <a:shade val="15000"/>
+            </a:schemeClr>
+          </a:lnRef>
+          <a:fillRef idx="1">
+            <a:schemeClr val="accent1"/>
+          </a:fillRef>
+          <a:effectRef idx="0">
+            <a:schemeClr val="accent1"/>
+          </a:effectRef>
+          <a:fontRef idx="minor">
+            <a:schemeClr val="lt1"/>
+          </a:fontRef>
+        </p:style>
+        <p:txBody>
+          <a:bodyPr rtlCol="0" anchor="ctr"/>
+          <a:lstStyle/>
+          <a:p>
+            <a:pPr algn="ctr"/>
+            <a:r>
+              <a:rPr lang="en-US" dirty="0"/>
+              <a:t>OLD</a:t>
+            </a:r>
+          </a:p>
+        </p:txBody>
+      </p:sp>
     </p:spTree>
     <p:extLst>
       <p:ext uri="{BB962C8B-B14F-4D97-AF65-F5344CB8AC3E}">
@@ -6369,7 +7959,7 @@
 </p:sld>
 </file>
 
-<file path=ppt/slides/slide3.xml><?xml version="1.0" encoding="utf-8"?>
+<file path=ppt/slides/slide4.xml><?xml version="1.0" encoding="utf-8"?>
 <p:sld xmlns:a="http://schemas.openxmlformats.org/drawingml/2006/main" xmlns:r="http://schemas.openxmlformats.org/officeDocument/2006/relationships" xmlns:p="http://schemas.openxmlformats.org/presentationml/2006/main">
   <p:cSld>
     <p:spTree>
@@ -6388,10 +7978,10 @@
       </p:grpSpPr>
       <p:sp>
         <p:nvSpPr>
-          <p:cNvPr id="62" name="TextBox 61">
-            <a:extLst>
-              <a:ext uri="{FF2B5EF4-FFF2-40B4-BE49-F238E27FC236}">
-                <a16:creationId xmlns:a16="http://schemas.microsoft.com/office/drawing/2014/main" id="{96CAF229-2FF7-7E51-42EE-3E688EA0A7C5}"/>
+          <p:cNvPr id="61" name="TextBox 60">
+            <a:extLst>
+              <a:ext uri="{FF2B5EF4-FFF2-40B4-BE49-F238E27FC236}">
+                <a16:creationId xmlns:a16="http://schemas.microsoft.com/office/drawing/2014/main" id="{0CED6964-C115-99BA-A170-DFB707D8BCEA}"/>
               </a:ext>
             </a:extLst>
           </p:cNvPr>
@@ -6400,8 +7990,8 @@
         </p:nvSpPr>
         <p:spPr>
           <a:xfrm>
-            <a:off x="6457607" y="5268410"/>
-            <a:ext cx="931024" cy="1107996"/>
+            <a:off x="13147958" y="5461840"/>
+            <a:ext cx="2096815" cy="430887"/>
           </a:xfrm>
           <a:prstGeom prst="rect">
             <a:avLst/>
@@ -6409,7 +7999,7 @@
           <a:noFill/>
         </p:spPr>
         <p:txBody>
-          <a:bodyPr wrap="none" rtlCol="0">
+          <a:bodyPr wrap="square" rtlCol="0">
             <a:spAutoFit/>
           </a:bodyPr>
           <a:lstStyle/>
@@ -6419,35 +8009,17 @@
               <a:rPr lang="en-US" sz="2200" b="1" dirty="0">
                 <a:latin typeface="Cambria" panose="02040503050406030204" pitchFamily="18" charset="0"/>
               </a:rPr>
-              <a:t>D1</a:t>
-            </a:r>
-          </a:p>
-          <a:p>
-            <a:pPr algn="ctr"/>
-            <a:r>
-              <a:rPr lang="en-US" sz="2200" b="1" dirty="0">
-                <a:latin typeface="Cambria" panose="02040503050406030204" pitchFamily="18" charset="0"/>
-              </a:rPr>
-              <a:t>SARS-</a:t>
-            </a:r>
-          </a:p>
-          <a:p>
-            <a:pPr algn="ctr"/>
-            <a:r>
-              <a:rPr lang="en-US" sz="2200" b="1" dirty="0">
-                <a:latin typeface="Cambria" panose="02040503050406030204" pitchFamily="18" charset="0"/>
-              </a:rPr>
-              <a:t>CoV-2</a:t>
-            </a:r>
-          </a:p>
-        </p:txBody>
-      </p:sp>
-      <p:sp>
-        <p:nvSpPr>
-          <p:cNvPr id="109" name="TextBox 108">
-            <a:extLst>
-              <a:ext uri="{FF2B5EF4-FFF2-40B4-BE49-F238E27FC236}">
-                <a16:creationId xmlns:a16="http://schemas.microsoft.com/office/drawing/2014/main" id="{0B8D124A-38A0-D097-02F7-F0520F16847F}"/>
+              <a:t>Contamination</a:t>
+            </a:r>
+          </a:p>
+        </p:txBody>
+      </p:sp>
+      <p:sp>
+        <p:nvSpPr>
+          <p:cNvPr id="62" name="TextBox 61">
+            <a:extLst>
+              <a:ext uri="{FF2B5EF4-FFF2-40B4-BE49-F238E27FC236}">
+                <a16:creationId xmlns:a16="http://schemas.microsoft.com/office/drawing/2014/main" id="{96CAF229-2FF7-7E51-42EE-3E688EA0A7C5}"/>
               </a:ext>
             </a:extLst>
           </p:cNvPr>
@@ -6456,8 +8028,8 @@
         </p:nvSpPr>
         <p:spPr>
           <a:xfrm>
-            <a:off x="9707436" y="5268410"/>
-            <a:ext cx="971060" cy="1107996"/>
+            <a:off x="2982913" y="5292563"/>
+            <a:ext cx="1672830" cy="769441"/>
           </a:xfrm>
           <a:prstGeom prst="rect">
             <a:avLst/>
@@ -6465,7 +8037,7 @@
           <a:noFill/>
         </p:spPr>
         <p:txBody>
-          <a:bodyPr wrap="square" rtlCol="0">
+          <a:bodyPr wrap="none" rtlCol="0">
             <a:spAutoFit/>
           </a:bodyPr>
           <a:lstStyle/>
@@ -6475,7 +8047,7 @@
               <a:rPr lang="en-US" sz="2200" b="1" dirty="0">
                 <a:latin typeface="Cambria" panose="02040503050406030204" pitchFamily="18" charset="0"/>
               </a:rPr>
-              <a:t>D4</a:t>
+              <a:t>D1</a:t>
             </a:r>
           </a:p>
           <a:p>
@@ -6484,26 +8056,17 @@
               <a:rPr lang="en-US" sz="2200" b="1" dirty="0">
                 <a:latin typeface="Cambria" panose="02040503050406030204" pitchFamily="18" charset="0"/>
               </a:rPr>
-              <a:t>Green</a:t>
-            </a:r>
-          </a:p>
-          <a:p>
-            <a:pPr algn="ctr"/>
-            <a:r>
-              <a:rPr lang="en-US" sz="2200" b="1" dirty="0">
-                <a:latin typeface="Cambria" panose="02040503050406030204" pitchFamily="18" charset="0"/>
-              </a:rPr>
-              <a:t>Algae</a:t>
-            </a:r>
-          </a:p>
-        </p:txBody>
-      </p:sp>
-      <p:sp>
-        <p:nvSpPr>
-          <p:cNvPr id="112" name="TextBox 111">
-            <a:extLst>
-              <a:ext uri="{FF2B5EF4-FFF2-40B4-BE49-F238E27FC236}">
-                <a16:creationId xmlns:a16="http://schemas.microsoft.com/office/drawing/2014/main" id="{21C54195-1BC0-7198-39E9-746027482C71}"/>
+              <a:t>SARS-CoV-2</a:t>
+            </a:r>
+          </a:p>
+        </p:txBody>
+      </p:sp>
+      <p:sp>
+        <p:nvSpPr>
+          <p:cNvPr id="109" name="TextBox 108">
+            <a:extLst>
+              <a:ext uri="{FF2B5EF4-FFF2-40B4-BE49-F238E27FC236}">
+                <a16:creationId xmlns:a16="http://schemas.microsoft.com/office/drawing/2014/main" id="{0B8D124A-38A0-D097-02F7-F0520F16847F}"/>
               </a:ext>
             </a:extLst>
           </p:cNvPr>
@@ -6512,8 +8075,8 @@
         </p:nvSpPr>
         <p:spPr>
           <a:xfrm>
-            <a:off x="10768862" y="5268410"/>
-            <a:ext cx="1128835" cy="769441"/>
+            <a:off x="9197599" y="5292563"/>
+            <a:ext cx="1723445" cy="769441"/>
           </a:xfrm>
           <a:prstGeom prst="rect">
             <a:avLst/>
@@ -6521,7 +8084,7 @@
           <a:noFill/>
         </p:spPr>
         <p:txBody>
-          <a:bodyPr wrap="none" rtlCol="0">
+          <a:bodyPr wrap="square" rtlCol="0">
             <a:spAutoFit/>
           </a:bodyPr>
           <a:lstStyle/>
@@ -6531,7 +8094,7 @@
               <a:rPr lang="en-US" sz="2200" b="1" dirty="0">
                 <a:latin typeface="Cambria" panose="02040503050406030204" pitchFamily="18" charset="0"/>
               </a:rPr>
-              <a:t>D5</a:t>
+              <a:t>D4</a:t>
             </a:r>
           </a:p>
           <a:p>
@@ -6540,17 +8103,17 @@
               <a:rPr lang="en-US" sz="2200" b="1" dirty="0">
                 <a:latin typeface="Cambria" panose="02040503050406030204" pitchFamily="18" charset="0"/>
               </a:rPr>
-              <a:t>Human</a:t>
-            </a:r>
-          </a:p>
-        </p:txBody>
-      </p:sp>
-      <p:sp>
-        <p:nvSpPr>
-          <p:cNvPr id="18" name="TextBox 17">
-            <a:extLst>
-              <a:ext uri="{FF2B5EF4-FFF2-40B4-BE49-F238E27FC236}">
-                <a16:creationId xmlns:a16="http://schemas.microsoft.com/office/drawing/2014/main" id="{27D0DFC1-079C-D227-33BF-A2ACDD264B77}"/>
+              <a:t>Green Algae</a:t>
+            </a:r>
+          </a:p>
+        </p:txBody>
+      </p:sp>
+      <p:sp>
+        <p:nvSpPr>
+          <p:cNvPr id="112" name="TextBox 111">
+            <a:extLst>
+              <a:ext uri="{FF2B5EF4-FFF2-40B4-BE49-F238E27FC236}">
+                <a16:creationId xmlns:a16="http://schemas.microsoft.com/office/drawing/2014/main" id="{21C54195-1BC0-7198-39E9-746027482C71}"/>
               </a:ext>
             </a:extLst>
           </p:cNvPr>
@@ -6559,8 +8122,8 @@
         </p:nvSpPr>
         <p:spPr>
           <a:xfrm>
-            <a:off x="7533795" y="5268410"/>
-            <a:ext cx="942694" cy="769441"/>
+            <a:off x="11570819" y="5292563"/>
+            <a:ext cx="1128835" cy="769441"/>
           </a:xfrm>
           <a:prstGeom prst="rect">
             <a:avLst/>
@@ -6578,7 +8141,7 @@
               <a:rPr lang="en-US" sz="2200" b="1" dirty="0">
                 <a:latin typeface="Cambria" panose="02040503050406030204" pitchFamily="18" charset="0"/>
               </a:rPr>
-              <a:t>D2</a:t>
+              <a:t>D5</a:t>
             </a:r>
           </a:p>
           <a:p>
@@ -6587,17 +8150,17 @@
               <a:rPr lang="en-US" sz="2200" b="1" dirty="0">
                 <a:latin typeface="Cambria" panose="02040503050406030204" pitchFamily="18" charset="0"/>
               </a:rPr>
-              <a:t>E. coli</a:t>
-            </a:r>
-          </a:p>
-        </p:txBody>
-      </p:sp>
-      <p:sp>
-        <p:nvSpPr>
-          <p:cNvPr id="19" name="TextBox 18">
-            <a:extLst>
-              <a:ext uri="{FF2B5EF4-FFF2-40B4-BE49-F238E27FC236}">
-                <a16:creationId xmlns:a16="http://schemas.microsoft.com/office/drawing/2014/main" id="{4EE6EC74-399E-623E-683D-91D67EC0EC85}"/>
+              <a:t>Human</a:t>
+            </a:r>
+          </a:p>
+        </p:txBody>
+      </p:sp>
+      <p:sp>
+        <p:nvSpPr>
+          <p:cNvPr id="18" name="TextBox 17">
+            <a:extLst>
+              <a:ext uri="{FF2B5EF4-FFF2-40B4-BE49-F238E27FC236}">
+                <a16:creationId xmlns:a16="http://schemas.microsoft.com/office/drawing/2014/main" id="{27D0DFC1-079C-D227-33BF-A2ACDD264B77}"/>
               </a:ext>
             </a:extLst>
           </p:cNvPr>
@@ -6606,8 +8169,8 @@
         </p:nvSpPr>
         <p:spPr>
           <a:xfrm>
-            <a:off x="8688911" y="5268410"/>
-            <a:ext cx="861967" cy="769441"/>
+            <a:off x="5423906" y="5307311"/>
+            <a:ext cx="942694" cy="769441"/>
           </a:xfrm>
           <a:prstGeom prst="rect">
             <a:avLst/>
@@ -6625,7 +8188,7 @@
               <a:rPr lang="en-US" sz="2200" b="1" dirty="0">
                 <a:latin typeface="Cambria" panose="02040503050406030204" pitchFamily="18" charset="0"/>
               </a:rPr>
-              <a:t>D3</a:t>
+              <a:t>D2</a:t>
             </a:r>
           </a:p>
           <a:p>
@@ -6634,17 +8197,17 @@
               <a:rPr lang="en-US" sz="2200" b="1" dirty="0">
                 <a:latin typeface="Cambria" panose="02040503050406030204" pitchFamily="18" charset="0"/>
               </a:rPr>
-              <a:t>Yeast</a:t>
-            </a:r>
-          </a:p>
-        </p:txBody>
-      </p:sp>
-      <p:sp>
-        <p:nvSpPr>
-          <p:cNvPr id="5" name="TextBox 4">
-            <a:extLst>
-              <a:ext uri="{FF2B5EF4-FFF2-40B4-BE49-F238E27FC236}">
-                <a16:creationId xmlns:a16="http://schemas.microsoft.com/office/drawing/2014/main" id="{E4862BF3-9618-6956-E1A9-EA2DE9EC6970}"/>
+              <a:t>E. coli</a:t>
+            </a:r>
+          </a:p>
+        </p:txBody>
+      </p:sp>
+      <p:sp>
+        <p:nvSpPr>
+          <p:cNvPr id="19" name="TextBox 18">
+            <a:extLst>
+              <a:ext uri="{FF2B5EF4-FFF2-40B4-BE49-F238E27FC236}">
+                <a16:creationId xmlns:a16="http://schemas.microsoft.com/office/drawing/2014/main" id="{4EE6EC74-399E-623E-683D-91D67EC0EC85}"/>
               </a:ext>
             </a:extLst>
           </p:cNvPr>
@@ -6652,9 +8215,9 @@
           <p:nvPr/>
         </p:nvSpPr>
         <p:spPr>
-          <a:xfrm rot="16200000">
-            <a:off x="3494916" y="2842286"/>
-            <a:ext cx="3796950" cy="800219"/>
+          <a:xfrm>
+            <a:off x="7523807" y="5292563"/>
+            <a:ext cx="861967" cy="769441"/>
           </a:xfrm>
           <a:prstGeom prst="rect">
             <a:avLst/>
@@ -6662,27 +8225,36 @@
           <a:noFill/>
         </p:spPr>
         <p:txBody>
-          <a:bodyPr wrap="square" lIns="0" tIns="0" rIns="0" bIns="0" rtlCol="0">
+          <a:bodyPr wrap="none" rtlCol="0">
             <a:spAutoFit/>
           </a:bodyPr>
           <a:lstStyle/>
           <a:p>
             <a:pPr algn="ctr"/>
             <a:r>
-              <a:rPr lang="en-US" sz="2600" b="1" dirty="0">
-                <a:latin typeface="Cambria" panose="02040503050406030204" pitchFamily="18" charset="0"/>
-              </a:rPr>
-              <a:t>Portion of overall  runtime (%)</a:t>
-            </a:r>
-          </a:p>
-        </p:txBody>
-      </p:sp>
-      <p:sp>
-        <p:nvSpPr>
-          <p:cNvPr id="13" name="TextBox 12">
-            <a:extLst>
-              <a:ext uri="{FF2B5EF4-FFF2-40B4-BE49-F238E27FC236}">
-                <a16:creationId xmlns:a16="http://schemas.microsoft.com/office/drawing/2014/main" id="{865CAA05-04A9-47CA-9F71-3D0E31FA797B}"/>
+              <a:rPr lang="en-US" sz="2200" b="1" dirty="0">
+                <a:latin typeface="Cambria" panose="02040503050406030204" pitchFamily="18" charset="0"/>
+              </a:rPr>
+              <a:t>D3</a:t>
+            </a:r>
+          </a:p>
+          <a:p>
+            <a:pPr algn="ctr"/>
+            <a:r>
+              <a:rPr lang="en-US" sz="2200" b="1" dirty="0">
+                <a:latin typeface="Cambria" panose="02040503050406030204" pitchFamily="18" charset="0"/>
+              </a:rPr>
+              <a:t>Yeast</a:t>
+            </a:r>
+          </a:p>
+        </p:txBody>
+      </p:sp>
+      <p:sp>
+        <p:nvSpPr>
+          <p:cNvPr id="5" name="TextBox 4">
+            <a:extLst>
+              <a:ext uri="{FF2B5EF4-FFF2-40B4-BE49-F238E27FC236}">
+                <a16:creationId xmlns:a16="http://schemas.microsoft.com/office/drawing/2014/main" id="{E4862BF3-9618-6956-E1A9-EA2DE9EC6970}"/>
               </a:ext>
             </a:extLst>
           </p:cNvPr>
@@ -6690,9 +8262,9 @@
           <p:nvPr/>
         </p:nvSpPr>
         <p:spPr>
-          <a:xfrm>
-            <a:off x="6158620" y="4388431"/>
-            <a:ext cx="397545" cy="430887"/>
+          <a:xfrm rot="16200000">
+            <a:off x="-8677" y="3020189"/>
+            <a:ext cx="3796950" cy="400110"/>
           </a:xfrm>
           <a:prstGeom prst="rect">
             <a:avLst/>
@@ -6700,6 +8272,56 @@
           <a:noFill/>
         </p:spPr>
         <p:txBody>
+          <a:bodyPr wrap="square" lIns="0" tIns="0" rIns="0" bIns="0" rtlCol="0">
+            <a:spAutoFit/>
+          </a:bodyPr>
+          <a:lstStyle/>
+          <a:p>
+            <a:pPr algn="ctr"/>
+            <a:r>
+              <a:rPr lang="en-US" sz="2600" b="1" dirty="0">
+                <a:latin typeface="Cambria" panose="02040503050406030204" pitchFamily="18" charset="0"/>
+              </a:rPr>
+              <a:t>Avg. Time Per Read (</a:t>
+            </a:r>
+            <a:r>
+              <a:rPr lang="en-US" sz="2600" b="1" dirty="0" err="1">
+                <a:latin typeface="Cambria" panose="02040503050406030204" pitchFamily="18" charset="0"/>
+              </a:rPr>
+              <a:t>ms</a:t>
+            </a:r>
+            <a:r>
+              <a:rPr lang="en-US" sz="2600" b="1" dirty="0">
+                <a:latin typeface="Cambria" panose="02040503050406030204" pitchFamily="18" charset="0"/>
+              </a:rPr>
+              <a:t>)</a:t>
+            </a:r>
+          </a:p>
+        </p:txBody>
+      </p:sp>
+      <p:sp>
+        <p:nvSpPr>
+          <p:cNvPr id="6" name="TextBox 5">
+            <a:extLst>
+              <a:ext uri="{FF2B5EF4-FFF2-40B4-BE49-F238E27FC236}">
+                <a16:creationId xmlns:a16="http://schemas.microsoft.com/office/drawing/2014/main" id="{FF9FEF38-C44A-3C88-E334-6351F006CFD7}"/>
+              </a:ext>
+            </a:extLst>
+          </p:cNvPr>
+          <p:cNvSpPr txBox="1"/>
+          <p:nvPr/>
+        </p:nvSpPr>
+        <p:spPr>
+          <a:xfrm>
+            <a:off x="2249189" y="1443020"/>
+            <a:ext cx="530594" cy="430887"/>
+          </a:xfrm>
+          <a:prstGeom prst="rect">
+            <a:avLst/>
+          </a:prstGeom>
+          <a:noFill/>
+        </p:spPr>
+        <p:txBody>
           <a:bodyPr wrap="none" lIns="0" tIns="0" rIns="0" bIns="0" rtlCol="0">
             <a:spAutoFit/>
           </a:bodyPr>
@@ -6709,7 +8331,228 @@
               <a:rPr lang="en-US" sz="2800" dirty="0">
                 <a:latin typeface="Cambria" panose="02040503050406030204" pitchFamily="18" charset="0"/>
               </a:rPr>
-              <a:t>75</a:t>
+              <a:t>10</a:t>
+            </a:r>
+            <a:r>
+              <a:rPr lang="en-US" sz="2800" baseline="30000" dirty="0">
+                <a:latin typeface="Cambria" panose="02040503050406030204" pitchFamily="18" charset="0"/>
+              </a:rPr>
+              <a:t>4</a:t>
+            </a:r>
+          </a:p>
+        </p:txBody>
+      </p:sp>
+      <p:sp>
+        <p:nvSpPr>
+          <p:cNvPr id="3" name="TextBox 2">
+            <a:extLst>
+              <a:ext uri="{FF2B5EF4-FFF2-40B4-BE49-F238E27FC236}">
+                <a16:creationId xmlns:a16="http://schemas.microsoft.com/office/drawing/2014/main" id="{6E004693-B8EB-1091-CAE4-2736359DDEF9}"/>
+              </a:ext>
+            </a:extLst>
+          </p:cNvPr>
+          <p:cNvSpPr txBox="1"/>
+          <p:nvPr/>
+        </p:nvSpPr>
+        <p:spPr>
+          <a:xfrm>
+            <a:off x="2249189" y="2049753"/>
+            <a:ext cx="530594" cy="430887"/>
+          </a:xfrm>
+          <a:prstGeom prst="rect">
+            <a:avLst/>
+          </a:prstGeom>
+          <a:noFill/>
+        </p:spPr>
+        <p:txBody>
+          <a:bodyPr wrap="none" lIns="0" tIns="0" rIns="0" bIns="0" rtlCol="0">
+            <a:spAutoFit/>
+          </a:bodyPr>
+          <a:lstStyle/>
+          <a:p>
+            <a:r>
+              <a:rPr lang="en-US" sz="2800" dirty="0">
+                <a:latin typeface="Cambria" panose="02040503050406030204" pitchFamily="18" charset="0"/>
+              </a:rPr>
+              <a:t>10</a:t>
+            </a:r>
+            <a:r>
+              <a:rPr lang="en-US" sz="2800" baseline="30000" dirty="0">
+                <a:latin typeface="Cambria" panose="02040503050406030204" pitchFamily="18" charset="0"/>
+              </a:rPr>
+              <a:t>3</a:t>
+            </a:r>
+          </a:p>
+        </p:txBody>
+      </p:sp>
+      <p:sp>
+        <p:nvSpPr>
+          <p:cNvPr id="7" name="TextBox 6">
+            <a:extLst>
+              <a:ext uri="{FF2B5EF4-FFF2-40B4-BE49-F238E27FC236}">
+                <a16:creationId xmlns:a16="http://schemas.microsoft.com/office/drawing/2014/main" id="{9AACDFD1-9838-1C39-C020-12F35103A153}"/>
+              </a:ext>
+            </a:extLst>
+          </p:cNvPr>
+          <p:cNvSpPr txBox="1"/>
+          <p:nvPr/>
+        </p:nvSpPr>
+        <p:spPr>
+          <a:xfrm>
+            <a:off x="2249189" y="2656486"/>
+            <a:ext cx="530594" cy="430887"/>
+          </a:xfrm>
+          <a:prstGeom prst="rect">
+            <a:avLst/>
+          </a:prstGeom>
+          <a:noFill/>
+        </p:spPr>
+        <p:txBody>
+          <a:bodyPr wrap="none" lIns="0" tIns="0" rIns="0" bIns="0" rtlCol="0">
+            <a:spAutoFit/>
+          </a:bodyPr>
+          <a:lstStyle/>
+          <a:p>
+            <a:r>
+              <a:rPr lang="en-US" sz="2800" dirty="0">
+                <a:latin typeface="Cambria" panose="02040503050406030204" pitchFamily="18" charset="0"/>
+              </a:rPr>
+              <a:t>10</a:t>
+            </a:r>
+            <a:r>
+              <a:rPr lang="en-US" sz="2800" baseline="30000" dirty="0">
+                <a:latin typeface="Cambria" panose="02040503050406030204" pitchFamily="18" charset="0"/>
+              </a:rPr>
+              <a:t>2</a:t>
+            </a:r>
+          </a:p>
+        </p:txBody>
+      </p:sp>
+      <p:sp>
+        <p:nvSpPr>
+          <p:cNvPr id="11" name="TextBox 10">
+            <a:extLst>
+              <a:ext uri="{FF2B5EF4-FFF2-40B4-BE49-F238E27FC236}">
+                <a16:creationId xmlns:a16="http://schemas.microsoft.com/office/drawing/2014/main" id="{810FD092-D2EA-6B76-579F-433C10CFA86C}"/>
+              </a:ext>
+            </a:extLst>
+          </p:cNvPr>
+          <p:cNvSpPr txBox="1"/>
+          <p:nvPr/>
+        </p:nvSpPr>
+        <p:spPr>
+          <a:xfrm>
+            <a:off x="2249189" y="3263219"/>
+            <a:ext cx="530594" cy="430887"/>
+          </a:xfrm>
+          <a:prstGeom prst="rect">
+            <a:avLst/>
+          </a:prstGeom>
+          <a:noFill/>
+        </p:spPr>
+        <p:txBody>
+          <a:bodyPr wrap="none" lIns="0" tIns="0" rIns="0" bIns="0" rtlCol="0">
+            <a:spAutoFit/>
+          </a:bodyPr>
+          <a:lstStyle/>
+          <a:p>
+            <a:r>
+              <a:rPr lang="en-US" sz="2800" dirty="0">
+                <a:latin typeface="Cambria" panose="02040503050406030204" pitchFamily="18" charset="0"/>
+              </a:rPr>
+              <a:t>10</a:t>
+            </a:r>
+            <a:r>
+              <a:rPr lang="en-US" sz="2800" baseline="30000" dirty="0">
+                <a:latin typeface="Cambria" panose="02040503050406030204" pitchFamily="18" charset="0"/>
+              </a:rPr>
+              <a:t>1</a:t>
+            </a:r>
+          </a:p>
+        </p:txBody>
+      </p:sp>
+      <p:sp>
+        <p:nvSpPr>
+          <p:cNvPr id="12" name="TextBox 11">
+            <a:extLst>
+              <a:ext uri="{FF2B5EF4-FFF2-40B4-BE49-F238E27FC236}">
+                <a16:creationId xmlns:a16="http://schemas.microsoft.com/office/drawing/2014/main" id="{5F104AAF-7ABE-8B24-102B-33D6731D8020}"/>
+              </a:ext>
+            </a:extLst>
+          </p:cNvPr>
+          <p:cNvSpPr txBox="1"/>
+          <p:nvPr/>
+        </p:nvSpPr>
+        <p:spPr>
+          <a:xfrm>
+            <a:off x="2249189" y="3869952"/>
+            <a:ext cx="530594" cy="430887"/>
+          </a:xfrm>
+          <a:prstGeom prst="rect">
+            <a:avLst/>
+          </a:prstGeom>
+          <a:noFill/>
+        </p:spPr>
+        <p:txBody>
+          <a:bodyPr wrap="none" lIns="0" tIns="0" rIns="0" bIns="0" rtlCol="0">
+            <a:spAutoFit/>
+          </a:bodyPr>
+          <a:lstStyle/>
+          <a:p>
+            <a:r>
+              <a:rPr lang="en-US" sz="2800" dirty="0">
+                <a:latin typeface="Cambria" panose="02040503050406030204" pitchFamily="18" charset="0"/>
+              </a:rPr>
+              <a:t>10</a:t>
+            </a:r>
+            <a:r>
+              <a:rPr lang="en-US" sz="2800" baseline="30000" dirty="0">
+                <a:latin typeface="Cambria" panose="02040503050406030204" pitchFamily="18" charset="0"/>
+              </a:rPr>
+              <a:t>0</a:t>
+            </a:r>
+          </a:p>
+        </p:txBody>
+      </p:sp>
+      <p:sp>
+        <p:nvSpPr>
+          <p:cNvPr id="13" name="TextBox 12">
+            <a:extLst>
+              <a:ext uri="{FF2B5EF4-FFF2-40B4-BE49-F238E27FC236}">
+                <a16:creationId xmlns:a16="http://schemas.microsoft.com/office/drawing/2014/main" id="{865CAA05-04A9-47CA-9F71-3D0E31FA797B}"/>
+              </a:ext>
+            </a:extLst>
+          </p:cNvPr>
+          <p:cNvSpPr txBox="1"/>
+          <p:nvPr/>
+        </p:nvSpPr>
+        <p:spPr>
+          <a:xfrm>
+            <a:off x="2169038" y="4476687"/>
+            <a:ext cx="610745" cy="430887"/>
+          </a:xfrm>
+          <a:prstGeom prst="rect">
+            <a:avLst/>
+          </a:prstGeom>
+          <a:noFill/>
+        </p:spPr>
+        <p:txBody>
+          <a:bodyPr wrap="none" lIns="0" tIns="0" rIns="0" bIns="0" rtlCol="0">
+            <a:spAutoFit/>
+          </a:bodyPr>
+          <a:lstStyle/>
+          <a:p>
+            <a:r>
+              <a:rPr lang="en-US" sz="2800" dirty="0">
+                <a:latin typeface="Cambria" panose="02040503050406030204" pitchFamily="18" charset="0"/>
+              </a:rPr>
+              <a:t>10</a:t>
+            </a:r>
+            <a:r>
+              <a:rPr lang="en-US" sz="2800" baseline="30000" dirty="0">
+                <a:latin typeface="Cambria" panose="02040503050406030204" pitchFamily="18" charset="0"/>
+              </a:rPr>
+              <a:t>-1</a:t>
             </a:r>
             <a:endParaRPr lang="en-US" sz="2400" baseline="30000" dirty="0">
               <a:latin typeface="Cambria" panose="02040503050406030204" pitchFamily="18" charset="0"/>
@@ -6731,10 +8574,10 @@
         </p:nvGrpSpPr>
         <p:grpSpPr>
           <a:xfrm>
-            <a:off x="7244631" y="534386"/>
-            <a:ext cx="3750527" cy="523220"/>
-            <a:chOff x="3780870" y="188601"/>
-            <a:chExt cx="3750527" cy="523220"/>
+            <a:off x="9155955" y="556144"/>
+            <a:ext cx="1859774" cy="523220"/>
+            <a:chOff x="3780870" y="201853"/>
+            <a:chExt cx="1859774" cy="523220"/>
           </a:xfrm>
         </p:grpSpPr>
         <p:sp>
@@ -6802,8 +8645,8 @@
           </p:nvSpPr>
           <p:spPr>
             <a:xfrm>
-              <a:off x="4058972" y="188601"/>
-              <a:ext cx="3472425" cy="523220"/>
+              <a:off x="4014430" y="201853"/>
+              <a:ext cx="1626214" cy="523220"/>
             </a:xfrm>
             <a:prstGeom prst="rect">
               <a:avLst/>
@@ -6821,216 +8664,492 @@
                 <a:rPr lang="en-US" sz="2800" dirty="0">
                   <a:latin typeface="Cambria" panose="02040503050406030204" pitchFamily="18" charset="0"/>
                 </a:rPr>
-                <a:t>Seeding and Chaining</a:t>
+                <a:t>RawHash</a:t>
               </a:r>
             </a:p>
           </p:txBody>
         </p:sp>
       </p:grpSp>
-      <p:sp>
-        <p:nvSpPr>
-          <p:cNvPr id="2" name="TextBox 1">
-            <a:extLst>
-              <a:ext uri="{FF2B5EF4-FFF2-40B4-BE49-F238E27FC236}">
-                <a16:creationId xmlns:a16="http://schemas.microsoft.com/office/drawing/2014/main" id="{91A39180-8592-55D1-AD2D-1600D2F998B5}"/>
-              </a:ext>
-            </a:extLst>
-          </p:cNvPr>
-          <p:cNvSpPr txBox="1"/>
-          <p:nvPr/>
-        </p:nvSpPr>
-        <p:spPr>
-          <a:xfrm>
-            <a:off x="6158620" y="3698296"/>
-            <a:ext cx="397545" cy="430887"/>
+      <p:grpSp>
+        <p:nvGrpSpPr>
+          <p:cNvPr id="14" name="Group 13">
+            <a:extLst>
+              <a:ext uri="{FF2B5EF4-FFF2-40B4-BE49-F238E27FC236}">
+                <a16:creationId xmlns:a16="http://schemas.microsoft.com/office/drawing/2014/main" id="{3AB95315-0052-63BF-1A79-C925E0D836F2}"/>
+              </a:ext>
+            </a:extLst>
+          </p:cNvPr>
+          <p:cNvGrpSpPr/>
+          <p:nvPr/>
+        </p:nvGrpSpPr>
+        <p:grpSpPr>
+          <a:xfrm>
+            <a:off x="11241918" y="556144"/>
+            <a:ext cx="2214950" cy="523220"/>
+            <a:chOff x="3780870" y="248652"/>
+            <a:chExt cx="2214950" cy="523220"/>
+          </a:xfrm>
+        </p:grpSpPr>
+        <p:sp>
+          <p:nvSpPr>
+            <p:cNvPr id="15" name="Rectangle 14">
+              <a:extLst>
+                <a:ext uri="{FF2B5EF4-FFF2-40B4-BE49-F238E27FC236}">
+                  <a16:creationId xmlns:a16="http://schemas.microsoft.com/office/drawing/2014/main" id="{D70396FF-403B-FFA8-75A5-52BC407761B0}"/>
+                </a:ext>
+              </a:extLst>
+            </p:cNvPr>
+            <p:cNvSpPr/>
+            <p:nvPr/>
+          </p:nvSpPr>
+          <p:spPr>
+            <a:xfrm>
+              <a:off x="3780870" y="366262"/>
+              <a:ext cx="288000" cy="288000"/>
+            </a:xfrm>
+            <a:prstGeom prst="rect">
+              <a:avLst/>
+            </a:prstGeom>
+            <a:solidFill>
+              <a:srgbClr val="AA449A"/>
+            </a:solidFill>
+          </p:spPr>
+          <p:style>
+            <a:lnRef idx="2">
+              <a:schemeClr val="accent1">
+                <a:shade val="50000"/>
+              </a:schemeClr>
+            </a:lnRef>
+            <a:fillRef idx="1">
+              <a:schemeClr val="accent1"/>
+            </a:fillRef>
+            <a:effectRef idx="0">
+              <a:schemeClr val="accent1"/>
+            </a:effectRef>
+            <a:fontRef idx="minor">
+              <a:schemeClr val="lt1"/>
+            </a:fontRef>
+          </p:style>
+          <p:txBody>
+            <a:bodyPr rtlCol="0" anchor="ctr"/>
+            <a:lstStyle/>
+            <a:p>
+              <a:pPr algn="ctr"/>
+              <a:endParaRPr lang="en-US" sz="2800" dirty="0">
+                <a:latin typeface="Cambria" panose="02040503050406030204" pitchFamily="18" charset="0"/>
+              </a:endParaRPr>
+            </a:p>
+          </p:txBody>
+        </p:sp>
+        <p:sp>
+          <p:nvSpPr>
+            <p:cNvPr id="16" name="TextBox 15">
+              <a:extLst>
+                <a:ext uri="{FF2B5EF4-FFF2-40B4-BE49-F238E27FC236}">
+                  <a16:creationId xmlns:a16="http://schemas.microsoft.com/office/drawing/2014/main" id="{0BCF6713-B3FD-2DAF-EEAA-DADBC32A447A}"/>
+                </a:ext>
+              </a:extLst>
+            </p:cNvPr>
+            <p:cNvSpPr txBox="1"/>
+            <p:nvPr/>
+          </p:nvSpPr>
+          <p:spPr>
+            <a:xfrm>
+              <a:off x="4079911" y="248652"/>
+              <a:ext cx="1915909" cy="523220"/>
+            </a:xfrm>
+            <a:prstGeom prst="rect">
+              <a:avLst/>
+            </a:prstGeom>
+            <a:noFill/>
+          </p:spPr>
+          <p:txBody>
+            <a:bodyPr wrap="none" rtlCol="0">
+              <a:spAutoFit/>
+            </a:bodyPr>
+            <a:lstStyle/>
+            <a:p>
+              <a:pPr algn="ctr"/>
+              <a:r>
+                <a:rPr lang="en-US" sz="2800" dirty="0">
+                  <a:latin typeface="Cambria" panose="02040503050406030204" pitchFamily="18" charset="0"/>
+                </a:rPr>
+                <a:t>UNCALLED</a:t>
+              </a:r>
+            </a:p>
+          </p:txBody>
+        </p:sp>
+      </p:grpSp>
+      <p:grpSp>
+        <p:nvGrpSpPr>
+          <p:cNvPr id="17" name="Group 16">
+            <a:extLst>
+              <a:ext uri="{FF2B5EF4-FFF2-40B4-BE49-F238E27FC236}">
+                <a16:creationId xmlns:a16="http://schemas.microsoft.com/office/drawing/2014/main" id="{4D2E9BA1-F4F3-320B-718B-21600583FF1A}"/>
+              </a:ext>
+            </a:extLst>
+          </p:cNvPr>
+          <p:cNvGrpSpPr/>
+          <p:nvPr/>
+        </p:nvGrpSpPr>
+        <p:grpSpPr>
+          <a:xfrm>
+            <a:off x="13683056" y="556144"/>
+            <a:ext cx="1601180" cy="523220"/>
+            <a:chOff x="3780870" y="201853"/>
+            <a:chExt cx="1601180" cy="523220"/>
+          </a:xfrm>
+        </p:grpSpPr>
+        <p:sp>
+          <p:nvSpPr>
+            <p:cNvPr id="21" name="Rectangle 20">
+              <a:extLst>
+                <a:ext uri="{FF2B5EF4-FFF2-40B4-BE49-F238E27FC236}">
+                  <a16:creationId xmlns:a16="http://schemas.microsoft.com/office/drawing/2014/main" id="{03C96383-578C-2B5D-5AC5-9AC21BD16DB9}"/>
+                </a:ext>
+              </a:extLst>
+            </p:cNvPr>
+            <p:cNvSpPr/>
+            <p:nvPr/>
+          </p:nvSpPr>
+          <p:spPr>
+            <a:xfrm>
+              <a:off x="3780870" y="319463"/>
+              <a:ext cx="288000" cy="288000"/>
+            </a:xfrm>
+            <a:prstGeom prst="rect">
+              <a:avLst/>
+            </a:prstGeom>
+            <a:solidFill>
+              <a:srgbClr val="DB8042"/>
+            </a:solidFill>
+          </p:spPr>
+          <p:style>
+            <a:lnRef idx="2">
+              <a:schemeClr val="accent1">
+                <a:shade val="50000"/>
+              </a:schemeClr>
+            </a:lnRef>
+            <a:fillRef idx="1">
+              <a:schemeClr val="accent1"/>
+            </a:fillRef>
+            <a:effectRef idx="0">
+              <a:schemeClr val="accent1"/>
+            </a:effectRef>
+            <a:fontRef idx="minor">
+              <a:schemeClr val="lt1"/>
+            </a:fontRef>
+          </p:style>
+          <p:txBody>
+            <a:bodyPr rtlCol="0" anchor="ctr"/>
+            <a:lstStyle/>
+            <a:p>
+              <a:pPr algn="ctr"/>
+              <a:endParaRPr lang="en-US" sz="2800" dirty="0">
+                <a:latin typeface="Cambria" panose="02040503050406030204" pitchFamily="18" charset="0"/>
+              </a:endParaRPr>
+            </a:p>
+          </p:txBody>
+        </p:sp>
+        <p:sp>
+          <p:nvSpPr>
+            <p:cNvPr id="22" name="TextBox 21">
+              <a:extLst>
+                <a:ext uri="{FF2B5EF4-FFF2-40B4-BE49-F238E27FC236}">
+                  <a16:creationId xmlns:a16="http://schemas.microsoft.com/office/drawing/2014/main" id="{30F1B7CE-6DAA-9A7B-D57C-E58C53C5B5A8}"/>
+                </a:ext>
+              </a:extLst>
+            </p:cNvPr>
+            <p:cNvSpPr txBox="1"/>
+            <p:nvPr/>
+          </p:nvSpPr>
+          <p:spPr>
+            <a:xfrm>
+              <a:off x="4068870" y="201853"/>
+              <a:ext cx="1313180" cy="523220"/>
+            </a:xfrm>
+            <a:prstGeom prst="rect">
+              <a:avLst/>
+            </a:prstGeom>
+            <a:noFill/>
+          </p:spPr>
+          <p:txBody>
+            <a:bodyPr wrap="none" rtlCol="0">
+              <a:spAutoFit/>
+            </a:bodyPr>
+            <a:lstStyle/>
+            <a:p>
+              <a:pPr algn="ctr"/>
+              <a:r>
+                <a:rPr lang="en-US" sz="2800" dirty="0">
+                  <a:latin typeface="Cambria" panose="02040503050406030204" pitchFamily="18" charset="0"/>
+                </a:rPr>
+                <a:t>Sigmap</a:t>
+              </a:r>
+            </a:p>
+          </p:txBody>
+        </p:sp>
+      </p:grpSp>
+      <p:grpSp>
+        <p:nvGrpSpPr>
+          <p:cNvPr id="2" name="Group 1">
+            <a:extLst>
+              <a:ext uri="{FF2B5EF4-FFF2-40B4-BE49-F238E27FC236}">
+                <a16:creationId xmlns:a16="http://schemas.microsoft.com/office/drawing/2014/main" id="{72FD8766-96AB-729A-4BE8-A4A8F6EB6AED}"/>
+              </a:ext>
+            </a:extLst>
+          </p:cNvPr>
+          <p:cNvGrpSpPr/>
+          <p:nvPr/>
+        </p:nvGrpSpPr>
+        <p:grpSpPr>
+          <a:xfrm>
+            <a:off x="5134469" y="556144"/>
+            <a:ext cx="3795297" cy="523220"/>
+            <a:chOff x="3780870" y="201853"/>
+            <a:chExt cx="3795297" cy="523220"/>
+          </a:xfrm>
+        </p:grpSpPr>
+        <p:sp>
+          <p:nvSpPr>
+            <p:cNvPr id="9" name="Rectangle 8">
+              <a:extLst>
+                <a:ext uri="{FF2B5EF4-FFF2-40B4-BE49-F238E27FC236}">
+                  <a16:creationId xmlns:a16="http://schemas.microsoft.com/office/drawing/2014/main" id="{ADAA7A9A-B659-76CD-DAE2-7493EEE4CAEE}"/>
+                </a:ext>
+              </a:extLst>
+            </p:cNvPr>
+            <p:cNvSpPr/>
+            <p:nvPr/>
+          </p:nvSpPr>
+          <p:spPr>
+            <a:xfrm>
+              <a:off x="3780870" y="319463"/>
+              <a:ext cx="288000" cy="288000"/>
+            </a:xfrm>
+            <a:prstGeom prst="rect">
+              <a:avLst/>
+            </a:prstGeom>
+            <a:solidFill>
+              <a:srgbClr val="EBBC40"/>
+            </a:solidFill>
+          </p:spPr>
+          <p:style>
+            <a:lnRef idx="2">
+              <a:schemeClr val="accent1">
+                <a:shade val="50000"/>
+              </a:schemeClr>
+            </a:lnRef>
+            <a:fillRef idx="1">
+              <a:schemeClr val="accent1"/>
+            </a:fillRef>
+            <a:effectRef idx="0">
+              <a:schemeClr val="accent1"/>
+            </a:effectRef>
+            <a:fontRef idx="minor">
+              <a:schemeClr val="lt1"/>
+            </a:fontRef>
+          </p:style>
+          <p:txBody>
+            <a:bodyPr rtlCol="0" anchor="ctr"/>
+            <a:lstStyle/>
+            <a:p>
+              <a:pPr algn="ctr"/>
+              <a:endParaRPr lang="en-US" sz="2800" dirty="0">
+                <a:latin typeface="Cambria" panose="02040503050406030204" pitchFamily="18" charset="0"/>
+              </a:endParaRPr>
+            </a:p>
+          </p:txBody>
+        </p:sp>
+        <p:sp>
+          <p:nvSpPr>
+            <p:cNvPr id="10" name="TextBox 9">
+              <a:extLst>
+                <a:ext uri="{FF2B5EF4-FFF2-40B4-BE49-F238E27FC236}">
+                  <a16:creationId xmlns:a16="http://schemas.microsoft.com/office/drawing/2014/main" id="{DEF3788A-9969-46B8-CF2C-B8EAD4A61EDF}"/>
+                </a:ext>
+              </a:extLst>
+            </p:cNvPr>
+            <p:cNvSpPr txBox="1"/>
+            <p:nvPr/>
+          </p:nvSpPr>
+          <p:spPr>
+            <a:xfrm>
+              <a:off x="4055203" y="201853"/>
+              <a:ext cx="3520964" cy="523220"/>
+            </a:xfrm>
+            <a:prstGeom prst="rect">
+              <a:avLst/>
+            </a:prstGeom>
+            <a:noFill/>
+          </p:spPr>
+          <p:txBody>
+            <a:bodyPr wrap="none" rtlCol="0">
+              <a:spAutoFit/>
+            </a:bodyPr>
+            <a:lstStyle/>
+            <a:p>
+              <a:pPr algn="ctr"/>
+              <a:r>
+                <a:rPr lang="en-US" sz="2800" dirty="0">
+                  <a:latin typeface="Cambria" panose="02040503050406030204" pitchFamily="18" charset="0"/>
+                </a:rPr>
+                <a:t>RawHash2-Minimizer</a:t>
+              </a:r>
+            </a:p>
+          </p:txBody>
+        </p:sp>
+      </p:grpSp>
+      <p:grpSp>
+        <p:nvGrpSpPr>
+          <p:cNvPr id="23" name="Group 22">
+            <a:extLst>
+              <a:ext uri="{FF2B5EF4-FFF2-40B4-BE49-F238E27FC236}">
+                <a16:creationId xmlns:a16="http://schemas.microsoft.com/office/drawing/2014/main" id="{7F95A7B2-85A0-C4DB-C28F-37C3A49F6F0A}"/>
+              </a:ext>
+            </a:extLst>
+          </p:cNvPr>
+          <p:cNvGrpSpPr/>
+          <p:nvPr/>
+        </p:nvGrpSpPr>
+        <p:grpSpPr>
+          <a:xfrm>
+            <a:off x="2860631" y="556144"/>
+            <a:ext cx="2047649" cy="523220"/>
+            <a:chOff x="3780870" y="201853"/>
+            <a:chExt cx="2047649" cy="523220"/>
+          </a:xfrm>
+        </p:grpSpPr>
+        <p:sp>
+          <p:nvSpPr>
+            <p:cNvPr id="24" name="Rectangle 23">
+              <a:extLst>
+                <a:ext uri="{FF2B5EF4-FFF2-40B4-BE49-F238E27FC236}">
+                  <a16:creationId xmlns:a16="http://schemas.microsoft.com/office/drawing/2014/main" id="{E95F3E50-3C35-856F-21A8-395059395041}"/>
+                </a:ext>
+              </a:extLst>
+            </p:cNvPr>
+            <p:cNvSpPr/>
+            <p:nvPr/>
+          </p:nvSpPr>
+          <p:spPr>
+            <a:xfrm>
+              <a:off x="3780870" y="319463"/>
+              <a:ext cx="288000" cy="288000"/>
+            </a:xfrm>
+            <a:prstGeom prst="rect">
+              <a:avLst/>
+            </a:prstGeom>
+            <a:solidFill>
+              <a:srgbClr val="60A137"/>
+            </a:solidFill>
+          </p:spPr>
+          <p:style>
+            <a:lnRef idx="2">
+              <a:schemeClr val="accent1">
+                <a:shade val="50000"/>
+              </a:schemeClr>
+            </a:lnRef>
+            <a:fillRef idx="1">
+              <a:schemeClr val="accent1"/>
+            </a:fillRef>
+            <a:effectRef idx="0">
+              <a:schemeClr val="accent1"/>
+            </a:effectRef>
+            <a:fontRef idx="minor">
+              <a:schemeClr val="lt1"/>
+            </a:fontRef>
+          </p:style>
+          <p:txBody>
+            <a:bodyPr rtlCol="0" anchor="ctr"/>
+            <a:lstStyle/>
+            <a:p>
+              <a:pPr algn="ctr"/>
+              <a:endParaRPr lang="en-US" sz="2800" dirty="0">
+                <a:latin typeface="Cambria" panose="02040503050406030204" pitchFamily="18" charset="0"/>
+              </a:endParaRPr>
+            </a:p>
+          </p:txBody>
+        </p:sp>
+        <p:sp>
+          <p:nvSpPr>
+            <p:cNvPr id="25" name="TextBox 24">
+              <a:extLst>
+                <a:ext uri="{FF2B5EF4-FFF2-40B4-BE49-F238E27FC236}">
+                  <a16:creationId xmlns:a16="http://schemas.microsoft.com/office/drawing/2014/main" id="{09532E1C-E33E-5B3F-480D-7DDEA3DC489D}"/>
+                </a:ext>
+              </a:extLst>
+            </p:cNvPr>
+            <p:cNvSpPr txBox="1"/>
+            <p:nvPr/>
+          </p:nvSpPr>
+          <p:spPr>
+            <a:xfrm>
+              <a:off x="4003532" y="201853"/>
+              <a:ext cx="1824987" cy="523220"/>
+            </a:xfrm>
+            <a:prstGeom prst="rect">
+              <a:avLst/>
+            </a:prstGeom>
+            <a:noFill/>
+          </p:spPr>
+          <p:txBody>
+            <a:bodyPr wrap="none" rtlCol="0">
+              <a:spAutoFit/>
+            </a:bodyPr>
+            <a:lstStyle/>
+            <a:p>
+              <a:pPr algn="ctr"/>
+              <a:r>
+                <a:rPr lang="en-US" sz="2800" dirty="0">
+                  <a:latin typeface="Cambria" panose="02040503050406030204" pitchFamily="18" charset="0"/>
+                </a:rPr>
+                <a:t>RawHash2</a:t>
+              </a:r>
+            </a:p>
+          </p:txBody>
+        </p:sp>
+      </p:grpSp>
+      <p:pic>
+        <p:nvPicPr>
+          <p:cNvPr id="27" name="Picture 26">
+            <a:extLst>
+              <a:ext uri="{FF2B5EF4-FFF2-40B4-BE49-F238E27FC236}">
+                <a16:creationId xmlns:a16="http://schemas.microsoft.com/office/drawing/2014/main" id="{C8622659-8401-7140-75E8-CF3469CB8A43}"/>
+              </a:ext>
+            </a:extLst>
+          </p:cNvPr>
+          <p:cNvPicPr>
+            <a:picLocks noChangeAspect="1"/>
+          </p:cNvPicPr>
+          <p:nvPr/>
+        </p:nvPicPr>
+        <p:blipFill>
+          <a:blip r:embed="rId3">
+            <a:extLst>
+              <a:ext uri="{28A0092B-C50C-407E-A947-70E740481C1C}">
+                <a14:useLocalDpi xmlns:a14="http://schemas.microsoft.com/office/drawing/2010/main" val="0"/>
+              </a:ext>
+            </a:extLst>
+          </a:blip>
+          <a:stretch>
+            <a:fillRect/>
+          </a:stretch>
+        </p:blipFill>
+        <p:spPr>
+          <a:xfrm>
+            <a:off x="2779782" y="1156988"/>
+            <a:ext cx="12533949" cy="4177983"/>
           </a:xfrm>
           <a:prstGeom prst="rect">
             <a:avLst/>
           </a:prstGeom>
-          <a:noFill/>
-        </p:spPr>
-        <p:txBody>
-          <a:bodyPr wrap="none" lIns="0" tIns="0" rIns="0" bIns="0" rtlCol="0">
-            <a:spAutoFit/>
-          </a:bodyPr>
-          <a:lstStyle/>
-          <a:p>
-            <a:r>
-              <a:rPr lang="en-US" sz="2800" dirty="0">
-                <a:latin typeface="Cambria" panose="02040503050406030204" pitchFamily="18" charset="0"/>
-              </a:rPr>
-              <a:t>80</a:t>
-            </a:r>
-            <a:endParaRPr lang="en-US" sz="2400" baseline="30000" dirty="0">
-              <a:latin typeface="Cambria" panose="02040503050406030204" pitchFamily="18" charset="0"/>
-            </a:endParaRPr>
-          </a:p>
-        </p:txBody>
-      </p:sp>
-      <p:sp>
-        <p:nvSpPr>
-          <p:cNvPr id="9" name="TextBox 8">
-            <a:extLst>
-              <a:ext uri="{FF2B5EF4-FFF2-40B4-BE49-F238E27FC236}">
-                <a16:creationId xmlns:a16="http://schemas.microsoft.com/office/drawing/2014/main" id="{89F23547-0FDB-05D9-2CB8-92EEFCA90D79}"/>
-              </a:ext>
-            </a:extLst>
-          </p:cNvPr>
-          <p:cNvSpPr txBox="1"/>
-          <p:nvPr/>
-        </p:nvSpPr>
-        <p:spPr>
-          <a:xfrm>
-            <a:off x="6158620" y="3008159"/>
-            <a:ext cx="397545" cy="430887"/>
-          </a:xfrm>
-          <a:prstGeom prst="rect">
-            <a:avLst/>
-          </a:prstGeom>
-          <a:noFill/>
-        </p:spPr>
-        <p:txBody>
-          <a:bodyPr wrap="none" lIns="0" tIns="0" rIns="0" bIns="0" rtlCol="0">
-            <a:spAutoFit/>
-          </a:bodyPr>
-          <a:lstStyle/>
-          <a:p>
-            <a:r>
-              <a:rPr lang="en-US" sz="2800" dirty="0">
-                <a:latin typeface="Cambria" panose="02040503050406030204" pitchFamily="18" charset="0"/>
-              </a:rPr>
-              <a:t>85</a:t>
-            </a:r>
-            <a:endParaRPr lang="en-US" sz="2400" baseline="30000" dirty="0">
-              <a:latin typeface="Cambria" panose="02040503050406030204" pitchFamily="18" charset="0"/>
-            </a:endParaRPr>
-          </a:p>
-        </p:txBody>
-      </p:sp>
-      <p:sp>
-        <p:nvSpPr>
-          <p:cNvPr id="10" name="TextBox 9">
-            <a:extLst>
-              <a:ext uri="{FF2B5EF4-FFF2-40B4-BE49-F238E27FC236}">
-                <a16:creationId xmlns:a16="http://schemas.microsoft.com/office/drawing/2014/main" id="{007181AC-CFD0-E695-823A-100CAE8D865E}"/>
-              </a:ext>
-            </a:extLst>
-          </p:cNvPr>
-          <p:cNvSpPr txBox="1"/>
-          <p:nvPr/>
-        </p:nvSpPr>
-        <p:spPr>
-          <a:xfrm>
-            <a:off x="6158620" y="2318022"/>
-            <a:ext cx="397545" cy="430887"/>
-          </a:xfrm>
-          <a:prstGeom prst="rect">
-            <a:avLst/>
-          </a:prstGeom>
-          <a:noFill/>
-        </p:spPr>
-        <p:txBody>
-          <a:bodyPr wrap="none" lIns="0" tIns="0" rIns="0" bIns="0" rtlCol="0">
-            <a:spAutoFit/>
-          </a:bodyPr>
-          <a:lstStyle/>
-          <a:p>
-            <a:r>
-              <a:rPr lang="en-US" sz="2800" dirty="0">
-                <a:latin typeface="Cambria" panose="02040503050406030204" pitchFamily="18" charset="0"/>
-              </a:rPr>
-              <a:t>90</a:t>
-            </a:r>
-            <a:endParaRPr lang="en-US" sz="2400" baseline="30000" dirty="0">
-              <a:latin typeface="Cambria" panose="02040503050406030204" pitchFamily="18" charset="0"/>
-            </a:endParaRPr>
-          </a:p>
-        </p:txBody>
-      </p:sp>
-      <p:sp>
-        <p:nvSpPr>
-          <p:cNvPr id="23" name="TextBox 22">
-            <a:extLst>
-              <a:ext uri="{FF2B5EF4-FFF2-40B4-BE49-F238E27FC236}">
-                <a16:creationId xmlns:a16="http://schemas.microsoft.com/office/drawing/2014/main" id="{D82610FF-ADAB-8BBF-A849-C07818D620BC}"/>
-              </a:ext>
-            </a:extLst>
-          </p:cNvPr>
-          <p:cNvSpPr txBox="1"/>
-          <p:nvPr/>
-        </p:nvSpPr>
-        <p:spPr>
-          <a:xfrm>
-            <a:off x="6158620" y="1627885"/>
-            <a:ext cx="397545" cy="430887"/>
-          </a:xfrm>
-          <a:prstGeom prst="rect">
-            <a:avLst/>
-          </a:prstGeom>
-          <a:noFill/>
-        </p:spPr>
-        <p:txBody>
-          <a:bodyPr wrap="none" lIns="0" tIns="0" rIns="0" bIns="0" rtlCol="0">
-            <a:spAutoFit/>
-          </a:bodyPr>
-          <a:lstStyle/>
-          <a:p>
-            <a:r>
-              <a:rPr lang="en-US" sz="2800" dirty="0">
-                <a:latin typeface="Cambria" panose="02040503050406030204" pitchFamily="18" charset="0"/>
-              </a:rPr>
-              <a:t>95</a:t>
-            </a:r>
-            <a:endParaRPr lang="en-US" sz="2400" baseline="30000" dirty="0">
-              <a:latin typeface="Cambria" panose="02040503050406030204" pitchFamily="18" charset="0"/>
-            </a:endParaRPr>
-          </a:p>
-        </p:txBody>
-      </p:sp>
-      <p:sp>
-        <p:nvSpPr>
-          <p:cNvPr id="24" name="TextBox 23">
-            <a:extLst>
-              <a:ext uri="{FF2B5EF4-FFF2-40B4-BE49-F238E27FC236}">
-                <a16:creationId xmlns:a16="http://schemas.microsoft.com/office/drawing/2014/main" id="{906DDEE3-7CA3-C339-013B-33EB64597431}"/>
-              </a:ext>
-            </a:extLst>
-          </p:cNvPr>
-          <p:cNvSpPr txBox="1"/>
-          <p:nvPr/>
-        </p:nvSpPr>
-        <p:spPr>
-          <a:xfrm>
-            <a:off x="5959848" y="937748"/>
-            <a:ext cx="596317" cy="430887"/>
-          </a:xfrm>
-          <a:prstGeom prst="rect">
-            <a:avLst/>
-          </a:prstGeom>
-          <a:noFill/>
-        </p:spPr>
-        <p:txBody>
-          <a:bodyPr wrap="none" lIns="0" tIns="0" rIns="0" bIns="0" rtlCol="0">
-            <a:spAutoFit/>
-          </a:bodyPr>
-          <a:lstStyle/>
-          <a:p>
-            <a:r>
-              <a:rPr lang="en-US" sz="2800" dirty="0">
-                <a:latin typeface="Cambria" panose="02040503050406030204" pitchFamily="18" charset="0"/>
-              </a:rPr>
-              <a:t>100</a:t>
-            </a:r>
-            <a:endParaRPr lang="en-US" sz="2400" baseline="30000" dirty="0">
-              <a:latin typeface="Cambria" panose="02040503050406030204" pitchFamily="18" charset="0"/>
-            </a:endParaRPr>
-          </a:p>
-        </p:txBody>
-      </p:sp>
+        </p:spPr>
+      </p:pic>
     </p:spTree>
     <p:extLst>
       <p:ext uri="{BB962C8B-B14F-4D97-AF65-F5344CB8AC3E}">
-        <p14:creationId xmlns:p14="http://schemas.microsoft.com/office/powerpoint/2010/main" val="3988581533"/>
+        <p14:creationId xmlns:p14="http://schemas.microsoft.com/office/powerpoint/2010/main" val="1679830066"/>
       </p:ext>
     </p:extLst>
   </p:cSld>
@@ -7040,7 +9159,7 @@
 </p:sld>
 </file>
 
-<file path=ppt/slides/slide4.xml><?xml version="1.0" encoding="utf-8"?>
+<file path=ppt/slides/slide5.xml><?xml version="1.0" encoding="utf-8"?>
 <p:sld xmlns:a="http://schemas.openxmlformats.org/drawingml/2006/main" xmlns:r="http://schemas.openxmlformats.org/officeDocument/2006/relationships" xmlns:p="http://schemas.openxmlformats.org/presentationml/2006/main">
   <p:cSld>
     <p:spTree>
@@ -7071,8 +9190,8 @@
         </p:nvSpPr>
         <p:spPr>
           <a:xfrm>
-            <a:off x="3199848" y="5307764"/>
-            <a:ext cx="1672830" cy="769441"/>
+            <a:off x="6457607" y="5268410"/>
+            <a:ext cx="931024" cy="1107996"/>
           </a:xfrm>
           <a:prstGeom prst="rect">
             <a:avLst/>
@@ -7099,7 +9218,16 @@
               <a:rPr lang="en-US" sz="2200" b="1" dirty="0">
                 <a:latin typeface="Cambria" panose="02040503050406030204" pitchFamily="18" charset="0"/>
               </a:rPr>
-              <a:t>SARS-CoV-2</a:t>
+              <a:t>SARS-</a:t>
+            </a:r>
+          </a:p>
+          <a:p>
+            <a:pPr algn="ctr"/>
+            <a:r>
+              <a:rPr lang="en-US" sz="2200" b="1" dirty="0">
+                <a:latin typeface="Cambria" panose="02040503050406030204" pitchFamily="18" charset="0"/>
+              </a:rPr>
+              <a:t>CoV-2</a:t>
             </a:r>
           </a:p>
         </p:txBody>
@@ -7118,8 +9246,8 @@
         </p:nvSpPr>
         <p:spPr>
           <a:xfrm>
-            <a:off x="10603929" y="5307764"/>
-            <a:ext cx="1723445" cy="769441"/>
+            <a:off x="9707436" y="5268410"/>
+            <a:ext cx="971060" cy="1107996"/>
           </a:xfrm>
           <a:prstGeom prst="rect">
             <a:avLst/>
@@ -7146,7 +9274,16 @@
               <a:rPr lang="en-US" sz="2200" b="1" dirty="0">
                 <a:latin typeface="Cambria" panose="02040503050406030204" pitchFamily="18" charset="0"/>
               </a:rPr>
-              <a:t>Green Algae</a:t>
+              <a:t>Green</a:t>
+            </a:r>
+          </a:p>
+          <a:p>
+            <a:pPr algn="ctr"/>
+            <a:r>
+              <a:rPr lang="en-US" sz="2200" b="1" dirty="0">
+                <a:latin typeface="Cambria" panose="02040503050406030204" pitchFamily="18" charset="0"/>
+              </a:rPr>
+              <a:t>Algae</a:t>
             </a:r>
           </a:p>
         </p:txBody>
@@ -7165,7 +9302,7 @@
         </p:nvSpPr>
         <p:spPr>
           <a:xfrm>
-            <a:off x="13390671" y="5307764"/>
+            <a:off x="10768862" y="5268410"/>
             <a:ext cx="1128835" cy="769441"/>
           </a:xfrm>
           <a:prstGeom prst="rect">
@@ -7212,7 +9349,7 @@
         </p:nvSpPr>
         <p:spPr>
           <a:xfrm>
-            <a:off x="6036952" y="5307764"/>
+            <a:off x="7533795" y="5268410"/>
             <a:ext cx="942694" cy="769441"/>
           </a:xfrm>
           <a:prstGeom prst="rect">
@@ -7259,7 +9396,7 @@
         </p:nvSpPr>
         <p:spPr>
           <a:xfrm>
-            <a:off x="8568307" y="5307764"/>
+            <a:off x="8688911" y="5268410"/>
             <a:ext cx="861967" cy="769441"/>
           </a:xfrm>
           <a:prstGeom prst="rect">
@@ -7306,7 +9443,7 @@
         </p:nvSpPr>
         <p:spPr>
           <a:xfrm rot="16200000">
-            <a:off x="-491757" y="2820135"/>
+            <a:off x="3494916" y="2842286"/>
             <a:ext cx="3796950" cy="800219"/>
           </a:xfrm>
           <a:prstGeom prst="rect">
@@ -7325,7 +9462,7 @@
               <a:rPr lang="en-US" sz="2600" b="1" dirty="0">
                 <a:latin typeface="Cambria" panose="02040503050406030204" pitchFamily="18" charset="0"/>
               </a:rPr>
-              <a:t>Average Sequenced Bases per Read (#)</a:t>
+              <a:t>Portion of overall  runtime (%)</a:t>
             </a:r>
           </a:p>
         </p:txBody>
@@ -7344,8 +9481,8 @@
         </p:nvSpPr>
         <p:spPr>
           <a:xfrm>
-            <a:off x="1961735" y="4485123"/>
-            <a:ext cx="795089" cy="430887"/>
+            <a:off x="6158620" y="4388431"/>
+            <a:ext cx="397545" cy="430887"/>
           </a:xfrm>
           <a:prstGeom prst="rect">
             <a:avLst/>
@@ -7362,7 +9499,7 @@
               <a:rPr lang="en-US" sz="2800" dirty="0">
                 <a:latin typeface="Cambria" panose="02040503050406030204" pitchFamily="18" charset="0"/>
               </a:rPr>
-              <a:t>1000</a:t>
+              <a:t>75</a:t>
             </a:r>
             <a:endParaRPr lang="en-US" sz="2400" baseline="30000" dirty="0">
               <a:latin typeface="Cambria" panose="02040503050406030204" pitchFamily="18" charset="0"/>
@@ -7384,10 +9521,10 @@
         </p:nvGrpSpPr>
         <p:grpSpPr>
           <a:xfrm>
-            <a:off x="10035410" y="607674"/>
-            <a:ext cx="1859774" cy="523220"/>
-            <a:chOff x="3780870" y="201853"/>
-            <a:chExt cx="1859774" cy="523220"/>
+            <a:off x="7244631" y="534386"/>
+            <a:ext cx="3750527" cy="523220"/>
+            <a:chOff x="3780870" y="188601"/>
+            <a:chExt cx="3750527" cy="523220"/>
           </a:xfrm>
         </p:grpSpPr>
         <p:sp>
@@ -7455,6 +9592,659 @@
           </p:nvSpPr>
           <p:spPr>
             <a:xfrm>
+              <a:off x="4058972" y="188601"/>
+              <a:ext cx="3472425" cy="523220"/>
+            </a:xfrm>
+            <a:prstGeom prst="rect">
+              <a:avLst/>
+            </a:prstGeom>
+            <a:noFill/>
+          </p:spPr>
+          <p:txBody>
+            <a:bodyPr wrap="none" rtlCol="0">
+              <a:spAutoFit/>
+            </a:bodyPr>
+            <a:lstStyle/>
+            <a:p>
+              <a:pPr algn="ctr"/>
+              <a:r>
+                <a:rPr lang="en-US" sz="2800" dirty="0">
+                  <a:latin typeface="Cambria" panose="02040503050406030204" pitchFamily="18" charset="0"/>
+                </a:rPr>
+                <a:t>Seeding and Chaining</a:t>
+              </a:r>
+            </a:p>
+          </p:txBody>
+        </p:sp>
+      </p:grpSp>
+      <p:sp>
+        <p:nvSpPr>
+          <p:cNvPr id="2" name="TextBox 1">
+            <a:extLst>
+              <a:ext uri="{FF2B5EF4-FFF2-40B4-BE49-F238E27FC236}">
+                <a16:creationId xmlns:a16="http://schemas.microsoft.com/office/drawing/2014/main" id="{91A39180-8592-55D1-AD2D-1600D2F998B5}"/>
+              </a:ext>
+            </a:extLst>
+          </p:cNvPr>
+          <p:cNvSpPr txBox="1"/>
+          <p:nvPr/>
+        </p:nvSpPr>
+        <p:spPr>
+          <a:xfrm>
+            <a:off x="6158620" y="3698296"/>
+            <a:ext cx="397545" cy="430887"/>
+          </a:xfrm>
+          <a:prstGeom prst="rect">
+            <a:avLst/>
+          </a:prstGeom>
+          <a:noFill/>
+        </p:spPr>
+        <p:txBody>
+          <a:bodyPr wrap="none" lIns="0" tIns="0" rIns="0" bIns="0" rtlCol="0">
+            <a:spAutoFit/>
+          </a:bodyPr>
+          <a:lstStyle/>
+          <a:p>
+            <a:r>
+              <a:rPr lang="en-US" sz="2800" dirty="0">
+                <a:latin typeface="Cambria" panose="02040503050406030204" pitchFamily="18" charset="0"/>
+              </a:rPr>
+              <a:t>80</a:t>
+            </a:r>
+            <a:endParaRPr lang="en-US" sz="2400" baseline="30000" dirty="0">
+              <a:latin typeface="Cambria" panose="02040503050406030204" pitchFamily="18" charset="0"/>
+            </a:endParaRPr>
+          </a:p>
+        </p:txBody>
+      </p:sp>
+      <p:sp>
+        <p:nvSpPr>
+          <p:cNvPr id="9" name="TextBox 8">
+            <a:extLst>
+              <a:ext uri="{FF2B5EF4-FFF2-40B4-BE49-F238E27FC236}">
+                <a16:creationId xmlns:a16="http://schemas.microsoft.com/office/drawing/2014/main" id="{89F23547-0FDB-05D9-2CB8-92EEFCA90D79}"/>
+              </a:ext>
+            </a:extLst>
+          </p:cNvPr>
+          <p:cNvSpPr txBox="1"/>
+          <p:nvPr/>
+        </p:nvSpPr>
+        <p:spPr>
+          <a:xfrm>
+            <a:off x="6158620" y="3008159"/>
+            <a:ext cx="397545" cy="430887"/>
+          </a:xfrm>
+          <a:prstGeom prst="rect">
+            <a:avLst/>
+          </a:prstGeom>
+          <a:noFill/>
+        </p:spPr>
+        <p:txBody>
+          <a:bodyPr wrap="none" lIns="0" tIns="0" rIns="0" bIns="0" rtlCol="0">
+            <a:spAutoFit/>
+          </a:bodyPr>
+          <a:lstStyle/>
+          <a:p>
+            <a:r>
+              <a:rPr lang="en-US" sz="2800" dirty="0">
+                <a:latin typeface="Cambria" panose="02040503050406030204" pitchFamily="18" charset="0"/>
+              </a:rPr>
+              <a:t>85</a:t>
+            </a:r>
+            <a:endParaRPr lang="en-US" sz="2400" baseline="30000" dirty="0">
+              <a:latin typeface="Cambria" panose="02040503050406030204" pitchFamily="18" charset="0"/>
+            </a:endParaRPr>
+          </a:p>
+        </p:txBody>
+      </p:sp>
+      <p:sp>
+        <p:nvSpPr>
+          <p:cNvPr id="10" name="TextBox 9">
+            <a:extLst>
+              <a:ext uri="{FF2B5EF4-FFF2-40B4-BE49-F238E27FC236}">
+                <a16:creationId xmlns:a16="http://schemas.microsoft.com/office/drawing/2014/main" id="{007181AC-CFD0-E695-823A-100CAE8D865E}"/>
+              </a:ext>
+            </a:extLst>
+          </p:cNvPr>
+          <p:cNvSpPr txBox="1"/>
+          <p:nvPr/>
+        </p:nvSpPr>
+        <p:spPr>
+          <a:xfrm>
+            <a:off x="6158620" y="2318022"/>
+            <a:ext cx="397545" cy="430887"/>
+          </a:xfrm>
+          <a:prstGeom prst="rect">
+            <a:avLst/>
+          </a:prstGeom>
+          <a:noFill/>
+        </p:spPr>
+        <p:txBody>
+          <a:bodyPr wrap="none" lIns="0" tIns="0" rIns="0" bIns="0" rtlCol="0">
+            <a:spAutoFit/>
+          </a:bodyPr>
+          <a:lstStyle/>
+          <a:p>
+            <a:r>
+              <a:rPr lang="en-US" sz="2800" dirty="0">
+                <a:latin typeface="Cambria" panose="02040503050406030204" pitchFamily="18" charset="0"/>
+              </a:rPr>
+              <a:t>90</a:t>
+            </a:r>
+            <a:endParaRPr lang="en-US" sz="2400" baseline="30000" dirty="0">
+              <a:latin typeface="Cambria" panose="02040503050406030204" pitchFamily="18" charset="0"/>
+            </a:endParaRPr>
+          </a:p>
+        </p:txBody>
+      </p:sp>
+      <p:sp>
+        <p:nvSpPr>
+          <p:cNvPr id="23" name="TextBox 22">
+            <a:extLst>
+              <a:ext uri="{FF2B5EF4-FFF2-40B4-BE49-F238E27FC236}">
+                <a16:creationId xmlns:a16="http://schemas.microsoft.com/office/drawing/2014/main" id="{D82610FF-ADAB-8BBF-A849-C07818D620BC}"/>
+              </a:ext>
+            </a:extLst>
+          </p:cNvPr>
+          <p:cNvSpPr txBox="1"/>
+          <p:nvPr/>
+        </p:nvSpPr>
+        <p:spPr>
+          <a:xfrm>
+            <a:off x="6158620" y="1627885"/>
+            <a:ext cx="397545" cy="430887"/>
+          </a:xfrm>
+          <a:prstGeom prst="rect">
+            <a:avLst/>
+          </a:prstGeom>
+          <a:noFill/>
+        </p:spPr>
+        <p:txBody>
+          <a:bodyPr wrap="none" lIns="0" tIns="0" rIns="0" bIns="0" rtlCol="0">
+            <a:spAutoFit/>
+          </a:bodyPr>
+          <a:lstStyle/>
+          <a:p>
+            <a:r>
+              <a:rPr lang="en-US" sz="2800" dirty="0">
+                <a:latin typeface="Cambria" panose="02040503050406030204" pitchFamily="18" charset="0"/>
+              </a:rPr>
+              <a:t>95</a:t>
+            </a:r>
+            <a:endParaRPr lang="en-US" sz="2400" baseline="30000" dirty="0">
+              <a:latin typeface="Cambria" panose="02040503050406030204" pitchFamily="18" charset="0"/>
+            </a:endParaRPr>
+          </a:p>
+        </p:txBody>
+      </p:sp>
+      <p:sp>
+        <p:nvSpPr>
+          <p:cNvPr id="24" name="TextBox 23">
+            <a:extLst>
+              <a:ext uri="{FF2B5EF4-FFF2-40B4-BE49-F238E27FC236}">
+                <a16:creationId xmlns:a16="http://schemas.microsoft.com/office/drawing/2014/main" id="{906DDEE3-7CA3-C339-013B-33EB64597431}"/>
+              </a:ext>
+            </a:extLst>
+          </p:cNvPr>
+          <p:cNvSpPr txBox="1"/>
+          <p:nvPr/>
+        </p:nvSpPr>
+        <p:spPr>
+          <a:xfrm>
+            <a:off x="5959848" y="937748"/>
+            <a:ext cx="596317" cy="430887"/>
+          </a:xfrm>
+          <a:prstGeom prst="rect">
+            <a:avLst/>
+          </a:prstGeom>
+          <a:noFill/>
+        </p:spPr>
+        <p:txBody>
+          <a:bodyPr wrap="none" lIns="0" tIns="0" rIns="0" bIns="0" rtlCol="0">
+            <a:spAutoFit/>
+          </a:bodyPr>
+          <a:lstStyle/>
+          <a:p>
+            <a:r>
+              <a:rPr lang="en-US" sz="2800" dirty="0">
+                <a:latin typeface="Cambria" panose="02040503050406030204" pitchFamily="18" charset="0"/>
+              </a:rPr>
+              <a:t>100</a:t>
+            </a:r>
+            <a:endParaRPr lang="en-US" sz="2400" baseline="30000" dirty="0">
+              <a:latin typeface="Cambria" panose="02040503050406030204" pitchFamily="18" charset="0"/>
+            </a:endParaRPr>
+          </a:p>
+        </p:txBody>
+      </p:sp>
+    </p:spTree>
+    <p:extLst>
+      <p:ext uri="{BB962C8B-B14F-4D97-AF65-F5344CB8AC3E}">
+        <p14:creationId xmlns:p14="http://schemas.microsoft.com/office/powerpoint/2010/main" val="3988581533"/>
+      </p:ext>
+    </p:extLst>
+  </p:cSld>
+  <p:clrMapOvr>
+    <a:masterClrMapping/>
+  </p:clrMapOvr>
+</p:sld>
+</file>
+
+<file path=ppt/slides/slide6.xml><?xml version="1.0" encoding="utf-8"?>
+<p:sld xmlns:a="http://schemas.openxmlformats.org/drawingml/2006/main" xmlns:r="http://schemas.openxmlformats.org/officeDocument/2006/relationships" xmlns:p="http://schemas.openxmlformats.org/presentationml/2006/main">
+  <p:cSld>
+    <p:spTree>
+      <p:nvGrpSpPr>
+        <p:cNvPr id="1" name=""/>
+        <p:cNvGrpSpPr/>
+        <p:nvPr/>
+      </p:nvGrpSpPr>
+      <p:grpSpPr>
+        <a:xfrm>
+          <a:off x="0" y="0"/>
+          <a:ext cx="0" cy="0"/>
+          <a:chOff x="0" y="0"/>
+          <a:chExt cx="0" cy="0"/>
+        </a:xfrm>
+      </p:grpSpPr>
+      <p:sp>
+        <p:nvSpPr>
+          <p:cNvPr id="62" name="TextBox 61">
+            <a:extLst>
+              <a:ext uri="{FF2B5EF4-FFF2-40B4-BE49-F238E27FC236}">
+                <a16:creationId xmlns:a16="http://schemas.microsoft.com/office/drawing/2014/main" id="{96CAF229-2FF7-7E51-42EE-3E688EA0A7C5}"/>
+              </a:ext>
+            </a:extLst>
+          </p:cNvPr>
+          <p:cNvSpPr txBox="1"/>
+          <p:nvPr/>
+        </p:nvSpPr>
+        <p:spPr>
+          <a:xfrm>
+            <a:off x="3229344" y="5307764"/>
+            <a:ext cx="1672830" cy="769441"/>
+          </a:xfrm>
+          <a:prstGeom prst="rect">
+            <a:avLst/>
+          </a:prstGeom>
+          <a:noFill/>
+        </p:spPr>
+        <p:txBody>
+          <a:bodyPr wrap="none" rtlCol="0">
+            <a:spAutoFit/>
+          </a:bodyPr>
+          <a:lstStyle/>
+          <a:p>
+            <a:pPr algn="ctr"/>
+            <a:r>
+              <a:rPr lang="en-US" sz="2200" b="1" dirty="0">
+                <a:latin typeface="Cambria" panose="02040503050406030204" pitchFamily="18" charset="0"/>
+              </a:rPr>
+              <a:t>D1</a:t>
+            </a:r>
+          </a:p>
+          <a:p>
+            <a:pPr algn="ctr"/>
+            <a:r>
+              <a:rPr lang="en-US" sz="2200" b="1" dirty="0">
+                <a:latin typeface="Cambria" panose="02040503050406030204" pitchFamily="18" charset="0"/>
+              </a:rPr>
+              <a:t>SARS-CoV-2</a:t>
+            </a:r>
+          </a:p>
+        </p:txBody>
+      </p:sp>
+      <p:sp>
+        <p:nvSpPr>
+          <p:cNvPr id="109" name="TextBox 108">
+            <a:extLst>
+              <a:ext uri="{FF2B5EF4-FFF2-40B4-BE49-F238E27FC236}">
+                <a16:creationId xmlns:a16="http://schemas.microsoft.com/office/drawing/2014/main" id="{0B8D124A-38A0-D097-02F7-F0520F16847F}"/>
+              </a:ext>
+            </a:extLst>
+          </p:cNvPr>
+          <p:cNvSpPr txBox="1"/>
+          <p:nvPr/>
+        </p:nvSpPr>
+        <p:spPr>
+          <a:xfrm>
+            <a:off x="10795655" y="5307764"/>
+            <a:ext cx="1723445" cy="769441"/>
+          </a:xfrm>
+          <a:prstGeom prst="rect">
+            <a:avLst/>
+          </a:prstGeom>
+          <a:noFill/>
+        </p:spPr>
+        <p:txBody>
+          <a:bodyPr wrap="square" rtlCol="0">
+            <a:spAutoFit/>
+          </a:bodyPr>
+          <a:lstStyle/>
+          <a:p>
+            <a:pPr algn="ctr"/>
+            <a:r>
+              <a:rPr lang="en-US" sz="2200" b="1" dirty="0">
+                <a:latin typeface="Cambria" panose="02040503050406030204" pitchFamily="18" charset="0"/>
+              </a:rPr>
+              <a:t>D4</a:t>
+            </a:r>
+          </a:p>
+          <a:p>
+            <a:pPr algn="ctr"/>
+            <a:r>
+              <a:rPr lang="en-US" sz="2200" b="1" dirty="0">
+                <a:latin typeface="Cambria" panose="02040503050406030204" pitchFamily="18" charset="0"/>
+              </a:rPr>
+              <a:t>Green Algae</a:t>
+            </a:r>
+          </a:p>
+        </p:txBody>
+      </p:sp>
+      <p:sp>
+        <p:nvSpPr>
+          <p:cNvPr id="112" name="TextBox 111">
+            <a:extLst>
+              <a:ext uri="{FF2B5EF4-FFF2-40B4-BE49-F238E27FC236}">
+                <a16:creationId xmlns:a16="http://schemas.microsoft.com/office/drawing/2014/main" id="{21C54195-1BC0-7198-39E9-746027482C71}"/>
+              </a:ext>
+            </a:extLst>
+          </p:cNvPr>
+          <p:cNvSpPr txBox="1"/>
+          <p:nvPr/>
+        </p:nvSpPr>
+        <p:spPr>
+          <a:xfrm>
+            <a:off x="13626643" y="5307764"/>
+            <a:ext cx="1128835" cy="769441"/>
+          </a:xfrm>
+          <a:prstGeom prst="rect">
+            <a:avLst/>
+          </a:prstGeom>
+          <a:noFill/>
+        </p:spPr>
+        <p:txBody>
+          <a:bodyPr wrap="none" rtlCol="0">
+            <a:spAutoFit/>
+          </a:bodyPr>
+          <a:lstStyle/>
+          <a:p>
+            <a:pPr algn="ctr"/>
+            <a:r>
+              <a:rPr lang="en-US" sz="2200" b="1" dirty="0">
+                <a:latin typeface="Cambria" panose="02040503050406030204" pitchFamily="18" charset="0"/>
+              </a:rPr>
+              <a:t>D5</a:t>
+            </a:r>
+          </a:p>
+          <a:p>
+            <a:pPr algn="ctr"/>
+            <a:r>
+              <a:rPr lang="en-US" sz="2200" b="1" dirty="0">
+                <a:latin typeface="Cambria" panose="02040503050406030204" pitchFamily="18" charset="0"/>
+              </a:rPr>
+              <a:t>Human</a:t>
+            </a:r>
+          </a:p>
+        </p:txBody>
+      </p:sp>
+      <p:sp>
+        <p:nvSpPr>
+          <p:cNvPr id="18" name="TextBox 17">
+            <a:extLst>
+              <a:ext uri="{FF2B5EF4-FFF2-40B4-BE49-F238E27FC236}">
+                <a16:creationId xmlns:a16="http://schemas.microsoft.com/office/drawing/2014/main" id="{27D0DFC1-079C-D227-33BF-A2ACDD264B77}"/>
+              </a:ext>
+            </a:extLst>
+          </p:cNvPr>
+          <p:cNvSpPr txBox="1"/>
+          <p:nvPr/>
+        </p:nvSpPr>
+        <p:spPr>
+          <a:xfrm>
+            <a:off x="6110692" y="5307764"/>
+            <a:ext cx="942694" cy="769441"/>
+          </a:xfrm>
+          <a:prstGeom prst="rect">
+            <a:avLst/>
+          </a:prstGeom>
+          <a:noFill/>
+        </p:spPr>
+        <p:txBody>
+          <a:bodyPr wrap="none" rtlCol="0">
+            <a:spAutoFit/>
+          </a:bodyPr>
+          <a:lstStyle/>
+          <a:p>
+            <a:pPr algn="ctr"/>
+            <a:r>
+              <a:rPr lang="en-US" sz="2200" b="1" dirty="0">
+                <a:latin typeface="Cambria" panose="02040503050406030204" pitchFamily="18" charset="0"/>
+              </a:rPr>
+              <a:t>D2</a:t>
+            </a:r>
+          </a:p>
+          <a:p>
+            <a:pPr algn="ctr"/>
+            <a:r>
+              <a:rPr lang="en-US" sz="2200" b="1" dirty="0">
+                <a:latin typeface="Cambria" panose="02040503050406030204" pitchFamily="18" charset="0"/>
+              </a:rPr>
+              <a:t>E. coli</a:t>
+            </a:r>
+          </a:p>
+        </p:txBody>
+      </p:sp>
+      <p:sp>
+        <p:nvSpPr>
+          <p:cNvPr id="19" name="TextBox 18">
+            <a:extLst>
+              <a:ext uri="{FF2B5EF4-FFF2-40B4-BE49-F238E27FC236}">
+                <a16:creationId xmlns:a16="http://schemas.microsoft.com/office/drawing/2014/main" id="{4EE6EC74-399E-623E-683D-91D67EC0EC85}"/>
+              </a:ext>
+            </a:extLst>
+          </p:cNvPr>
+          <p:cNvSpPr txBox="1"/>
+          <p:nvPr/>
+        </p:nvSpPr>
+        <p:spPr>
+          <a:xfrm>
+            <a:off x="8686291" y="5307764"/>
+            <a:ext cx="861967" cy="769441"/>
+          </a:xfrm>
+          <a:prstGeom prst="rect">
+            <a:avLst/>
+          </a:prstGeom>
+          <a:noFill/>
+        </p:spPr>
+        <p:txBody>
+          <a:bodyPr wrap="none" rtlCol="0">
+            <a:spAutoFit/>
+          </a:bodyPr>
+          <a:lstStyle/>
+          <a:p>
+            <a:pPr algn="ctr"/>
+            <a:r>
+              <a:rPr lang="en-US" sz="2200" b="1" dirty="0">
+                <a:latin typeface="Cambria" panose="02040503050406030204" pitchFamily="18" charset="0"/>
+              </a:rPr>
+              <a:t>D3</a:t>
+            </a:r>
+          </a:p>
+          <a:p>
+            <a:pPr algn="ctr"/>
+            <a:r>
+              <a:rPr lang="en-US" sz="2200" b="1" dirty="0">
+                <a:latin typeface="Cambria" panose="02040503050406030204" pitchFamily="18" charset="0"/>
+              </a:rPr>
+              <a:t>Yeast</a:t>
+            </a:r>
+          </a:p>
+        </p:txBody>
+      </p:sp>
+      <p:sp>
+        <p:nvSpPr>
+          <p:cNvPr id="5" name="TextBox 4">
+            <a:extLst>
+              <a:ext uri="{FF2B5EF4-FFF2-40B4-BE49-F238E27FC236}">
+                <a16:creationId xmlns:a16="http://schemas.microsoft.com/office/drawing/2014/main" id="{E4862BF3-9618-6956-E1A9-EA2DE9EC6970}"/>
+              </a:ext>
+            </a:extLst>
+          </p:cNvPr>
+          <p:cNvSpPr txBox="1"/>
+          <p:nvPr/>
+        </p:nvSpPr>
+        <p:spPr>
+          <a:xfrm rot="16200000">
+            <a:off x="-491757" y="2820135"/>
+            <a:ext cx="3796950" cy="800219"/>
+          </a:xfrm>
+          <a:prstGeom prst="rect">
+            <a:avLst/>
+          </a:prstGeom>
+          <a:noFill/>
+        </p:spPr>
+        <p:txBody>
+          <a:bodyPr wrap="square" lIns="0" tIns="0" rIns="0" bIns="0" rtlCol="0">
+            <a:spAutoFit/>
+          </a:bodyPr>
+          <a:lstStyle/>
+          <a:p>
+            <a:pPr algn="ctr"/>
+            <a:r>
+              <a:rPr lang="en-US" sz="2600" b="1" dirty="0">
+                <a:latin typeface="Cambria" panose="02040503050406030204" pitchFamily="18" charset="0"/>
+              </a:rPr>
+              <a:t>Average Sequenced Bases per Read (#)</a:t>
+            </a:r>
+          </a:p>
+        </p:txBody>
+      </p:sp>
+      <p:sp>
+        <p:nvSpPr>
+          <p:cNvPr id="13" name="TextBox 12">
+            <a:extLst>
+              <a:ext uri="{FF2B5EF4-FFF2-40B4-BE49-F238E27FC236}">
+                <a16:creationId xmlns:a16="http://schemas.microsoft.com/office/drawing/2014/main" id="{865CAA05-04A9-47CA-9F71-3D0E31FA797B}"/>
+              </a:ext>
+            </a:extLst>
+          </p:cNvPr>
+          <p:cNvSpPr txBox="1"/>
+          <p:nvPr/>
+        </p:nvSpPr>
+        <p:spPr>
+          <a:xfrm>
+            <a:off x="1961735" y="4514619"/>
+            <a:ext cx="795089" cy="430887"/>
+          </a:xfrm>
+          <a:prstGeom prst="rect">
+            <a:avLst/>
+          </a:prstGeom>
+          <a:noFill/>
+        </p:spPr>
+        <p:txBody>
+          <a:bodyPr wrap="none" lIns="0" tIns="0" rIns="0" bIns="0" rtlCol="0">
+            <a:spAutoFit/>
+          </a:bodyPr>
+          <a:lstStyle/>
+          <a:p>
+            <a:r>
+              <a:rPr lang="en-US" sz="2800" dirty="0">
+                <a:latin typeface="Cambria" panose="02040503050406030204" pitchFamily="18" charset="0"/>
+              </a:rPr>
+              <a:t>1000</a:t>
+            </a:r>
+            <a:endParaRPr lang="en-US" sz="2400" baseline="30000" dirty="0">
+              <a:latin typeface="Cambria" panose="02040503050406030204" pitchFamily="18" charset="0"/>
+            </a:endParaRPr>
+          </a:p>
+        </p:txBody>
+      </p:sp>
+      <p:grpSp>
+        <p:nvGrpSpPr>
+          <p:cNvPr id="8" name="Group 7">
+            <a:extLst>
+              <a:ext uri="{FF2B5EF4-FFF2-40B4-BE49-F238E27FC236}">
+                <a16:creationId xmlns:a16="http://schemas.microsoft.com/office/drawing/2014/main" id="{4BAD3F6A-F509-83E6-2991-8DEE6713CA78}"/>
+              </a:ext>
+            </a:extLst>
+          </p:cNvPr>
+          <p:cNvGrpSpPr/>
+          <p:nvPr/>
+        </p:nvGrpSpPr>
+        <p:grpSpPr>
+          <a:xfrm>
+            <a:off x="10035410" y="607674"/>
+            <a:ext cx="1859774" cy="523220"/>
+            <a:chOff x="3780870" y="201853"/>
+            <a:chExt cx="1859774" cy="523220"/>
+          </a:xfrm>
+        </p:grpSpPr>
+        <p:sp>
+          <p:nvSpPr>
+            <p:cNvPr id="82" name="Rectangle 81">
+              <a:extLst>
+                <a:ext uri="{FF2B5EF4-FFF2-40B4-BE49-F238E27FC236}">
+                  <a16:creationId xmlns:a16="http://schemas.microsoft.com/office/drawing/2014/main" id="{FD3CF857-F05E-1745-C00B-A9EAB23F2DA3}"/>
+                </a:ext>
+              </a:extLst>
+            </p:cNvPr>
+            <p:cNvSpPr/>
+            <p:nvPr/>
+          </p:nvSpPr>
+          <p:spPr>
+            <a:xfrm>
+              <a:off x="3780870" y="319463"/>
+              <a:ext cx="288000" cy="288000"/>
+            </a:xfrm>
+            <a:prstGeom prst="rect">
+              <a:avLst/>
+            </a:prstGeom>
+            <a:solidFill>
+              <a:srgbClr val="6799CE"/>
+            </a:solidFill>
+          </p:spPr>
+          <p:style>
+            <a:lnRef idx="2">
+              <a:schemeClr val="accent1">
+                <a:shade val="50000"/>
+              </a:schemeClr>
+            </a:lnRef>
+            <a:fillRef idx="1">
+              <a:schemeClr val="accent1"/>
+            </a:fillRef>
+            <a:effectRef idx="0">
+              <a:schemeClr val="accent1"/>
+            </a:effectRef>
+            <a:fontRef idx="minor">
+              <a:schemeClr val="lt1"/>
+            </a:fontRef>
+          </p:style>
+          <p:txBody>
+            <a:bodyPr rtlCol="0" anchor="ctr"/>
+            <a:lstStyle/>
+            <a:p>
+              <a:pPr algn="ctr"/>
+              <a:endParaRPr lang="en-US" sz="2800" dirty="0">
+                <a:latin typeface="Cambria" panose="02040503050406030204" pitchFamily="18" charset="0"/>
+              </a:endParaRPr>
+            </a:p>
+          </p:txBody>
+        </p:sp>
+        <p:sp>
+          <p:nvSpPr>
+            <p:cNvPr id="83" name="TextBox 82">
+              <a:extLst>
+                <a:ext uri="{FF2B5EF4-FFF2-40B4-BE49-F238E27FC236}">
+                  <a16:creationId xmlns:a16="http://schemas.microsoft.com/office/drawing/2014/main" id="{4F007CFC-AA25-432F-4AE1-4434ACA1316E}"/>
+                </a:ext>
+              </a:extLst>
+            </p:cNvPr>
+            <p:cNvSpPr txBox="1"/>
+            <p:nvPr/>
+          </p:nvSpPr>
+          <p:spPr>
+            <a:xfrm>
               <a:off x="4014430" y="201853"/>
               <a:ext cx="1626214" cy="523220"/>
             </a:xfrm>
@@ -7604,7 +10394,7 @@
         </p:nvSpPr>
         <p:spPr>
           <a:xfrm>
-            <a:off x="1961735" y="3958384"/>
+            <a:off x="1961735" y="3975590"/>
             <a:ext cx="795089" cy="430887"/>
           </a:xfrm>
           <a:prstGeom prst="rect">
@@ -7644,7 +10434,7 @@
         </p:nvSpPr>
         <p:spPr>
           <a:xfrm>
-            <a:off x="1961735" y="3431644"/>
+            <a:off x="1961735" y="3436560"/>
             <a:ext cx="795089" cy="430887"/>
           </a:xfrm>
           <a:prstGeom prst="rect">
@@ -7684,7 +10474,7 @@
         </p:nvSpPr>
         <p:spPr>
           <a:xfrm>
-            <a:off x="1961735" y="2904904"/>
+            <a:off x="1961735" y="2897530"/>
             <a:ext cx="795089" cy="430887"/>
           </a:xfrm>
           <a:prstGeom prst="rect">
@@ -7724,7 +10514,7 @@
         </p:nvSpPr>
         <p:spPr>
           <a:xfrm>
-            <a:off x="1961735" y="2378164"/>
+            <a:off x="1961735" y="2358500"/>
             <a:ext cx="795089" cy="430887"/>
           </a:xfrm>
           <a:prstGeom prst="rect">
@@ -7764,7 +10554,7 @@
         </p:nvSpPr>
         <p:spPr>
           <a:xfrm>
-            <a:off x="1961735" y="1851424"/>
+            <a:off x="1961735" y="1819470"/>
             <a:ext cx="795089" cy="430887"/>
           </a:xfrm>
           <a:prstGeom prst="rect">
@@ -7804,7 +10594,7 @@
         </p:nvSpPr>
         <p:spPr>
           <a:xfrm>
-            <a:off x="1961735" y="1324684"/>
+            <a:off x="1961735" y="1280440"/>
             <a:ext cx="795089" cy="430887"/>
           </a:xfrm>
           <a:prstGeom prst="rect">
@@ -8052,10 +10842,10 @@
       </p:grpSp>
       <p:pic>
         <p:nvPicPr>
-          <p:cNvPr id="4" name="Picture 3">
-            <a:extLst>
-              <a:ext uri="{FF2B5EF4-FFF2-40B4-BE49-F238E27FC236}">
-                <a16:creationId xmlns:a16="http://schemas.microsoft.com/office/drawing/2014/main" id="{F4AC6B65-1085-E9AA-2E79-C2D7DE300C6D}"/>
+          <p:cNvPr id="6" name="Picture 5">
+            <a:extLst>
+              <a:ext uri="{FF2B5EF4-FFF2-40B4-BE49-F238E27FC236}">
+                <a16:creationId xmlns:a16="http://schemas.microsoft.com/office/drawing/2014/main" id="{3470566B-B324-39F8-B215-31217E555F6A}"/>
               </a:ext>
             </a:extLst>
           </p:cNvPr>
@@ -8078,14 +10868,66 @@
         </p:blipFill>
         <p:spPr>
           <a:xfrm>
-            <a:off x="2861024" y="1160390"/>
-            <a:ext cx="12256994" cy="4085665"/>
+            <a:off x="2870125" y="1130894"/>
+            <a:ext cx="12530610" cy="4176870"/>
           </a:xfrm>
           <a:prstGeom prst="rect">
             <a:avLst/>
           </a:prstGeom>
         </p:spPr>
       </p:pic>
+      <p:sp>
+        <p:nvSpPr>
+          <p:cNvPr id="3" name="Rectangle 2">
+            <a:extLst>
+              <a:ext uri="{FF2B5EF4-FFF2-40B4-BE49-F238E27FC236}">
+                <a16:creationId xmlns:a16="http://schemas.microsoft.com/office/drawing/2014/main" id="{CA8CC37D-D0B4-4316-FD17-9AE11CD8A800}"/>
+              </a:ext>
+            </a:extLst>
+          </p:cNvPr>
+          <p:cNvSpPr/>
+          <p:nvPr/>
+        </p:nvSpPr>
+        <p:spPr>
+          <a:xfrm>
+            <a:off x="2643829" y="2244856"/>
+            <a:ext cx="3486617" cy="622422"/>
+          </a:xfrm>
+          <a:prstGeom prst="rect">
+            <a:avLst/>
+          </a:prstGeom>
+          <a:solidFill>
+            <a:srgbClr val="FF0000"/>
+          </a:solidFill>
+        </p:spPr>
+        <p:style>
+          <a:lnRef idx="2">
+            <a:schemeClr val="accent1">
+              <a:shade val="15000"/>
+            </a:schemeClr>
+          </a:lnRef>
+          <a:fillRef idx="1">
+            <a:schemeClr val="accent1"/>
+          </a:fillRef>
+          <a:effectRef idx="0">
+            <a:schemeClr val="accent1"/>
+          </a:effectRef>
+          <a:fontRef idx="minor">
+            <a:schemeClr val="lt1"/>
+          </a:fontRef>
+        </p:style>
+        <p:txBody>
+          <a:bodyPr rtlCol="0" anchor="ctr"/>
+          <a:lstStyle/>
+          <a:p>
+            <a:pPr algn="ctr"/>
+            <a:r>
+              <a:rPr lang="en-US" dirty="0"/>
+              <a:t>OLD</a:t>
+            </a:r>
+          </a:p>
+        </p:txBody>
+      </p:sp>
     </p:spTree>
     <p:extLst>
       <p:ext uri="{BB962C8B-B14F-4D97-AF65-F5344CB8AC3E}">
@@ -8099,7 +10941,7 @@
 </p:sld>
 </file>
 
-<file path=ppt/slides/slide5.xml><?xml version="1.0" encoding="utf-8"?>
+<file path=ppt/slides/slide7.xml><?xml version="1.0" encoding="utf-8"?>
 <p:sld xmlns:a="http://schemas.openxmlformats.org/drawingml/2006/main" xmlns:r="http://schemas.openxmlformats.org/officeDocument/2006/relationships" xmlns:p="http://schemas.openxmlformats.org/presentationml/2006/main">
   <p:cSld>
     <p:spTree>
@@ -8177,7 +11019,7 @@
         </p:nvSpPr>
         <p:spPr>
           <a:xfrm>
-            <a:off x="10751410" y="5307764"/>
+            <a:off x="10884145" y="5307764"/>
             <a:ext cx="1723445" cy="769441"/>
           </a:xfrm>
           <a:prstGeom prst="rect">
@@ -8224,7 +11066,7 @@
         </p:nvSpPr>
         <p:spPr>
           <a:xfrm>
-            <a:off x="13538156" y="5307764"/>
+            <a:off x="13744630" y="5307764"/>
             <a:ext cx="1128835" cy="769441"/>
           </a:xfrm>
           <a:prstGeom prst="rect">
@@ -8271,7 +11113,7 @@
         </p:nvSpPr>
         <p:spPr>
           <a:xfrm>
-            <a:off x="6095944" y="5307764"/>
+            <a:off x="6169684" y="5307764"/>
             <a:ext cx="942694" cy="769441"/>
           </a:xfrm>
           <a:prstGeom prst="rect">
@@ -8318,7 +11160,7 @@
         </p:nvSpPr>
         <p:spPr>
           <a:xfrm>
-            <a:off x="8656798" y="5307764"/>
+            <a:off x="8760034" y="5307764"/>
             <a:ext cx="861967" cy="769441"/>
           </a:xfrm>
           <a:prstGeom prst="rect">
@@ -8403,7 +11245,7 @@
         </p:nvSpPr>
         <p:spPr>
           <a:xfrm>
-            <a:off x="2505518" y="4465921"/>
+            <a:off x="2505518" y="4480669"/>
             <a:ext cx="198772" cy="430887"/>
           </a:xfrm>
           <a:prstGeom prst="rect">
@@ -8663,7 +11505,7 @@
         </p:nvSpPr>
         <p:spPr>
           <a:xfrm>
-            <a:off x="2505518" y="3861061"/>
+            <a:off x="2505518" y="3884661"/>
             <a:ext cx="198772" cy="430887"/>
           </a:xfrm>
           <a:prstGeom prst="rect">
@@ -8703,7 +11545,7 @@
         </p:nvSpPr>
         <p:spPr>
           <a:xfrm>
-            <a:off x="2505518" y="3256203"/>
+            <a:off x="2505518" y="3288651"/>
             <a:ext cx="198772" cy="430887"/>
           </a:xfrm>
           <a:prstGeom prst="rect">
@@ -8743,7 +11585,7 @@
         </p:nvSpPr>
         <p:spPr>
           <a:xfrm>
-            <a:off x="2505518" y="2651345"/>
+            <a:off x="2505518" y="2692641"/>
             <a:ext cx="198772" cy="430887"/>
           </a:xfrm>
           <a:prstGeom prst="rect">
@@ -8783,7 +11625,7 @@
         </p:nvSpPr>
         <p:spPr>
           <a:xfrm>
-            <a:off x="2306745" y="2046487"/>
+            <a:off x="2306745" y="2096631"/>
             <a:ext cx="397545" cy="430887"/>
           </a:xfrm>
           <a:prstGeom prst="rect">
@@ -8823,7 +11665,7 @@
         </p:nvSpPr>
         <p:spPr>
           <a:xfrm>
-            <a:off x="2306745" y="1441629"/>
+            <a:off x="2306745" y="1500621"/>
             <a:ext cx="397545" cy="430887"/>
           </a:xfrm>
           <a:prstGeom prst="rect">
@@ -9071,10 +11913,10 @@
       </p:grpSp>
       <p:pic>
         <p:nvPicPr>
-          <p:cNvPr id="4" name="Picture 3">
-            <a:extLst>
-              <a:ext uri="{FF2B5EF4-FFF2-40B4-BE49-F238E27FC236}">
-                <a16:creationId xmlns:a16="http://schemas.microsoft.com/office/drawing/2014/main" id="{4E258969-F56F-A4FF-EEA8-CA1A08FB61D0}"/>
+          <p:cNvPr id="6" name="Picture 5">
+            <a:extLst>
+              <a:ext uri="{FF2B5EF4-FFF2-40B4-BE49-F238E27FC236}">
+                <a16:creationId xmlns:a16="http://schemas.microsoft.com/office/drawing/2014/main" id="{6737CD03-18AD-F5B2-BD7E-EE83FCFC380A}"/>
               </a:ext>
             </a:extLst>
           </p:cNvPr>
@@ -9097,14 +11939,66 @@
         </p:blipFill>
         <p:spPr>
           <a:xfrm>
-            <a:off x="2872082" y="1168552"/>
-            <a:ext cx="12417635" cy="4139212"/>
+            <a:off x="2872082" y="1130894"/>
+            <a:ext cx="12643461" cy="4214487"/>
           </a:xfrm>
           <a:prstGeom prst="rect">
             <a:avLst/>
           </a:prstGeom>
         </p:spPr>
       </p:pic>
+      <p:sp>
+        <p:nvSpPr>
+          <p:cNvPr id="3" name="Rectangle 2">
+            <a:extLst>
+              <a:ext uri="{FF2B5EF4-FFF2-40B4-BE49-F238E27FC236}">
+                <a16:creationId xmlns:a16="http://schemas.microsoft.com/office/drawing/2014/main" id="{B334DFA7-8BA0-40F7-BF1F-442FF19C1EA6}"/>
+              </a:ext>
+            </a:extLst>
+          </p:cNvPr>
+          <p:cNvSpPr/>
+          <p:nvPr/>
+        </p:nvSpPr>
+        <p:spPr>
+          <a:xfrm>
+            <a:off x="2643829" y="2244856"/>
+            <a:ext cx="3486617" cy="622422"/>
+          </a:xfrm>
+          <a:prstGeom prst="rect">
+            <a:avLst/>
+          </a:prstGeom>
+          <a:solidFill>
+            <a:srgbClr val="FF0000"/>
+          </a:solidFill>
+        </p:spPr>
+        <p:style>
+          <a:lnRef idx="2">
+            <a:schemeClr val="accent1">
+              <a:shade val="15000"/>
+            </a:schemeClr>
+          </a:lnRef>
+          <a:fillRef idx="1">
+            <a:schemeClr val="accent1"/>
+          </a:fillRef>
+          <a:effectRef idx="0">
+            <a:schemeClr val="accent1"/>
+          </a:effectRef>
+          <a:fontRef idx="minor">
+            <a:schemeClr val="lt1"/>
+          </a:fontRef>
+        </p:style>
+        <p:txBody>
+          <a:bodyPr rtlCol="0" anchor="ctr"/>
+          <a:lstStyle/>
+          <a:p>
+            <a:pPr algn="ctr"/>
+            <a:r>
+              <a:rPr lang="en-US" dirty="0"/>
+              <a:t>OLD</a:t>
+            </a:r>
+          </a:p>
+        </p:txBody>
+      </p:sp>
     </p:spTree>
     <p:extLst>
       <p:ext uri="{BB962C8B-B14F-4D97-AF65-F5344CB8AC3E}">
